--- a/lua1.pptx
+++ b/lua1.pptx
@@ -6,38 +6,52 @@
   </p:sldMasterIdLst>
   <p:sldIdLst>
     <p:sldId id="256" r:id="rId2"/>
-    <p:sldId id="257" r:id="rId3"/>
-    <p:sldId id="260" r:id="rId4"/>
-    <p:sldId id="258" r:id="rId5"/>
-    <p:sldId id="259" r:id="rId6"/>
-    <p:sldId id="261" r:id="rId7"/>
-    <p:sldId id="262" r:id="rId8"/>
-    <p:sldId id="263" r:id="rId9"/>
-    <p:sldId id="265" r:id="rId10"/>
-    <p:sldId id="266" r:id="rId11"/>
-    <p:sldId id="264" r:id="rId12"/>
-    <p:sldId id="267" r:id="rId13"/>
-    <p:sldId id="271" r:id="rId14"/>
-    <p:sldId id="268" r:id="rId15"/>
-    <p:sldId id="269" r:id="rId16"/>
-    <p:sldId id="276" r:id="rId17"/>
-    <p:sldId id="270" r:id="rId18"/>
-    <p:sldId id="272" r:id="rId19"/>
-    <p:sldId id="274" r:id="rId20"/>
-    <p:sldId id="275" r:id="rId21"/>
-    <p:sldId id="277" r:id="rId22"/>
-    <p:sldId id="278" r:id="rId23"/>
-    <p:sldId id="273" r:id="rId24"/>
-    <p:sldId id="279" r:id="rId25"/>
-    <p:sldId id="280" r:id="rId26"/>
-    <p:sldId id="281" r:id="rId27"/>
-    <p:sldId id="282" r:id="rId28"/>
-    <p:sldId id="285" r:id="rId29"/>
-    <p:sldId id="284" r:id="rId30"/>
-    <p:sldId id="286" r:id="rId31"/>
-    <p:sldId id="287" r:id="rId32"/>
-    <p:sldId id="289" r:id="rId33"/>
-    <p:sldId id="288" r:id="rId34"/>
+    <p:sldId id="290" r:id="rId3"/>
+    <p:sldId id="257" r:id="rId4"/>
+    <p:sldId id="260" r:id="rId5"/>
+    <p:sldId id="258" r:id="rId6"/>
+    <p:sldId id="291" r:id="rId7"/>
+    <p:sldId id="259" r:id="rId8"/>
+    <p:sldId id="261" r:id="rId9"/>
+    <p:sldId id="262" r:id="rId10"/>
+    <p:sldId id="292" r:id="rId11"/>
+    <p:sldId id="263" r:id="rId12"/>
+    <p:sldId id="265" r:id="rId13"/>
+    <p:sldId id="266" r:id="rId14"/>
+    <p:sldId id="264" r:id="rId15"/>
+    <p:sldId id="267" r:id="rId16"/>
+    <p:sldId id="293" r:id="rId17"/>
+    <p:sldId id="294" r:id="rId18"/>
+    <p:sldId id="295" r:id="rId19"/>
+    <p:sldId id="296" r:id="rId20"/>
+    <p:sldId id="297" r:id="rId21"/>
+    <p:sldId id="298" r:id="rId22"/>
+    <p:sldId id="299" r:id="rId23"/>
+    <p:sldId id="300" r:id="rId24"/>
+    <p:sldId id="301" r:id="rId25"/>
+    <p:sldId id="302" r:id="rId26"/>
+    <p:sldId id="304" r:id="rId27"/>
+    <p:sldId id="303" r:id="rId28"/>
+    <p:sldId id="305" r:id="rId29"/>
+    <p:sldId id="306" r:id="rId30"/>
+    <p:sldId id="307" r:id="rId31"/>
+    <p:sldId id="308" r:id="rId32"/>
+    <p:sldId id="309" r:id="rId33"/>
+    <p:sldId id="271" r:id="rId34"/>
+    <p:sldId id="269" r:id="rId35"/>
+    <p:sldId id="276" r:id="rId36"/>
+    <p:sldId id="311" r:id="rId37"/>
+    <p:sldId id="314" r:id="rId38"/>
+    <p:sldId id="310" r:id="rId39"/>
+    <p:sldId id="270" r:id="rId40"/>
+    <p:sldId id="315" r:id="rId41"/>
+    <p:sldId id="316" r:id="rId42"/>
+    <p:sldId id="317" r:id="rId43"/>
+    <p:sldId id="319" r:id="rId44"/>
+    <p:sldId id="285" r:id="rId45"/>
+    <p:sldId id="284" r:id="rId46"/>
+    <p:sldId id="286" r:id="rId47"/>
+    <p:sldId id="318" r:id="rId48"/>
   </p:sldIdLst>
   <p:sldSz cx="9144000" cy="6858000" type="screen4x3"/>
   <p:notesSz cx="6858000" cy="9144000"/>
@@ -321,7 +335,7 @@
             <a:fld id="{530820CF-B880-4189-942D-D702A7CBA730}" type="datetimeFigureOut">
               <a:rPr lang="zh-CN" altLang="en-US" smtClean="0"/>
               <a:pPr/>
-              <a:t>2014/7/15</a:t>
+              <a:t>2014/8/22</a:t>
             </a:fld>
             <a:endParaRPr lang="zh-CN" altLang="en-US"/>
           </a:p>
@@ -488,7 +502,7 @@
             <a:fld id="{530820CF-B880-4189-942D-D702A7CBA730}" type="datetimeFigureOut">
               <a:rPr lang="zh-CN" altLang="en-US" smtClean="0"/>
               <a:pPr/>
-              <a:t>2014/7/15</a:t>
+              <a:t>2014/8/22</a:t>
             </a:fld>
             <a:endParaRPr lang="zh-CN" altLang="en-US"/>
           </a:p>
@@ -665,7 +679,7 @@
             <a:fld id="{530820CF-B880-4189-942D-D702A7CBA730}" type="datetimeFigureOut">
               <a:rPr lang="zh-CN" altLang="en-US" smtClean="0"/>
               <a:pPr/>
-              <a:t>2014/7/15</a:t>
+              <a:t>2014/8/22</a:t>
             </a:fld>
             <a:endParaRPr lang="zh-CN" altLang="en-US"/>
           </a:p>
@@ -832,7 +846,7 @@
             <a:fld id="{530820CF-B880-4189-942D-D702A7CBA730}" type="datetimeFigureOut">
               <a:rPr lang="zh-CN" altLang="en-US" smtClean="0"/>
               <a:pPr/>
-              <a:t>2014/7/15</a:t>
+              <a:t>2014/8/22</a:t>
             </a:fld>
             <a:endParaRPr lang="zh-CN" altLang="en-US"/>
           </a:p>
@@ -1075,7 +1089,7 @@
             <a:fld id="{530820CF-B880-4189-942D-D702A7CBA730}" type="datetimeFigureOut">
               <a:rPr lang="zh-CN" altLang="en-US" smtClean="0"/>
               <a:pPr/>
-              <a:t>2014/7/15</a:t>
+              <a:t>2014/8/22</a:t>
             </a:fld>
             <a:endParaRPr lang="zh-CN" altLang="en-US"/>
           </a:p>
@@ -1360,7 +1374,7 @@
             <a:fld id="{530820CF-B880-4189-942D-D702A7CBA730}" type="datetimeFigureOut">
               <a:rPr lang="zh-CN" altLang="en-US" smtClean="0"/>
               <a:pPr/>
-              <a:t>2014/7/15</a:t>
+              <a:t>2014/8/22</a:t>
             </a:fld>
             <a:endParaRPr lang="zh-CN" altLang="en-US"/>
           </a:p>
@@ -1779,7 +1793,7 @@
             <a:fld id="{530820CF-B880-4189-942D-D702A7CBA730}" type="datetimeFigureOut">
               <a:rPr lang="zh-CN" altLang="en-US" smtClean="0"/>
               <a:pPr/>
-              <a:t>2014/7/15</a:t>
+              <a:t>2014/8/22</a:t>
             </a:fld>
             <a:endParaRPr lang="zh-CN" altLang="en-US"/>
           </a:p>
@@ -1894,7 +1908,7 @@
             <a:fld id="{530820CF-B880-4189-942D-D702A7CBA730}" type="datetimeFigureOut">
               <a:rPr lang="zh-CN" altLang="en-US" smtClean="0"/>
               <a:pPr/>
-              <a:t>2014/7/15</a:t>
+              <a:t>2014/8/22</a:t>
             </a:fld>
             <a:endParaRPr lang="zh-CN" altLang="en-US"/>
           </a:p>
@@ -1986,7 +2000,7 @@
             <a:fld id="{530820CF-B880-4189-942D-D702A7CBA730}" type="datetimeFigureOut">
               <a:rPr lang="zh-CN" altLang="en-US" smtClean="0"/>
               <a:pPr/>
-              <a:t>2014/7/15</a:t>
+              <a:t>2014/8/22</a:t>
             </a:fld>
             <a:endParaRPr lang="zh-CN" altLang="en-US"/>
           </a:p>
@@ -2260,7 +2274,7 @@
             <a:fld id="{530820CF-B880-4189-942D-D702A7CBA730}" type="datetimeFigureOut">
               <a:rPr lang="zh-CN" altLang="en-US" smtClean="0"/>
               <a:pPr/>
-              <a:t>2014/7/15</a:t>
+              <a:t>2014/8/22</a:t>
             </a:fld>
             <a:endParaRPr lang="zh-CN" altLang="en-US"/>
           </a:p>
@@ -2510,7 +2524,7 @@
             <a:fld id="{530820CF-B880-4189-942D-D702A7CBA730}" type="datetimeFigureOut">
               <a:rPr lang="zh-CN" altLang="en-US" smtClean="0"/>
               <a:pPr/>
-              <a:t>2014/7/15</a:t>
+              <a:t>2014/8/22</a:t>
             </a:fld>
             <a:endParaRPr lang="zh-CN" altLang="en-US"/>
           </a:p>
@@ -2720,7 +2734,7 @@
             <a:fld id="{530820CF-B880-4189-942D-D702A7CBA730}" type="datetimeFigureOut">
               <a:rPr lang="zh-CN" altLang="en-US" smtClean="0"/>
               <a:pPr/>
-              <a:t>2014/7/15</a:t>
+              <a:t>2014/8/22</a:t>
             </a:fld>
             <a:endParaRPr lang="zh-CN" altLang="en-US"/>
           </a:p>
@@ -3107,12 +3121,16 @@
           <a:lstStyle/>
           <a:p>
             <a:r>
+              <a:rPr lang="zh-CN" altLang="en-US" dirty="0" smtClean="0"/>
+              <a:t>游戏开发中</a:t>
+            </a:r>
+            <a:r>
               <a:rPr lang="en-US" altLang="zh-CN" dirty="0" smtClean="0"/>
               <a:t>LUA</a:t>
             </a:r>
             <a:r>
               <a:rPr lang="zh-CN" altLang="en-US" dirty="0" smtClean="0"/>
-              <a:t>基础封装</a:t>
+              <a:t>封装及应用</a:t>
             </a:r>
             <a:endParaRPr lang="zh-CN" altLang="en-US" dirty="0"/>
           </a:p>
@@ -3178,103 +3196,52 @@
           <a:lstStyle/>
           <a:p>
             <a:r>
-              <a:rPr lang="en-US" altLang="zh-CN" dirty="0" smtClean="0"/>
-              <a:t>C++</a:t>
-            </a:r>
-            <a:r>
-              <a:rPr lang="zh-CN" altLang="en-US" dirty="0" smtClean="0"/>
-              <a:t>调用</a:t>
-            </a:r>
-            <a:r>
-              <a:rPr lang="en-US" altLang="zh-CN" dirty="0" smtClean="0"/>
-              <a:t>LUA</a:t>
+              <a:rPr lang="zh-CN" altLang="en-US" dirty="0" smtClean="0"/>
+              <a:t>栈</a:t>
+            </a:r>
+            <a:r>
+              <a:rPr lang="en-US" altLang="zh-CN" dirty="0" smtClean="0"/>
+              <a:t>!</a:t>
             </a:r>
             <a:endParaRPr lang="zh-CN" altLang="en-US" dirty="0"/>
           </a:p>
         </p:txBody>
       </p:sp>
-      <p:sp>
-        <p:nvSpPr>
-          <p:cNvPr id="3" name="内容占位符 2"/>
-          <p:cNvSpPr>
-            <a:spLocks noGrp="1"/>
-          </p:cNvSpPr>
+      <p:pic>
+        <p:nvPicPr>
+          <p:cNvPr id="1026" name="Picture 2"/>
+          <p:cNvPicPr>
+            <a:picLocks noGrp="1" noChangeAspect="1" noChangeArrowheads="1"/>
+          </p:cNvPicPr>
           <p:nvPr>
             <p:ph idx="1"/>
           </p:nvPr>
-        </p:nvSpPr>
-        <p:spPr/>
-        <p:txBody>
-          <a:bodyPr/>
-          <a:lstStyle/>
-          <a:p>
-            <a:r>
-              <a:rPr lang="en-US" altLang="zh-CN" dirty="0" smtClean="0"/>
-              <a:t>C++</a:t>
-            </a:r>
-            <a:r>
-              <a:rPr lang="zh-CN" altLang="en-US" dirty="0" smtClean="0"/>
-              <a:t>调用</a:t>
-            </a:r>
-            <a:r>
-              <a:rPr lang="en-US" altLang="zh-CN" dirty="0" smtClean="0"/>
-              <a:t>LUA</a:t>
-            </a:r>
-            <a:r>
-              <a:rPr lang="zh-CN" altLang="en-US" dirty="0" smtClean="0"/>
-              <a:t>的栈用的是全局栈，所以一定要做好相关的清理工作，即使不做错误处理，也要把错误提示字符串出栈</a:t>
-            </a:r>
-            <a:endParaRPr lang="en-US" altLang="zh-CN" dirty="0" smtClean="0"/>
-          </a:p>
-          <a:p>
-            <a:r>
-              <a:rPr lang="en-US" altLang="zh-CN" dirty="0" err="1" smtClean="0"/>
-              <a:t>Lua_pop</a:t>
-            </a:r>
-            <a:r>
-              <a:rPr lang="en-US" altLang="zh-CN" dirty="0" smtClean="0"/>
-              <a:t>(</a:t>
-            </a:r>
-            <a:r>
-              <a:rPr lang="en-US" altLang="zh-CN" dirty="0" err="1" smtClean="0"/>
-              <a:t>L,n</a:t>
-            </a:r>
-            <a:r>
-              <a:rPr lang="en-US" altLang="zh-CN" dirty="0" smtClean="0"/>
-              <a:t>),</a:t>
-            </a:r>
-            <a:r>
-              <a:rPr lang="zh-CN" altLang="en-US" dirty="0" smtClean="0"/>
-              <a:t>代表把</a:t>
-            </a:r>
-            <a:r>
-              <a:rPr lang="en-US" altLang="zh-CN" dirty="0" smtClean="0"/>
-              <a:t>top</a:t>
-            </a:r>
-            <a:r>
-              <a:rPr lang="zh-CN" altLang="en-US" dirty="0" smtClean="0"/>
-              <a:t>指针向下移动</a:t>
-            </a:r>
-            <a:r>
-              <a:rPr lang="en-US" altLang="zh-CN" dirty="0" smtClean="0"/>
-              <a:t>n</a:t>
-            </a:r>
-            <a:r>
-              <a:rPr lang="zh-CN" altLang="en-US" dirty="0" smtClean="0"/>
-              <a:t>，也就是把上边</a:t>
-            </a:r>
-            <a:r>
-              <a:rPr lang="en-US" altLang="zh-CN" dirty="0" smtClean="0"/>
-              <a:t>n</a:t>
-            </a:r>
-            <a:r>
-              <a:rPr lang="zh-CN" altLang="en-US" dirty="0" smtClean="0"/>
-              <a:t>个元素出栈</a:t>
-            </a:r>
-            <a:endParaRPr lang="en-US" altLang="zh-CN" dirty="0" smtClean="0"/>
-          </a:p>
-        </p:txBody>
-      </p:sp>
+        </p:nvPicPr>
+        <p:blipFill>
+          <a:blip r:embed="rId2"/>
+          <a:srcRect/>
+          <a:stretch>
+            <a:fillRect/>
+          </a:stretch>
+        </p:blipFill>
+        <p:spPr bwMode="auto">
+          <a:xfrm>
+            <a:off x="1571604" y="2428868"/>
+            <a:ext cx="6046942" cy="2523348"/>
+          </a:xfrm>
+          <a:prstGeom prst="rect">
+            <a:avLst/>
+          </a:prstGeom>
+          <a:noFill/>
+          <a:ln w="9525">
+            <a:noFill/>
+            <a:miter lim="800000"/>
+            <a:headEnd/>
+            <a:tailEnd/>
+          </a:ln>
+          <a:effectLst/>
+        </p:spPr>
+      </p:pic>
     </p:spTree>
   </p:cSld>
   <p:clrMapOvr>
@@ -3317,16 +3284,16 @@
           <a:p>
             <a:r>
               <a:rPr lang="en-US" altLang="zh-CN" dirty="0" smtClean="0"/>
+              <a:t>C++</a:t>
+            </a:r>
+            <a:r>
+              <a:rPr lang="zh-CN" altLang="en-US" dirty="0" smtClean="0"/>
+              <a:t>调用</a:t>
+            </a:r>
+            <a:r>
+              <a:rPr lang="en-US" altLang="zh-CN" dirty="0" smtClean="0"/>
               <a:t>LUA</a:t>
             </a:r>
-            <a:r>
-              <a:rPr lang="zh-CN" altLang="en-US" dirty="0" smtClean="0"/>
-              <a:t>调用</a:t>
-            </a:r>
-            <a:r>
-              <a:rPr lang="en-US" altLang="zh-CN" dirty="0" smtClean="0"/>
-              <a:t>C++</a:t>
-            </a:r>
             <a:endParaRPr lang="zh-CN" altLang="en-US" dirty="0"/>
           </a:p>
         </p:txBody>
@@ -3343,49 +3310,12 @@
         </p:nvSpPr>
         <p:spPr/>
         <p:txBody>
-          <a:bodyPr>
-            <a:normAutofit lnSpcReduction="10000"/>
-          </a:bodyPr>
-          <a:lstStyle/>
-          <a:p>
-            <a:r>
-              <a:rPr lang="en-US" dirty="0" smtClean="0"/>
-              <a:t>C++ </a:t>
-            </a:r>
-            <a:r>
-              <a:rPr lang="zh-CN" altLang="en-US" dirty="0" smtClean="0"/>
-              <a:t>的</a:t>
-            </a:r>
-            <a:r>
-              <a:rPr lang="en-US" dirty="0" smtClean="0"/>
-              <a:t>LUA</a:t>
-            </a:r>
-            <a:r>
-              <a:rPr lang="zh-CN" altLang="en-US" dirty="0" smtClean="0"/>
-              <a:t>回调举例</a:t>
-            </a:r>
-            <a:endParaRPr lang="en-US" dirty="0" smtClean="0"/>
-          </a:p>
-          <a:p>
-            <a:r>
-              <a:rPr lang="en-US" altLang="zh-CN" dirty="0" err="1" smtClean="0"/>
-              <a:t>i</a:t>
-            </a:r>
-            <a:r>
-              <a:rPr lang="en-US" dirty="0" err="1" smtClean="0"/>
-              <a:t>nt</a:t>
-            </a:r>
-            <a:r>
-              <a:rPr lang="en-US" dirty="0" smtClean="0"/>
-              <a:t> sub(</a:t>
-            </a:r>
-            <a:r>
-              <a:rPr lang="en-US" dirty="0" err="1" smtClean="0"/>
-              <a:t>lua_State</a:t>
-            </a:r>
-            <a:r>
-              <a:rPr lang="en-US" dirty="0" smtClean="0"/>
-              <a:t> * L) </a:t>
+          <a:bodyPr/>
+          <a:lstStyle/>
+          <a:p>
+            <a:r>
+              <a:rPr lang="en-US" altLang="zh-CN" dirty="0" smtClean="0"/>
+              <a:t>Test.lua</a:t>
             </a:r>
           </a:p>
           <a:p>
@@ -3393,8 +3323,16 @@
               <a:buNone/>
             </a:pPr>
             <a:r>
-              <a:rPr lang="en-US" dirty="0" smtClean="0"/>
-              <a:t>	{</a:t>
+              <a:rPr lang="en-US" altLang="zh-CN" dirty="0" smtClean="0"/>
+              <a:t>	function add (</a:t>
+            </a:r>
+            <a:r>
+              <a:rPr lang="en-US" altLang="zh-CN" dirty="0" err="1" smtClean="0"/>
+              <a:t>a,b</a:t>
+            </a:r>
+            <a:r>
+              <a:rPr lang="en-US" altLang="zh-CN" dirty="0" smtClean="0"/>
+              <a:t>)</a:t>
             </a:r>
           </a:p>
           <a:p>
@@ -3402,16 +3340,16 @@
               <a:buNone/>
             </a:pPr>
             <a:r>
-              <a:rPr lang="en-US" dirty="0" smtClean="0"/>
-              <a:t>          double op1 = </a:t>
-            </a:r>
-            <a:r>
-              <a:rPr lang="en-US" dirty="0" err="1" smtClean="0"/>
-              <a:t>lua_tonumber</a:t>
-            </a:r>
-            <a:r>
-              <a:rPr lang="en-US" dirty="0" smtClean="0"/>
-              <a:t>(L,1); </a:t>
+              <a:rPr lang="en-US" altLang="zh-CN" dirty="0" smtClean="0"/>
+              <a:t>        return </a:t>
+            </a:r>
+            <a:r>
+              <a:rPr lang="en-US" altLang="zh-CN" dirty="0" err="1" smtClean="0"/>
+              <a:t>a+b</a:t>
+            </a:r>
+            <a:r>
+              <a:rPr lang="en-US" altLang="zh-CN" dirty="0" smtClean="0"/>
+              <a:t>;</a:t>
             </a:r>
           </a:p>
           <a:p>
@@ -3419,44 +3357,21 @@
               <a:buNone/>
             </a:pPr>
             <a:r>
-              <a:rPr lang="en-US" dirty="0" smtClean="0"/>
-              <a:t>		double op2 = </a:t>
-            </a:r>
-            <a:r>
-              <a:rPr lang="en-US" dirty="0" err="1" smtClean="0"/>
-              <a:t>lua_tonumber</a:t>
-            </a:r>
-            <a:r>
-              <a:rPr lang="en-US" dirty="0" smtClean="0"/>
-              <a:t> (L,2);                 	</a:t>
-            </a:r>
-            <a:r>
-              <a:rPr lang="en-US" dirty="0" err="1" smtClean="0"/>
-              <a:t>lua_pushnumber</a:t>
-            </a:r>
-            <a:r>
-              <a:rPr lang="en-US" dirty="0" smtClean="0"/>
-              <a:t>(L,op1 - op2); </a:t>
+              <a:rPr lang="en-US" altLang="zh-CN" dirty="0" smtClean="0"/>
+              <a:t>	end</a:t>
             </a:r>
           </a:p>
           <a:p>
             <a:pPr>
               <a:buNone/>
             </a:pPr>
-            <a:r>
-              <a:rPr lang="en-US" dirty="0" smtClean="0"/>
-              <a:t>          return 1; </a:t>
-            </a:r>
+            <a:endParaRPr lang="en-US" altLang="zh-CN" dirty="0" smtClean="0"/>
           </a:p>
           <a:p>
             <a:pPr>
               <a:buNone/>
             </a:pPr>
-            <a:r>
-              <a:rPr lang="en-US" dirty="0" smtClean="0"/>
-              <a:t>     }</a:t>
-            </a:r>
-            <a:endParaRPr lang="zh-CN" altLang="en-US" dirty="0"/>
+            <a:endParaRPr lang="en-US" altLang="zh-CN" dirty="0" smtClean="0"/>
           </a:p>
         </p:txBody>
       </p:sp>
@@ -3502,16 +3417,16 @@
           <a:p>
             <a:r>
               <a:rPr lang="en-US" altLang="zh-CN" dirty="0" smtClean="0"/>
+              <a:t>C++</a:t>
+            </a:r>
+            <a:r>
+              <a:rPr lang="zh-CN" altLang="en-US" dirty="0" smtClean="0"/>
+              <a:t>调用</a:t>
+            </a:r>
+            <a:r>
+              <a:rPr lang="en-US" altLang="zh-CN" dirty="0" smtClean="0"/>
               <a:t>LUA</a:t>
             </a:r>
-            <a:r>
-              <a:rPr lang="zh-CN" altLang="en-US" dirty="0" smtClean="0"/>
-              <a:t>调用</a:t>
-            </a:r>
-            <a:r>
-              <a:rPr lang="en-US" altLang="zh-CN" dirty="0" smtClean="0"/>
-              <a:t>C++</a:t>
-            </a:r>
             <a:endParaRPr lang="zh-CN" altLang="en-US" dirty="0"/>
           </a:p>
         </p:txBody>
@@ -3526,20 +3441,21 @@
             <p:ph idx="1"/>
           </p:nvPr>
         </p:nvSpPr>
-        <p:spPr/>
+        <p:spPr>
+          <a:xfrm>
+            <a:off x="457200" y="1428736"/>
+            <a:ext cx="8229600" cy="5214974"/>
+          </a:xfrm>
+        </p:spPr>
         <p:txBody>
           <a:bodyPr>
-            <a:normAutofit lnSpcReduction="10000"/>
+            <a:normAutofit fontScale="47500" lnSpcReduction="20000"/>
           </a:bodyPr>
           <a:lstStyle/>
           <a:p>
             <a:r>
-              <a:rPr lang="en-US" dirty="0" err="1" smtClean="0"/>
-              <a:t>int</a:t>
-            </a:r>
-            <a:r>
-              <a:rPr lang="en-US" dirty="0" smtClean="0"/>
-              <a:t> main() </a:t>
+              <a:rPr lang="en-US" altLang="zh-CN" sz="7000" dirty="0" smtClean="0"/>
+              <a:t>LUATest.cpp</a:t>
             </a:r>
           </a:p>
           <a:p>
@@ -3547,8 +3463,24 @@
               <a:buNone/>
             </a:pPr>
             <a:r>
-              <a:rPr lang="en-US" dirty="0" smtClean="0"/>
-              <a:t>	{ </a:t>
+              <a:rPr lang="en-US" altLang="zh-CN" sz="7000" dirty="0" smtClean="0"/>
+              <a:t>	</a:t>
+            </a:r>
+            <a:r>
+              <a:rPr lang="en-US" sz="7000" dirty="0" err="1" smtClean="0"/>
+              <a:t>lua_State</a:t>
+            </a:r>
+            <a:r>
+              <a:rPr lang="en-US" sz="7000" dirty="0" smtClean="0"/>
+              <a:t>* L = </a:t>
+            </a:r>
+            <a:r>
+              <a:rPr lang="en-US" sz="7000" dirty="0" err="1" smtClean="0"/>
+              <a:t>lua_open</a:t>
+            </a:r>
+            <a:r>
+              <a:rPr lang="en-US" sz="7000" dirty="0" smtClean="0"/>
+              <a:t>();  </a:t>
             </a:r>
           </a:p>
           <a:p>
@@ -3556,48 +3488,16 @@
               <a:buNone/>
             </a:pPr>
             <a:r>
-              <a:rPr lang="en-US" dirty="0" smtClean="0"/>
-              <a:t>		</a:t>
-            </a:r>
-            <a:r>
-              <a:rPr lang="en-US" dirty="0" err="1" smtClean="0"/>
-              <a:t>lua_State</a:t>
-            </a:r>
-            <a:r>
-              <a:rPr lang="en-US" dirty="0" smtClean="0"/>
-              <a:t>* L = </a:t>
-            </a:r>
-            <a:r>
-              <a:rPr lang="en-US" dirty="0" err="1" smtClean="0"/>
-              <a:t>luaL_newstate</a:t>
-            </a:r>
-            <a:r>
-              <a:rPr lang="en-US" dirty="0" smtClean="0"/>
-              <a:t>(); 	</a:t>
-            </a:r>
-            <a:r>
-              <a:rPr lang="en-US" dirty="0" err="1" smtClean="0"/>
-              <a:t>lua_register</a:t>
-            </a:r>
-            <a:r>
-              <a:rPr lang="en-US" dirty="0" smtClean="0"/>
-              <a:t>(L, “</a:t>
-            </a:r>
-            <a:r>
-              <a:rPr lang="en-US" altLang="zh-CN" dirty="0" smtClean="0"/>
-              <a:t>sub</a:t>
-            </a:r>
-            <a:r>
-              <a:rPr lang="en-US" dirty="0" smtClean="0"/>
-              <a:t>", </a:t>
-            </a:r>
-            <a:r>
-              <a:rPr lang="en-US" altLang="zh-CN" dirty="0" smtClean="0"/>
-              <a:t>sub</a:t>
-            </a:r>
-            <a:r>
-              <a:rPr lang="en-US" dirty="0" smtClean="0"/>
-              <a:t>); </a:t>
+              <a:rPr lang="en-US" altLang="zh-CN" sz="7000" dirty="0" smtClean="0"/>
+              <a:t>	</a:t>
+            </a:r>
+            <a:r>
+              <a:rPr lang="en-US" sz="7000" dirty="0" err="1" smtClean="0"/>
+              <a:t>luaL_dofile</a:t>
+            </a:r>
+            <a:r>
+              <a:rPr lang="en-US" sz="7000" dirty="0" smtClean="0"/>
+              <a:t>(L, ”Test.lua”);  </a:t>
             </a:r>
           </a:p>
           <a:p>
@@ -3605,16 +3505,16 @@
               <a:buNone/>
             </a:pPr>
             <a:r>
-              <a:rPr lang="en-US" dirty="0" smtClean="0"/>
-              <a:t>	const char* </a:t>
-            </a:r>
-            <a:r>
-              <a:rPr lang="en-US" dirty="0" err="1" smtClean="0"/>
-              <a:t>testfunc</a:t>
-            </a:r>
-            <a:r>
-              <a:rPr lang="en-US" dirty="0" smtClean="0"/>
-              <a:t> = “print(sub(1.0,2.0))”;</a:t>
+              <a:rPr lang="en-US" sz="7000" dirty="0" smtClean="0"/>
+              <a:t>	</a:t>
+            </a:r>
+            <a:r>
+              <a:rPr lang="en-US" sz="7000" dirty="0" err="1" smtClean="0"/>
+              <a:t>lua_getglobal</a:t>
+            </a:r>
+            <a:r>
+              <a:rPr lang="en-US" sz="7000" dirty="0" smtClean="0"/>
+              <a:t>(L, “add");  </a:t>
             </a:r>
           </a:p>
           <a:p>
@@ -3622,24 +3522,16 @@
               <a:buNone/>
             </a:pPr>
             <a:r>
-              <a:rPr lang="en-US" dirty="0" smtClean="0"/>
-              <a:t>		</a:t>
-            </a:r>
-            <a:r>
-              <a:rPr lang="en-US" dirty="0" err="1" smtClean="0"/>
-              <a:t>luaL_dostring</a:t>
-            </a:r>
-            <a:r>
-              <a:rPr lang="en-US" dirty="0" smtClean="0"/>
-              <a:t>(</a:t>
-            </a:r>
-            <a:r>
-              <a:rPr lang="en-US" dirty="0" err="1" smtClean="0"/>
-              <a:t>L,testfunc</a:t>
-            </a:r>
-            <a:r>
-              <a:rPr lang="en-US" dirty="0" smtClean="0"/>
-              <a:t>); </a:t>
+              <a:rPr lang="en-US" sz="7000" dirty="0" smtClean="0"/>
+              <a:t>	</a:t>
+            </a:r>
+            <a:r>
+              <a:rPr lang="en-US" sz="7000" dirty="0" err="1" smtClean="0"/>
+              <a:t>lua_pushnumber</a:t>
+            </a:r>
+            <a:r>
+              <a:rPr lang="en-US" sz="7000" dirty="0" smtClean="0"/>
+              <a:t>(L, 2.0);</a:t>
             </a:r>
           </a:p>
           <a:p>
@@ -3647,16 +3539,16 @@
               <a:buNone/>
             </a:pPr>
             <a:r>
-              <a:rPr lang="en-US" dirty="0" smtClean="0"/>
-              <a:t>		</a:t>
-            </a:r>
-            <a:r>
-              <a:rPr lang="en-US" dirty="0" err="1" smtClean="0"/>
-              <a:t>lua_close</a:t>
-            </a:r>
-            <a:r>
-              <a:rPr lang="en-US" dirty="0" smtClean="0"/>
-              <a:t>(L); </a:t>
+              <a:rPr lang="en-US" sz="7000" dirty="0" smtClean="0"/>
+              <a:t>	</a:t>
+            </a:r>
+            <a:r>
+              <a:rPr lang="en-US" sz="7000" dirty="0" err="1" smtClean="0"/>
+              <a:t>lua_pushnumber</a:t>
+            </a:r>
+            <a:r>
+              <a:rPr lang="en-US" sz="7000" dirty="0" smtClean="0"/>
+              <a:t>(L,1.0);</a:t>
             </a:r>
           </a:p>
           <a:p>
@@ -3664,10 +3556,84 @@
               <a:buNone/>
             </a:pPr>
             <a:r>
-              <a:rPr lang="en-US" altLang="zh-CN" dirty="0" smtClean="0"/>
-              <a:t>	}</a:t>
-            </a:r>
-            <a:endParaRPr lang="zh-CN" altLang="en-US" dirty="0"/>
+              <a:rPr lang="en-US" altLang="zh-CN" sz="7000" dirty="0" smtClean="0"/>
+              <a:t>    if</a:t>
+            </a:r>
+            <a:r>
+              <a:rPr lang="en-US" sz="7000" dirty="0" smtClean="0"/>
+              <a:t> (0 != </a:t>
+            </a:r>
+            <a:r>
+              <a:rPr lang="en-US" sz="7000" dirty="0" err="1" smtClean="0"/>
+              <a:t>lua_pcall</a:t>
+            </a:r>
+            <a:r>
+              <a:rPr lang="en-US" sz="7000" dirty="0" smtClean="0"/>
+              <a:t>(L, 2, 1, 0))   { </a:t>
+            </a:r>
+            <a:r>
+              <a:rPr lang="en-US" sz="7000" dirty="0" err="1" smtClean="0"/>
+              <a:t>lua_pop</a:t>
+            </a:r>
+            <a:r>
+              <a:rPr lang="en-US" sz="7000" dirty="0" smtClean="0"/>
+              <a:t>(L,1);}</a:t>
+            </a:r>
+          </a:p>
+          <a:p>
+            <a:pPr>
+              <a:buNone/>
+            </a:pPr>
+            <a:r>
+              <a:rPr lang="en-US" sz="7000" dirty="0" smtClean="0"/>
+              <a:t>	float  result = </a:t>
+            </a:r>
+            <a:r>
+              <a:rPr lang="en-US" sz="7000" dirty="0" err="1" smtClean="0"/>
+              <a:t>lua_tonumber</a:t>
+            </a:r>
+            <a:r>
+              <a:rPr lang="en-US" sz="7000" dirty="0" smtClean="0"/>
+              <a:t>(L, -1);  </a:t>
+            </a:r>
+          </a:p>
+          <a:p>
+            <a:pPr>
+              <a:buNone/>
+            </a:pPr>
+            <a:r>
+              <a:rPr lang="en-US" sz="7000" dirty="0" smtClean="0"/>
+              <a:t>	</a:t>
+            </a:r>
+            <a:r>
+              <a:rPr lang="en-US" sz="7000" dirty="0" err="1" smtClean="0"/>
+              <a:t>lua_pop</a:t>
+            </a:r>
+            <a:r>
+              <a:rPr lang="en-US" sz="7000" dirty="0" smtClean="0"/>
+              <a:t>(L, 1);  </a:t>
+            </a:r>
+          </a:p>
+          <a:p>
+            <a:pPr>
+              <a:buNone/>
+            </a:pPr>
+            <a:endParaRPr lang="en-US" dirty="0" smtClean="0"/>
+          </a:p>
+          <a:p>
+            <a:pPr>
+              <a:buNone/>
+            </a:pPr>
+            <a:r>
+              <a:rPr lang="en-US" altLang="zh-CN" dirty="0" smtClean="0"/>
+              <a:t>	</a:t>
+            </a:r>
+          </a:p>
+          <a:p>
+            <a:pPr>
+              <a:buNone/>
+            </a:pPr>
+            <a:endParaRPr lang="en-US" altLang="zh-CN" dirty="0" smtClean="0"/>
           </a:p>
         </p:txBody>
       </p:sp>
@@ -3713,20 +3679,16 @@
           <a:p>
             <a:r>
               <a:rPr lang="en-US" altLang="zh-CN" dirty="0" smtClean="0"/>
+              <a:t>C++</a:t>
+            </a:r>
+            <a:r>
+              <a:rPr lang="zh-CN" altLang="en-US" dirty="0" smtClean="0"/>
+              <a:t>调用</a:t>
+            </a:r>
+            <a:r>
+              <a:rPr lang="en-US" altLang="zh-CN" dirty="0" smtClean="0"/>
               <a:t>LUA</a:t>
             </a:r>
-            <a:r>
-              <a:rPr lang="zh-CN" altLang="en-US" dirty="0" smtClean="0"/>
-              <a:t>封装</a:t>
-            </a:r>
-            <a:r>
-              <a:rPr lang="en-US" altLang="zh-CN" dirty="0" smtClean="0"/>
-              <a:t>,why</a:t>
-            </a:r>
-            <a:r>
-              <a:rPr lang="zh-CN" altLang="en-US" dirty="0" smtClean="0"/>
-              <a:t>？</a:t>
-            </a:r>
             <a:endParaRPr lang="zh-CN" altLang="en-US" dirty="0"/>
           </a:p>
         </p:txBody>
@@ -3748,138 +3710,67 @@
           <a:p>
             <a:r>
               <a:rPr lang="en-US" altLang="zh-CN" dirty="0" smtClean="0"/>
+              <a:t>C++</a:t>
+            </a:r>
+            <a:r>
+              <a:rPr lang="zh-CN" altLang="en-US" dirty="0" smtClean="0"/>
+              <a:t>调用</a:t>
+            </a:r>
+            <a:r>
+              <a:rPr lang="en-US" altLang="zh-CN" dirty="0" smtClean="0"/>
               <a:t>LUA</a:t>
             </a:r>
             <a:r>
               <a:rPr lang="zh-CN" altLang="en-US" dirty="0" smtClean="0"/>
-              <a:t>提供的</a:t>
-            </a:r>
-            <a:r>
-              <a:rPr lang="en-US" altLang="zh-CN" dirty="0" smtClean="0"/>
-              <a:t>CAPI</a:t>
-            </a:r>
-            <a:r>
-              <a:rPr lang="zh-CN" altLang="en-US" dirty="0" smtClean="0"/>
-              <a:t>里的栈操作都有潜规则</a:t>
-            </a:r>
-            <a:r>
-              <a:rPr lang="en-US" altLang="zh-CN" dirty="0" smtClean="0"/>
-              <a:t>,</a:t>
-            </a:r>
-            <a:r>
-              <a:rPr lang="zh-CN" altLang="en-US" dirty="0" smtClean="0"/>
-              <a:t>一些函数会清除栈内元素</a:t>
-            </a:r>
-            <a:r>
-              <a:rPr lang="en-US" altLang="zh-CN" dirty="0" smtClean="0"/>
-              <a:t>,</a:t>
-            </a:r>
-            <a:r>
-              <a:rPr lang="zh-CN" altLang="en-US" dirty="0" smtClean="0"/>
-              <a:t>而一些不会</a:t>
-            </a:r>
-            <a:endParaRPr lang="en-US" altLang="zh-CN" dirty="0" smtClean="0"/>
-          </a:p>
-          <a:p>
-            <a:r>
-              <a:rPr lang="zh-CN" altLang="en-US" dirty="0" smtClean="0"/>
-              <a:t>比如</a:t>
-            </a:r>
-            <a:r>
-              <a:rPr lang="en-US" altLang="zh-CN" dirty="0" err="1" smtClean="0"/>
-              <a:t>lua_settable</a:t>
-            </a:r>
-            <a:r>
-              <a:rPr lang="zh-CN" altLang="en-US" dirty="0" smtClean="0"/>
-              <a:t>会清除</a:t>
-            </a:r>
-            <a:r>
-              <a:rPr lang="en-US" altLang="zh-CN" dirty="0" smtClean="0"/>
-              <a:t>key</a:t>
-            </a:r>
-            <a:r>
-              <a:rPr lang="zh-CN" altLang="en-US" dirty="0" smtClean="0"/>
-              <a:t>和</a:t>
-            </a:r>
-            <a:r>
-              <a:rPr lang="en-US" altLang="zh-CN" dirty="0" smtClean="0"/>
-              <a:t>value</a:t>
-            </a:r>
-          </a:p>
-          <a:p>
-            <a:r>
-              <a:rPr lang="en-US" altLang="zh-CN" dirty="0" err="1" smtClean="0"/>
-              <a:t>lua_tonumber</a:t>
-            </a:r>
-            <a:r>
-              <a:rPr lang="zh-CN" altLang="en-US" dirty="0" smtClean="0"/>
-              <a:t>这类从栈内取参数的不会清除</a:t>
-            </a:r>
-            <a:endParaRPr lang="en-US" altLang="zh-CN" dirty="0" smtClean="0"/>
-          </a:p>
-          <a:p>
-            <a:r>
-              <a:rPr lang="zh-CN" altLang="en-US" dirty="0" smtClean="0"/>
-              <a:t>从</a:t>
-            </a:r>
-            <a:r>
-              <a:rPr lang="en-US" altLang="zh-CN" dirty="0" smtClean="0"/>
-              <a:t>C++</a:t>
-            </a:r>
-            <a:r>
-              <a:rPr lang="zh-CN" altLang="en-US" dirty="0" smtClean="0"/>
-              <a:t>调用</a:t>
-            </a:r>
-            <a:r>
-              <a:rPr lang="en-US" altLang="zh-CN" dirty="0" smtClean="0"/>
-              <a:t>LUA</a:t>
-            </a:r>
-            <a:r>
-              <a:rPr lang="zh-CN" altLang="en-US" dirty="0" smtClean="0"/>
-              <a:t>必须小心</a:t>
-            </a:r>
-            <a:r>
-              <a:rPr lang="en-US" altLang="zh-CN" dirty="0" smtClean="0"/>
-              <a:t>,</a:t>
-            </a:r>
-            <a:r>
-              <a:rPr lang="zh-CN" altLang="en-US" dirty="0" smtClean="0"/>
-              <a:t>用的是全局栈</a:t>
-            </a:r>
-            <a:r>
-              <a:rPr lang="en-US" altLang="zh-CN" dirty="0" smtClean="0"/>
-              <a:t>,</a:t>
-            </a:r>
-            <a:r>
-              <a:rPr lang="zh-CN" altLang="en-US" dirty="0" smtClean="0"/>
-              <a:t>必须清楚</a:t>
-            </a:r>
-            <a:r>
-              <a:rPr lang="en-US" altLang="zh-CN" dirty="0" smtClean="0"/>
-              <a:t>CAPI</a:t>
-            </a:r>
-            <a:r>
-              <a:rPr lang="zh-CN" altLang="en-US" dirty="0" smtClean="0"/>
-              <a:t>对栈的操作</a:t>
-            </a:r>
-            <a:r>
-              <a:rPr lang="en-US" altLang="zh-CN" dirty="0" smtClean="0"/>
-              <a:t>,</a:t>
-            </a:r>
-            <a:r>
-              <a:rPr lang="zh-CN" altLang="en-US" dirty="0" smtClean="0"/>
-              <a:t>失败必须处理</a:t>
-            </a:r>
-            <a:r>
-              <a:rPr lang="en-US" altLang="zh-CN" dirty="0" smtClean="0"/>
-              <a:t>,</a:t>
-            </a:r>
-            <a:r>
-              <a:rPr lang="zh-CN" altLang="en-US" dirty="0" smtClean="0"/>
-              <a:t>否则栈爆掉</a:t>
-            </a:r>
-          </a:p>
-          <a:p>
+              <a:t>的栈用的是全局栈，所以一定要做好相关的清理工作，即使不做错误处理，也要把错误提示字符串出栈</a:t>
+            </a:r>
+            <a:endParaRPr lang="en-US" altLang="zh-CN" dirty="0" smtClean="0"/>
+          </a:p>
+          <a:p>
+            <a:r>
+              <a:rPr lang="en-US" altLang="zh-CN" dirty="0" err="1" smtClean="0"/>
+              <a:t>Lua_pop</a:t>
+            </a:r>
+            <a:r>
+              <a:rPr lang="en-US" altLang="zh-CN" dirty="0" smtClean="0"/>
+              <a:t>(</a:t>
+            </a:r>
+            <a:r>
+              <a:rPr lang="en-US" altLang="zh-CN" dirty="0" err="1" smtClean="0"/>
+              <a:t>L,n</a:t>
+            </a:r>
+            <a:r>
+              <a:rPr lang="en-US" altLang="zh-CN" dirty="0" smtClean="0"/>
+              <a:t>),</a:t>
+            </a:r>
+            <a:r>
+              <a:rPr lang="zh-CN" altLang="en-US" dirty="0" smtClean="0"/>
+              <a:t>代表把</a:t>
+            </a:r>
+            <a:r>
+              <a:rPr lang="en-US" altLang="zh-CN" dirty="0" smtClean="0"/>
+              <a:t>top</a:t>
+            </a:r>
+            <a:r>
+              <a:rPr lang="zh-CN" altLang="en-US" dirty="0" smtClean="0"/>
+              <a:t>指针向下移动</a:t>
+            </a:r>
+            <a:r>
+              <a:rPr lang="en-US" altLang="zh-CN" dirty="0" smtClean="0"/>
+              <a:t>n</a:t>
+            </a:r>
+            <a:r>
+              <a:rPr lang="zh-CN" altLang="en-US" dirty="0" smtClean="0"/>
+              <a:t>，也就是把上边</a:t>
+            </a:r>
+            <a:r>
+              <a:rPr lang="en-US" altLang="zh-CN" dirty="0" smtClean="0"/>
+              <a:t>n</a:t>
+            </a:r>
+            <a:r>
+              <a:rPr lang="zh-CN" altLang="en-US" dirty="0" smtClean="0"/>
+              <a:t>个元素出栈</a:t>
+            </a:r>
             <a:endParaRPr lang="en-US" altLang="zh-CN" dirty="0" smtClean="0"/>
           </a:p>
         </p:txBody>
@@ -3930,7 +3821,11 @@
             </a:r>
             <a:r>
               <a:rPr lang="zh-CN" altLang="en-US" dirty="0" smtClean="0"/>
-              <a:t>基础用法封装</a:t>
+              <a:t>调用</a:t>
+            </a:r>
+            <a:r>
+              <a:rPr lang="en-US" altLang="zh-CN" dirty="0" smtClean="0"/>
+              <a:t>C++</a:t>
             </a:r>
             <a:endParaRPr lang="zh-CN" altLang="en-US" dirty="0"/>
           </a:p>
@@ -3948,133 +3843,118 @@
         </p:nvSpPr>
         <p:spPr/>
         <p:txBody>
-          <a:bodyPr/>
-          <a:lstStyle/>
-          <a:p>
-            <a:r>
-              <a:rPr lang="zh-CN" altLang="en-US" dirty="0" smtClean="0"/>
-              <a:t>互调函数是使用</a:t>
-            </a:r>
-            <a:r>
-              <a:rPr lang="en-US" altLang="zh-CN" dirty="0" smtClean="0"/>
+          <a:bodyPr>
+            <a:normAutofit lnSpcReduction="10000"/>
+          </a:bodyPr>
+          <a:lstStyle/>
+          <a:p>
+            <a:r>
+              <a:rPr lang="en-US" dirty="0" smtClean="0"/>
+              <a:t>C++ </a:t>
+            </a:r>
+            <a:r>
+              <a:rPr lang="zh-CN" altLang="en-US" dirty="0" smtClean="0"/>
+              <a:t>的</a:t>
+            </a:r>
+            <a:r>
+              <a:rPr lang="en-US" dirty="0" smtClean="0"/>
               <a:t>LUA</a:t>
             </a:r>
             <a:r>
               <a:rPr lang="zh-CN" altLang="en-US" dirty="0" smtClean="0"/>
-              <a:t>最基本的方法</a:t>
-            </a:r>
-            <a:endParaRPr lang="en-US" altLang="zh-CN" dirty="0" smtClean="0"/>
-          </a:p>
-          <a:p>
-            <a:r>
-              <a:rPr lang="zh-CN" altLang="en-US" dirty="0" smtClean="0"/>
-              <a:t>那些内容需要封装？</a:t>
-            </a:r>
-            <a:endParaRPr lang="en-US" altLang="zh-CN" dirty="0" smtClean="0"/>
+              <a:t>回调举例</a:t>
+            </a:r>
+            <a:endParaRPr lang="en-US" dirty="0" smtClean="0"/>
+          </a:p>
+          <a:p>
+            <a:r>
+              <a:rPr lang="en-US" altLang="zh-CN" dirty="0" err="1" smtClean="0"/>
+              <a:t>i</a:t>
+            </a:r>
+            <a:r>
+              <a:rPr lang="en-US" dirty="0" err="1" smtClean="0"/>
+              <a:t>nt</a:t>
+            </a:r>
+            <a:r>
+              <a:rPr lang="en-US" dirty="0" smtClean="0"/>
+              <a:t> sub(</a:t>
+            </a:r>
+            <a:r>
+              <a:rPr lang="en-US" dirty="0" err="1" smtClean="0"/>
+              <a:t>lua_State</a:t>
+            </a:r>
+            <a:r>
+              <a:rPr lang="en-US" dirty="0" smtClean="0"/>
+              <a:t> * L) </a:t>
+            </a:r>
           </a:p>
           <a:p>
             <a:pPr>
               <a:buNone/>
             </a:pPr>
             <a:r>
-              <a:rPr lang="en-US" altLang="zh-CN" dirty="0" smtClean="0"/>
-              <a:t>	C++</a:t>
-            </a:r>
-            <a:r>
-              <a:rPr lang="zh-CN" altLang="en-US" dirty="0" smtClean="0"/>
-              <a:t>调用</a:t>
-            </a:r>
-            <a:r>
-              <a:rPr lang="en-US" altLang="zh-CN" dirty="0" smtClean="0"/>
-              <a:t>LUA  </a:t>
-            </a:r>
-            <a:r>
-              <a:rPr lang="zh-CN" altLang="en-US" dirty="0" smtClean="0"/>
-              <a:t>参数压栈</a:t>
-            </a:r>
-            <a:r>
-              <a:rPr lang="en-US" altLang="zh-CN" dirty="0" smtClean="0"/>
-              <a:t>,</a:t>
-            </a:r>
-            <a:r>
-              <a:rPr lang="zh-CN" altLang="en-US" dirty="0" smtClean="0"/>
-              <a:t>函数入栈</a:t>
-            </a:r>
-            <a:r>
-              <a:rPr lang="en-US" altLang="zh-CN" dirty="0" smtClean="0"/>
-              <a:t>,</a:t>
-            </a:r>
-            <a:r>
-              <a:rPr lang="zh-CN" altLang="en-US" dirty="0" smtClean="0"/>
-              <a:t>调用</a:t>
-            </a:r>
-            <a:r>
-              <a:rPr lang="en-US" altLang="zh-CN" dirty="0" smtClean="0"/>
-              <a:t>,</a:t>
-            </a:r>
-            <a:r>
-              <a:rPr lang="zh-CN" altLang="en-US" dirty="0" smtClean="0"/>
-              <a:t>从栈中取返回值</a:t>
-            </a:r>
-            <a:r>
-              <a:rPr lang="en-US" altLang="zh-CN" dirty="0" smtClean="0"/>
-              <a:t>,</a:t>
-            </a:r>
-            <a:r>
-              <a:rPr lang="zh-CN" altLang="en-US" dirty="0" smtClean="0"/>
-              <a:t>错误处理，返回值出栈</a:t>
-            </a:r>
-            <a:endParaRPr lang="en-US" altLang="zh-CN" dirty="0" smtClean="0"/>
+              <a:rPr lang="en-US" dirty="0" smtClean="0"/>
+              <a:t>	{</a:t>
+            </a:r>
           </a:p>
           <a:p>
             <a:pPr>
               <a:buNone/>
             </a:pPr>
             <a:r>
-              <a:rPr lang="en-US" altLang="zh-CN" dirty="0" smtClean="0"/>
-              <a:t>	LUA</a:t>
-            </a:r>
-            <a:r>
-              <a:rPr lang="zh-CN" altLang="en-US" dirty="0" smtClean="0"/>
-              <a:t>调用</a:t>
-            </a:r>
-            <a:r>
-              <a:rPr lang="en-US" altLang="zh-CN" dirty="0" smtClean="0"/>
-              <a:t>C++ </a:t>
-            </a:r>
-            <a:r>
-              <a:rPr lang="zh-CN" altLang="en-US" dirty="0" smtClean="0"/>
-              <a:t>参数获取</a:t>
-            </a:r>
-            <a:r>
-              <a:rPr lang="en-US" altLang="zh-CN" dirty="0" smtClean="0"/>
-              <a:t>,</a:t>
-            </a:r>
-            <a:r>
-              <a:rPr lang="zh-CN" altLang="en-US" dirty="0" smtClean="0"/>
-              <a:t>返回值压栈</a:t>
-            </a:r>
-            <a:r>
-              <a:rPr lang="en-US" altLang="zh-CN" dirty="0" smtClean="0"/>
-              <a:t>,</a:t>
-            </a:r>
-            <a:r>
-              <a:rPr lang="zh-CN" altLang="en-US" dirty="0" smtClean="0"/>
-              <a:t>其他无视</a:t>
-            </a:r>
-            <a:endParaRPr lang="en-US" altLang="zh-CN" dirty="0" smtClean="0"/>
+              <a:rPr lang="en-US" dirty="0" smtClean="0"/>
+              <a:t>          double op1 = </a:t>
+            </a:r>
+            <a:r>
+              <a:rPr lang="en-US" dirty="0" err="1" smtClean="0"/>
+              <a:t>lua_tonumber</a:t>
+            </a:r>
+            <a:r>
+              <a:rPr lang="en-US" dirty="0" smtClean="0"/>
+              <a:t>(L,1); </a:t>
+            </a:r>
           </a:p>
           <a:p>
             <a:pPr>
               <a:buNone/>
             </a:pPr>
             <a:r>
-              <a:rPr lang="en-US" altLang="zh-CN" dirty="0" smtClean="0"/>
-              <a:t>	</a:t>
-            </a:r>
-            <a:r>
-              <a:rPr lang="zh-CN" altLang="en-US" dirty="0" smtClean="0"/>
-              <a:t>使用的是临时栈，调用完就删除了</a:t>
+              <a:rPr lang="en-US" dirty="0" smtClean="0"/>
+              <a:t>		double op2 = </a:t>
+            </a:r>
+            <a:r>
+              <a:rPr lang="en-US" dirty="0" err="1" smtClean="0"/>
+              <a:t>lua_tonumber</a:t>
+            </a:r>
+            <a:r>
+              <a:rPr lang="en-US" dirty="0" smtClean="0"/>
+              <a:t> (L,2);                 	</a:t>
+            </a:r>
+            <a:r>
+              <a:rPr lang="en-US" dirty="0" err="1" smtClean="0"/>
+              <a:t>lua_pushnumber</a:t>
+            </a:r>
+            <a:r>
+              <a:rPr lang="en-US" dirty="0" smtClean="0"/>
+              <a:t>(L,op1 - op2); </a:t>
+            </a:r>
+          </a:p>
+          <a:p>
+            <a:pPr>
+              <a:buNone/>
+            </a:pPr>
+            <a:r>
+              <a:rPr lang="en-US" dirty="0" smtClean="0"/>
+              <a:t>          return 1; </a:t>
+            </a:r>
+          </a:p>
+          <a:p>
+            <a:pPr>
+              <a:buNone/>
+            </a:pPr>
+            <a:r>
+              <a:rPr lang="en-US" dirty="0" smtClean="0"/>
+              <a:t>     }</a:t>
             </a:r>
             <a:endParaRPr lang="zh-CN" altLang="en-US" dirty="0"/>
           </a:p>
@@ -4132,10 +4012,6 @@
               <a:rPr lang="en-US" altLang="zh-CN" dirty="0" smtClean="0"/>
               <a:t>C++</a:t>
             </a:r>
-            <a:r>
-              <a:rPr lang="zh-CN" altLang="en-US" dirty="0" smtClean="0"/>
-              <a:t>封装</a:t>
-            </a:r>
             <a:endParaRPr lang="zh-CN" altLang="en-US" dirty="0"/>
           </a:p>
         </p:txBody>
@@ -4152,100 +4028,146 @@
         </p:nvSpPr>
         <p:spPr/>
         <p:txBody>
-          <a:bodyPr/>
-          <a:lstStyle/>
-          <a:p>
-            <a:r>
-              <a:rPr lang="en-US" altLang="zh-CN" dirty="0" err="1" smtClean="0"/>
-              <a:t>tolua</a:t>
-            </a:r>
-            <a:endParaRPr lang="en-US" altLang="zh-CN" dirty="0" smtClean="0"/>
-          </a:p>
-          <a:p>
-            <a:r>
-              <a:rPr lang="zh-CN" altLang="en-US" dirty="0" smtClean="0"/>
-              <a:t>强大的功能，不必定义</a:t>
-            </a:r>
-            <a:r>
-              <a:rPr lang="en-US" altLang="zh-CN" dirty="0" smtClean="0"/>
-              <a:t>C++</a:t>
-            </a:r>
-            <a:r>
-              <a:rPr lang="zh-CN" altLang="en-US" dirty="0" smtClean="0"/>
-              <a:t>回调函数体</a:t>
-            </a:r>
-            <a:r>
-              <a:rPr lang="en-US" altLang="zh-CN" dirty="0" smtClean="0"/>
-              <a:t>,</a:t>
-            </a:r>
-            <a:r>
-              <a:rPr lang="zh-CN" altLang="en-US" dirty="0" smtClean="0"/>
-              <a:t>只要在定义文件内加入类的声明即可</a:t>
-            </a:r>
-            <a:endParaRPr lang="en-US" altLang="zh-CN" dirty="0" smtClean="0"/>
-          </a:p>
-          <a:p>
-            <a:r>
-              <a:rPr lang="zh-CN" altLang="en-US" dirty="0" smtClean="0"/>
-              <a:t>实现</a:t>
-            </a:r>
-            <a:r>
-              <a:rPr lang="en-US" altLang="zh-CN" dirty="0" smtClean="0"/>
-              <a:t>RTTI,</a:t>
-            </a:r>
-            <a:r>
-              <a:rPr lang="zh-CN" altLang="en-US" dirty="0" smtClean="0"/>
-              <a:t>比如</a:t>
-            </a:r>
-            <a:r>
-              <a:rPr lang="en-US" altLang="zh-CN" dirty="0" smtClean="0"/>
-              <a:t>class B</a:t>
-            </a:r>
-            <a:r>
-              <a:rPr lang="zh-CN" altLang="en-US" dirty="0" smtClean="0"/>
-              <a:t>继承自</a:t>
-            </a:r>
-            <a:r>
-              <a:rPr lang="en-US" altLang="zh-CN" dirty="0" smtClean="0"/>
-              <a:t>class A,</a:t>
-            </a:r>
-            <a:r>
-              <a:rPr lang="zh-CN" altLang="en-US" dirty="0" smtClean="0"/>
-              <a:t>那么在</a:t>
-            </a:r>
-            <a:r>
-              <a:rPr lang="en-US" altLang="zh-CN" dirty="0" smtClean="0"/>
-              <a:t>LUA</a:t>
-            </a:r>
-            <a:r>
-              <a:rPr lang="zh-CN" altLang="en-US" dirty="0" smtClean="0"/>
-              <a:t>中创建一个</a:t>
-            </a:r>
-            <a:r>
-              <a:rPr lang="en-US" altLang="zh-CN" dirty="0" smtClean="0"/>
-              <a:t>B</a:t>
-            </a:r>
-            <a:r>
-              <a:rPr lang="zh-CN" altLang="en-US" dirty="0" smtClean="0"/>
-              <a:t>的实例，可以使用</a:t>
-            </a:r>
-            <a:r>
-              <a:rPr lang="en-US" altLang="zh-CN" dirty="0" smtClean="0"/>
-              <a:t>class A</a:t>
-            </a:r>
-            <a:r>
-              <a:rPr lang="zh-CN" altLang="en-US" dirty="0" smtClean="0"/>
-              <a:t>提供的</a:t>
-            </a:r>
-            <a:r>
-              <a:rPr lang="en-US" altLang="zh-CN" dirty="0" smtClean="0"/>
-              <a:t>LUA</a:t>
-            </a:r>
-            <a:r>
-              <a:rPr lang="zh-CN" altLang="en-US" dirty="0" smtClean="0"/>
-              <a:t>接口</a:t>
-            </a:r>
-            <a:endParaRPr lang="en-US" altLang="zh-CN" dirty="0" smtClean="0"/>
+          <a:bodyPr>
+            <a:normAutofit lnSpcReduction="10000"/>
+          </a:bodyPr>
+          <a:lstStyle/>
+          <a:p>
+            <a:r>
+              <a:rPr lang="en-US" dirty="0" err="1" smtClean="0"/>
+              <a:t>int</a:t>
+            </a:r>
+            <a:r>
+              <a:rPr lang="en-US" dirty="0" smtClean="0"/>
+              <a:t> main() </a:t>
+            </a:r>
+          </a:p>
+          <a:p>
+            <a:pPr>
+              <a:buNone/>
+            </a:pPr>
+            <a:r>
+              <a:rPr lang="en-US" dirty="0" smtClean="0"/>
+              <a:t>	{ </a:t>
+            </a:r>
+          </a:p>
+          <a:p>
+            <a:pPr>
+              <a:buNone/>
+            </a:pPr>
+            <a:r>
+              <a:rPr lang="en-US" dirty="0" smtClean="0"/>
+              <a:t>		</a:t>
+            </a:r>
+            <a:r>
+              <a:rPr lang="en-US" dirty="0" err="1" smtClean="0"/>
+              <a:t>lua_State</a:t>
+            </a:r>
+            <a:r>
+              <a:rPr lang="en-US" dirty="0" smtClean="0"/>
+              <a:t>* L = </a:t>
+            </a:r>
+            <a:r>
+              <a:rPr lang="en-US" dirty="0" err="1" smtClean="0"/>
+              <a:t>luaL_newstate</a:t>
+            </a:r>
+            <a:r>
+              <a:rPr lang="en-US" dirty="0" smtClean="0"/>
+              <a:t>(); 	</a:t>
+            </a:r>
+            <a:r>
+              <a:rPr lang="en-US" dirty="0" err="1" smtClean="0"/>
+              <a:t>lua_register</a:t>
+            </a:r>
+            <a:r>
+              <a:rPr lang="en-US" dirty="0" smtClean="0"/>
+              <a:t>(L, “</a:t>
+            </a:r>
+            <a:r>
+              <a:rPr lang="en-US" altLang="zh-CN" dirty="0" smtClean="0"/>
+              <a:t>sub</a:t>
+            </a:r>
+            <a:r>
+              <a:rPr lang="en-US" dirty="0" smtClean="0"/>
+              <a:t>", </a:t>
+            </a:r>
+            <a:r>
+              <a:rPr lang="en-US" altLang="zh-CN" dirty="0" smtClean="0"/>
+              <a:t>sub</a:t>
+            </a:r>
+            <a:r>
+              <a:rPr lang="en-US" dirty="0" smtClean="0"/>
+              <a:t>); </a:t>
+            </a:r>
+          </a:p>
+          <a:p>
+            <a:pPr>
+              <a:buNone/>
+            </a:pPr>
+            <a:r>
+              <a:rPr lang="en-US" dirty="0" smtClean="0"/>
+              <a:t>	const char* </a:t>
+            </a:r>
+            <a:r>
+              <a:rPr lang="en-US" dirty="0" err="1" smtClean="0"/>
+              <a:t>testfunc</a:t>
+            </a:r>
+            <a:r>
+              <a:rPr lang="en-US" dirty="0" smtClean="0"/>
+              <a:t> = “print(sub(1.0,2.0))”;</a:t>
+            </a:r>
+          </a:p>
+          <a:p>
+            <a:pPr>
+              <a:buNone/>
+            </a:pPr>
+            <a:r>
+              <a:rPr lang="en-US" dirty="0" smtClean="0"/>
+              <a:t>		</a:t>
+            </a:r>
+            <a:r>
+              <a:rPr lang="en-US" dirty="0" err="1" smtClean="0"/>
+              <a:t>luaL_dostring</a:t>
+            </a:r>
+            <a:r>
+              <a:rPr lang="en-US" dirty="0" smtClean="0"/>
+              <a:t>(</a:t>
+            </a:r>
+            <a:r>
+              <a:rPr lang="en-US" dirty="0" err="1" smtClean="0"/>
+              <a:t>L,testfunc</a:t>
+            </a:r>
+            <a:r>
+              <a:rPr lang="en-US" dirty="0" smtClean="0"/>
+              <a:t>); </a:t>
+            </a:r>
+          </a:p>
+          <a:p>
+            <a:pPr>
+              <a:buNone/>
+            </a:pPr>
+            <a:r>
+              <a:rPr lang="en-US" dirty="0" smtClean="0"/>
+              <a:t>		</a:t>
+            </a:r>
+            <a:r>
+              <a:rPr lang="en-US" dirty="0" err="1" smtClean="0"/>
+              <a:t>lua_close</a:t>
+            </a:r>
+            <a:r>
+              <a:rPr lang="en-US" dirty="0" smtClean="0"/>
+              <a:t>(L); </a:t>
+            </a:r>
+          </a:p>
+          <a:p>
+            <a:pPr>
+              <a:buNone/>
+            </a:pPr>
+            <a:r>
+              <a:rPr lang="en-US" altLang="zh-CN" dirty="0" smtClean="0"/>
+              <a:t>	}</a:t>
+            </a:r>
+            <a:endParaRPr lang="zh-CN" altLang="en-US" dirty="0"/>
           </a:p>
         </p:txBody>
       </p:sp>
@@ -4295,15 +4217,7 @@
             </a:r>
             <a:r>
               <a:rPr lang="zh-CN" altLang="en-US" dirty="0" smtClean="0"/>
-              <a:t>调用</a:t>
-            </a:r>
-            <a:r>
-              <a:rPr lang="en-US" altLang="zh-CN" dirty="0" smtClean="0"/>
-              <a:t>C++</a:t>
-            </a:r>
-            <a:r>
-              <a:rPr lang="zh-CN" altLang="en-US" dirty="0" smtClean="0"/>
-              <a:t>封装</a:t>
+              <a:t>常用功能</a:t>
             </a:r>
             <a:endParaRPr lang="zh-CN" altLang="en-US" dirty="0"/>
           </a:p>
@@ -4324,102 +4238,7 @@
           <a:bodyPr/>
           <a:lstStyle/>
           <a:p>
-            <a:r>
-              <a:rPr lang="en-US" altLang="zh-CN" dirty="0" err="1" smtClean="0"/>
-              <a:t>tolua</a:t>
-            </a:r>
-            <a:r>
-              <a:rPr lang="zh-CN" altLang="en-US" dirty="0" smtClean="0"/>
-              <a:t>功能强大，简单易用</a:t>
-            </a:r>
-            <a:endParaRPr lang="en-US" altLang="zh-CN" dirty="0" smtClean="0"/>
-          </a:p>
-          <a:p>
-            <a:r>
-              <a:rPr lang="zh-CN" altLang="en-US" dirty="0" smtClean="0"/>
-              <a:t>实现了在</a:t>
-            </a:r>
-            <a:r>
-              <a:rPr lang="en-US" altLang="zh-CN" dirty="0" smtClean="0"/>
-              <a:t>LUA</a:t>
-            </a:r>
-            <a:r>
-              <a:rPr lang="zh-CN" altLang="en-US" dirty="0" smtClean="0"/>
-              <a:t>中创建</a:t>
-            </a:r>
-            <a:r>
-              <a:rPr lang="en-US" altLang="zh-CN" dirty="0" smtClean="0"/>
-              <a:t>C++</a:t>
-            </a:r>
-            <a:r>
-              <a:rPr lang="zh-CN" altLang="en-US" dirty="0" smtClean="0"/>
-              <a:t>对象以及调用类的函数</a:t>
-            </a:r>
-            <a:endParaRPr lang="en-US" altLang="zh-CN" dirty="0" smtClean="0"/>
-          </a:p>
-          <a:p>
-            <a:r>
-              <a:rPr lang="en-US" altLang="zh-CN" dirty="0" smtClean="0"/>
-              <a:t> local layer1 = </a:t>
-            </a:r>
-            <a:r>
-              <a:rPr lang="en-US" altLang="zh-CN" dirty="0" err="1" smtClean="0"/>
-              <a:t>cc.LayerColor:create</a:t>
-            </a:r>
-            <a:r>
-              <a:rPr lang="en-US" altLang="zh-CN" dirty="0" smtClean="0"/>
-              <a:t>(cc.c4b(255, 0, 0, 255), 85, 121);        layer1:setPosition(</a:t>
-            </a:r>
-            <a:r>
-              <a:rPr lang="en-US" altLang="zh-CN" dirty="0" err="1" smtClean="0"/>
-              <a:t>cc.p</a:t>
-            </a:r>
-            <a:r>
-              <a:rPr lang="en-US" altLang="zh-CN" dirty="0" smtClean="0"/>
-              <a:t>(</a:t>
-            </a:r>
-            <a:r>
-              <a:rPr lang="en-US" altLang="zh-CN" dirty="0" err="1" smtClean="0"/>
-              <a:t>s.width</a:t>
-            </a:r>
-            <a:r>
-              <a:rPr lang="en-US" altLang="zh-CN" dirty="0" smtClean="0"/>
-              <a:t>/2-80 - (85.0 * 0.5), </a:t>
-            </a:r>
-            <a:r>
-              <a:rPr lang="en-US" altLang="zh-CN" dirty="0" err="1" smtClean="0"/>
-              <a:t>s.height</a:t>
-            </a:r>
-            <a:r>
-              <a:rPr lang="en-US" altLang="zh-CN" dirty="0" smtClean="0"/>
-              <a:t>/2 - (121.0 * 0.5)));</a:t>
-            </a:r>
-          </a:p>
-          <a:p>
-            <a:r>
-              <a:rPr lang="zh-CN" altLang="en-US" dirty="0" smtClean="0"/>
-              <a:t>写起来很像</a:t>
-            </a:r>
-            <a:r>
-              <a:rPr lang="en-US" altLang="zh-CN" dirty="0" smtClean="0"/>
-              <a:t>C++</a:t>
-            </a:r>
-            <a:r>
-              <a:rPr lang="zh-CN" altLang="en-US" dirty="0" smtClean="0"/>
-              <a:t>，只是把</a:t>
-            </a:r>
-            <a:r>
-              <a:rPr lang="en-US" altLang="zh-CN" dirty="0" smtClean="0"/>
-              <a:t>”-&gt;”</a:t>
-            </a:r>
-            <a:r>
-              <a:rPr lang="zh-CN" altLang="en-US" dirty="0" smtClean="0"/>
-              <a:t>变成了</a:t>
-            </a:r>
-            <a:r>
-              <a:rPr lang="en-US" altLang="zh-CN" dirty="0" smtClean="0"/>
-              <a:t>”:”</a:t>
-            </a:r>
+            <a:endParaRPr lang="zh-CN" altLang="en-US" dirty="0"/>
           </a:p>
         </p:txBody>
       </p:sp>
@@ -4464,20 +4283,12 @@
           <a:lstStyle/>
           <a:p>
             <a:r>
-              <a:rPr lang="en-US" altLang="zh-CN" dirty="0" smtClean="0"/>
-              <a:t>LUA</a:t>
-            </a:r>
-            <a:r>
-              <a:rPr lang="zh-CN" altLang="en-US" dirty="0" smtClean="0"/>
-              <a:t>调用</a:t>
-            </a:r>
-            <a:r>
-              <a:rPr lang="en-US" altLang="zh-CN" dirty="0" smtClean="0"/>
-              <a:t>C++</a:t>
-            </a:r>
-            <a:r>
-              <a:rPr lang="zh-CN" altLang="en-US" dirty="0" smtClean="0"/>
-              <a:t>封装</a:t>
+              <a:rPr lang="en-US" altLang="zh-CN" dirty="0" err="1" smtClean="0"/>
+              <a:t>M</a:t>
+            </a:r>
+            <a:r>
+              <a:rPr lang="en-US" altLang="zh-CN" dirty="0" err="1" smtClean="0"/>
+              <a:t>etatable</a:t>
             </a:r>
             <a:endParaRPr lang="zh-CN" altLang="en-US" dirty="0"/>
           </a:p>
@@ -4499,56 +4310,83 @@
           <a:lstStyle/>
           <a:p>
             <a:r>
-              <a:rPr lang="en-US" altLang="zh-CN" dirty="0" smtClean="0"/>
-              <a:t>Swig</a:t>
-            </a:r>
-          </a:p>
-          <a:p>
-            <a:r>
-              <a:rPr lang="zh-CN" altLang="en-US" dirty="0" smtClean="0"/>
-              <a:t>其实，</a:t>
-            </a:r>
-            <a:r>
-              <a:rPr lang="en-US" altLang="zh-CN" dirty="0" err="1" smtClean="0"/>
-              <a:t>tolua</a:t>
-            </a:r>
-            <a:r>
-              <a:rPr lang="zh-CN" altLang="en-US" dirty="0" smtClean="0"/>
-              <a:t>应该是</a:t>
-            </a:r>
-            <a:r>
-              <a:rPr lang="en-US" altLang="zh-CN" dirty="0" smtClean="0"/>
-              <a:t>swig</a:t>
-            </a:r>
-            <a:r>
-              <a:rPr lang="zh-CN" altLang="en-US" dirty="0" smtClean="0"/>
-              <a:t>的</a:t>
-            </a:r>
-            <a:r>
-              <a:rPr lang="en-US" altLang="zh-CN" dirty="0" err="1" smtClean="0"/>
-              <a:t>lua</a:t>
-            </a:r>
-            <a:r>
-              <a:rPr lang="zh-CN" altLang="en-US" dirty="0" smtClean="0"/>
-              <a:t>特化版本，</a:t>
-            </a:r>
-            <a:r>
-              <a:rPr lang="en-US" altLang="zh-CN" dirty="0" smtClean="0"/>
-              <a:t>swig</a:t>
-            </a:r>
-            <a:r>
-              <a:rPr lang="zh-CN" altLang="en-US" dirty="0" smtClean="0"/>
-              <a:t>强大到没朋友，支持封装</a:t>
-            </a:r>
-            <a:r>
-              <a:rPr lang="en-US" altLang="zh-CN" dirty="0" smtClean="0"/>
-              <a:t>C++</a:t>
-            </a:r>
-            <a:r>
-              <a:rPr lang="zh-CN" altLang="en-US" dirty="0" smtClean="0"/>
-              <a:t>给大多数脚本语言，听过的还没听过的脚本语言都可以用这个强大的封装工具</a:t>
-            </a:r>
-            <a:endParaRPr lang="en-US" altLang="zh-CN" dirty="0" smtClean="0"/>
+              <a:rPr lang="zh-CN" altLang="en-US" dirty="0" smtClean="0"/>
+              <a:t>俗称元表，面向对象功能的基础</a:t>
+            </a:r>
+            <a:endParaRPr lang="en-US" altLang="zh-CN" dirty="0" smtClean="0"/>
+          </a:p>
+          <a:p>
+            <a:r>
+              <a:rPr lang="en-US" altLang="zh-CN" dirty="0" smtClean="0"/>
+              <a:t>table A  table B</a:t>
+            </a:r>
+          </a:p>
+          <a:p>
+            <a:r>
+              <a:rPr lang="en-US" altLang="zh-CN" dirty="0" smtClean="0"/>
+              <a:t>A</a:t>
+            </a:r>
+            <a:r>
+              <a:rPr lang="zh-CN" altLang="en-US" dirty="0" smtClean="0"/>
+              <a:t>是</a:t>
+            </a:r>
+            <a:r>
+              <a:rPr lang="en-US" altLang="zh-CN" dirty="0" smtClean="0"/>
+              <a:t>B</a:t>
+            </a:r>
+            <a:r>
+              <a:rPr lang="zh-CN" altLang="en-US" dirty="0" smtClean="0"/>
+              <a:t>的元表，并且</a:t>
+            </a:r>
+            <a:r>
+              <a:rPr lang="en-US" altLang="zh-CN" dirty="0" err="1" smtClean="0"/>
+              <a:t>A.__index</a:t>
+            </a:r>
+            <a:r>
+              <a:rPr lang="en-US" altLang="zh-CN" dirty="0" smtClean="0"/>
+              <a:t> = A</a:t>
+            </a:r>
+          </a:p>
+          <a:p>
+            <a:r>
+              <a:rPr lang="zh-CN" altLang="en-US" dirty="0" smtClean="0"/>
+              <a:t>则当索引</a:t>
+            </a:r>
+            <a:r>
+              <a:rPr lang="en-US" altLang="zh-CN" dirty="0" smtClean="0"/>
+              <a:t>B</a:t>
+            </a:r>
+            <a:r>
+              <a:rPr lang="zh-CN" altLang="en-US" dirty="0" smtClean="0"/>
+              <a:t>中不存在的</a:t>
+            </a:r>
+            <a:r>
+              <a:rPr lang="en-US" altLang="zh-CN" dirty="0" smtClean="0"/>
+              <a:t>key</a:t>
+            </a:r>
+            <a:r>
+              <a:rPr lang="zh-CN" altLang="en-US" dirty="0" smtClean="0"/>
+              <a:t>的时候，会到</a:t>
+            </a:r>
+            <a:r>
+              <a:rPr lang="en-US" altLang="zh-CN" dirty="0" smtClean="0"/>
+              <a:t>A</a:t>
+            </a:r>
+            <a:r>
+              <a:rPr lang="zh-CN" altLang="en-US" dirty="0" smtClean="0"/>
+              <a:t>中去</a:t>
+            </a:r>
+            <a:r>
+              <a:rPr lang="zh-CN" altLang="en-US" dirty="0" smtClean="0"/>
+              <a:t>查找</a:t>
+            </a:r>
+            <a:endParaRPr lang="en-US" altLang="zh-CN" dirty="0" smtClean="0"/>
+          </a:p>
+          <a:p>
+            <a:pPr>
+              <a:buNone/>
+            </a:pPr>
+            <a:endParaRPr lang="zh-CN" altLang="en-US" dirty="0"/>
           </a:p>
         </p:txBody>
       </p:sp>
@@ -4593,77 +4431,89 @@
           <a:lstStyle/>
           <a:p>
             <a:r>
+              <a:rPr lang="en-US" altLang="zh-CN" dirty="0" err="1" smtClean="0"/>
+              <a:t>metamethod</a:t>
+            </a:r>
+            <a:r>
+              <a:rPr lang="en-US" altLang="zh-CN" dirty="0" smtClean="0"/>
+              <a:t> </a:t>
+            </a:r>
+            <a:endParaRPr lang="zh-CN" altLang="en-US" dirty="0"/>
+          </a:p>
+        </p:txBody>
+      </p:sp>
+      <p:sp>
+        <p:nvSpPr>
+          <p:cNvPr id="3" name="内容占位符 2"/>
+          <p:cNvSpPr>
+            <a:spLocks noGrp="1"/>
+          </p:cNvSpPr>
+          <p:nvPr>
+            <p:ph idx="1"/>
+          </p:nvPr>
+        </p:nvSpPr>
+        <p:spPr/>
+        <p:txBody>
+          <a:bodyPr/>
+          <a:lstStyle/>
+          <a:p>
+            <a:r>
+              <a:rPr lang="en-US" altLang="zh-CN" dirty="0" smtClean="0"/>
+              <a:t>__index</a:t>
+            </a:r>
+            <a:r>
+              <a:rPr lang="zh-CN" altLang="en-US" dirty="0" smtClean="0"/>
+              <a:t>是</a:t>
+            </a:r>
+            <a:r>
+              <a:rPr lang="en-US" altLang="zh-CN" dirty="0" smtClean="0"/>
+              <a:t>what</a:t>
+            </a:r>
+            <a:r>
+              <a:rPr lang="zh-CN" altLang="en-US" dirty="0" smtClean="0"/>
+              <a:t>？</a:t>
+            </a:r>
+            <a:endParaRPr lang="en-US" altLang="zh-CN" dirty="0" smtClean="0"/>
+          </a:p>
+          <a:p>
+            <a:r>
+              <a:rPr lang="en-US" altLang="zh-CN" dirty="0" smtClean="0"/>
+              <a:t>__index</a:t>
+            </a:r>
+            <a:r>
+              <a:rPr lang="zh-CN" altLang="en-US" dirty="0" smtClean="0"/>
+              <a:t>就是</a:t>
+            </a:r>
+            <a:r>
+              <a:rPr lang="en-US" altLang="zh-CN" dirty="0" err="1" smtClean="0"/>
+              <a:t>metamethod</a:t>
+            </a:r>
+            <a:endParaRPr lang="en-US" altLang="zh-CN" dirty="0" smtClean="0"/>
+          </a:p>
+          <a:p>
+            <a:r>
+              <a:rPr lang="zh-CN" altLang="en-US" dirty="0" smtClean="0"/>
+              <a:t>如果用</a:t>
+            </a:r>
+            <a:r>
               <a:rPr lang="en-US" altLang="zh-CN" dirty="0" smtClean="0"/>
               <a:t>C++</a:t>
             </a:r>
             <a:r>
               <a:rPr lang="zh-CN" altLang="en-US" dirty="0" smtClean="0"/>
-              <a:t>调用</a:t>
-            </a:r>
-            <a:r>
-              <a:rPr lang="en-US" altLang="zh-CN" dirty="0" smtClean="0"/>
-              <a:t>LUA</a:t>
-            </a:r>
-            <a:endParaRPr lang="zh-CN" altLang="en-US" dirty="0"/>
-          </a:p>
-        </p:txBody>
-      </p:sp>
-      <p:sp>
-        <p:nvSpPr>
-          <p:cNvPr id="3" name="内容占位符 2"/>
-          <p:cNvSpPr>
-            <a:spLocks noGrp="1"/>
-          </p:cNvSpPr>
-          <p:nvPr>
-            <p:ph idx="1"/>
-          </p:nvPr>
-        </p:nvSpPr>
-        <p:spPr/>
-        <p:txBody>
-          <a:bodyPr/>
-          <a:lstStyle/>
-          <a:p>
-            <a:r>
-              <a:rPr lang="zh-CN" altLang="en-US" dirty="0" smtClean="0"/>
-              <a:t>如何索引一个函数？</a:t>
-            </a:r>
-            <a:endParaRPr lang="en-US" altLang="zh-CN" dirty="0" smtClean="0"/>
-          </a:p>
-          <a:p>
-            <a:r>
-              <a:rPr lang="zh-CN" altLang="en-US" dirty="0" smtClean="0"/>
-              <a:t>字符串</a:t>
-            </a:r>
-            <a:endParaRPr lang="en-US" altLang="zh-CN" dirty="0" smtClean="0"/>
-          </a:p>
-          <a:p>
-            <a:r>
-              <a:rPr lang="zh-CN" altLang="en-US" dirty="0" smtClean="0"/>
-              <a:t>如何保存一个函数在</a:t>
-            </a:r>
-            <a:r>
-              <a:rPr lang="en-US" altLang="zh-CN" dirty="0" smtClean="0"/>
-              <a:t>C++</a:t>
-            </a:r>
-            <a:r>
-              <a:rPr lang="zh-CN" altLang="en-US" dirty="0" smtClean="0"/>
-              <a:t>？</a:t>
-            </a:r>
-            <a:endParaRPr lang="en-US" altLang="zh-CN" dirty="0" smtClean="0"/>
-          </a:p>
-          <a:p>
-            <a:r>
-              <a:rPr lang="zh-CN" altLang="en-US" dirty="0" smtClean="0"/>
-              <a:t>字符串？貌似不行，只能索引，无法保证</a:t>
-            </a:r>
-            <a:r>
-              <a:rPr lang="en-US" altLang="zh-CN" dirty="0" err="1" smtClean="0"/>
-              <a:t>gc</a:t>
-            </a:r>
-            <a:r>
-              <a:rPr lang="zh-CN" altLang="en-US" dirty="0" smtClean="0"/>
-              <a:t>不把在一个局部作用域的函数干掉</a:t>
-            </a:r>
+              <a:t>来理解，那就是默认操作符，而且</a:t>
+            </a:r>
+            <a:r>
+              <a:rPr lang="en-US" altLang="zh-CN" dirty="0" err="1" smtClean="0"/>
+              <a:t>lua</a:t>
+            </a:r>
+            <a:r>
+              <a:rPr lang="zh-CN" altLang="en-US" dirty="0" smtClean="0"/>
+              <a:t>里也可以重载默认操作符（函数）</a:t>
+            </a:r>
+            <a:endParaRPr lang="en-US" altLang="zh-CN" dirty="0" smtClean="0"/>
+          </a:p>
+          <a:p>
             <a:endParaRPr lang="zh-CN" altLang="en-US" dirty="0"/>
           </a:p>
         </p:txBody>
@@ -4709,16 +4559,8 @@
           <a:lstStyle/>
           <a:p>
             <a:r>
-              <a:rPr lang="en-US" altLang="zh-CN" dirty="0" smtClean="0"/>
-              <a:t>C++</a:t>
-            </a:r>
-            <a:r>
-              <a:rPr lang="zh-CN" altLang="en-US" dirty="0" smtClean="0"/>
-              <a:t>调用</a:t>
-            </a:r>
-            <a:r>
-              <a:rPr lang="en-US" altLang="zh-CN" dirty="0" smtClean="0"/>
-              <a:t>LUA</a:t>
+              <a:rPr lang="en-US" altLang="zh-CN" dirty="0" err="1" smtClean="0"/>
+              <a:t>metamethod</a:t>
             </a:r>
             <a:endParaRPr lang="zh-CN" altLang="en-US" dirty="0"/>
           </a:p>
@@ -4736,70 +4578,108 @@
         </p:nvSpPr>
         <p:spPr/>
         <p:txBody>
-          <a:bodyPr/>
-          <a:lstStyle/>
-          <a:p>
-            <a:r>
-              <a:rPr lang="zh-CN" altLang="en-US" dirty="0" smtClean="0"/>
-              <a:t>这个无现成的强大组件了</a:t>
-            </a:r>
-            <a:endParaRPr lang="en-US" altLang="zh-CN" dirty="0" smtClean="0"/>
-          </a:p>
-          <a:p>
-            <a:r>
-              <a:rPr lang="en-US" altLang="zh-CN" dirty="0" smtClean="0"/>
-              <a:t>Ref</a:t>
-            </a:r>
-            <a:r>
-              <a:rPr lang="zh-CN" altLang="en-US" dirty="0" smtClean="0"/>
-              <a:t>功能</a:t>
-            </a:r>
-            <a:endParaRPr lang="en-US" altLang="zh-CN" dirty="0" smtClean="0"/>
-          </a:p>
-          <a:p>
-            <a:r>
-              <a:rPr lang="zh-CN" altLang="en-US" dirty="0" smtClean="0"/>
-              <a:t>如果</a:t>
-            </a:r>
-            <a:r>
-              <a:rPr lang="en-US" altLang="zh-CN" dirty="0" smtClean="0"/>
-              <a:t>LUA</a:t>
-            </a:r>
-            <a:r>
-              <a:rPr lang="zh-CN" altLang="en-US" dirty="0" smtClean="0"/>
-              <a:t>函数是在全局作用域，不会被回收，那么</a:t>
-            </a:r>
-            <a:r>
-              <a:rPr lang="en-US" altLang="zh-CN" dirty="0" smtClean="0"/>
-              <a:t>Ref</a:t>
-            </a:r>
-            <a:r>
-              <a:rPr lang="zh-CN" altLang="en-US" dirty="0" smtClean="0"/>
-              <a:t>只有索引功能</a:t>
-            </a:r>
-            <a:r>
-              <a:rPr lang="en-US" altLang="zh-CN" dirty="0" smtClean="0"/>
-              <a:t>,</a:t>
-            </a:r>
-            <a:r>
-              <a:rPr lang="zh-CN" altLang="en-US" dirty="0" smtClean="0"/>
-              <a:t>例如</a:t>
-            </a:r>
-            <a:r>
-              <a:rPr lang="en-US" altLang="zh-CN" dirty="0" smtClean="0"/>
-              <a:t>CE</a:t>
-            </a:r>
-            <a:r>
-              <a:rPr lang="zh-CN" altLang="en-US" dirty="0" smtClean="0"/>
-              <a:t>里边保存函数可以</a:t>
-            </a:r>
-            <a:r>
-              <a:rPr lang="en-US" altLang="zh-CN" dirty="0" smtClean="0"/>
-              <a:t>o(1)</a:t>
-            </a:r>
-            <a:r>
-              <a:rPr lang="zh-CN" altLang="en-US" dirty="0" smtClean="0"/>
-              <a:t>消耗的将函数获得到栈顶</a:t>
+          <a:bodyPr>
+            <a:normAutofit lnSpcReduction="10000"/>
+          </a:bodyPr>
+          <a:lstStyle/>
+          <a:p>
+            <a:r>
+              <a:rPr lang="en-US" altLang="zh-CN" dirty="0" smtClean="0"/>
+              <a:t>Window = {} </a:t>
+            </a:r>
+          </a:p>
+          <a:p>
+            <a:pPr>
+              <a:buNone/>
+            </a:pPr>
+            <a:r>
+              <a:rPr lang="en-US" altLang="zh-CN" dirty="0" smtClean="0"/>
+              <a:t>    </a:t>
+            </a:r>
+            <a:r>
+              <a:rPr lang="en-US" altLang="zh-CN" dirty="0" err="1" smtClean="0"/>
+              <a:t>Window.prototype</a:t>
+            </a:r>
+            <a:r>
+              <a:rPr lang="en-US" altLang="zh-CN" dirty="0" smtClean="0"/>
+              <a:t> </a:t>
+            </a:r>
+            <a:r>
+              <a:rPr lang="en-US" altLang="zh-CN" dirty="0" smtClean="0"/>
+              <a:t>= {x=0, y=0, width=100, height=100, } </a:t>
+            </a:r>
+          </a:p>
+          <a:p>
+            <a:pPr>
+              <a:buNone/>
+            </a:pPr>
+            <a:r>
+              <a:rPr lang="en-US" altLang="zh-CN" dirty="0" smtClean="0"/>
+              <a:t>    Window.mt </a:t>
+            </a:r>
+            <a:r>
+              <a:rPr lang="en-US" altLang="zh-CN" dirty="0" smtClean="0"/>
+              <a:t>= {} </a:t>
+            </a:r>
+          </a:p>
+          <a:p>
+            <a:pPr>
+              <a:buNone/>
+            </a:pPr>
+            <a:r>
+              <a:rPr lang="en-US" altLang="zh-CN" dirty="0" smtClean="0"/>
+              <a:t>    function </a:t>
+            </a:r>
+            <a:r>
+              <a:rPr lang="en-US" altLang="zh-CN" dirty="0" err="1" smtClean="0"/>
+              <a:t>Window.new</a:t>
+            </a:r>
+            <a:r>
+              <a:rPr lang="en-US" altLang="zh-CN" dirty="0" smtClean="0"/>
+              <a:t> (o) </a:t>
+            </a:r>
+          </a:p>
+          <a:p>
+            <a:pPr>
+              <a:buNone/>
+            </a:pPr>
+            <a:r>
+              <a:rPr lang="en-US" altLang="zh-CN" dirty="0" smtClean="0"/>
+              <a:t>		</a:t>
+            </a:r>
+            <a:r>
+              <a:rPr lang="en-US" altLang="zh-CN" dirty="0" err="1" smtClean="0"/>
+              <a:t>setmetatable</a:t>
+            </a:r>
+            <a:r>
+              <a:rPr lang="en-US" altLang="zh-CN" dirty="0" smtClean="0"/>
+              <a:t>(o</a:t>
+            </a:r>
+            <a:r>
+              <a:rPr lang="en-US" altLang="zh-CN" dirty="0" smtClean="0"/>
+              <a:t>, Window.mt) </a:t>
+            </a:r>
+          </a:p>
+          <a:p>
+            <a:pPr>
+              <a:buNone/>
+            </a:pPr>
+            <a:r>
+              <a:rPr lang="en-US" altLang="zh-CN" dirty="0" smtClean="0"/>
+              <a:t>		return </a:t>
+            </a:r>
+            <a:r>
+              <a:rPr lang="en-US" altLang="zh-CN" dirty="0" smtClean="0"/>
+              <a:t>o </a:t>
+            </a:r>
+          </a:p>
+          <a:p>
+            <a:pPr>
+              <a:buNone/>
+            </a:pPr>
+            <a:r>
+              <a:rPr lang="en-US" altLang="zh-CN" dirty="0" smtClean="0"/>
+              <a:t>	end</a:t>
             </a:r>
             <a:endParaRPr lang="zh-CN" altLang="en-US" dirty="0"/>
           </a:p>
@@ -4846,120 +4726,86 @@
           <a:lstStyle/>
           <a:p>
             <a:r>
+              <a:rPr lang="zh-CN" altLang="en-US" dirty="0" smtClean="0"/>
+              <a:t>提纲</a:t>
+            </a:r>
+            <a:endParaRPr lang="zh-CN" altLang="en-US" dirty="0"/>
+          </a:p>
+        </p:txBody>
+      </p:sp>
+      <p:sp>
+        <p:nvSpPr>
+          <p:cNvPr id="3" name="内容占位符 2"/>
+          <p:cNvSpPr>
+            <a:spLocks noGrp="1"/>
+          </p:cNvSpPr>
+          <p:nvPr>
+            <p:ph idx="1"/>
+          </p:nvPr>
+        </p:nvSpPr>
+        <p:spPr/>
+        <p:txBody>
+          <a:bodyPr/>
+          <a:lstStyle/>
+          <a:p>
+            <a:r>
+              <a:rPr lang="zh-CN" altLang="en-US" dirty="0" smtClean="0"/>
+              <a:t>简介</a:t>
+            </a:r>
+            <a:endParaRPr lang="en-US" altLang="zh-CN" dirty="0" smtClean="0"/>
+          </a:p>
+          <a:p>
+            <a:r>
               <a:rPr lang="en-US" altLang="zh-CN" dirty="0" smtClean="0"/>
               <a:t>LUA</a:t>
             </a:r>
             <a:r>
               <a:rPr lang="zh-CN" altLang="en-US" dirty="0" smtClean="0"/>
-              <a:t>？</a:t>
-            </a:r>
-            <a:endParaRPr lang="zh-CN" altLang="en-US" dirty="0"/>
-          </a:p>
-        </p:txBody>
-      </p:sp>
-      <p:sp>
-        <p:nvSpPr>
-          <p:cNvPr id="3" name="内容占位符 2"/>
-          <p:cNvSpPr>
-            <a:spLocks noGrp="1"/>
-          </p:cNvSpPr>
-          <p:nvPr>
-            <p:ph idx="1"/>
-          </p:nvPr>
-        </p:nvSpPr>
-        <p:spPr/>
-        <p:txBody>
-          <a:bodyPr/>
-          <a:lstStyle/>
-          <a:p>
-            <a:r>
-              <a:rPr lang="zh-CN" altLang="en-US" dirty="0" smtClean="0"/>
-              <a:t>游戏开发使用</a:t>
+              <a:t>的几个基础特性和功能</a:t>
+            </a:r>
+            <a:endParaRPr lang="en-US" altLang="zh-CN" dirty="0" smtClean="0"/>
+          </a:p>
+          <a:p>
+            <a:r>
+              <a:rPr lang="en-US" altLang="zh-CN" dirty="0" err="1" smtClean="0"/>
+              <a:t>Tolua</a:t>
+            </a:r>
+            <a:r>
+              <a:rPr lang="zh-CN" altLang="en-US" dirty="0" smtClean="0"/>
+              <a:t>简介和原理分析</a:t>
+            </a:r>
+            <a:endParaRPr lang="en-US" altLang="zh-CN" dirty="0" smtClean="0"/>
+          </a:p>
+          <a:p>
+            <a:r>
+              <a:rPr lang="en-US" altLang="zh-CN" dirty="0" smtClean="0"/>
+              <a:t>CE3</a:t>
+            </a:r>
+            <a:r>
+              <a:rPr lang="zh-CN" altLang="en-US" dirty="0" smtClean="0"/>
+              <a:t>引擎对</a:t>
             </a:r>
             <a:r>
               <a:rPr lang="en-US" altLang="zh-CN" dirty="0" smtClean="0"/>
               <a:t>LUA</a:t>
             </a:r>
-          </a:p>
-          <a:p>
-            <a:r>
-              <a:rPr lang="en-US" altLang="zh-CN" dirty="0" smtClean="0"/>
-              <a:t>1.</a:t>
-            </a:r>
-            <a:r>
-              <a:rPr lang="zh-CN" altLang="en-US" dirty="0" smtClean="0"/>
-              <a:t>嵌入式语言</a:t>
-            </a:r>
-            <a:r>
-              <a:rPr lang="en-US" altLang="zh-CN" dirty="0" smtClean="0"/>
-              <a:t>(</a:t>
-            </a:r>
-            <a:r>
-              <a:rPr lang="zh-CN" altLang="en-US" dirty="0" smtClean="0"/>
-              <a:t>无法独立存在</a:t>
-            </a:r>
-            <a:r>
-              <a:rPr lang="en-US" altLang="zh-CN" dirty="0" smtClean="0"/>
-              <a:t>)</a:t>
-            </a:r>
-          </a:p>
-          <a:p>
-            <a:r>
-              <a:rPr lang="en-US" altLang="zh-CN" dirty="0" smtClean="0"/>
-              <a:t>2.</a:t>
-            </a:r>
-            <a:r>
-              <a:rPr lang="zh-CN" altLang="en-US" dirty="0" smtClean="0"/>
-              <a:t>轻量</a:t>
-            </a:r>
-            <a:r>
-              <a:rPr lang="en-US" altLang="zh-CN" dirty="0" smtClean="0"/>
-              <a:t>(5.02  120K,python,perl  1M)</a:t>
-            </a:r>
-          </a:p>
-          <a:p>
-            <a:r>
-              <a:rPr lang="en-US" altLang="zh-CN" dirty="0" smtClean="0"/>
-              <a:t>2.</a:t>
-            </a:r>
-            <a:r>
-              <a:rPr lang="zh-CN" altLang="en-US" dirty="0" smtClean="0"/>
-              <a:t>易于扩展</a:t>
-            </a:r>
-            <a:r>
-              <a:rPr lang="en-US" altLang="zh-CN" dirty="0" smtClean="0"/>
-              <a:t>(C,C++</a:t>
-            </a:r>
-            <a:r>
-              <a:rPr lang="zh-CN" altLang="en-US" dirty="0" smtClean="0"/>
-              <a:t>注册回调函数</a:t>
-            </a:r>
-            <a:r>
-              <a:rPr lang="en-US" altLang="zh-CN" dirty="0" smtClean="0"/>
-              <a:t>)</a:t>
-            </a:r>
-          </a:p>
-          <a:p>
-            <a:r>
-              <a:rPr lang="en-US" altLang="zh-CN" dirty="0" smtClean="0"/>
-              <a:t>3.</a:t>
-            </a:r>
-            <a:r>
-              <a:rPr lang="zh-CN" altLang="en-US" dirty="0" smtClean="0"/>
-              <a:t>功能丰富</a:t>
-            </a:r>
-            <a:r>
-              <a:rPr lang="en-US" altLang="zh-CN" dirty="0" smtClean="0"/>
-              <a:t>(table</a:t>
-            </a:r>
-            <a:r>
-              <a:rPr lang="zh-CN" altLang="en-US" dirty="0" smtClean="0"/>
-              <a:t>，元表元方法实现面向对象机制</a:t>
-            </a:r>
-            <a:r>
-              <a:rPr lang="en-US" altLang="zh-CN" dirty="0" smtClean="0"/>
-              <a:t>)</a:t>
-            </a:r>
+            <a:r>
+              <a:rPr lang="zh-CN" altLang="en-US" dirty="0" smtClean="0"/>
+              <a:t>的封装和使用框架</a:t>
+            </a:r>
+            <a:endParaRPr lang="en-US" altLang="zh-CN" dirty="0" smtClean="0"/>
+          </a:p>
+          <a:p>
+            <a:r>
+              <a:rPr lang="zh-CN" altLang="en-US" dirty="0" smtClean="0"/>
+              <a:t>其他引擎</a:t>
+            </a:r>
+            <a:r>
+              <a:rPr lang="en-US" altLang="zh-CN" dirty="0" smtClean="0"/>
+              <a:t>ETC</a:t>
+            </a:r>
+          </a:p>
+          <a:p>
             <a:endParaRPr lang="zh-CN" altLang="en-US" dirty="0"/>
           </a:p>
         </p:txBody>
@@ -5005,16 +4851,8 @@
           <a:lstStyle/>
           <a:p>
             <a:r>
-              <a:rPr lang="en-US" altLang="zh-CN" dirty="0" smtClean="0"/>
-              <a:t>C++</a:t>
-            </a:r>
-            <a:r>
-              <a:rPr lang="zh-CN" altLang="en-US" dirty="0" smtClean="0"/>
-              <a:t>调用</a:t>
-            </a:r>
-            <a:r>
-              <a:rPr lang="en-US" altLang="zh-CN" dirty="0" smtClean="0"/>
-              <a:t>LUA</a:t>
+              <a:rPr lang="en-US" altLang="zh-CN" dirty="0" err="1" smtClean="0"/>
+              <a:t>metamethod</a:t>
             </a:r>
             <a:endParaRPr lang="zh-CN" altLang="en-US" dirty="0"/>
           </a:p>
@@ -5036,66 +4874,83 @@
           <a:lstStyle/>
           <a:p>
             <a:r>
-              <a:rPr lang="en-US" altLang="zh-CN" dirty="0" smtClean="0"/>
-              <a:t>Ref</a:t>
-            </a:r>
-            <a:r>
-              <a:rPr lang="zh-CN" altLang="en-US" dirty="0" smtClean="0"/>
-              <a:t>功能</a:t>
-            </a:r>
-            <a:r>
-              <a:rPr lang="en-US" altLang="zh-CN" dirty="0" smtClean="0"/>
-              <a:t>,</a:t>
-            </a:r>
-            <a:r>
-              <a:rPr lang="zh-CN" altLang="en-US" dirty="0" smtClean="0"/>
-              <a:t>保存</a:t>
-            </a:r>
-            <a:r>
-              <a:rPr lang="en-US" altLang="zh-CN" dirty="0" smtClean="0"/>
-              <a:t>value</a:t>
-            </a:r>
-          </a:p>
-          <a:p>
-            <a:r>
-              <a:rPr lang="zh-CN" altLang="en-US" dirty="0" smtClean="0"/>
-              <a:t>如果</a:t>
-            </a:r>
-            <a:r>
-              <a:rPr lang="en-US" altLang="zh-CN" dirty="0" smtClean="0"/>
-              <a:t>LUA</a:t>
-            </a:r>
-            <a:r>
-              <a:rPr lang="zh-CN" altLang="en-US" dirty="0" smtClean="0"/>
-              <a:t>函数是在局部作用域</a:t>
-            </a:r>
-            <a:r>
-              <a:rPr lang="en-US" altLang="zh-CN" dirty="0" smtClean="0"/>
-              <a:t>,</a:t>
-            </a:r>
-            <a:r>
-              <a:rPr lang="zh-CN" altLang="en-US" dirty="0" smtClean="0"/>
-              <a:t>会被回收</a:t>
-            </a:r>
-            <a:r>
-              <a:rPr lang="en-US" altLang="zh-CN" dirty="0" smtClean="0"/>
-              <a:t>,</a:t>
-            </a:r>
-            <a:r>
-              <a:rPr lang="zh-CN" altLang="en-US" dirty="0" smtClean="0"/>
-              <a:t>那么</a:t>
-            </a:r>
-            <a:r>
-              <a:rPr lang="en-US" altLang="zh-CN" dirty="0" smtClean="0"/>
-              <a:t>Ref</a:t>
-            </a:r>
-            <a:r>
-              <a:rPr lang="zh-CN" altLang="en-US" dirty="0" smtClean="0"/>
-              <a:t>则可以保证该函数离开作用域后不被回收</a:t>
-            </a:r>
-            <a:endParaRPr lang="en-US" altLang="zh-CN" dirty="0" smtClean="0"/>
-          </a:p>
-          <a:p>
+              <a:rPr lang="en-US" altLang="zh-CN" dirty="0" err="1" smtClean="0"/>
+              <a:t>Window.mt.__index</a:t>
+            </a:r>
+            <a:r>
+              <a:rPr lang="en-US" altLang="zh-CN" dirty="0" smtClean="0"/>
+              <a:t> = function (table, key) </a:t>
+            </a:r>
+          </a:p>
+          <a:p>
+            <a:pPr>
+              <a:buNone/>
+            </a:pPr>
+            <a:r>
+              <a:rPr lang="en-US" altLang="zh-CN" dirty="0" smtClean="0"/>
+              <a:t>		return </a:t>
+            </a:r>
+            <a:r>
+              <a:rPr lang="en-US" altLang="zh-CN" dirty="0" err="1" smtClean="0"/>
+              <a:t>Window.prototype</a:t>
+            </a:r>
+            <a:r>
+              <a:rPr lang="en-US" altLang="zh-CN" dirty="0" smtClean="0"/>
+              <a:t>[key] </a:t>
+            </a:r>
+          </a:p>
+          <a:p>
+            <a:pPr>
+              <a:buNone/>
+            </a:pPr>
+            <a:r>
+              <a:rPr lang="en-US" altLang="zh-CN" dirty="0" smtClean="0"/>
+              <a:t>	end</a:t>
+            </a:r>
+          </a:p>
+          <a:p>
+            <a:pPr>
+              <a:buNone/>
+            </a:pPr>
+            <a:endParaRPr lang="en-US" altLang="zh-CN" dirty="0" smtClean="0"/>
+          </a:p>
+          <a:p>
+            <a:pPr>
+              <a:buNone/>
+            </a:pPr>
+            <a:r>
+              <a:rPr lang="en-US" altLang="zh-CN" dirty="0" smtClean="0"/>
+              <a:t>	w </a:t>
+            </a:r>
+            <a:r>
+              <a:rPr lang="en-US" altLang="zh-CN" dirty="0" smtClean="0"/>
+              <a:t>= </a:t>
+            </a:r>
+            <a:r>
+              <a:rPr lang="en-US" altLang="zh-CN" dirty="0" err="1" smtClean="0"/>
+              <a:t>Window.new</a:t>
+            </a:r>
+            <a:r>
+              <a:rPr lang="en-US" altLang="zh-CN" dirty="0" smtClean="0"/>
+              <a:t>{x=10, y=20} </a:t>
+            </a:r>
+          </a:p>
+          <a:p>
+            <a:pPr>
+              <a:buNone/>
+            </a:pPr>
+            <a:r>
+              <a:rPr lang="en-US" altLang="zh-CN" dirty="0" smtClean="0"/>
+              <a:t>	print(</a:t>
+            </a:r>
+            <a:r>
+              <a:rPr lang="en-US" altLang="zh-CN" dirty="0" err="1" smtClean="0"/>
+              <a:t>w.width</a:t>
+            </a:r>
+            <a:r>
+              <a:rPr lang="en-US" altLang="zh-CN" dirty="0" smtClean="0"/>
+              <a:t>) --&gt; 100</a:t>
+            </a:r>
             <a:endParaRPr lang="zh-CN" altLang="en-US" dirty="0"/>
           </a:p>
         </p:txBody>
@@ -5141,16 +4996,8 @@
           <a:lstStyle/>
           <a:p>
             <a:r>
-              <a:rPr lang="en-US" altLang="zh-CN" dirty="0" smtClean="0"/>
-              <a:t>C++</a:t>
-            </a:r>
-            <a:r>
-              <a:rPr lang="zh-CN" altLang="en-US" dirty="0" smtClean="0"/>
-              <a:t>调用</a:t>
-            </a:r>
-            <a:r>
-              <a:rPr lang="en-US" altLang="zh-CN" dirty="0" smtClean="0"/>
-              <a:t>LUA</a:t>
+              <a:rPr lang="en-US" altLang="zh-CN" dirty="0" err="1" smtClean="0"/>
+              <a:t>Metatable</a:t>
             </a:r>
             <a:endParaRPr lang="zh-CN" altLang="en-US" dirty="0"/>
           </a:p>
@@ -5168,123 +5015,53 @@
         </p:nvSpPr>
         <p:spPr/>
         <p:txBody>
-          <a:bodyPr>
-            <a:normAutofit/>
-          </a:bodyPr>
-          <a:lstStyle/>
-          <a:p>
-            <a:r>
-              <a:rPr lang="en-US" altLang="zh-CN" dirty="0" smtClean="0"/>
-              <a:t>function Init()</a:t>
-            </a:r>
-          </a:p>
-          <a:p>
-            <a:pPr>
-              <a:buNone/>
-            </a:pPr>
-            <a:r>
-              <a:rPr lang="en-US" altLang="zh-CN" dirty="0" smtClean="0"/>
-              <a:t>        local ret = </a:t>
-            </a:r>
-            <a:r>
-              <a:rPr lang="en-US" altLang="zh-CN" dirty="0" err="1" smtClean="0"/>
-              <a:t>createTestLayer</a:t>
-            </a:r>
-            <a:r>
-              <a:rPr lang="en-US" altLang="zh-CN" dirty="0" smtClean="0"/>
-              <a:t>(“</a:t>
-            </a:r>
-            <a:r>
-              <a:rPr lang="en-US" altLang="zh-CN" dirty="0" err="1" smtClean="0"/>
-              <a:t>Zwoptex</a:t>
-            </a:r>
-            <a:r>
-              <a:rPr lang="en-US" altLang="zh-CN" dirty="0" smtClean="0"/>
-              <a:t> Tests”);</a:t>
-            </a:r>
-          </a:p>
-          <a:p>
-            <a:pPr>
-              <a:buNone/>
-            </a:pPr>
-            <a:r>
-              <a:rPr lang="en-US" altLang="zh-CN" dirty="0" smtClean="0"/>
-              <a:t>        local function </a:t>
-            </a:r>
-            <a:r>
-              <a:rPr lang="en-US" altLang="zh-CN" dirty="0" err="1" smtClean="0"/>
-              <a:t>onEnter</a:t>
-            </a:r>
-            <a:r>
-              <a:rPr lang="en-US" altLang="zh-CN" dirty="0" smtClean="0"/>
-              <a:t>()</a:t>
-            </a:r>
-          </a:p>
-          <a:p>
-            <a:pPr>
-              <a:buNone/>
-            </a:pPr>
-            <a:r>
-              <a:rPr lang="en-US" altLang="zh-CN" dirty="0" smtClean="0"/>
-              <a:t>            </a:t>
-            </a:r>
-            <a:r>
-              <a:rPr lang="en-US" altLang="zh-CN" dirty="0" err="1" smtClean="0"/>
-              <a:t>xxxx</a:t>
-            </a:r>
-            <a:r>
-              <a:rPr lang="en-US" altLang="zh-CN" dirty="0" smtClean="0"/>
-              <a:t>…</a:t>
-            </a:r>
-          </a:p>
-          <a:p>
-            <a:pPr>
-              <a:buNone/>
-            </a:pPr>
-            <a:r>
-              <a:rPr lang="en-US" altLang="zh-CN" dirty="0" smtClean="0"/>
-              <a:t>        end;</a:t>
-            </a:r>
-          </a:p>
-          <a:p>
-            <a:pPr>
-              <a:buNone/>
-            </a:pPr>
-            <a:r>
-              <a:rPr lang="en-US" altLang="zh-CN" dirty="0" smtClean="0"/>
-              <a:t>        </a:t>
-            </a:r>
-            <a:r>
-              <a:rPr lang="en-US" altLang="zh-CN" dirty="0" err="1" smtClean="0"/>
-              <a:t>ret:registerScriptHandler</a:t>
-            </a:r>
-            <a:r>
-              <a:rPr lang="en-US" altLang="zh-CN" dirty="0" smtClean="0"/>
-              <a:t>(</a:t>
-            </a:r>
-            <a:r>
-              <a:rPr lang="en-US" altLang="zh-CN" dirty="0" err="1" smtClean="0"/>
-              <a:t>onEnter</a:t>
-            </a:r>
-            <a:r>
-              <a:rPr lang="en-US" altLang="zh-CN" dirty="0" smtClean="0"/>
-              <a:t>);</a:t>
-            </a:r>
-          </a:p>
-          <a:p>
-            <a:pPr>
-              <a:buNone/>
-            </a:pPr>
-            <a:r>
-              <a:rPr lang="en-US" altLang="zh-CN" dirty="0" smtClean="0"/>
-              <a:t>    end;</a:t>
-            </a:r>
-          </a:p>
-          <a:p>
-            <a:pPr>
-              <a:buNone/>
-            </a:pPr>
-            <a:endParaRPr lang="en-US" altLang="zh-CN" dirty="0" smtClean="0"/>
+          <a:bodyPr/>
+          <a:lstStyle/>
+          <a:p>
+            <a:r>
+              <a:rPr lang="zh-CN" altLang="en-US" dirty="0" smtClean="0"/>
+              <a:t>让</a:t>
+            </a:r>
+            <a:r>
+              <a:rPr lang="en-US" altLang="zh-CN" dirty="0" smtClean="0"/>
+              <a:t>table B</a:t>
+            </a:r>
+            <a:r>
+              <a:rPr lang="zh-CN" altLang="en-US" dirty="0" smtClean="0"/>
+              <a:t>可以访问</a:t>
+            </a:r>
+            <a:r>
+              <a:rPr lang="en-US" altLang="zh-CN" dirty="0" smtClean="0"/>
+              <a:t>table A</a:t>
+            </a:r>
+            <a:r>
+              <a:rPr lang="zh-CN" altLang="en-US" dirty="0" smtClean="0"/>
+              <a:t>里的函数</a:t>
+            </a:r>
+            <a:endParaRPr lang="en-US" altLang="zh-CN" dirty="0" smtClean="0"/>
+          </a:p>
+          <a:p>
+            <a:r>
+              <a:rPr lang="en-US" altLang="zh-CN" dirty="0" err="1" smtClean="0"/>
+              <a:t>setmetatable</a:t>
+            </a:r>
+            <a:r>
+              <a:rPr lang="en-US" altLang="zh-CN" dirty="0" smtClean="0"/>
+              <a:t>(B, A)</a:t>
+            </a:r>
+          </a:p>
+          <a:p>
+            <a:r>
+              <a:rPr lang="en-US" altLang="zh-CN" dirty="0" err="1" smtClean="0"/>
+              <a:t>A.__index</a:t>
+            </a:r>
+            <a:r>
+              <a:rPr lang="en-US" altLang="zh-CN" dirty="0" smtClean="0"/>
+              <a:t> = A</a:t>
+            </a:r>
+          </a:p>
+          <a:p>
+            <a:endParaRPr lang="zh-CN" altLang="en-US" dirty="0"/>
           </a:p>
         </p:txBody>
       </p:sp>
@@ -5329,186 +5106,71 @@
           <a:lstStyle/>
           <a:p>
             <a:r>
+              <a:rPr lang="en-US" altLang="zh-CN" dirty="0" err="1" smtClean="0"/>
+              <a:t>userdata</a:t>
+            </a:r>
+            <a:endParaRPr lang="zh-CN" altLang="en-US" dirty="0"/>
+          </a:p>
+        </p:txBody>
+      </p:sp>
+      <p:sp>
+        <p:nvSpPr>
+          <p:cNvPr id="3" name="内容占位符 2"/>
+          <p:cNvSpPr>
+            <a:spLocks noGrp="1"/>
+          </p:cNvSpPr>
+          <p:nvPr>
+            <p:ph idx="1"/>
+          </p:nvPr>
+        </p:nvSpPr>
+        <p:spPr/>
+        <p:txBody>
+          <a:bodyPr/>
+          <a:lstStyle/>
+          <a:p>
+            <a:r>
               <a:rPr lang="en-US" altLang="zh-CN" dirty="0" smtClean="0"/>
               <a:t>C++</a:t>
             </a:r>
             <a:r>
               <a:rPr lang="zh-CN" altLang="en-US" dirty="0" smtClean="0"/>
-              <a:t>调用</a:t>
+              <a:t>可以在</a:t>
             </a:r>
             <a:r>
               <a:rPr lang="en-US" altLang="zh-CN" dirty="0" smtClean="0"/>
               <a:t>LUA</a:t>
             </a:r>
-            <a:endParaRPr lang="zh-CN" altLang="en-US" dirty="0"/>
-          </a:p>
-        </p:txBody>
-      </p:sp>
-      <p:sp>
-        <p:nvSpPr>
-          <p:cNvPr id="3" name="内容占位符 2"/>
-          <p:cNvSpPr>
-            <a:spLocks noGrp="1"/>
-          </p:cNvSpPr>
-          <p:nvPr>
-            <p:ph idx="1"/>
-          </p:nvPr>
-        </p:nvSpPr>
-        <p:spPr/>
-        <p:txBody>
-          <a:bodyPr>
-            <a:normAutofit/>
-          </a:bodyPr>
-          <a:lstStyle/>
-          <a:p>
-            <a:r>
-              <a:rPr lang="zh-CN" altLang="en-US" dirty="0" smtClean="0"/>
-              <a:t>非常类似于</a:t>
-            </a:r>
-            <a:r>
-              <a:rPr lang="en-US" altLang="zh-CN" dirty="0" smtClean="0"/>
-              <a:t>AS</a:t>
-            </a:r>
-            <a:r>
-              <a:rPr lang="zh-CN" altLang="en-US" dirty="0" smtClean="0"/>
-              <a:t>脚本的用法</a:t>
-            </a:r>
-            <a:endParaRPr lang="en-US" altLang="zh-CN" dirty="0" smtClean="0"/>
-          </a:p>
-          <a:p>
-            <a:r>
-              <a:rPr lang="en-US" altLang="zh-CN" dirty="0" smtClean="0"/>
-              <a:t>Ref</a:t>
-            </a:r>
-            <a:r>
-              <a:rPr lang="zh-CN" altLang="en-US" dirty="0" smtClean="0"/>
-              <a:t>可以索引各种</a:t>
-            </a:r>
-            <a:r>
-              <a:rPr lang="en-US" altLang="zh-CN" dirty="0" smtClean="0"/>
-              <a:t>Value</a:t>
-            </a:r>
-            <a:r>
-              <a:rPr lang="zh-CN" altLang="en-US" dirty="0" smtClean="0"/>
-              <a:t>，包括</a:t>
-            </a:r>
-            <a:r>
-              <a:rPr lang="en-US" altLang="zh-CN" dirty="0" smtClean="0"/>
-              <a:t>table</a:t>
-            </a:r>
-            <a:r>
-              <a:rPr lang="zh-CN" altLang="en-US" dirty="0" smtClean="0"/>
-              <a:t>，</a:t>
-            </a:r>
-            <a:r>
-              <a:rPr lang="en-US" altLang="zh-CN" dirty="0" err="1" smtClean="0"/>
-              <a:t>userdata</a:t>
-            </a:r>
-            <a:r>
-              <a:rPr lang="zh-CN" altLang="en-US" dirty="0" smtClean="0"/>
-              <a:t>，等等</a:t>
-            </a:r>
-            <a:endParaRPr lang="en-US" altLang="zh-CN" dirty="0" smtClean="0"/>
-          </a:p>
-          <a:p>
-            <a:r>
-              <a:rPr lang="zh-CN" altLang="en-US" dirty="0" smtClean="0"/>
-              <a:t>管理</a:t>
-            </a:r>
-            <a:r>
-              <a:rPr lang="en-US" altLang="zh-CN" dirty="0" smtClean="0"/>
-              <a:t>Ref</a:t>
-            </a:r>
-            <a:r>
-              <a:rPr lang="zh-CN" altLang="en-US" dirty="0" smtClean="0"/>
-              <a:t>的是两个全局数组</a:t>
-            </a:r>
-            <a:r>
-              <a:rPr lang="en-US" altLang="zh-CN" dirty="0" smtClean="0"/>
-              <a:t>,</a:t>
-            </a:r>
-            <a:r>
-              <a:rPr lang="zh-CN" altLang="en-US" dirty="0" smtClean="0"/>
-              <a:t>一个数组管理可用</a:t>
-            </a:r>
-            <a:r>
-              <a:rPr lang="en-US" altLang="zh-CN" dirty="0" smtClean="0"/>
-              <a:t>id</a:t>
-            </a:r>
-            <a:r>
-              <a:rPr lang="zh-CN" altLang="en-US" dirty="0" smtClean="0"/>
-              <a:t>链，一个记录</a:t>
-            </a:r>
-            <a:r>
-              <a:rPr lang="en-US" altLang="zh-CN" dirty="0" smtClean="0"/>
-              <a:t>id</a:t>
-            </a:r>
-            <a:r>
-              <a:rPr lang="zh-CN" altLang="en-US" dirty="0" smtClean="0"/>
-              <a:t>到</a:t>
-            </a:r>
-            <a:r>
-              <a:rPr lang="en-US" altLang="zh-CN" dirty="0" smtClean="0"/>
-              <a:t>value</a:t>
-            </a:r>
-            <a:r>
-              <a:rPr lang="zh-CN" altLang="en-US" dirty="0" smtClean="0"/>
-              <a:t>的映射，所以可以</a:t>
-            </a:r>
-            <a:r>
-              <a:rPr lang="en-US" altLang="zh-CN" dirty="0" smtClean="0"/>
-              <a:t>o(1)</a:t>
-            </a:r>
-            <a:r>
-              <a:rPr lang="zh-CN" altLang="en-US" dirty="0" smtClean="0"/>
-              <a:t>得获得一个可用</a:t>
-            </a:r>
-            <a:r>
-              <a:rPr lang="en-US" altLang="zh-CN" dirty="0" smtClean="0"/>
-              <a:t>id</a:t>
-            </a:r>
-            <a:r>
-              <a:rPr lang="zh-CN" altLang="en-US" dirty="0" smtClean="0"/>
-              <a:t>以及</a:t>
-            </a:r>
-            <a:r>
-              <a:rPr lang="en-US" altLang="zh-CN" dirty="0" smtClean="0"/>
-              <a:t>o(1)</a:t>
-            </a:r>
-            <a:r>
-              <a:rPr lang="zh-CN" altLang="en-US" dirty="0" smtClean="0"/>
-              <a:t>通过</a:t>
-            </a:r>
-            <a:r>
-              <a:rPr lang="en-US" altLang="zh-CN" dirty="0" smtClean="0"/>
-              <a:t>id</a:t>
-            </a:r>
-            <a:r>
-              <a:rPr lang="zh-CN" altLang="en-US" dirty="0" smtClean="0"/>
-              <a:t>获得</a:t>
-            </a:r>
-            <a:r>
-              <a:rPr lang="en-US" altLang="zh-CN" dirty="0" smtClean="0"/>
-              <a:t>value</a:t>
-            </a:r>
-            <a:r>
-              <a:rPr lang="zh-CN" altLang="en-US" dirty="0" smtClean="0"/>
-              <a:t>，所以被管理的</a:t>
-            </a:r>
-            <a:r>
-              <a:rPr lang="en-US" altLang="zh-CN" dirty="0" smtClean="0"/>
-              <a:t>value</a:t>
-            </a:r>
-            <a:r>
-              <a:rPr lang="zh-CN" altLang="en-US" dirty="0" smtClean="0"/>
-              <a:t>因为在全局中被引用，不会被垃圾回收</a:t>
-            </a:r>
-            <a:endParaRPr lang="en-US" altLang="zh-CN" dirty="0" smtClean="0"/>
-          </a:p>
-          <a:p>
-            <a:pPr>
-              <a:buNone/>
-            </a:pPr>
+            <a:r>
+              <a:rPr lang="zh-CN" altLang="en-US" dirty="0" smtClean="0"/>
+              <a:t>内申请一块内存，然后存入想保存的内容</a:t>
+            </a:r>
+            <a:endParaRPr lang="en-US" altLang="zh-CN" dirty="0" smtClean="0"/>
+          </a:p>
+          <a:p>
+            <a:r>
+              <a:rPr lang="zh-CN" altLang="en-US" dirty="0" smtClean="0"/>
+              <a:t>本质</a:t>
+            </a:r>
+            <a:r>
+              <a:rPr lang="zh-CN" altLang="en-US" dirty="0" smtClean="0"/>
+              <a:t>上是提供在</a:t>
+            </a:r>
+            <a:r>
+              <a:rPr lang="en-US" altLang="zh-CN" dirty="0" smtClean="0"/>
+              <a:t>C++</a:t>
+            </a:r>
+            <a:r>
+              <a:rPr lang="zh-CN" altLang="en-US" dirty="0" smtClean="0"/>
+              <a:t>中扩展</a:t>
+            </a:r>
+            <a:r>
+              <a:rPr lang="en-US" altLang="zh-CN" dirty="0" smtClean="0"/>
+              <a:t>LUA</a:t>
+            </a:r>
+            <a:r>
+              <a:rPr lang="zh-CN" altLang="en-US" dirty="0" smtClean="0"/>
+              <a:t>中的数据类型的</a:t>
+            </a:r>
             <a:endParaRPr lang="en-US" altLang="zh-CN" dirty="0" smtClean="0"/>
           </a:p>
         </p:txBody>
@@ -5554,16 +5216,16 @@
           <a:lstStyle/>
           <a:p>
             <a:r>
-              <a:rPr lang="en-US" altLang="zh-CN" dirty="0" smtClean="0"/>
-              <a:t>CryEngine3</a:t>
-            </a:r>
-            <a:r>
-              <a:rPr lang="zh-CN" altLang="en-US" dirty="0" smtClean="0"/>
-              <a:t>的</a:t>
-            </a:r>
-            <a:r>
-              <a:rPr lang="en-US" altLang="zh-CN" dirty="0" smtClean="0"/>
-              <a:t>LUA</a:t>
+              <a:rPr lang="en-US" altLang="zh-CN" dirty="0" err="1" smtClean="0"/>
+              <a:t>u</a:t>
+            </a:r>
+            <a:r>
+              <a:rPr lang="en-US" altLang="zh-CN" dirty="0" err="1" smtClean="0"/>
+              <a:t>serdata</a:t>
+            </a:r>
+            <a:r>
+              <a:rPr lang="zh-CN" altLang="en-US" dirty="0" smtClean="0"/>
+              <a:t>初级用法</a:t>
             </a:r>
             <a:endParaRPr lang="zh-CN" altLang="en-US" dirty="0"/>
           </a:p>
@@ -5586,118 +5248,34 @@
           <a:p>
             <a:r>
               <a:rPr lang="en-US" altLang="zh-CN" dirty="0" smtClean="0"/>
-              <a:t>CE3</a:t>
-            </a:r>
-            <a:r>
-              <a:rPr lang="zh-CN" altLang="en-US" dirty="0" smtClean="0"/>
-              <a:t>的</a:t>
-            </a:r>
-            <a:r>
-              <a:rPr lang="en-US" altLang="zh-CN" dirty="0" smtClean="0"/>
-              <a:t>LUA</a:t>
-            </a:r>
-            <a:r>
-              <a:rPr lang="zh-CN" altLang="en-US" dirty="0" smtClean="0"/>
-              <a:t>也对</a:t>
-            </a:r>
-            <a:r>
-              <a:rPr lang="en-US" altLang="zh-CN" dirty="0" err="1" smtClean="0"/>
-              <a:t>lua</a:t>
-            </a:r>
-            <a:r>
-              <a:rPr lang="zh-CN" altLang="en-US" dirty="0" smtClean="0"/>
-              <a:t>的值进行了封装</a:t>
-            </a:r>
-            <a:r>
-              <a:rPr lang="en-US" altLang="zh-CN" dirty="0" smtClean="0"/>
-              <a:t>,</a:t>
-            </a:r>
-            <a:r>
-              <a:rPr lang="zh-CN" altLang="en-US" dirty="0" smtClean="0"/>
-              <a:t>包括用</a:t>
-            </a:r>
-            <a:r>
-              <a:rPr lang="en-US" altLang="zh-CN" dirty="0" smtClean="0"/>
-              <a:t>Ref</a:t>
-            </a:r>
-            <a:r>
-              <a:rPr lang="zh-CN" altLang="en-US" dirty="0" smtClean="0"/>
-              <a:t>对</a:t>
-            </a:r>
-            <a:r>
-              <a:rPr lang="en-US" altLang="zh-CN" dirty="0" smtClean="0"/>
-              <a:t>table</a:t>
-            </a:r>
-            <a:r>
-              <a:rPr lang="zh-CN" altLang="en-US" dirty="0" smtClean="0"/>
-              <a:t>和</a:t>
-            </a:r>
-            <a:r>
-              <a:rPr lang="en-US" altLang="zh-CN" dirty="0" smtClean="0"/>
-              <a:t>function</a:t>
-            </a:r>
-            <a:r>
-              <a:rPr lang="zh-CN" altLang="en-US" dirty="0" smtClean="0"/>
-              <a:t>的处理</a:t>
-            </a:r>
-            <a:endParaRPr lang="en-US" altLang="zh-CN" dirty="0" smtClean="0"/>
-          </a:p>
-          <a:p>
-            <a:r>
-              <a:rPr lang="zh-CN" altLang="en-US" dirty="0" smtClean="0"/>
-              <a:t>比</a:t>
-            </a:r>
-            <a:r>
-              <a:rPr lang="en-US" altLang="zh-CN" dirty="0" err="1" smtClean="0"/>
-              <a:t>tolua</a:t>
-            </a:r>
-            <a:r>
-              <a:rPr lang="zh-CN" altLang="en-US" dirty="0" smtClean="0"/>
-              <a:t>多做的一个功能是</a:t>
-            </a:r>
-            <a:r>
-              <a:rPr lang="en-US" altLang="zh-CN" dirty="0" smtClean="0"/>
-              <a:t>,</a:t>
-            </a:r>
-            <a:r>
-              <a:rPr lang="zh-CN" altLang="en-US" dirty="0" smtClean="0"/>
-              <a:t>利用</a:t>
-            </a:r>
-            <a:r>
-              <a:rPr lang="en-US" altLang="zh-CN" dirty="0" err="1" smtClean="0"/>
-              <a:t>lua</a:t>
-            </a:r>
-            <a:r>
-              <a:rPr lang="zh-CN" altLang="en-US" dirty="0" smtClean="0"/>
-              <a:t>的</a:t>
-            </a:r>
-            <a:r>
-              <a:rPr lang="en-US" altLang="zh-CN" dirty="0" smtClean="0"/>
-              <a:t>closure</a:t>
-            </a:r>
-            <a:r>
-              <a:rPr lang="zh-CN" altLang="en-US" dirty="0" smtClean="0"/>
-              <a:t>功能注册类的成员函数</a:t>
-            </a:r>
-            <a:r>
-              <a:rPr lang="en-US" altLang="zh-CN" dirty="0" smtClean="0"/>
-              <a:t>,</a:t>
-            </a:r>
-            <a:r>
-              <a:rPr lang="en-US" altLang="zh-CN" dirty="0" err="1" smtClean="0"/>
-              <a:t>tolua</a:t>
-            </a:r>
-            <a:r>
-              <a:rPr lang="zh-CN" altLang="en-US" dirty="0" smtClean="0"/>
-              <a:t>本质用语法分析的方法把类的成员函数封装成</a:t>
-            </a:r>
-            <a:r>
-              <a:rPr lang="en-US" altLang="zh-CN" dirty="0" err="1" smtClean="0"/>
-              <a:t>lua</a:t>
-            </a:r>
-            <a:r>
-              <a:rPr lang="zh-CN" altLang="en-US" dirty="0" smtClean="0"/>
-              <a:t>的标准</a:t>
+              <a:t>Cry</a:t>
+            </a:r>
+            <a:r>
+              <a:rPr lang="zh-CN" altLang="en-US" dirty="0" smtClean="0"/>
+              <a:t>引擎中注册一个</a:t>
+            </a:r>
+            <a:r>
+              <a:rPr lang="en-US" altLang="zh-CN" dirty="0" smtClean="0"/>
+              <a:t>C++</a:t>
+            </a:r>
+            <a:r>
+              <a:rPr lang="zh-CN" altLang="en-US" dirty="0" smtClean="0"/>
+              <a:t>回调函数是支持注册类的成员函数</a:t>
+            </a:r>
+            <a:r>
+              <a:rPr lang="en-US" altLang="zh-CN" dirty="0" smtClean="0"/>
+              <a:t>+</a:t>
+            </a:r>
+            <a:r>
+              <a:rPr lang="zh-CN" altLang="en-US" dirty="0" smtClean="0"/>
+              <a:t>对象指针的形式</a:t>
+            </a:r>
+            <a:endParaRPr lang="en-US" altLang="zh-CN" dirty="0" smtClean="0"/>
+          </a:p>
+          <a:p>
+            <a:r>
+              <a:rPr lang="zh-CN" altLang="en-US" dirty="0" smtClean="0"/>
+              <a:t>本质上注册一个</a:t>
             </a:r>
             <a:r>
               <a:rPr lang="en-US" altLang="zh-CN" dirty="0" smtClean="0"/>
@@ -5705,7 +5283,54 @@
             </a:r>
             <a:r>
               <a:rPr lang="zh-CN" altLang="en-US" dirty="0" smtClean="0"/>
-              <a:t>风格回调函数</a:t>
+              <a:t>函数是注册一个</a:t>
+            </a:r>
+            <a:r>
+              <a:rPr lang="en-US" altLang="zh-CN" dirty="0" smtClean="0"/>
+              <a:t>C</a:t>
+            </a:r>
+            <a:r>
+              <a:rPr lang="zh-CN" altLang="en-US" dirty="0" smtClean="0"/>
+              <a:t>闭包，闭包？ </a:t>
+            </a:r>
+            <a:r>
+              <a:rPr lang="en-US" altLang="zh-CN" dirty="0" smtClean="0"/>
+              <a:t>= </a:t>
+            </a:r>
+            <a:r>
+              <a:rPr lang="zh-CN" altLang="en-US" dirty="0" smtClean="0"/>
+              <a:t>函数</a:t>
+            </a:r>
+            <a:r>
+              <a:rPr lang="en-US" altLang="zh-CN" dirty="0" smtClean="0"/>
+              <a:t>+</a:t>
+            </a:r>
+            <a:r>
+              <a:rPr lang="zh-CN" altLang="en-US" dirty="0" smtClean="0"/>
+              <a:t>数据</a:t>
+            </a:r>
+            <a:endParaRPr lang="en-US" altLang="zh-CN" dirty="0" smtClean="0"/>
+          </a:p>
+          <a:p>
+            <a:r>
+              <a:rPr lang="zh-CN" altLang="en-US" dirty="0" smtClean="0"/>
+              <a:t>数据内存放的就是一个</a:t>
+            </a:r>
+            <a:r>
+              <a:rPr lang="en-US" altLang="zh-CN" dirty="0" err="1" smtClean="0"/>
+              <a:t>userdata</a:t>
+            </a:r>
+            <a:r>
+              <a:rPr lang="zh-CN" altLang="en-US" dirty="0" smtClean="0"/>
+              <a:t>，存放的是函数指针和</a:t>
+            </a:r>
+            <a:r>
+              <a:rPr lang="en-US" altLang="zh-CN" dirty="0" smtClean="0"/>
+              <a:t>this</a:t>
+            </a:r>
+            <a:r>
+              <a:rPr lang="zh-CN" altLang="en-US" dirty="0" smtClean="0"/>
+              <a:t>，同时利用模版技巧实现参数的自动展开和回调函数调用</a:t>
             </a:r>
             <a:endParaRPr lang="zh-CN" altLang="en-US" dirty="0"/>
           </a:p>
@@ -5752,8 +5377,12 @@
           <a:lstStyle/>
           <a:p>
             <a:r>
-              <a:rPr lang="en-US" altLang="zh-CN" dirty="0" smtClean="0"/>
-              <a:t>LUA closure</a:t>
+              <a:rPr lang="en-US" altLang="zh-CN" dirty="0" err="1" smtClean="0"/>
+              <a:t>userdata</a:t>
+            </a:r>
+            <a:r>
+              <a:rPr lang="zh-CN" altLang="en-US" dirty="0" smtClean="0"/>
+              <a:t>初级用法</a:t>
             </a:r>
             <a:endParaRPr lang="zh-CN" altLang="en-US" dirty="0"/>
           </a:p>
@@ -5771,24 +5400,14 @@
         </p:nvSpPr>
         <p:spPr/>
         <p:txBody>
-          <a:bodyPr/>
-          <a:lstStyle/>
-          <a:p>
-            <a:r>
-              <a:rPr lang="en-US" altLang="zh-CN" dirty="0" smtClean="0"/>
-              <a:t>Closure</a:t>
-            </a:r>
-            <a:r>
-              <a:rPr lang="zh-CN" altLang="en-US" dirty="0" smtClean="0"/>
-              <a:t>最简单的解释就是函数</a:t>
-            </a:r>
-            <a:r>
-              <a:rPr lang="en-US" altLang="zh-CN" dirty="0" smtClean="0"/>
-              <a:t>+</a:t>
-            </a:r>
-            <a:r>
-              <a:rPr lang="zh-CN" altLang="en-US" dirty="0" smtClean="0"/>
-              <a:t>数据</a:t>
+          <a:bodyPr>
+            <a:normAutofit/>
+          </a:bodyPr>
+          <a:lstStyle/>
+          <a:p>
+            <a:r>
+              <a:rPr lang="zh-CN" altLang="en-US" dirty="0" smtClean="0"/>
+              <a:t>实现了注册这样的回调函数</a:t>
             </a:r>
             <a:endParaRPr lang="en-US" altLang="zh-CN" dirty="0" smtClean="0"/>
           </a:p>
@@ -5798,23 +5417,55 @@
             </a:pPr>
             <a:r>
               <a:rPr lang="en-US" altLang="zh-CN" dirty="0" smtClean="0"/>
-              <a:t>    Object</a:t>
-            </a:r>
-            <a:r>
-              <a:rPr lang="zh-CN" altLang="en-US" dirty="0" smtClean="0"/>
-              <a:t>* </a:t>
-            </a:r>
-            <a:r>
-              <a:rPr lang="en-US" altLang="zh-CN" dirty="0" smtClean="0"/>
-              <a:t>p</a:t>
-            </a:r>
-            <a:r>
-              <a:rPr lang="zh-CN" altLang="en-US" dirty="0" smtClean="0"/>
+              <a:t>	</a:t>
+            </a:r>
+            <a:r>
+              <a:rPr lang="en-US" altLang="zh-CN" dirty="0" err="1" smtClean="0"/>
+              <a:t>int</a:t>
+            </a:r>
+            <a:r>
+              <a:rPr lang="en-US" altLang="zh-CN" dirty="0" smtClean="0"/>
               <a:t> </a:t>
             </a:r>
             <a:r>
-              <a:rPr lang="en-US" altLang="zh-CN" dirty="0" smtClean="0"/>
-              <a:t>= xxx; </a:t>
+              <a:rPr lang="en-US" altLang="zh-CN" dirty="0" err="1" smtClean="0"/>
+              <a:t>func</a:t>
+            </a:r>
+            <a:r>
+              <a:rPr lang="en-US" altLang="zh-CN" dirty="0" smtClean="0"/>
+              <a:t>(</a:t>
+            </a:r>
+            <a:r>
+              <a:rPr lang="en-US" altLang="zh-CN" dirty="0" err="1" smtClean="0"/>
+              <a:t>lua_state</a:t>
+            </a:r>
+            <a:r>
+              <a:rPr lang="en-US" altLang="zh-CN" dirty="0" smtClean="0"/>
+              <a:t>*</a:t>
+            </a:r>
+            <a:r>
+              <a:rPr lang="en-US" altLang="zh-CN" dirty="0" err="1" smtClean="0"/>
+              <a:t>L,int</a:t>
+            </a:r>
+            <a:r>
+              <a:rPr lang="en-US" altLang="zh-CN" dirty="0" smtClean="0"/>
+              <a:t> </a:t>
+            </a:r>
+            <a:r>
+              <a:rPr lang="en-US" altLang="zh-CN" dirty="0" err="1" smtClean="0"/>
+              <a:t>a,float</a:t>
+            </a:r>
+            <a:r>
+              <a:rPr lang="en-US" altLang="zh-CN" dirty="0" smtClean="0"/>
+              <a:t> </a:t>
+            </a:r>
+            <a:r>
+              <a:rPr lang="en-US" altLang="zh-CN" dirty="0" err="1" smtClean="0"/>
+              <a:t>b,bool</a:t>
+            </a:r>
+            <a:r>
+              <a:rPr lang="en-US" altLang="zh-CN" dirty="0" smtClean="0"/>
+              <a:t> c);</a:t>
             </a:r>
           </a:p>
           <a:p>
@@ -5823,32 +5474,13 @@
             </a:pPr>
             <a:r>
               <a:rPr lang="en-US" altLang="zh-CN" dirty="0" smtClean="0"/>
-              <a:t>    unsigned char *</a:t>
-            </a:r>
-            <a:r>
-              <a:rPr lang="en-US" altLang="zh-CN" dirty="0" err="1" smtClean="0"/>
-              <a:t>pBuffer</a:t>
-            </a:r>
-            <a:r>
-              <a:rPr lang="en-US" altLang="zh-CN" dirty="0" smtClean="0"/>
-              <a:t> = (unsigned char*)</a:t>
-            </a:r>
-            <a:r>
-              <a:rPr lang="en-US" altLang="zh-CN" dirty="0" err="1" smtClean="0"/>
-              <a:t>lua_newuserdata</a:t>
-            </a:r>
-            <a:r>
-              <a:rPr lang="en-US" altLang="zh-CN" dirty="0" smtClean="0"/>
-              <a:t>(L, </a:t>
-            </a:r>
-            <a:r>
-              <a:rPr lang="en-US" altLang="zh-CN" dirty="0" err="1" smtClean="0"/>
-              <a:t>sizeof</a:t>
-            </a:r>
-            <a:r>
-              <a:rPr lang="en-US" altLang="zh-CN" dirty="0" smtClean="0"/>
-              <a:t>(p) );</a:t>
-            </a:r>
+              <a:t>	</a:t>
+            </a:r>
+            <a:r>
+              <a:rPr lang="zh-CN" altLang="en-US" dirty="0" smtClean="0"/>
+              <a:t>用一个相对优雅的方式打破了</a:t>
+            </a:r>
+            <a:endParaRPr lang="en-US" altLang="zh-CN" dirty="0" smtClean="0"/>
           </a:p>
           <a:p>
             <a:pPr>
@@ -5856,11 +5488,19 @@
             </a:pPr>
             <a:r>
               <a:rPr lang="en-US" altLang="zh-CN" dirty="0" smtClean="0"/>
-              <a:t>    </a:t>
-            </a:r>
-            <a:r>
-              <a:rPr lang="en-US" altLang="zh-CN" dirty="0" err="1" smtClean="0"/>
-              <a:t>memcpy</a:t>
+              <a:t>	</a:t>
+            </a:r>
+            <a:r>
+              <a:rPr lang="en-US" altLang="zh-CN" dirty="0" err="1" smtClean="0"/>
+              <a:t>int</a:t>
+            </a:r>
+            <a:r>
+              <a:rPr lang="en-US" altLang="zh-CN" dirty="0" smtClean="0"/>
+              <a:t> </a:t>
+            </a:r>
+            <a:r>
+              <a:rPr lang="en-US" altLang="zh-CN" dirty="0" err="1" smtClean="0"/>
+              <a:t>func</a:t>
             </a:r>
             <a:r>
               <a:rPr lang="en-US" altLang="zh-CN" dirty="0" smtClean="0"/>
@@ -5868,11 +5508,11 @@
             </a:r>
             <a:r>
               <a:rPr lang="en-US" altLang="zh-CN" dirty="0" err="1" smtClean="0"/>
-              <a:t>pBuffer,&amp;p,sizeof</a:t>
-            </a:r>
-            <a:r>
-              <a:rPr lang="en-US" altLang="zh-CN" dirty="0" smtClean="0"/>
-              <a:t>(p));</a:t>
+              <a:t>lua_state</a:t>
+            </a:r>
+            <a:r>
+              <a:rPr lang="en-US" altLang="zh-CN" dirty="0" smtClean="0"/>
+              <a:t>* L)</a:t>
             </a:r>
           </a:p>
           <a:p>
@@ -5881,15 +5521,44 @@
             </a:pPr>
             <a:r>
               <a:rPr lang="en-US" altLang="zh-CN" dirty="0" smtClean="0"/>
-              <a:t>    </a:t>
-            </a:r>
-            <a:r>
-              <a:rPr lang="en-US" altLang="zh-CN" dirty="0" err="1" smtClean="0"/>
-              <a:t>lua_pushcclosure</a:t>
-            </a:r>
-            <a:r>
-              <a:rPr lang="en-US" altLang="zh-CN" dirty="0" smtClean="0"/>
-              <a:t>( L,luaFunc,1 );</a:t>
+              <a:t>	{	</a:t>
+            </a:r>
+            <a:r>
+              <a:rPr lang="en-US" altLang="zh-CN" dirty="0" err="1" smtClean="0"/>
+              <a:t>int</a:t>
+            </a:r>
+            <a:r>
+              <a:rPr lang="en-US" altLang="zh-CN" dirty="0" smtClean="0"/>
+              <a:t> a = </a:t>
+            </a:r>
+            <a:r>
+              <a:rPr lang="en-US" altLang="zh-CN" dirty="0" err="1" smtClean="0"/>
+              <a:t>lua_tonumber</a:t>
+            </a:r>
+            <a:r>
+              <a:rPr lang="en-US" altLang="zh-CN" dirty="0" smtClean="0"/>
+              <a:t>(L,1);</a:t>
+            </a:r>
+          </a:p>
+          <a:p>
+            <a:pPr lvl="1">
+              <a:buNone/>
+            </a:pPr>
+            <a:r>
+              <a:rPr lang="en-US" altLang="zh-CN" dirty="0" smtClean="0"/>
+              <a:t>	</a:t>
+            </a:r>
+            <a:r>
+              <a:rPr lang="en-US" altLang="zh-CN" dirty="0" smtClean="0"/>
+              <a:t>   float b = </a:t>
+            </a:r>
+            <a:r>
+              <a:rPr lang="en-US" altLang="zh-CN" dirty="0" err="1" smtClean="0"/>
+              <a:t>lua_tonumber</a:t>
+            </a:r>
+            <a:r>
+              <a:rPr lang="en-US" altLang="zh-CN" dirty="0" smtClean="0"/>
+              <a:t>(L,2);   …</a:t>
             </a:r>
           </a:p>
           <a:p>
@@ -5898,23 +5567,7 @@
             </a:pPr>
             <a:r>
               <a:rPr lang="en-US" altLang="zh-CN" dirty="0" smtClean="0"/>
-              <a:t>    </a:t>
-            </a:r>
-            <a:r>
-              <a:rPr lang="en-US" altLang="zh-CN" dirty="0" err="1" smtClean="0"/>
-              <a:t>lua_setglobal</a:t>
-            </a:r>
-            <a:r>
-              <a:rPr lang="en-US" altLang="zh-CN" dirty="0" smtClean="0"/>
-              <a:t>(</a:t>
-            </a:r>
-            <a:r>
-              <a:rPr lang="en-US" altLang="zh-CN" dirty="0" err="1" smtClean="0"/>
-              <a:t>L,”abc</a:t>
-            </a:r>
-            <a:r>
-              <a:rPr lang="en-US" altLang="zh-CN" dirty="0" smtClean="0"/>
-              <a:t>”);</a:t>
+              <a:t>	}</a:t>
             </a:r>
             <a:endParaRPr lang="zh-CN" altLang="en-US" dirty="0"/>
           </a:p>
@@ -5961,8 +5614,16 @@
           <a:lstStyle/>
           <a:p>
             <a:r>
-              <a:rPr lang="en-US" altLang="zh-CN" dirty="0" smtClean="0"/>
-              <a:t>LUA closure</a:t>
+              <a:rPr lang="en-US" altLang="zh-CN" dirty="0" err="1" smtClean="0"/>
+              <a:t>u</a:t>
+            </a:r>
+            <a:r>
+              <a:rPr lang="en-US" altLang="zh-CN" dirty="0" err="1" smtClean="0"/>
+              <a:t>serdata</a:t>
+            </a:r>
+            <a:r>
+              <a:rPr lang="zh-CN" altLang="en-US" dirty="0" smtClean="0"/>
+              <a:t>进阶</a:t>
             </a:r>
             <a:endParaRPr lang="zh-CN" altLang="en-US" dirty="0"/>
           </a:p>
@@ -5980,21 +5641,35 @@
         </p:nvSpPr>
         <p:spPr/>
         <p:txBody>
-          <a:bodyPr/>
-          <a:lstStyle/>
-          <a:p>
-            <a:r>
-              <a:rPr lang="en-US" altLang="zh-CN" dirty="0" smtClean="0"/>
-              <a:t>function </a:t>
-            </a:r>
-            <a:r>
-              <a:rPr lang="en-US" altLang="zh-CN" dirty="0" err="1" smtClean="0"/>
-              <a:t>luaFunc</a:t>
-            </a:r>
-            <a:r>
-              <a:rPr lang="en-US" altLang="zh-CN" dirty="0" smtClean="0"/>
-              <a:t>()</a:t>
-            </a:r>
+          <a:bodyPr>
+            <a:normAutofit/>
+          </a:bodyPr>
+          <a:lstStyle/>
+          <a:p>
+            <a:r>
+              <a:rPr lang="en-US" altLang="zh-CN" dirty="0" err="1" smtClean="0"/>
+              <a:t>u</a:t>
+            </a:r>
+            <a:r>
+              <a:rPr lang="en-US" altLang="zh-CN" dirty="0" err="1" smtClean="0"/>
+              <a:t>serdata</a:t>
+            </a:r>
+            <a:r>
+              <a:rPr lang="zh-CN" altLang="en-US" dirty="0" smtClean="0"/>
+              <a:t>还一个特性</a:t>
+            </a:r>
+            <a:endParaRPr lang="en-US" altLang="zh-CN" dirty="0" smtClean="0"/>
+          </a:p>
+          <a:p>
+            <a:r>
+              <a:rPr lang="zh-CN" altLang="en-US" dirty="0" smtClean="0"/>
+              <a:t>可以设置</a:t>
+            </a:r>
+            <a:r>
+              <a:rPr lang="en-US" altLang="zh-CN" dirty="0" err="1" smtClean="0"/>
+              <a:t>metatable</a:t>
+            </a:r>
+            <a:endParaRPr lang="en-US" altLang="zh-CN" dirty="0" smtClean="0"/>
           </a:p>
           <a:p>
             <a:pPr>
@@ -6002,82 +5677,59 @@
             </a:pPr>
             <a:r>
               <a:rPr lang="en-US" altLang="zh-CN" dirty="0" smtClean="0"/>
-              <a:t>        unsigned char *</a:t>
-            </a:r>
-            <a:r>
-              <a:rPr lang="en-US" altLang="zh-CN" dirty="0" err="1" smtClean="0"/>
-              <a:t>pBuffer</a:t>
-            </a:r>
-            <a:r>
-              <a:rPr lang="en-US" altLang="zh-CN" dirty="0" smtClean="0"/>
-              <a:t> = (unsigned        char*)</a:t>
-            </a:r>
-            <a:r>
-              <a:rPr lang="en-US" altLang="zh-CN" dirty="0" err="1" smtClean="0"/>
-              <a:t>lua_touserdata</a:t>
-            </a:r>
-            <a:r>
-              <a:rPr lang="en-US" altLang="zh-CN" dirty="0" smtClean="0"/>
-              <a:t>(</a:t>
-            </a:r>
-            <a:r>
-              <a:rPr lang="en-US" altLang="zh-CN" dirty="0" err="1" smtClean="0"/>
-              <a:t>L,lua_upvalueindex</a:t>
-            </a:r>
-            <a:r>
-              <a:rPr lang="en-US" altLang="zh-CN" dirty="0" smtClean="0"/>
-              <a:t>(1));</a:t>
-            </a:r>
-          </a:p>
-          <a:p>
-            <a:pPr>
-              <a:buNone/>
-            </a:pPr>
-            <a:r>
-              <a:rPr lang="en-US" altLang="zh-CN" dirty="0" smtClean="0"/>
-              <a:t>        Object* p = (Object*)(</a:t>
-            </a:r>
-            <a:r>
-              <a:rPr lang="en-US" altLang="zh-CN" dirty="0" err="1" smtClean="0"/>
-              <a:t>pBuffer</a:t>
-            </a:r>
-            <a:r>
-              <a:rPr lang="en-US" altLang="zh-CN" dirty="0" smtClean="0"/>
-              <a:t>);</a:t>
-            </a:r>
-          </a:p>
-          <a:p>
-            <a:pPr>
-              <a:buNone/>
-            </a:pPr>
-            <a:r>
-              <a:rPr lang="en-US" altLang="zh-CN" dirty="0" smtClean="0"/>
-              <a:t>        </a:t>
-            </a:r>
-            <a:r>
-              <a:rPr lang="en-US" altLang="zh-CN" dirty="0" err="1" smtClean="0"/>
-              <a:t>xxxxxx</a:t>
-            </a:r>
-            <a:r>
-              <a:rPr lang="en-US" altLang="zh-CN" dirty="0" smtClean="0"/>
-              <a:t>;</a:t>
-            </a:r>
-          </a:p>
-          <a:p>
-            <a:r>
-              <a:rPr lang="en-US" altLang="zh-CN" dirty="0" smtClean="0"/>
-              <a:t>end;</a:t>
-            </a:r>
-          </a:p>
-          <a:p>
-            <a:pPr>
-              <a:buNone/>
-            </a:pPr>
-            <a:r>
-              <a:rPr lang="en-US" altLang="zh-CN" dirty="0" smtClean="0"/>
-              <a:t>    </a:t>
-            </a:r>
-            <a:endParaRPr lang="zh-CN" altLang="en-US" dirty="0"/>
+              <a:t>	</a:t>
+            </a:r>
+            <a:r>
+              <a:rPr lang="zh-CN" altLang="en-US" dirty="0" smtClean="0"/>
+              <a:t>只能是通过</a:t>
+            </a:r>
+            <a:r>
+              <a:rPr lang="en-US" altLang="zh-CN" dirty="0" err="1" smtClean="0"/>
+              <a:t>lua_newmetatable</a:t>
+            </a:r>
+            <a:r>
+              <a:rPr lang="zh-CN" altLang="en-US" dirty="0" smtClean="0"/>
+              <a:t>创建，普通的</a:t>
+            </a:r>
+            <a:r>
+              <a:rPr lang="en-US" altLang="zh-CN" dirty="0" err="1" smtClean="0"/>
+              <a:t>lua</a:t>
+            </a:r>
+            <a:r>
+              <a:rPr lang="en-US" altLang="zh-CN" dirty="0" smtClean="0"/>
+              <a:t> table</a:t>
+            </a:r>
+            <a:r>
+              <a:rPr lang="zh-CN" altLang="en-US" dirty="0" smtClean="0"/>
+              <a:t>是不可以的</a:t>
+            </a:r>
+            <a:r>
+              <a:rPr lang="en-US" altLang="zh-CN" dirty="0" smtClean="0"/>
+              <a:t>,</a:t>
+            </a:r>
+            <a:r>
+              <a:rPr lang="zh-CN" altLang="en-US" dirty="0" smtClean="0"/>
+              <a:t>本质是自定义</a:t>
+            </a:r>
+            <a:r>
+              <a:rPr lang="en-US" altLang="zh-CN" dirty="0" err="1" smtClean="0"/>
+              <a:t>lua</a:t>
+            </a:r>
+            <a:r>
+              <a:rPr lang="zh-CN" altLang="en-US" dirty="0" smtClean="0"/>
+              <a:t>类型</a:t>
+            </a:r>
+            <a:endParaRPr lang="en-US" altLang="zh-CN" dirty="0" smtClean="0"/>
+          </a:p>
+          <a:p>
+            <a:pPr lvl="1"/>
+            <a:endParaRPr lang="en-US" altLang="zh-CN" dirty="0" smtClean="0"/>
+          </a:p>
+          <a:p>
+            <a:endParaRPr lang="en-US" altLang="zh-CN" dirty="0" smtClean="0"/>
+          </a:p>
+          <a:p>
+            <a:endParaRPr lang="en-US" altLang="zh-CN" dirty="0" smtClean="0"/>
           </a:p>
         </p:txBody>
       </p:sp>
@@ -6123,46 +5775,206 @@
           <a:p>
             <a:r>
               <a:rPr lang="en-US" altLang="zh-CN" dirty="0" smtClean="0"/>
-              <a:t>CryEngine3</a:t>
+              <a:t>C++</a:t>
+            </a:r>
+            <a:r>
+              <a:rPr lang="zh-CN" altLang="en-US" dirty="0" smtClean="0"/>
+              <a:t>中创建</a:t>
+            </a:r>
+            <a:endParaRPr lang="zh-CN" altLang="en-US" dirty="0"/>
+          </a:p>
+        </p:txBody>
+      </p:sp>
+      <p:sp>
+        <p:nvSpPr>
+          <p:cNvPr id="3" name="内容占位符 2"/>
+          <p:cNvSpPr>
+            <a:spLocks noGrp="1"/>
+          </p:cNvSpPr>
+          <p:nvPr>
+            <p:ph idx="1"/>
+          </p:nvPr>
+        </p:nvSpPr>
+        <p:spPr>
+          <a:xfrm>
+            <a:off x="457200" y="1600200"/>
+            <a:ext cx="8229600" cy="4686320"/>
+          </a:xfrm>
+        </p:spPr>
+        <p:txBody>
+          <a:bodyPr>
+            <a:normAutofit/>
+          </a:bodyPr>
+          <a:lstStyle/>
+          <a:p>
+            <a:r>
+              <a:rPr lang="en-US" altLang="zh-CN" dirty="0" err="1" smtClean="0"/>
+              <a:t>lua_newmetable</a:t>
+            </a:r>
+            <a:r>
+              <a:rPr lang="en-US" altLang="zh-CN" dirty="0" smtClean="0"/>
+              <a:t>(L,” </a:t>
+            </a:r>
+            <a:r>
+              <a:rPr lang="en-US" altLang="zh-CN" dirty="0" err="1" smtClean="0"/>
+              <a:t>cc.LayerColor</a:t>
+            </a:r>
+            <a:r>
+              <a:rPr lang="en-US" altLang="zh-CN" dirty="0" smtClean="0"/>
+              <a:t>”);</a:t>
+            </a:r>
+          </a:p>
+          <a:p>
+            <a:r>
+              <a:rPr lang="en-US" altLang="zh-CN" dirty="0" err="1" smtClean="0"/>
+              <a:t>i</a:t>
+            </a:r>
+            <a:r>
+              <a:rPr lang="en-US" altLang="zh-CN" dirty="0" err="1" smtClean="0"/>
+              <a:t>nt</a:t>
+            </a:r>
+            <a:r>
+              <a:rPr lang="en-US" altLang="zh-CN" dirty="0" smtClean="0"/>
+              <a:t> create(</a:t>
+            </a:r>
+            <a:r>
+              <a:rPr lang="en-US" altLang="zh-CN" dirty="0" err="1" smtClean="0"/>
+              <a:t>lua_state</a:t>
+            </a:r>
+            <a:r>
+              <a:rPr lang="en-US" altLang="zh-CN" dirty="0" smtClean="0"/>
+              <a:t>*L</a:t>
+            </a:r>
+            <a:r>
+              <a:rPr lang="en-US" altLang="zh-CN" dirty="0" smtClean="0"/>
+              <a:t>)</a:t>
+            </a:r>
+          </a:p>
+          <a:p>
+            <a:pPr>
+              <a:buNone/>
+            </a:pPr>
+            <a:r>
+              <a:rPr lang="en-US" altLang="zh-CN" dirty="0" smtClean="0"/>
+              <a:t>	{   </a:t>
+            </a:r>
+            <a:endParaRPr lang="en-US" altLang="zh-CN" dirty="0" smtClean="0"/>
+          </a:p>
+          <a:p>
+            <a:pPr>
+              <a:buNone/>
+            </a:pPr>
+            <a:r>
+              <a:rPr lang="en-US" altLang="zh-CN" dirty="0" smtClean="0"/>
+              <a:t>		//</a:t>
+            </a:r>
+            <a:r>
+              <a:rPr lang="zh-CN" altLang="en-US" dirty="0" smtClean="0"/>
+              <a:t>取参数并且创建</a:t>
+            </a:r>
+            <a:r>
+              <a:rPr lang="zh-CN" altLang="en-US" dirty="0" smtClean="0"/>
+              <a:t>一</a:t>
+            </a:r>
+            <a:r>
+              <a:rPr lang="zh-CN" altLang="en-US" dirty="0" smtClean="0"/>
+              <a:t>个</a:t>
+            </a:r>
+            <a:r>
+              <a:rPr lang="en-US" altLang="zh-CN" dirty="0" smtClean="0"/>
+              <a:t>C++</a:t>
+            </a:r>
+            <a:r>
+              <a:rPr lang="zh-CN" altLang="en-US" dirty="0" smtClean="0"/>
+              <a:t>对象</a:t>
+            </a:r>
+            <a:r>
+              <a:rPr lang="en-US" altLang="zh-CN" dirty="0" err="1" smtClean="0"/>
+              <a:t>newLayer</a:t>
+            </a:r>
+            <a:endParaRPr lang="en-US" altLang="zh-CN" dirty="0" smtClean="0"/>
+          </a:p>
+          <a:p>
+            <a:pPr>
+              <a:buNone/>
+            </a:pPr>
+            <a:r>
+              <a:rPr lang="en-US" altLang="zh-CN" dirty="0" smtClean="0"/>
+              <a:t>	</a:t>
+            </a:r>
+            <a:r>
+              <a:rPr lang="en-US" altLang="zh-CN" dirty="0" smtClean="0"/>
+              <a:t>	//</a:t>
+            </a:r>
+            <a:r>
+              <a:rPr lang="zh-CN" altLang="en-US" dirty="0" smtClean="0"/>
+              <a:t>创建</a:t>
+            </a:r>
+            <a:r>
+              <a:rPr lang="en-US" altLang="zh-CN" dirty="0" err="1" smtClean="0"/>
+              <a:t>userdata</a:t>
+            </a:r>
+            <a:r>
+              <a:rPr lang="zh-CN" altLang="en-US" dirty="0" smtClean="0"/>
+              <a:t>，</a:t>
+            </a:r>
+            <a:r>
+              <a:rPr lang="en-US" altLang="zh-CN" dirty="0" err="1" smtClean="0"/>
+              <a:t>userdata.p</a:t>
+            </a:r>
+            <a:r>
+              <a:rPr lang="en-US" altLang="zh-CN" dirty="0" smtClean="0"/>
+              <a:t> = &amp;</a:t>
+            </a:r>
+            <a:r>
+              <a:rPr lang="en-US" altLang="zh-CN" dirty="0" err="1" smtClean="0"/>
+              <a:t>newLayer</a:t>
+            </a:r>
+            <a:endParaRPr lang="en-US" altLang="zh-CN" dirty="0" smtClean="0"/>
+          </a:p>
+          <a:p>
+            <a:pPr>
+              <a:buNone/>
+            </a:pPr>
+            <a:r>
+              <a:rPr lang="en-US" altLang="zh-CN" dirty="0" smtClean="0"/>
+              <a:t>	</a:t>
+            </a:r>
+            <a:r>
+              <a:rPr lang="en-US" altLang="zh-CN" dirty="0" smtClean="0"/>
+              <a:t>	//</a:t>
+            </a:r>
+            <a:r>
+              <a:rPr lang="zh-CN" altLang="en-US" dirty="0" smtClean="0"/>
+              <a:t>设置名称为</a:t>
+            </a:r>
+            <a:r>
+              <a:rPr lang="en-US" altLang="zh-CN" dirty="0" smtClean="0"/>
+              <a:t>”</a:t>
+            </a:r>
+            <a:r>
+              <a:rPr lang="en-US" altLang="zh-CN" dirty="0" err="1" smtClean="0"/>
+              <a:t>cc.LayerColor</a:t>
+            </a:r>
+            <a:r>
+              <a:rPr lang="en-US" altLang="zh-CN" dirty="0" smtClean="0"/>
+              <a:t>”</a:t>
             </a:r>
             <a:r>
               <a:rPr lang="zh-CN" altLang="en-US" dirty="0" smtClean="0"/>
               <a:t>的</a:t>
             </a:r>
             <a:r>
-              <a:rPr lang="en-US" altLang="zh-CN" dirty="0" smtClean="0"/>
-              <a:t>LUA</a:t>
-            </a:r>
-            <a:endParaRPr lang="zh-CN" altLang="en-US" dirty="0"/>
-          </a:p>
-        </p:txBody>
-      </p:sp>
-      <p:sp>
-        <p:nvSpPr>
-          <p:cNvPr id="3" name="内容占位符 2"/>
-          <p:cNvSpPr>
-            <a:spLocks noGrp="1"/>
-          </p:cNvSpPr>
-          <p:nvPr>
-            <p:ph idx="1"/>
-          </p:nvPr>
-        </p:nvSpPr>
-        <p:spPr/>
-        <p:txBody>
-          <a:bodyPr/>
-          <a:lstStyle/>
-          <a:p>
-            <a:r>
-              <a:rPr lang="zh-CN" altLang="en-US" dirty="0" smtClean="0"/>
-              <a:t>通过</a:t>
-            </a:r>
-            <a:r>
-              <a:rPr lang="en-US" altLang="zh-CN" dirty="0" smtClean="0"/>
-              <a:t>closure</a:t>
-            </a:r>
-            <a:r>
-              <a:rPr lang="zh-CN" altLang="en-US" dirty="0" smtClean="0"/>
-              <a:t>机制，在</a:t>
+              <a:rPr lang="en-US" altLang="zh-CN" dirty="0" err="1" smtClean="0"/>
+              <a:t>metatable</a:t>
+            </a:r>
+            <a:r>
+              <a:rPr lang="en-US" altLang="zh-CN" dirty="0" smtClean="0"/>
+              <a:t>	</a:t>
+            </a:r>
+            <a:r>
+              <a:rPr lang="zh-CN" altLang="en-US" dirty="0" smtClean="0"/>
+              <a:t>为该</a:t>
             </a:r>
             <a:r>
               <a:rPr lang="en-US" altLang="zh-CN" dirty="0" err="1" smtClean="0"/>
@@ -6170,38 +5982,11 @@
             </a:r>
             <a:r>
               <a:rPr lang="zh-CN" altLang="en-US" dirty="0" smtClean="0"/>
-              <a:t>内加入</a:t>
-            </a:r>
-            <a:r>
-              <a:rPr lang="en-US" altLang="zh-CN" dirty="0" smtClean="0"/>
-              <a:t>this</a:t>
-            </a:r>
-            <a:r>
-              <a:rPr lang="zh-CN" altLang="en-US" dirty="0" smtClean="0"/>
-              <a:t>，</a:t>
-            </a:r>
-            <a:r>
-              <a:rPr lang="en-US" altLang="zh-CN" dirty="0" smtClean="0"/>
-              <a:t>function</a:t>
-            </a:r>
-            <a:r>
-              <a:rPr lang="zh-CN" altLang="en-US" dirty="0" smtClean="0"/>
-              <a:t>地址，再通过模版的功能，实现了一个注册任意参数个数和类型的类成员函数的功能</a:t>
-            </a:r>
-            <a:endParaRPr lang="en-US" altLang="zh-CN" dirty="0" smtClean="0"/>
-          </a:p>
-          <a:p>
-            <a:r>
-              <a:rPr lang="zh-CN" altLang="en-US" dirty="0" smtClean="0"/>
-              <a:t>模版把参数实例化有个简化版的</a:t>
-            </a:r>
-            <a:r>
-              <a:rPr lang="en-US" altLang="zh-CN" dirty="0" smtClean="0"/>
-              <a:t>demo</a:t>
-            </a:r>
-            <a:r>
-              <a:rPr lang="zh-CN" altLang="en-US" dirty="0" smtClean="0"/>
-              <a:t>，</a:t>
+              <a:t>的</a:t>
+            </a:r>
+            <a:r>
+              <a:rPr lang="en-US" altLang="zh-CN" dirty="0" err="1" smtClean="0"/>
+              <a:t>metatable</a:t>
             </a:r>
             <a:endParaRPr lang="en-US" altLang="zh-CN" dirty="0" smtClean="0"/>
           </a:p>
@@ -6211,18 +5996,8 @@
             </a:pPr>
             <a:r>
               <a:rPr lang="en-US" altLang="zh-CN" dirty="0" smtClean="0"/>
-              <a:t>    KM</a:t>
-            </a:r>
-            <a:r>
-              <a:rPr lang="zh-CN" altLang="en-US" dirty="0" smtClean="0"/>
-              <a:t>：</a:t>
-            </a:r>
-            <a:endParaRPr lang="en-US" altLang="zh-CN" dirty="0" smtClean="0"/>
-          </a:p>
-          <a:p>
-            <a:pPr>
-              <a:buNone/>
-            </a:pPr>
+              <a:t>	}</a:t>
+            </a:r>
             <a:endParaRPr lang="zh-CN" altLang="en-US" dirty="0"/>
           </a:p>
         </p:txBody>
@@ -6269,16 +6044,12 @@
           <a:p>
             <a:r>
               <a:rPr lang="en-US" altLang="zh-CN" dirty="0" smtClean="0"/>
-              <a:t>CryEngine3</a:t>
-            </a:r>
-            <a:r>
-              <a:rPr lang="zh-CN" altLang="en-US" dirty="0" smtClean="0"/>
-              <a:t>的</a:t>
-            </a:r>
-            <a:r>
-              <a:rPr lang="en-US" altLang="zh-CN" dirty="0" smtClean="0"/>
               <a:t>LUA</a:t>
             </a:r>
+            <a:r>
+              <a:rPr lang="zh-CN" altLang="en-US" dirty="0" smtClean="0"/>
+              <a:t>中使用</a:t>
+            </a:r>
             <a:endParaRPr lang="zh-CN" altLang="en-US" dirty="0"/>
           </a:p>
         </p:txBody>
@@ -6295,22 +6066,101 @@
         </p:nvSpPr>
         <p:spPr/>
         <p:txBody>
-          <a:bodyPr/>
-          <a:lstStyle/>
-          <a:p>
-            <a:r>
-              <a:rPr lang="zh-CN" altLang="en-US" dirty="0" smtClean="0"/>
-              <a:t>这个看上去不错，不过貌似脱离了</a:t>
-            </a:r>
-            <a:r>
-              <a:rPr lang="en-US" altLang="zh-CN" dirty="0" smtClean="0"/>
-              <a:t>CE3</a:t>
-            </a:r>
-            <a:r>
-              <a:rPr lang="zh-CN" altLang="en-US" dirty="0" smtClean="0"/>
-              <a:t>的脚本框架，不知道其他用处是什么</a:t>
-            </a:r>
-            <a:endParaRPr lang="zh-CN" altLang="en-US" dirty="0"/>
+          <a:bodyPr>
+            <a:normAutofit/>
+          </a:bodyPr>
+          <a:lstStyle/>
+          <a:p>
+            <a:r>
+              <a:rPr lang="en-US" altLang="zh-CN" dirty="0" err="1" smtClean="0"/>
+              <a:t>Lua</a:t>
+            </a:r>
+            <a:r>
+              <a:rPr lang="zh-CN" altLang="en-US" dirty="0" smtClean="0"/>
+              <a:t>代码中可以这么用</a:t>
+            </a:r>
+            <a:endParaRPr lang="en-US" altLang="zh-CN" dirty="0" smtClean="0"/>
+          </a:p>
+          <a:p>
+            <a:r>
+              <a:rPr lang="en-US" altLang="zh-CN" dirty="0" smtClean="0"/>
+              <a:t> </a:t>
+            </a:r>
+            <a:r>
+              <a:rPr lang="en-US" altLang="zh-CN" dirty="0" smtClean="0"/>
+              <a:t>local layer1 = </a:t>
+            </a:r>
+            <a:r>
+              <a:rPr lang="en-US" altLang="zh-CN" dirty="0" err="1" smtClean="0"/>
+              <a:t>cc.LayerColor:create</a:t>
+            </a:r>
+            <a:r>
+              <a:rPr lang="en-US" altLang="zh-CN" dirty="0" smtClean="0"/>
+              <a:t>(cc.c4b(255, 0, 0, 255), 85, 121);        </a:t>
+            </a:r>
+            <a:endParaRPr lang="en-US" altLang="zh-CN" dirty="0" smtClean="0"/>
+          </a:p>
+          <a:p>
+            <a:r>
+              <a:rPr lang="en-US" altLang="zh-CN" dirty="0" smtClean="0"/>
+              <a:t>layer1:setPosition(0,0);</a:t>
+            </a:r>
+            <a:endParaRPr lang="en-US" altLang="zh-CN" dirty="0" smtClean="0"/>
+          </a:p>
+          <a:p>
+            <a:r>
+              <a:rPr lang="en-US" altLang="zh-CN" dirty="0" smtClean="0"/>
+              <a:t>Layer1.setPosition(Layer1,0,0);</a:t>
+            </a:r>
+          </a:p>
+          <a:p>
+            <a:r>
+              <a:rPr lang="en-US" altLang="zh-CN" dirty="0" err="1" smtClean="0"/>
+              <a:t>u</a:t>
+            </a:r>
+            <a:r>
+              <a:rPr lang="en-US" altLang="zh-CN" dirty="0" err="1" smtClean="0"/>
+              <a:t>serdata</a:t>
+            </a:r>
+            <a:r>
+              <a:rPr lang="en-US" altLang="zh-CN" dirty="0" smtClean="0"/>
+              <a:t> – object        </a:t>
+            </a:r>
+            <a:r>
+              <a:rPr lang="en-US" altLang="zh-CN" dirty="0" err="1" smtClean="0"/>
+              <a:t>metatable</a:t>
+            </a:r>
+            <a:r>
+              <a:rPr lang="en-US" altLang="zh-CN" dirty="0" smtClean="0"/>
+              <a:t>- class</a:t>
+            </a:r>
+            <a:endParaRPr lang="en-US" altLang="zh-CN" dirty="0" smtClean="0"/>
+          </a:p>
+          <a:p>
+            <a:r>
+              <a:rPr lang="zh-CN" altLang="en-US" dirty="0" smtClean="0"/>
+              <a:t>写起来很像</a:t>
+            </a:r>
+            <a:r>
+              <a:rPr lang="en-US" altLang="zh-CN" dirty="0" smtClean="0"/>
+              <a:t>C++</a:t>
+            </a:r>
+            <a:r>
+              <a:rPr lang="zh-CN" altLang="en-US" dirty="0" smtClean="0"/>
+              <a:t>，只是把</a:t>
+            </a:r>
+            <a:r>
+              <a:rPr lang="en-US" altLang="zh-CN" dirty="0" smtClean="0"/>
+              <a:t>”-&gt;”</a:t>
+            </a:r>
+            <a:r>
+              <a:rPr lang="zh-CN" altLang="en-US" dirty="0" smtClean="0"/>
+              <a:t>变成了</a:t>
+            </a:r>
+            <a:r>
+              <a:rPr lang="en-US" altLang="zh-CN" dirty="0" smtClean="0"/>
+              <a:t>”:”</a:t>
+            </a:r>
           </a:p>
         </p:txBody>
       </p:sp>
@@ -6355,94 +6205,206 @@
           <a:lstStyle/>
           <a:p>
             <a:r>
-              <a:rPr lang="en-US" altLang="zh-CN" dirty="0" smtClean="0"/>
-              <a:t>CryEngine3</a:t>
+              <a:rPr lang="en-US" altLang="zh-CN" dirty="0" err="1" smtClean="0"/>
+              <a:t>u</a:t>
+            </a:r>
+            <a:r>
+              <a:rPr lang="en-US" altLang="zh-CN" dirty="0" err="1" smtClean="0"/>
+              <a:t>serdata</a:t>
+            </a:r>
+            <a:r>
+              <a:rPr lang="zh-CN" altLang="en-US" dirty="0" smtClean="0"/>
+              <a:t>进阶</a:t>
+            </a:r>
+            <a:endParaRPr lang="zh-CN" altLang="en-US" dirty="0"/>
+          </a:p>
+        </p:txBody>
+      </p:sp>
+      <p:sp>
+        <p:nvSpPr>
+          <p:cNvPr id="3" name="内容占位符 2"/>
+          <p:cNvSpPr>
+            <a:spLocks noGrp="1"/>
+          </p:cNvSpPr>
+          <p:nvPr>
+            <p:ph idx="1"/>
+          </p:nvPr>
+        </p:nvSpPr>
+        <p:spPr/>
+        <p:txBody>
+          <a:bodyPr>
+            <a:normAutofit/>
+          </a:bodyPr>
+          <a:lstStyle/>
+          <a:p>
+            <a:r>
+              <a:rPr lang="en-US" altLang="zh-CN" dirty="0" err="1" smtClean="0"/>
+              <a:t>int</a:t>
+            </a:r>
+            <a:r>
+              <a:rPr lang="en-US" altLang="zh-CN" dirty="0" smtClean="0"/>
+              <a:t> </a:t>
+            </a:r>
+            <a:r>
+              <a:rPr lang="en-US" altLang="zh-CN" dirty="0" err="1" smtClean="0"/>
+              <a:t>setPosition</a:t>
+            </a:r>
+            <a:r>
+              <a:rPr lang="en-US" altLang="zh-CN" dirty="0" smtClean="0"/>
+              <a:t>(</a:t>
+            </a:r>
+            <a:r>
+              <a:rPr lang="en-US" altLang="zh-CN" dirty="0" err="1" smtClean="0"/>
+              <a:t>lua_state</a:t>
+            </a:r>
+            <a:r>
+              <a:rPr lang="en-US" altLang="zh-CN" dirty="0" smtClean="0"/>
+              <a:t>*L)</a:t>
+            </a:r>
+          </a:p>
+          <a:p>
+            <a:r>
+              <a:rPr lang="en-US" altLang="zh-CN" dirty="0" smtClean="0"/>
+              <a:t>{	</a:t>
+            </a:r>
+          </a:p>
+          <a:p>
+            <a:pPr>
+              <a:buNone/>
+            </a:pPr>
+            <a:r>
+              <a:rPr lang="en-US" altLang="zh-CN" dirty="0" smtClean="0"/>
+              <a:t>	</a:t>
+            </a:r>
+            <a:r>
+              <a:rPr lang="en-US" altLang="zh-CN" dirty="0" smtClean="0"/>
+              <a:t>	//</a:t>
+            </a:r>
+            <a:r>
+              <a:rPr lang="zh-CN" altLang="en-US" dirty="0" smtClean="0"/>
+              <a:t>获得</a:t>
+            </a:r>
+            <a:r>
+              <a:rPr lang="en-US" altLang="zh-CN" dirty="0" err="1" smtClean="0"/>
+              <a:t>userdata</a:t>
+            </a:r>
+            <a:endParaRPr lang="en-US" altLang="zh-CN" dirty="0" smtClean="0"/>
+          </a:p>
+          <a:p>
+            <a:pPr>
+              <a:buNone/>
+            </a:pPr>
+            <a:r>
+              <a:rPr lang="en-US" altLang="zh-CN" dirty="0" smtClean="0"/>
+              <a:t>	</a:t>
+            </a:r>
+            <a:r>
+              <a:rPr lang="en-US" altLang="zh-CN" dirty="0" smtClean="0"/>
+              <a:t>	//</a:t>
+            </a:r>
+            <a:r>
+              <a:rPr lang="zh-CN" altLang="en-US" dirty="0" smtClean="0"/>
+              <a:t>检测</a:t>
+            </a:r>
+            <a:r>
+              <a:rPr lang="en-US" altLang="zh-CN" dirty="0" err="1" smtClean="0"/>
+              <a:t>userdata</a:t>
             </a:r>
             <a:r>
               <a:rPr lang="zh-CN" altLang="en-US" dirty="0" smtClean="0"/>
               <a:t>的</a:t>
             </a:r>
             <a:r>
-              <a:rPr lang="en-US" altLang="zh-CN" dirty="0" smtClean="0"/>
-              <a:t>LUA</a:t>
+              <a:rPr lang="en-US" altLang="zh-CN" dirty="0" err="1" smtClean="0"/>
+              <a:t>metatable</a:t>
+            </a:r>
+            <a:r>
+              <a:rPr lang="zh-CN" altLang="en-US" dirty="0" smtClean="0"/>
+              <a:t>是否是</a:t>
+            </a:r>
+            <a:r>
+              <a:rPr lang="en-US" altLang="zh-CN" dirty="0" smtClean="0"/>
+              <a:t>”cc…”</a:t>
+            </a:r>
+          </a:p>
+          <a:p>
+            <a:pPr>
+              <a:buNone/>
+            </a:pPr>
+            <a:r>
+              <a:rPr lang="en-US" altLang="zh-CN" dirty="0" smtClean="0"/>
+              <a:t>	</a:t>
+            </a:r>
+            <a:r>
+              <a:rPr lang="en-US" altLang="zh-CN" dirty="0" smtClean="0"/>
+              <a:t>	//</a:t>
+            </a:r>
+            <a:r>
+              <a:rPr lang="zh-CN" altLang="en-US" dirty="0" smtClean="0"/>
+              <a:t>获得</a:t>
+            </a:r>
+            <a:r>
+              <a:rPr lang="en-US" altLang="zh-CN" dirty="0" err="1" smtClean="0"/>
+              <a:t>layerColor</a:t>
+            </a:r>
+            <a:r>
+              <a:rPr lang="zh-CN" altLang="en-US" dirty="0" smtClean="0"/>
+              <a:t>对象指针</a:t>
+            </a:r>
+            <a:r>
+              <a:rPr lang="en-US" altLang="zh-CN" dirty="0" smtClean="0"/>
+              <a:t>p,</a:t>
+            </a:r>
+            <a:r>
+              <a:rPr lang="zh-CN" altLang="en-US" dirty="0" smtClean="0"/>
+              <a:t>位置参数</a:t>
+            </a:r>
+            <a:endParaRPr lang="en-US" altLang="zh-CN" dirty="0" smtClean="0"/>
+          </a:p>
+          <a:p>
+            <a:pPr>
+              <a:buNone/>
+            </a:pPr>
+            <a:r>
+              <a:rPr lang="en-US" altLang="zh-CN" dirty="0" smtClean="0"/>
+              <a:t>	</a:t>
+            </a:r>
+            <a:r>
+              <a:rPr lang="en-US" altLang="zh-CN" dirty="0" smtClean="0"/>
+              <a:t>	 </a:t>
+            </a:r>
+            <a:r>
+              <a:rPr lang="en-US" altLang="zh-CN" dirty="0" smtClean="0"/>
+              <a:t>//p-&gt;</a:t>
+            </a:r>
+            <a:r>
+              <a:rPr lang="en-US" altLang="zh-CN" dirty="0" err="1" smtClean="0"/>
+              <a:t>setPosition</a:t>
+            </a:r>
+            <a:r>
+              <a:rPr lang="en-US" altLang="zh-CN" dirty="0" smtClean="0"/>
+              <a:t>(</a:t>
+            </a:r>
+            <a:r>
+              <a:rPr lang="en-US" altLang="zh-CN" dirty="0" err="1" smtClean="0"/>
+              <a:t>x,y</a:t>
+            </a:r>
+            <a:r>
+              <a:rPr lang="en-US" altLang="zh-CN" dirty="0" smtClean="0"/>
+              <a:t>);</a:t>
+            </a:r>
+            <a:endParaRPr lang="en-US" altLang="zh-CN" dirty="0" smtClean="0"/>
+          </a:p>
+          <a:p>
+            <a:r>
+              <a:rPr lang="en-US" altLang="zh-CN" dirty="0" smtClean="0"/>
+              <a:t>}</a:t>
+            </a:r>
+            <a:r>
+              <a:rPr lang="en-US" altLang="zh-CN" dirty="0" smtClean="0"/>
+              <a:t> </a:t>
             </a:r>
             <a:endParaRPr lang="zh-CN" altLang="en-US" dirty="0"/>
-          </a:p>
-        </p:txBody>
-      </p:sp>
-      <p:sp>
-        <p:nvSpPr>
-          <p:cNvPr id="3" name="内容占位符 2"/>
-          <p:cNvSpPr>
-            <a:spLocks noGrp="1"/>
-          </p:cNvSpPr>
-          <p:nvPr>
-            <p:ph idx="1"/>
-          </p:nvPr>
-        </p:nvSpPr>
-        <p:spPr/>
-        <p:txBody>
-          <a:bodyPr/>
-          <a:lstStyle/>
-          <a:p>
-            <a:r>
-              <a:rPr lang="en-US" altLang="zh-CN" dirty="0" smtClean="0"/>
-              <a:t>cry</a:t>
-            </a:r>
-            <a:r>
-              <a:rPr lang="zh-CN" altLang="en-US" dirty="0" smtClean="0"/>
-              <a:t>中</a:t>
-            </a:r>
-            <a:r>
-              <a:rPr lang="en-US" altLang="zh-CN" dirty="0" err="1" smtClean="0"/>
-              <a:t>lua</a:t>
-            </a:r>
-            <a:r>
-              <a:rPr lang="zh-CN" altLang="en-US" dirty="0" smtClean="0"/>
-              <a:t>的基本功能</a:t>
-            </a:r>
-            <a:endParaRPr lang="en-US" altLang="zh-CN" dirty="0" smtClean="0"/>
-          </a:p>
-          <a:p>
-            <a:r>
-              <a:rPr lang="zh-CN" altLang="en-US" dirty="0" smtClean="0"/>
-              <a:t>类型定义</a:t>
-            </a:r>
-            <a:endParaRPr lang="en-US" altLang="zh-CN" dirty="0" smtClean="0"/>
-          </a:p>
-          <a:p>
-            <a:r>
-              <a:rPr lang="zh-CN" altLang="en-US" dirty="0" smtClean="0"/>
-              <a:t>属性方法定义</a:t>
-            </a:r>
-            <a:endParaRPr lang="en-US" altLang="zh-CN" dirty="0" smtClean="0"/>
-          </a:p>
-          <a:p>
-            <a:r>
-              <a:rPr lang="en-US" altLang="zh-CN" dirty="0" smtClean="0"/>
-              <a:t>C++</a:t>
-            </a:r>
-            <a:r>
-              <a:rPr lang="zh-CN" altLang="en-US" dirty="0" smtClean="0"/>
-              <a:t>组件的组合者</a:t>
-            </a:r>
-          </a:p>
-          <a:p>
-            <a:r>
-              <a:rPr lang="zh-CN" altLang="en-US" dirty="0" smtClean="0"/>
-              <a:t>简单状态机</a:t>
-            </a:r>
-            <a:endParaRPr dirty="0"/>
-          </a:p>
-          <a:p>
-            <a:r>
-              <a:rPr lang="zh-CN" altLang="en-US" dirty="0" smtClean="0"/>
-              <a:t>基于状态机事件响应(c++大量调用lua函数)</a:t>
-            </a:r>
-            <a:endParaRPr dirty="0"/>
-          </a:p>
-          <a:p>
-            <a:endParaRPr dirty="0"/>
           </a:p>
         </p:txBody>
       </p:sp>
@@ -6487,16 +6449,8 @@
           <a:lstStyle/>
           <a:p>
             <a:r>
-              <a:rPr lang="en-US" altLang="zh-CN" dirty="0" smtClean="0"/>
-              <a:t>CryEngine3</a:t>
-            </a:r>
-            <a:r>
-              <a:rPr lang="zh-CN" altLang="en-US" dirty="0" smtClean="0"/>
-              <a:t>的</a:t>
-            </a:r>
-            <a:r>
-              <a:rPr lang="en-US" altLang="zh-CN" dirty="0" smtClean="0"/>
-              <a:t>LUA</a:t>
+              <a:rPr lang="en-US" altLang="zh-CN" dirty="0" err="1" smtClean="0"/>
+              <a:t>lightuserdata</a:t>
             </a:r>
             <a:endParaRPr lang="zh-CN" altLang="en-US" dirty="0"/>
           </a:p>
@@ -6518,88 +6472,43 @@
           <a:lstStyle/>
           <a:p>
             <a:r>
-              <a:rPr lang="zh-CN" altLang="en-US" dirty="0" smtClean="0"/>
-              <a:t>工作流程，如何使用这个</a:t>
-            </a:r>
-            <a:r>
-              <a:rPr lang="en-US" altLang="zh-CN" dirty="0" smtClean="0"/>
-              <a:t>LUA</a:t>
-            </a:r>
-            <a:r>
-              <a:rPr lang="zh-CN" altLang="en-US" dirty="0" smtClean="0"/>
-              <a:t>文件？</a:t>
-            </a:r>
-            <a:endParaRPr lang="en-US" altLang="zh-CN" dirty="0" smtClean="0"/>
-          </a:p>
-          <a:p>
-            <a:r>
-              <a:rPr lang="en-US" altLang="zh-CN" dirty="0" smtClean="0"/>
-              <a:t>1.C++</a:t>
-            </a:r>
-            <a:r>
-              <a:rPr lang="zh-CN" altLang="en-US" dirty="0" smtClean="0"/>
-              <a:t>创建一个</a:t>
-            </a:r>
-            <a:r>
-              <a:rPr lang="en-US" altLang="zh-CN" dirty="0" smtClean="0"/>
-              <a:t>entity</a:t>
-            </a:r>
-            <a:r>
-              <a:rPr lang="zh-CN" altLang="en-US" dirty="0" smtClean="0"/>
-              <a:t>对象，初始化脚本模块</a:t>
-            </a:r>
-            <a:endParaRPr lang="en-US" altLang="zh-CN" dirty="0" smtClean="0"/>
-          </a:p>
-          <a:p>
-            <a:r>
-              <a:rPr lang="en-US" altLang="zh-CN" dirty="0" smtClean="0"/>
-              <a:t>2.Table</a:t>
-            </a:r>
-            <a:r>
-              <a:rPr lang="zh-CN" altLang="en-US" dirty="0" smtClean="0"/>
-              <a:t>的复制，存入</a:t>
-            </a:r>
-            <a:r>
-              <a:rPr lang="en-US" altLang="zh-CN" dirty="0" smtClean="0"/>
-              <a:t>id,</a:t>
-            </a:r>
-            <a:r>
-              <a:rPr lang="zh-CN" altLang="en-US" dirty="0" smtClean="0"/>
-              <a:t>形成对应关系</a:t>
-            </a:r>
-            <a:endParaRPr lang="en-US" altLang="zh-CN" dirty="0" smtClean="0"/>
-          </a:p>
-          <a:p>
-            <a:r>
-              <a:rPr lang="en-US" altLang="zh-CN" dirty="0" smtClean="0"/>
-              <a:t>3.lua</a:t>
-            </a:r>
-            <a:r>
-              <a:rPr lang="zh-CN" altLang="en-US" dirty="0" smtClean="0"/>
-              <a:t>回调的调用</a:t>
-            </a:r>
-            <a:endParaRPr lang="en-US" altLang="zh-CN" dirty="0" smtClean="0"/>
-          </a:p>
-          <a:p>
-            <a:r>
-              <a:rPr lang="en-US" altLang="zh-CN" dirty="0" smtClean="0"/>
-              <a:t>4.</a:t>
-            </a:r>
-            <a:r>
-              <a:rPr lang="zh-CN" altLang="en-US" dirty="0" smtClean="0"/>
-              <a:t>脚本逻辑初始化</a:t>
-            </a:r>
-            <a:r>
-              <a:rPr lang="en-US" altLang="zh-CN" dirty="0" smtClean="0"/>
-              <a:t>entity</a:t>
-            </a:r>
-            <a:endParaRPr lang="zh-CN" altLang="en-US" dirty="0" smtClean="0"/>
-          </a:p>
-          <a:p>
-            <a:endParaRPr lang="en-US" altLang="zh-CN" dirty="0" smtClean="0"/>
-          </a:p>
-          <a:p>
-            <a:endParaRPr dirty="0"/>
+              <a:rPr lang="en-US" altLang="zh-CN" dirty="0" err="1" smtClean="0"/>
+              <a:t>userdata</a:t>
+            </a:r>
+            <a:r>
+              <a:rPr lang="zh-CN" altLang="en-US" dirty="0" smtClean="0"/>
+              <a:t>的缩水版本</a:t>
+            </a:r>
+            <a:endParaRPr lang="en-US" altLang="zh-CN" dirty="0" smtClean="0"/>
+          </a:p>
+          <a:p>
+            <a:r>
+              <a:rPr lang="zh-CN" altLang="en-US" dirty="0" smtClean="0"/>
+              <a:t>只有一个指针大小，无法设置</a:t>
+            </a:r>
+            <a:r>
+              <a:rPr lang="en-US" altLang="zh-CN" dirty="0" err="1" smtClean="0"/>
+              <a:t>metatable</a:t>
+            </a:r>
+            <a:endParaRPr lang="en-US" altLang="zh-CN" dirty="0" smtClean="0"/>
+          </a:p>
+          <a:p>
+            <a:r>
+              <a:rPr lang="zh-CN" altLang="en-US" dirty="0" smtClean="0"/>
+              <a:t>这就决定了，不要真的把指针传入，因为从</a:t>
+            </a:r>
+            <a:r>
+              <a:rPr lang="en-US" altLang="zh-CN" dirty="0" err="1" smtClean="0"/>
+              <a:t>lua</a:t>
+            </a:r>
+            <a:r>
+              <a:rPr lang="zh-CN" altLang="en-US" dirty="0" smtClean="0"/>
+              <a:t>返还回来做参数的时候，无法验证该指针的有效性！</a:t>
+            </a:r>
+            <a:endParaRPr lang="en-US" altLang="zh-CN" dirty="0" smtClean="0"/>
+          </a:p>
+          <a:p>
+            <a:endParaRPr lang="zh-CN" altLang="en-US" dirty="0"/>
           </a:p>
         </p:txBody>
       </p:sp>
@@ -6644,8 +6553,12 @@
           <a:lstStyle/>
           <a:p>
             <a:r>
-              <a:rPr lang="zh-CN" altLang="en-US" dirty="0" smtClean="0"/>
-              <a:t>与宿主语言关系</a:t>
+              <a:rPr lang="en-US" altLang="zh-CN" dirty="0" smtClean="0"/>
+              <a:t>LUA</a:t>
+            </a:r>
+            <a:r>
+              <a:rPr lang="zh-CN" altLang="en-US" dirty="0" smtClean="0"/>
+              <a:t>？</a:t>
             </a:r>
             <a:endParaRPr lang="zh-CN" altLang="en-US" dirty="0"/>
           </a:p>
@@ -6668,120 +6581,97 @@
           <a:p>
             <a:r>
               <a:rPr lang="zh-CN" altLang="en-US" dirty="0" smtClean="0"/>
-              <a:t>用</a:t>
-            </a:r>
-            <a:r>
-              <a:rPr lang="en-US" altLang="zh-CN" dirty="0" smtClean="0"/>
-              <a:t>C++</a:t>
-            </a:r>
-            <a:r>
-              <a:rPr lang="zh-CN" altLang="en-US" dirty="0" smtClean="0"/>
-              <a:t>举例</a:t>
-            </a:r>
-            <a:endParaRPr lang="en-US" altLang="zh-CN" dirty="0" smtClean="0"/>
-          </a:p>
-          <a:p>
-            <a:r>
-              <a:rPr lang="en-US" altLang="zh-CN" dirty="0" smtClean="0"/>
-              <a:t>C++</a:t>
-            </a:r>
-            <a:r>
-              <a:rPr lang="zh-CN" altLang="en-US" dirty="0" smtClean="0"/>
-              <a:t>创建</a:t>
+              <a:t>游戏开发使用</a:t>
             </a:r>
             <a:r>
               <a:rPr lang="en-US" altLang="zh-CN" dirty="0" smtClean="0"/>
               <a:t>LUA</a:t>
             </a:r>
-            <a:r>
-              <a:rPr lang="zh-CN" altLang="en-US" dirty="0" smtClean="0"/>
-              <a:t>运行环境</a:t>
-            </a:r>
-            <a:endParaRPr lang="en-US" altLang="zh-CN" dirty="0" smtClean="0"/>
-          </a:p>
-          <a:p>
-            <a:r>
-              <a:rPr lang="en-US" altLang="zh-CN" dirty="0" smtClean="0"/>
-              <a:t>LUA</a:t>
-            </a:r>
-            <a:r>
-              <a:rPr lang="zh-CN" altLang="en-US" dirty="0" smtClean="0"/>
-              <a:t>定义函数，数据</a:t>
-            </a:r>
-            <a:endParaRPr lang="en-US" altLang="zh-CN" dirty="0" smtClean="0"/>
-          </a:p>
-          <a:p>
-            <a:r>
-              <a:rPr lang="en-US" altLang="zh-CN" dirty="0" smtClean="0"/>
-              <a:t>C++</a:t>
-            </a:r>
-            <a:r>
-              <a:rPr lang="zh-CN" altLang="en-US" dirty="0" smtClean="0"/>
-              <a:t>可以通过名字，</a:t>
-            </a:r>
-            <a:r>
-              <a:rPr lang="en-US" altLang="zh-CN" dirty="0" smtClean="0"/>
-              <a:t>Ref</a:t>
-            </a:r>
-            <a:r>
-              <a:rPr lang="zh-CN" altLang="en-US" dirty="0" smtClean="0"/>
-              <a:t>访问函数和数据</a:t>
-            </a:r>
-            <a:endParaRPr lang="en-US" altLang="zh-CN" dirty="0" smtClean="0"/>
-          </a:p>
-          <a:p>
-            <a:r>
-              <a:rPr lang="en-US" altLang="zh-CN" dirty="0" smtClean="0"/>
-              <a:t>C++</a:t>
-            </a:r>
-            <a:r>
-              <a:rPr lang="zh-CN" altLang="en-US" dirty="0" smtClean="0"/>
-              <a:t>注册回调函数给</a:t>
-            </a:r>
-            <a:r>
-              <a:rPr lang="en-US" altLang="zh-CN" dirty="0" smtClean="0"/>
-              <a:t>LUA</a:t>
-            </a:r>
-            <a:r>
-              <a:rPr lang="zh-CN" altLang="en-US" dirty="0" smtClean="0"/>
-              <a:t>使用</a:t>
-            </a:r>
-            <a:endParaRPr lang="en-US" altLang="zh-CN" dirty="0" smtClean="0"/>
-          </a:p>
-          <a:p>
-            <a:r>
-              <a:rPr lang="en-US" altLang="zh-CN" dirty="0" smtClean="0"/>
-              <a:t>C++</a:t>
-            </a:r>
-            <a:r>
-              <a:rPr lang="zh-CN" altLang="en-US" dirty="0" smtClean="0"/>
-              <a:t>可以调用</a:t>
-            </a:r>
-            <a:r>
-              <a:rPr lang="en-US" altLang="zh-CN" dirty="0" smtClean="0"/>
-              <a:t>LUA</a:t>
-            </a:r>
-            <a:r>
-              <a:rPr lang="zh-CN" altLang="en-US" dirty="0" smtClean="0"/>
-              <a:t>的</a:t>
-            </a:r>
-            <a:r>
-              <a:rPr lang="en-US" altLang="zh-CN" dirty="0" smtClean="0"/>
-              <a:t>CAPI</a:t>
-            </a:r>
-            <a:r>
-              <a:rPr lang="zh-CN" altLang="en-US" dirty="0" smtClean="0"/>
-              <a:t>修改</a:t>
-            </a:r>
-            <a:r>
-              <a:rPr lang="en-US" altLang="zh-CN" dirty="0" smtClean="0"/>
-              <a:t>LUA</a:t>
-            </a:r>
-            <a:r>
-              <a:rPr lang="zh-CN" altLang="en-US" dirty="0" smtClean="0"/>
-              <a:t>环境内的数据和方法</a:t>
-            </a:r>
-            <a:endParaRPr lang="en-US" altLang="zh-CN" dirty="0" smtClean="0"/>
+          </a:p>
+          <a:p>
+            <a:r>
+              <a:rPr lang="en-US" altLang="zh-CN" dirty="0" smtClean="0"/>
+              <a:t>1.</a:t>
+            </a:r>
+            <a:r>
+              <a:rPr lang="zh-CN" altLang="en-US" dirty="0" smtClean="0"/>
+              <a:t>嵌入式语言</a:t>
+            </a:r>
+            <a:r>
+              <a:rPr lang="en-US" altLang="zh-CN" dirty="0" smtClean="0"/>
+              <a:t>(</a:t>
+            </a:r>
+            <a:r>
+              <a:rPr lang="zh-CN" altLang="en-US" dirty="0" smtClean="0"/>
+              <a:t>无法独立存在</a:t>
+            </a:r>
+            <a:r>
+              <a:rPr lang="en-US" altLang="zh-CN" dirty="0" smtClean="0"/>
+              <a:t>)</a:t>
+            </a:r>
+          </a:p>
+          <a:p>
+            <a:r>
+              <a:rPr lang="en-US" altLang="zh-CN" dirty="0" smtClean="0"/>
+              <a:t>2.</a:t>
+            </a:r>
+            <a:r>
+              <a:rPr lang="zh-CN" altLang="en-US" dirty="0" smtClean="0"/>
+              <a:t>轻量</a:t>
+            </a:r>
+            <a:r>
+              <a:rPr lang="en-US" altLang="zh-CN" dirty="0" smtClean="0"/>
+              <a:t>(5.02  120K,python,perl  1M)</a:t>
+            </a:r>
+          </a:p>
+          <a:p>
+            <a:r>
+              <a:rPr lang="en-US" altLang="zh-CN" dirty="0" smtClean="0"/>
+              <a:t>2.</a:t>
+            </a:r>
+            <a:r>
+              <a:rPr lang="zh-CN" altLang="en-US" dirty="0" smtClean="0"/>
+              <a:t>易于扩展</a:t>
+            </a:r>
+            <a:r>
+              <a:rPr lang="en-US" altLang="zh-CN" dirty="0" smtClean="0"/>
+              <a:t>(C,C++</a:t>
+            </a:r>
+            <a:r>
+              <a:rPr lang="zh-CN" altLang="en-US" dirty="0" smtClean="0"/>
+              <a:t>注册回调函数</a:t>
+            </a:r>
+            <a:r>
+              <a:rPr lang="en-US" altLang="zh-CN" dirty="0" smtClean="0"/>
+              <a:t>)</a:t>
+            </a:r>
+          </a:p>
+          <a:p>
+            <a:r>
+              <a:rPr lang="en-US" altLang="zh-CN" dirty="0" smtClean="0"/>
+              <a:t>3.</a:t>
+            </a:r>
+            <a:r>
+              <a:rPr lang="zh-CN" altLang="en-US" dirty="0" smtClean="0"/>
+              <a:t>功能简单强大</a:t>
+            </a:r>
+            <a:r>
+              <a:rPr lang="en-US" altLang="zh-CN" dirty="0" smtClean="0"/>
+              <a:t>(</a:t>
+            </a:r>
+            <a:r>
+              <a:rPr lang="en-US" altLang="zh-CN" dirty="0" smtClean="0"/>
+              <a:t>table</a:t>
+            </a:r>
+            <a:r>
+              <a:rPr lang="zh-CN" altLang="en-US" dirty="0" smtClean="0"/>
+              <a:t>，元表元方法实现面向对象机制</a:t>
+            </a:r>
+            <a:r>
+              <a:rPr lang="en-US" altLang="zh-CN" dirty="0" smtClean="0"/>
+              <a:t>)</a:t>
+            </a:r>
+            <a:endParaRPr lang="zh-CN" altLang="en-US" dirty="0"/>
           </a:p>
         </p:txBody>
       </p:sp>
@@ -6827,15 +6717,11 @@
           <a:p>
             <a:r>
               <a:rPr lang="en-US" altLang="zh-CN" dirty="0" smtClean="0"/>
-              <a:t>CryEngine3</a:t>
-            </a:r>
-            <a:r>
-              <a:rPr lang="zh-CN" altLang="en-US" dirty="0" smtClean="0"/>
-              <a:t>的</a:t>
-            </a:r>
-            <a:r>
-              <a:rPr lang="en-US" altLang="zh-CN" dirty="0" smtClean="0"/>
-              <a:t>LUA</a:t>
+              <a:t>C++</a:t>
+            </a:r>
+            <a:r>
+              <a:rPr lang="zh-CN" altLang="en-US" dirty="0" smtClean="0"/>
+              <a:t>中创建</a:t>
             </a:r>
             <a:endParaRPr lang="zh-CN" altLang="en-US" dirty="0"/>
           </a:p>
@@ -6851,48 +6737,172 @@
             <p:ph idx="1"/>
           </p:nvPr>
         </p:nvSpPr>
-        <p:spPr/>
-        <p:txBody>
-          <a:bodyPr/>
-          <a:lstStyle/>
-          <a:p>
-            <a:r>
-              <a:rPr lang="en-US" altLang="zh-CN" dirty="0" smtClean="0"/>
-              <a:t>Table</a:t>
-            </a:r>
-            <a:r>
-              <a:rPr lang="zh-CN" altLang="en-US" dirty="0" smtClean="0"/>
-              <a:t>复制</a:t>
-            </a:r>
-            <a:endParaRPr lang="en-US" altLang="zh-CN" dirty="0" smtClean="0"/>
-          </a:p>
-          <a:p>
-            <a:r>
-              <a:rPr lang="zh-CN" altLang="en-US" dirty="0" smtClean="0"/>
-              <a:t>属性复制</a:t>
-            </a:r>
-            <a:endParaRPr lang="en-US" altLang="zh-CN" dirty="0" smtClean="0"/>
-          </a:p>
-          <a:p>
-            <a:r>
-              <a:rPr lang="zh-CN" altLang="en-US" dirty="0" smtClean="0"/>
-              <a:t>函数复制？</a:t>
-            </a:r>
-            <a:r>
-              <a:rPr lang="en-US" altLang="zh-CN" dirty="0" smtClean="0"/>
-              <a:t>No </a:t>
-            </a:r>
-            <a:r>
-              <a:rPr lang="zh-CN" altLang="en-US" dirty="0" smtClean="0"/>
-              <a:t>函数无法复制</a:t>
-            </a:r>
-            <a:endParaRPr lang="en-US" altLang="zh-CN" dirty="0" smtClean="0"/>
-          </a:p>
-          <a:p>
-            <a:endParaRPr lang="en-US" altLang="zh-CN" dirty="0" smtClean="0"/>
-          </a:p>
-          <a:p>
-            <a:endParaRPr dirty="0"/>
+        <p:spPr>
+          <a:xfrm>
+            <a:off x="457200" y="1600200"/>
+            <a:ext cx="8229600" cy="4686320"/>
+          </a:xfrm>
+        </p:spPr>
+        <p:txBody>
+          <a:bodyPr>
+            <a:normAutofit/>
+          </a:bodyPr>
+          <a:lstStyle/>
+          <a:p>
+            <a:r>
+              <a:rPr lang="en-US" altLang="zh-CN" dirty="0" err="1" smtClean="0"/>
+              <a:t>lua_newtable</a:t>
+            </a:r>
+            <a:r>
+              <a:rPr lang="en-US" altLang="zh-CN" dirty="0" smtClean="0"/>
+              <a:t>(L</a:t>
+            </a:r>
+            <a:r>
+              <a:rPr lang="en-US" altLang="zh-CN" dirty="0" smtClean="0"/>
+              <a:t>,” </a:t>
+            </a:r>
+            <a:r>
+              <a:rPr lang="en-US" altLang="zh-CN" dirty="0" err="1" smtClean="0"/>
+              <a:t>LayerSystem</a:t>
+            </a:r>
+            <a:r>
+              <a:rPr lang="en-US" altLang="zh-CN" dirty="0" smtClean="0"/>
+              <a:t>”);</a:t>
+            </a:r>
+            <a:endParaRPr lang="en-US" altLang="zh-CN" dirty="0" smtClean="0"/>
+          </a:p>
+          <a:p>
+            <a:r>
+              <a:rPr lang="en-US" altLang="zh-CN" dirty="0" err="1" smtClean="0"/>
+              <a:t>i</a:t>
+            </a:r>
+            <a:r>
+              <a:rPr lang="en-US" altLang="zh-CN" dirty="0" err="1" smtClean="0"/>
+              <a:t>nt</a:t>
+            </a:r>
+            <a:r>
+              <a:rPr lang="en-US" altLang="zh-CN" dirty="0" smtClean="0"/>
+              <a:t> create(</a:t>
+            </a:r>
+            <a:r>
+              <a:rPr lang="en-US" altLang="zh-CN" dirty="0" err="1" smtClean="0"/>
+              <a:t>lua_state</a:t>
+            </a:r>
+            <a:r>
+              <a:rPr lang="en-US" altLang="zh-CN" dirty="0" smtClean="0"/>
+              <a:t>*L</a:t>
+            </a:r>
+            <a:r>
+              <a:rPr lang="en-US" altLang="zh-CN" dirty="0" smtClean="0"/>
+              <a:t>)</a:t>
+            </a:r>
+          </a:p>
+          <a:p>
+            <a:r>
+              <a:rPr lang="en-US" altLang="zh-CN" dirty="0" smtClean="0"/>
+              <a:t>{   </a:t>
+            </a:r>
+          </a:p>
+          <a:p>
+            <a:pPr>
+              <a:buNone/>
+            </a:pPr>
+            <a:r>
+              <a:rPr lang="en-US" altLang="zh-CN" dirty="0" smtClean="0"/>
+              <a:t>		//</a:t>
+            </a:r>
+            <a:r>
+              <a:rPr lang="zh-CN" altLang="en-US" dirty="0" smtClean="0"/>
+              <a:t>取参数并且创建</a:t>
+            </a:r>
+            <a:r>
+              <a:rPr lang="zh-CN" altLang="en-US" dirty="0" smtClean="0"/>
+              <a:t>一</a:t>
+            </a:r>
+            <a:r>
+              <a:rPr lang="zh-CN" altLang="en-US" dirty="0" smtClean="0"/>
+              <a:t>个</a:t>
+            </a:r>
+            <a:r>
+              <a:rPr lang="en-US" altLang="zh-CN" dirty="0" smtClean="0"/>
+              <a:t>C++</a:t>
+            </a:r>
+            <a:r>
+              <a:rPr lang="zh-CN" altLang="en-US" dirty="0" smtClean="0"/>
+              <a:t>对象</a:t>
+            </a:r>
+            <a:endParaRPr lang="en-US" altLang="zh-CN" dirty="0" smtClean="0"/>
+          </a:p>
+          <a:p>
+            <a:pPr>
+              <a:buNone/>
+            </a:pPr>
+            <a:r>
+              <a:rPr lang="en-US" altLang="zh-CN" dirty="0" smtClean="0"/>
+              <a:t>	</a:t>
+            </a:r>
+            <a:r>
+              <a:rPr lang="en-US" altLang="zh-CN" dirty="0" smtClean="0"/>
+              <a:t>	//</a:t>
+            </a:r>
+            <a:r>
+              <a:rPr lang="zh-CN" altLang="en-US" dirty="0" smtClean="0"/>
+              <a:t>创建</a:t>
+            </a:r>
+            <a:r>
+              <a:rPr lang="en-US" altLang="zh-CN" dirty="0" smtClean="0"/>
+              <a:t>light </a:t>
+            </a:r>
+            <a:r>
+              <a:rPr lang="en-US" altLang="zh-CN" dirty="0" err="1" smtClean="0"/>
+              <a:t>userdata</a:t>
+            </a:r>
+            <a:r>
+              <a:rPr lang="zh-CN" altLang="en-US" dirty="0" smtClean="0"/>
+              <a:t>，把对象的</a:t>
+            </a:r>
+            <a:r>
+              <a:rPr lang="en-US" altLang="zh-CN" dirty="0" smtClean="0"/>
+              <a:t>id</a:t>
+            </a:r>
+            <a:r>
+              <a:rPr lang="zh-CN" altLang="en-US" dirty="0" smtClean="0"/>
+              <a:t>存入</a:t>
+            </a:r>
+            <a:endParaRPr lang="en-US" altLang="zh-CN" dirty="0" smtClean="0"/>
+          </a:p>
+          <a:p>
+            <a:pPr>
+              <a:buNone/>
+            </a:pPr>
+            <a:r>
+              <a:rPr lang="en-US" altLang="zh-CN" dirty="0" smtClean="0"/>
+              <a:t>	</a:t>
+            </a:r>
+            <a:r>
+              <a:rPr lang="en-US" altLang="zh-CN" dirty="0" smtClean="0"/>
+              <a:t>	//</a:t>
+            </a:r>
+            <a:r>
+              <a:rPr lang="zh-CN" altLang="en-US" dirty="0" smtClean="0"/>
+              <a:t>返回</a:t>
+            </a:r>
+            <a:r>
+              <a:rPr lang="en-US" altLang="zh-CN" dirty="0" smtClean="0"/>
+              <a:t>light </a:t>
+            </a:r>
+            <a:r>
+              <a:rPr lang="en-US" altLang="zh-CN" dirty="0" err="1" smtClean="0"/>
+              <a:t>userdata</a:t>
+            </a:r>
+            <a:endParaRPr lang="en-US" altLang="zh-CN" dirty="0" smtClean="0"/>
+          </a:p>
+          <a:p>
+            <a:r>
+              <a:rPr lang="en-US" altLang="zh-CN" dirty="0" smtClean="0"/>
+              <a:t>}</a:t>
+            </a:r>
+            <a:endParaRPr lang="zh-CN" altLang="en-US" dirty="0"/>
           </a:p>
         </p:txBody>
       </p:sp>
@@ -6938,11 +6948,11 @@
           <a:p>
             <a:r>
               <a:rPr lang="en-US" altLang="zh-CN" dirty="0" smtClean="0"/>
-              <a:t>LUA </a:t>
-            </a:r>
-            <a:r>
-              <a:rPr lang="en-US" altLang="zh-CN" dirty="0" err="1" smtClean="0"/>
-              <a:t>metatable</a:t>
+              <a:t>LUA</a:t>
+            </a:r>
+            <a:r>
+              <a:rPr lang="zh-CN" altLang="en-US" dirty="0" smtClean="0"/>
+              <a:t>中使用</a:t>
             </a:r>
             <a:endParaRPr lang="zh-CN" altLang="en-US" dirty="0"/>
           </a:p>
@@ -6960,97 +6970,61 @@
         </p:nvSpPr>
         <p:spPr/>
         <p:txBody>
-          <a:bodyPr/>
-          <a:lstStyle/>
-          <a:p>
-            <a:r>
-              <a:rPr lang="en-US" altLang="zh-CN" dirty="0" smtClean="0"/>
-              <a:t>table A  table B</a:t>
-            </a:r>
-          </a:p>
-          <a:p>
-            <a:r>
-              <a:rPr lang="en-US" altLang="zh-CN" dirty="0" smtClean="0"/>
-              <a:t>A</a:t>
-            </a:r>
-            <a:r>
-              <a:rPr lang="zh-CN" altLang="en-US" dirty="0" smtClean="0"/>
-              <a:t>是</a:t>
-            </a:r>
-            <a:r>
-              <a:rPr lang="en-US" altLang="zh-CN" dirty="0" smtClean="0"/>
-              <a:t>B</a:t>
-            </a:r>
-            <a:r>
-              <a:rPr lang="zh-CN" altLang="en-US" dirty="0" smtClean="0"/>
-              <a:t>的元表，并且</a:t>
-            </a:r>
-            <a:r>
-              <a:rPr lang="en-US" altLang="zh-CN" dirty="0" err="1" smtClean="0"/>
-              <a:t>A.__index</a:t>
-            </a:r>
-            <a:r>
-              <a:rPr lang="en-US" altLang="zh-CN" dirty="0" smtClean="0"/>
-              <a:t> = A</a:t>
-            </a:r>
-          </a:p>
-          <a:p>
-            <a:r>
-              <a:rPr lang="zh-CN" altLang="en-US" dirty="0" smtClean="0"/>
-              <a:t>则当索引</a:t>
-            </a:r>
-            <a:r>
-              <a:rPr lang="en-US" altLang="zh-CN" dirty="0" smtClean="0"/>
-              <a:t>B</a:t>
-            </a:r>
-            <a:r>
-              <a:rPr lang="zh-CN" altLang="en-US" dirty="0" smtClean="0"/>
-              <a:t>中不存在的</a:t>
-            </a:r>
-            <a:r>
-              <a:rPr lang="en-US" altLang="zh-CN" dirty="0" smtClean="0"/>
-              <a:t>key</a:t>
-            </a:r>
-            <a:r>
-              <a:rPr lang="zh-CN" altLang="en-US" dirty="0" smtClean="0"/>
-              <a:t>的时候，会到</a:t>
-            </a:r>
-            <a:r>
-              <a:rPr lang="en-US" altLang="zh-CN" dirty="0" smtClean="0"/>
-              <a:t>A</a:t>
-            </a:r>
-            <a:r>
-              <a:rPr lang="zh-CN" altLang="en-US" dirty="0" smtClean="0"/>
-              <a:t>中去查找，所以复制出来的</a:t>
-            </a:r>
-            <a:r>
-              <a:rPr lang="en-US" altLang="zh-CN" dirty="0" smtClean="0"/>
-              <a:t>table</a:t>
-            </a:r>
-            <a:r>
-              <a:rPr lang="zh-CN" altLang="en-US" dirty="0" smtClean="0"/>
-              <a:t>只要用在</a:t>
-            </a:r>
-            <a:r>
-              <a:rPr lang="en-US" altLang="zh-CN" dirty="0" err="1" smtClean="0"/>
-              <a:t>lua</a:t>
-            </a:r>
-            <a:r>
-              <a:rPr lang="zh-CN" altLang="en-US" dirty="0" smtClean="0"/>
-              <a:t>文件中定义的</a:t>
-            </a:r>
-            <a:r>
-              <a:rPr lang="en-US" altLang="zh-CN" dirty="0" smtClean="0"/>
-              <a:t>table</a:t>
-            </a:r>
-            <a:r>
-              <a:rPr lang="zh-CN" altLang="en-US" dirty="0" smtClean="0"/>
-              <a:t>作为元表，就可以访问定义的函数了</a:t>
-            </a:r>
-            <a:endParaRPr lang="en-US" altLang="zh-CN" dirty="0" smtClean="0"/>
-          </a:p>
-          <a:p>
-            <a:endParaRPr dirty="0"/>
+          <a:bodyPr>
+            <a:normAutofit/>
+          </a:bodyPr>
+          <a:lstStyle/>
+          <a:p>
+            <a:r>
+              <a:rPr lang="en-US" altLang="zh-CN" dirty="0" err="1" smtClean="0"/>
+              <a:t>Lua</a:t>
+            </a:r>
+            <a:r>
+              <a:rPr lang="zh-CN" altLang="en-US" dirty="0" smtClean="0"/>
+              <a:t>代码中可以这么用</a:t>
+            </a:r>
+            <a:endParaRPr lang="en-US" altLang="zh-CN" dirty="0" smtClean="0"/>
+          </a:p>
+          <a:p>
+            <a:r>
+              <a:rPr lang="en-US" altLang="zh-CN" dirty="0" smtClean="0"/>
+              <a:t> </a:t>
+            </a:r>
+            <a:r>
+              <a:rPr lang="en-US" altLang="zh-CN" dirty="0" smtClean="0"/>
+              <a:t>local layer1 = </a:t>
+            </a:r>
+            <a:r>
+              <a:rPr lang="en-US" altLang="zh-CN" dirty="0" err="1" smtClean="0"/>
+              <a:t>LayerSystem:create</a:t>
+            </a:r>
+            <a:r>
+              <a:rPr lang="en-US" altLang="zh-CN" dirty="0" smtClean="0"/>
+              <a:t>(cc.c4b(255</a:t>
+            </a:r>
+            <a:r>
+              <a:rPr lang="en-US" altLang="zh-CN" dirty="0" smtClean="0"/>
+              <a:t>, 0, 0, 255), 85, 121);        </a:t>
+            </a:r>
+            <a:endParaRPr lang="en-US" altLang="zh-CN" dirty="0" smtClean="0"/>
+          </a:p>
+          <a:p>
+            <a:pPr>
+              <a:buNone/>
+            </a:pPr>
+            <a:r>
+              <a:rPr lang="en-US" altLang="zh-CN" dirty="0" smtClean="0"/>
+              <a:t>	</a:t>
+            </a:r>
+            <a:r>
+              <a:rPr lang="en-US" altLang="zh-CN" dirty="0" err="1" smtClean="0"/>
+              <a:t>LayerSystem.setPosition</a:t>
+            </a:r>
+            <a:r>
+              <a:rPr lang="en-US" altLang="zh-CN" dirty="0" smtClean="0"/>
+              <a:t>(Layer1,0,0);</a:t>
+            </a:r>
+            <a:endParaRPr lang="en-US" altLang="zh-CN" dirty="0" smtClean="0"/>
           </a:p>
         </p:txBody>
       </p:sp>
@@ -7096,7 +7070,97 @@
           <a:p>
             <a:r>
               <a:rPr lang="en-US" altLang="zh-CN" dirty="0" smtClean="0"/>
-              <a:t>CryEngine3</a:t>
+              <a:t>l</a:t>
+            </a:r>
+            <a:r>
+              <a:rPr lang="en-US" altLang="zh-CN" dirty="0" smtClean="0"/>
+              <a:t>ight </a:t>
+            </a:r>
+            <a:r>
+              <a:rPr lang="en-US" altLang="zh-CN" dirty="0" err="1" smtClean="0"/>
+              <a:t>userdata</a:t>
+            </a:r>
+            <a:endParaRPr lang="zh-CN" altLang="en-US" dirty="0"/>
+          </a:p>
+        </p:txBody>
+      </p:sp>
+      <p:sp>
+        <p:nvSpPr>
+          <p:cNvPr id="3" name="内容占位符 2"/>
+          <p:cNvSpPr>
+            <a:spLocks noGrp="1"/>
+          </p:cNvSpPr>
+          <p:nvPr>
+            <p:ph idx="1"/>
+          </p:nvPr>
+        </p:nvSpPr>
+        <p:spPr/>
+        <p:txBody>
+          <a:bodyPr/>
+          <a:lstStyle/>
+          <a:p>
+            <a:r>
+              <a:rPr lang="en-US" altLang="zh-CN" dirty="0" err="1" smtClean="0"/>
+              <a:t>int</a:t>
+            </a:r>
+            <a:r>
+              <a:rPr lang="en-US" altLang="zh-CN" dirty="0" smtClean="0"/>
+              <a:t> </a:t>
+            </a:r>
+            <a:r>
+              <a:rPr lang="en-US" altLang="zh-CN" dirty="0" err="1" smtClean="0"/>
+              <a:t>setPosition</a:t>
+            </a:r>
+            <a:r>
+              <a:rPr lang="en-US" altLang="zh-CN" dirty="0" smtClean="0"/>
+              <a:t>(</a:t>
+            </a:r>
+            <a:r>
+              <a:rPr lang="en-US" altLang="zh-CN" dirty="0" err="1" smtClean="0"/>
+              <a:t>lua_state</a:t>
+            </a:r>
+            <a:r>
+              <a:rPr lang="en-US" altLang="zh-CN" dirty="0" smtClean="0"/>
+              <a:t>*L)</a:t>
+            </a:r>
+          </a:p>
+          <a:p>
+            <a:r>
+              <a:rPr lang="en-US" altLang="zh-CN" dirty="0" smtClean="0"/>
+              <a:t>{	</a:t>
+            </a:r>
+          </a:p>
+          <a:p>
+            <a:pPr>
+              <a:buNone/>
+            </a:pPr>
+            <a:r>
+              <a:rPr lang="en-US" altLang="zh-CN" dirty="0" smtClean="0"/>
+              <a:t>	</a:t>
+            </a:r>
+            <a:r>
+              <a:rPr lang="en-US" altLang="zh-CN" dirty="0" smtClean="0"/>
+              <a:t>	//</a:t>
+            </a:r>
+            <a:r>
+              <a:rPr lang="zh-CN" altLang="en-US" dirty="0" smtClean="0"/>
+              <a:t>获得</a:t>
+            </a:r>
+            <a:r>
+              <a:rPr lang="en-US" altLang="zh-CN" dirty="0" smtClean="0"/>
+              <a:t>light </a:t>
+            </a:r>
+            <a:r>
+              <a:rPr lang="en-US" altLang="zh-CN" dirty="0" err="1" smtClean="0"/>
+              <a:t>userdata</a:t>
+            </a:r>
+            <a:r>
+              <a:rPr lang="zh-CN" altLang="en-US" dirty="0" smtClean="0"/>
+              <a:t>，得到</a:t>
+            </a:r>
+            <a:r>
+              <a:rPr lang="en-US" altLang="zh-CN" dirty="0" smtClean="0"/>
+              <a:t>layer</a:t>
             </a:r>
             <a:r>
               <a:rPr lang="zh-CN" altLang="en-US" dirty="0" smtClean="0"/>
@@ -7104,86 +7168,93 @@
             </a:r>
             <a:r>
               <a:rPr lang="en-US" altLang="zh-CN" dirty="0" smtClean="0"/>
-              <a:t>LUA</a:t>
+              <a:t>id</a:t>
+            </a:r>
+          </a:p>
+          <a:p>
+            <a:pPr>
+              <a:buNone/>
+            </a:pPr>
+            <a:r>
+              <a:rPr lang="en-US" altLang="zh-CN" dirty="0" smtClean="0"/>
+              <a:t>	</a:t>
+            </a:r>
+            <a:r>
+              <a:rPr lang="en-US" altLang="zh-CN" dirty="0" smtClean="0"/>
+              <a:t>	//</a:t>
+            </a:r>
+            <a:r>
+              <a:rPr lang="en-US" altLang="zh-CN" dirty="0" err="1" smtClean="0"/>
+              <a:t>layersystem</a:t>
+            </a:r>
+            <a:r>
+              <a:rPr lang="zh-CN" altLang="en-US" dirty="0" smtClean="0"/>
+              <a:t>通过</a:t>
+            </a:r>
+            <a:r>
+              <a:rPr lang="en-US" altLang="zh-CN" dirty="0" smtClean="0"/>
+              <a:t>id</a:t>
+            </a:r>
+            <a:r>
+              <a:rPr lang="zh-CN" altLang="en-US" dirty="0" smtClean="0"/>
+              <a:t>获得</a:t>
+            </a:r>
+            <a:r>
+              <a:rPr lang="en-US" altLang="zh-CN" dirty="0" smtClean="0"/>
+              <a:t>layer</a:t>
+            </a:r>
+            <a:r>
+              <a:rPr lang="zh-CN" altLang="en-US" dirty="0" smtClean="0"/>
+              <a:t>对象</a:t>
+            </a:r>
+            <a:endParaRPr lang="en-US" altLang="zh-CN" dirty="0" smtClean="0"/>
+          </a:p>
+          <a:p>
+            <a:pPr>
+              <a:buNone/>
+            </a:pPr>
+            <a:r>
+              <a:rPr lang="en-US" altLang="zh-CN" dirty="0" smtClean="0"/>
+              <a:t>	</a:t>
+            </a:r>
+            <a:r>
+              <a:rPr lang="en-US" altLang="zh-CN" dirty="0" smtClean="0"/>
+              <a:t>	//</a:t>
+            </a:r>
+            <a:r>
+              <a:rPr lang="zh-CN" altLang="en-US" dirty="0" smtClean="0"/>
+              <a:t>获得位置参数</a:t>
+            </a:r>
+            <a:endParaRPr lang="en-US" altLang="zh-CN" dirty="0" smtClean="0"/>
+          </a:p>
+          <a:p>
+            <a:pPr>
+              <a:buNone/>
+            </a:pPr>
+            <a:r>
+              <a:rPr lang="en-US" altLang="zh-CN" dirty="0" smtClean="0"/>
+              <a:t>	</a:t>
+            </a:r>
+            <a:r>
+              <a:rPr lang="en-US" altLang="zh-CN" dirty="0" smtClean="0"/>
+              <a:t>	//</a:t>
+            </a:r>
+            <a:r>
+              <a:rPr lang="zh-CN" altLang="en-US" dirty="0" smtClean="0"/>
+              <a:t>设置位置</a:t>
+            </a:r>
+            <a:endParaRPr lang="en-US" altLang="zh-CN" dirty="0" smtClean="0"/>
+          </a:p>
+          <a:p>
+            <a:r>
+              <a:rPr lang="en-US" altLang="zh-CN" dirty="0" smtClean="0"/>
+              <a:t>}</a:t>
+            </a:r>
+            <a:r>
+              <a:rPr lang="en-US" altLang="zh-CN" dirty="0" smtClean="0"/>
+              <a:t> </a:t>
             </a:r>
             <a:endParaRPr lang="zh-CN" altLang="en-US" dirty="0"/>
-          </a:p>
-        </p:txBody>
-      </p:sp>
-      <p:sp>
-        <p:nvSpPr>
-          <p:cNvPr id="3" name="内容占位符 2"/>
-          <p:cNvSpPr>
-            <a:spLocks noGrp="1"/>
-          </p:cNvSpPr>
-          <p:nvPr>
-            <p:ph idx="1"/>
-          </p:nvPr>
-        </p:nvSpPr>
-        <p:spPr/>
-        <p:txBody>
-          <a:bodyPr/>
-          <a:lstStyle/>
-          <a:p>
-            <a:r>
-              <a:rPr lang="en-US" altLang="zh-CN" dirty="0" err="1" smtClean="0"/>
-              <a:t>Self:SetPos</a:t>
-            </a:r>
-            <a:r>
-              <a:rPr lang="en-US" altLang="zh-CN" dirty="0" smtClean="0"/>
-              <a:t>(xxx);</a:t>
-            </a:r>
-          </a:p>
-          <a:p>
-            <a:r>
-              <a:rPr lang="en-US" altLang="zh-CN" dirty="0" err="1" smtClean="0"/>
-              <a:t>Self.Actor</a:t>
-            </a:r>
-            <a:r>
-              <a:rPr lang="en-US" altLang="zh-CN" dirty="0" smtClean="0"/>
-              <a:t>:</a:t>
-            </a:r>
-            <a:r>
-              <a:rPr lang="en-US" altLang="zh-CN" dirty="0" smtClean="0"/>
-              <a:t> </a:t>
-            </a:r>
-            <a:r>
-              <a:rPr lang="en-US" altLang="zh-CN" dirty="0" err="1" smtClean="0"/>
-              <a:t>IsLocalClient</a:t>
-            </a:r>
-            <a:r>
-              <a:rPr lang="en-US" altLang="zh-CN" dirty="0" smtClean="0"/>
-              <a:t>();</a:t>
-            </a:r>
-          </a:p>
-          <a:p>
-            <a:endParaRPr lang="en-US" altLang="zh-CN" dirty="0" smtClean="0"/>
-          </a:p>
-          <a:p>
-            <a:r>
-              <a:rPr lang="en-US" altLang="zh-CN" dirty="0" smtClean="0"/>
-              <a:t>Self = this</a:t>
-            </a:r>
-          </a:p>
-          <a:p>
-            <a:r>
-              <a:rPr lang="en-US" altLang="zh-CN" dirty="0" smtClean="0"/>
-              <a:t>“</a:t>
-            </a:r>
-            <a:r>
-              <a:rPr lang="en-US" altLang="zh-CN" dirty="0" smtClean="0"/>
-              <a:t>:” = “-&gt;”</a:t>
-            </a:r>
-            <a:endParaRPr lang="en-US" altLang="zh-CN" dirty="0" smtClean="0"/>
-          </a:p>
-          <a:p>
-            <a:pPr>
-              <a:buNone/>
-            </a:pPr>
-            <a:endParaRPr lang="en-US" altLang="zh-CN" dirty="0" smtClean="0"/>
-          </a:p>
-          <a:p>
-            <a:endParaRPr dirty="0"/>
           </a:p>
         </p:txBody>
       </p:sp>
@@ -7228,52 +7299,1263 @@
           <a:lstStyle/>
           <a:p>
             <a:r>
-              <a:rPr lang="en-US" altLang="zh-CN" dirty="0" smtClean="0"/>
-              <a:t>LUA </a:t>
+              <a:rPr lang="en-US" altLang="zh-CN" dirty="0" err="1" smtClean="0"/>
+              <a:t>u</a:t>
+            </a:r>
+            <a:r>
+              <a:rPr lang="en-US" altLang="zh-CN" dirty="0" err="1" smtClean="0"/>
+              <a:t>serdata</a:t>
+            </a:r>
+            <a:r>
+              <a:rPr lang="zh-CN" altLang="en-US" dirty="0" smtClean="0"/>
+              <a:t>总结</a:t>
+            </a:r>
+            <a:endParaRPr lang="zh-CN" altLang="en-US" dirty="0"/>
+          </a:p>
+        </p:txBody>
+      </p:sp>
+      <p:sp>
+        <p:nvSpPr>
+          <p:cNvPr id="3" name="内容占位符 2"/>
+          <p:cNvSpPr>
+            <a:spLocks noGrp="1"/>
+          </p:cNvSpPr>
+          <p:nvPr>
+            <p:ph idx="1"/>
+          </p:nvPr>
+        </p:nvSpPr>
+        <p:spPr/>
+        <p:txBody>
+          <a:bodyPr/>
+          <a:lstStyle/>
+          <a:p>
+            <a:r>
+              <a:rPr lang="zh-CN" altLang="en-US" dirty="0" smtClean="0"/>
+              <a:t>两者的优劣</a:t>
+            </a:r>
+            <a:endParaRPr lang="en-US" altLang="zh-CN" dirty="0" smtClean="0"/>
+          </a:p>
+          <a:p>
+            <a:r>
+              <a:rPr lang="zh-CN" altLang="en-US" dirty="0" smtClean="0"/>
+              <a:t>前者容易实现自动化处理，给出</a:t>
+            </a:r>
+            <a:r>
+              <a:rPr lang="en-US" altLang="zh-CN" dirty="0" smtClean="0"/>
+              <a:t>C++ </a:t>
+            </a:r>
+            <a:r>
+              <a:rPr lang="en-US" altLang="zh-CN" dirty="0" smtClean="0"/>
+              <a:t>class</a:t>
+            </a:r>
+            <a:r>
+              <a:rPr lang="zh-CN" altLang="en-US" dirty="0" smtClean="0"/>
+              <a:t>声明就可以自动生成代码</a:t>
+            </a:r>
+            <a:endParaRPr lang="en-US" altLang="zh-CN" dirty="0" smtClean="0"/>
+          </a:p>
+          <a:p>
+            <a:r>
+              <a:rPr lang="zh-CN" altLang="en-US" dirty="0" smtClean="0"/>
+              <a:t>后者跟特定系统绑定，人工</a:t>
+            </a:r>
+            <a:r>
+              <a:rPr lang="zh-CN" altLang="en-US" dirty="0" smtClean="0"/>
+              <a:t>痕迹较重</a:t>
+            </a:r>
+            <a:endParaRPr lang="en-US" altLang="zh-CN" dirty="0" smtClean="0"/>
+          </a:p>
+          <a:p>
+            <a:r>
+              <a:rPr lang="en-US" altLang="zh-CN" dirty="0" smtClean="0"/>
+              <a:t>Cry3 Vs </a:t>
+            </a:r>
+            <a:r>
+              <a:rPr lang="en-US" altLang="zh-CN" dirty="0" err="1" smtClean="0"/>
+              <a:t>toLua</a:t>
+            </a:r>
+            <a:endParaRPr lang="en-US" altLang="zh-CN" dirty="0" smtClean="0"/>
+          </a:p>
+        </p:txBody>
+      </p:sp>
+    </p:spTree>
+  </p:cSld>
+  <p:clrMapOvr>
+    <a:masterClrMapping/>
+  </p:clrMapOvr>
+</p:sld>
+</file>
+
+<file path=ppt/slides/slide34.xml><?xml version="1.0" encoding="utf-8"?>
+<p:sld xmlns:a="http://schemas.openxmlformats.org/drawingml/2006/main" xmlns:r="http://schemas.openxmlformats.org/officeDocument/2006/relationships" xmlns:p="http://schemas.openxmlformats.org/presentationml/2006/main">
+  <p:cSld>
+    <p:spTree>
+      <p:nvGrpSpPr>
+        <p:cNvPr id="1" name=""/>
+        <p:cNvGrpSpPr/>
+        <p:nvPr/>
+      </p:nvGrpSpPr>
+      <p:grpSpPr>
+        <a:xfrm>
+          <a:off x="0" y="0"/>
+          <a:ext cx="0" cy="0"/>
+          <a:chOff x="0" y="0"/>
+          <a:chExt cx="0" cy="0"/>
+        </a:xfrm>
+      </p:grpSpPr>
+      <p:sp>
+        <p:nvSpPr>
+          <p:cNvPr id="2" name="标题 1"/>
+          <p:cNvSpPr>
+            <a:spLocks noGrp="1"/>
+          </p:cNvSpPr>
+          <p:nvPr>
+            <p:ph type="title"/>
+          </p:nvPr>
+        </p:nvSpPr>
+        <p:spPr/>
+        <p:txBody>
+          <a:bodyPr/>
+          <a:lstStyle/>
+          <a:p>
+            <a:r>
+              <a:rPr lang="en-US" altLang="zh-CN" dirty="0" smtClean="0"/>
+              <a:t>LUA</a:t>
+            </a:r>
+            <a:r>
+              <a:rPr lang="zh-CN" altLang="en-US" dirty="0" smtClean="0"/>
+              <a:t>注册表</a:t>
+            </a:r>
+            <a:endParaRPr lang="zh-CN" altLang="en-US" dirty="0"/>
+          </a:p>
+        </p:txBody>
+      </p:sp>
+      <p:sp>
+        <p:nvSpPr>
+          <p:cNvPr id="3" name="内容占位符 2"/>
+          <p:cNvSpPr>
+            <a:spLocks noGrp="1"/>
+          </p:cNvSpPr>
+          <p:nvPr>
+            <p:ph idx="1"/>
+          </p:nvPr>
+        </p:nvSpPr>
+        <p:spPr/>
+        <p:txBody>
+          <a:bodyPr/>
+          <a:lstStyle/>
+          <a:p>
+            <a:r>
+              <a:rPr lang="zh-CN" altLang="en-US" dirty="0" smtClean="0"/>
+              <a:t>存放</a:t>
+            </a:r>
+            <a:r>
+              <a:rPr lang="en-US" altLang="zh-CN" dirty="0" smtClean="0"/>
+              <a:t>C++</a:t>
+            </a:r>
+            <a:r>
+              <a:rPr lang="zh-CN" altLang="en-US" dirty="0" smtClean="0"/>
+              <a:t>全局元素</a:t>
+            </a:r>
+            <a:endParaRPr lang="en-US" altLang="zh-CN" dirty="0" smtClean="0"/>
+          </a:p>
+          <a:p>
+            <a:r>
+              <a:rPr lang="en-US" altLang="zh-CN" dirty="0" err="1" smtClean="0"/>
+              <a:t>lua_pushstring</a:t>
+            </a:r>
+            <a:r>
+              <a:rPr lang="en-US" altLang="zh-CN" dirty="0" smtClean="0"/>
+              <a:t>(L, "Key"); </a:t>
+            </a:r>
+          </a:p>
+          <a:p>
+            <a:r>
+              <a:rPr lang="en-US" altLang="zh-CN" dirty="0" err="1" smtClean="0"/>
+              <a:t>lua_gettable</a:t>
+            </a:r>
+            <a:r>
+              <a:rPr lang="en-US" altLang="zh-CN" dirty="0" smtClean="0"/>
+              <a:t>(L, LUA_REGISTRYINDEX</a:t>
+            </a:r>
+            <a:r>
+              <a:rPr lang="en-US" altLang="zh-CN" dirty="0" smtClean="0"/>
+              <a:t>);</a:t>
+            </a:r>
+          </a:p>
+          <a:p>
+            <a:r>
+              <a:rPr lang="en-US" altLang="zh-CN" dirty="0" err="1" smtClean="0"/>
+              <a:t>Lua</a:t>
+            </a:r>
+            <a:r>
+              <a:rPr lang="zh-CN" altLang="en-US" dirty="0" smtClean="0"/>
+              <a:t>本身有全局表，这个全局表只能</a:t>
+            </a:r>
+            <a:r>
+              <a:rPr lang="en-US" altLang="zh-CN" dirty="0" smtClean="0"/>
+              <a:t>C++</a:t>
+            </a:r>
+            <a:r>
+              <a:rPr lang="zh-CN" altLang="en-US" dirty="0" smtClean="0"/>
+              <a:t>访问，</a:t>
+            </a:r>
+            <a:r>
+              <a:rPr lang="en-US" altLang="zh-CN" dirty="0" err="1" smtClean="0"/>
+              <a:t>lua</a:t>
+            </a:r>
+            <a:r>
+              <a:rPr lang="zh-CN" altLang="en-US" dirty="0" smtClean="0"/>
+              <a:t>无法访问，保证安全性</a:t>
+            </a:r>
+            <a:endParaRPr lang="en-US" altLang="zh-CN" dirty="0" smtClean="0"/>
+          </a:p>
+        </p:txBody>
+      </p:sp>
+    </p:spTree>
+  </p:cSld>
+  <p:clrMapOvr>
+    <a:masterClrMapping/>
+  </p:clrMapOvr>
+</p:sld>
+</file>
+
+<file path=ppt/slides/slide35.xml><?xml version="1.0" encoding="utf-8"?>
+<p:sld xmlns:a="http://schemas.openxmlformats.org/drawingml/2006/main" xmlns:r="http://schemas.openxmlformats.org/officeDocument/2006/relationships" xmlns:p="http://schemas.openxmlformats.org/presentationml/2006/main">
+  <p:cSld>
+    <p:spTree>
+      <p:nvGrpSpPr>
+        <p:cNvPr id="1" name=""/>
+        <p:cNvGrpSpPr/>
+        <p:nvPr/>
+      </p:nvGrpSpPr>
+      <p:grpSpPr>
+        <a:xfrm>
+          <a:off x="0" y="0"/>
+          <a:ext cx="0" cy="0"/>
+          <a:chOff x="0" y="0"/>
+          <a:chExt cx="0" cy="0"/>
+        </a:xfrm>
+      </p:grpSpPr>
+      <p:sp>
+        <p:nvSpPr>
+          <p:cNvPr id="2" name="标题 1"/>
+          <p:cNvSpPr>
+            <a:spLocks noGrp="1"/>
+          </p:cNvSpPr>
+          <p:nvPr>
+            <p:ph type="title"/>
+          </p:nvPr>
+        </p:nvSpPr>
+        <p:spPr/>
+        <p:txBody>
+          <a:bodyPr/>
+          <a:lstStyle/>
+          <a:p>
+            <a:r>
+              <a:rPr lang="en-US" altLang="zh-CN" dirty="0" smtClean="0"/>
+              <a:t>LUA</a:t>
+            </a:r>
+            <a:r>
+              <a:rPr lang="zh-CN" altLang="en-US" dirty="0" smtClean="0"/>
+              <a:t>注册表实例</a:t>
+            </a:r>
+            <a:endParaRPr lang="zh-CN" altLang="en-US" dirty="0"/>
+          </a:p>
+        </p:txBody>
+      </p:sp>
+      <p:sp>
+        <p:nvSpPr>
+          <p:cNvPr id="3" name="内容占位符 2"/>
+          <p:cNvSpPr>
+            <a:spLocks noGrp="1"/>
+          </p:cNvSpPr>
+          <p:nvPr>
+            <p:ph idx="1"/>
+          </p:nvPr>
+        </p:nvSpPr>
+        <p:spPr/>
+        <p:txBody>
+          <a:bodyPr/>
+          <a:lstStyle/>
+          <a:p>
+            <a:r>
+              <a:rPr lang="en-US" altLang="zh-CN" dirty="0" err="1" smtClean="0"/>
+              <a:t>t</a:t>
+            </a:r>
+            <a:r>
+              <a:rPr lang="en-US" altLang="zh-CN" dirty="0" err="1" smtClean="0"/>
+              <a:t>olua</a:t>
+            </a:r>
+            <a:r>
+              <a:rPr lang="zh-CN" altLang="en-US" dirty="0" smtClean="0"/>
+              <a:t>的</a:t>
+            </a:r>
+            <a:r>
+              <a:rPr lang="en-US" altLang="zh-CN" dirty="0" smtClean="0"/>
+              <a:t>RTTI</a:t>
+            </a:r>
+            <a:r>
+              <a:rPr lang="zh-CN" altLang="en-US" dirty="0" smtClean="0"/>
+              <a:t>，</a:t>
+            </a:r>
+            <a:r>
+              <a:rPr lang="en-US" altLang="zh-CN" dirty="0" smtClean="0"/>
+              <a:t>C++</a:t>
+            </a:r>
+            <a:r>
+              <a:rPr lang="zh-CN" altLang="en-US" dirty="0" smtClean="0"/>
+              <a:t>的</a:t>
+            </a:r>
+            <a:r>
+              <a:rPr lang="en-US" altLang="zh-CN" dirty="0" err="1" smtClean="0"/>
+              <a:t>dynamiccast</a:t>
+            </a:r>
+            <a:endParaRPr lang="en-US" altLang="zh-CN" dirty="0" smtClean="0"/>
+          </a:p>
+          <a:p>
+            <a:r>
+              <a:rPr lang="zh-CN" altLang="en-US" dirty="0" smtClean="0"/>
+              <a:t>在注册表中创建一个表</a:t>
+            </a:r>
+            <a:r>
+              <a:rPr lang="en-US" altLang="zh-CN" dirty="0" err="1" smtClean="0"/>
+              <a:t>tolua_super</a:t>
+            </a:r>
+            <a:endParaRPr lang="en-US" altLang="zh-CN" dirty="0" smtClean="0"/>
+          </a:p>
+          <a:p>
+            <a:r>
+              <a:rPr lang="zh-CN" altLang="en-US" dirty="0" smtClean="0"/>
+              <a:t>用</a:t>
             </a:r>
             <a:r>
               <a:rPr lang="en-US" altLang="zh-CN" dirty="0" err="1" smtClean="0"/>
               <a:t>metatable</a:t>
             </a:r>
+            <a:r>
+              <a:rPr lang="zh-CN" altLang="en-US" dirty="0" smtClean="0"/>
+              <a:t>做</a:t>
+            </a:r>
+            <a:r>
+              <a:rPr lang="en-US" altLang="zh-CN" dirty="0" smtClean="0"/>
+              <a:t>key</a:t>
+            </a:r>
+            <a:r>
+              <a:rPr lang="zh-CN" altLang="en-US" dirty="0" smtClean="0"/>
+              <a:t>，存的</a:t>
+            </a:r>
+            <a:r>
+              <a:rPr lang="en-US" altLang="zh-CN" dirty="0" smtClean="0"/>
+              <a:t>table</a:t>
+            </a:r>
+            <a:r>
+              <a:rPr lang="zh-CN" altLang="en-US" dirty="0" smtClean="0"/>
+              <a:t>里放的都是该类型的父类型的名称</a:t>
+            </a:r>
+            <a:endParaRPr lang="en-US" altLang="zh-CN" dirty="0" smtClean="0"/>
+          </a:p>
+          <a:p>
+            <a:r>
+              <a:rPr lang="zh-CN" altLang="en-US" dirty="0" smtClean="0"/>
+              <a:t>给出一个</a:t>
+            </a:r>
+            <a:r>
+              <a:rPr lang="en-US" altLang="zh-CN" dirty="0" err="1" smtClean="0"/>
+              <a:t>userdata</a:t>
+            </a:r>
+            <a:r>
+              <a:rPr lang="zh-CN" altLang="en-US" dirty="0" smtClean="0"/>
+              <a:t>的时候，可以通过他的</a:t>
+            </a:r>
+            <a:r>
+              <a:rPr lang="en-US" altLang="zh-CN" dirty="0" err="1" smtClean="0"/>
+              <a:t>metatable</a:t>
+            </a:r>
+            <a:r>
+              <a:rPr lang="zh-CN" altLang="en-US" dirty="0" smtClean="0"/>
+              <a:t>知道该类型有哪些父类</a:t>
+            </a:r>
+            <a:endParaRPr lang="en-US" altLang="zh-CN" dirty="0" smtClean="0"/>
+          </a:p>
+          <a:p>
+            <a:endParaRPr lang="en-US" altLang="zh-CN" dirty="0" smtClean="0"/>
+          </a:p>
+          <a:p>
+            <a:endParaRPr lang="en-US" altLang="zh-CN" dirty="0" smtClean="0"/>
+          </a:p>
+        </p:txBody>
+      </p:sp>
+    </p:spTree>
+  </p:cSld>
+  <p:clrMapOvr>
+    <a:masterClrMapping/>
+  </p:clrMapOvr>
+</p:sld>
+</file>
+
+<file path=ppt/slides/slide36.xml><?xml version="1.0" encoding="utf-8"?>
+<p:sld xmlns:a="http://schemas.openxmlformats.org/drawingml/2006/main" xmlns:r="http://schemas.openxmlformats.org/officeDocument/2006/relationships" xmlns:p="http://schemas.openxmlformats.org/presentationml/2006/main">
+  <p:cSld>
+    <p:spTree>
+      <p:nvGrpSpPr>
+        <p:cNvPr id="1" name=""/>
+        <p:cNvGrpSpPr/>
+        <p:nvPr/>
+      </p:nvGrpSpPr>
+      <p:grpSpPr>
+        <a:xfrm>
+          <a:off x="0" y="0"/>
+          <a:ext cx="0" cy="0"/>
+          <a:chOff x="0" y="0"/>
+          <a:chExt cx="0" cy="0"/>
+        </a:xfrm>
+      </p:grpSpPr>
+      <p:sp>
+        <p:nvSpPr>
+          <p:cNvPr id="2" name="标题 1"/>
+          <p:cNvSpPr>
+            <a:spLocks noGrp="1"/>
+          </p:cNvSpPr>
+          <p:nvPr>
+            <p:ph type="title"/>
+          </p:nvPr>
+        </p:nvSpPr>
+        <p:spPr/>
+        <p:txBody>
+          <a:bodyPr/>
+          <a:lstStyle/>
+          <a:p>
+            <a:r>
+              <a:rPr lang="en-US" altLang="zh-CN" dirty="0" smtClean="0"/>
+              <a:t>LUA</a:t>
+            </a:r>
+            <a:r>
+              <a:rPr lang="zh-CN" altLang="en-US" dirty="0" smtClean="0"/>
+              <a:t>注册表实例</a:t>
+            </a:r>
             <a:endParaRPr lang="zh-CN" altLang="en-US" dirty="0"/>
           </a:p>
         </p:txBody>
       </p:sp>
-      <p:pic>
-        <p:nvPicPr>
-          <p:cNvPr id="1026" name="Picture 2"/>
-          <p:cNvPicPr>
-            <a:picLocks noGrp="1" noChangeAspect="1" noChangeArrowheads="1"/>
-          </p:cNvPicPr>
+      <p:sp>
+        <p:nvSpPr>
+          <p:cNvPr id="3" name="内容占位符 2"/>
+          <p:cNvSpPr>
+            <a:spLocks noGrp="1"/>
+          </p:cNvSpPr>
           <p:nvPr>
             <p:ph idx="1"/>
           </p:nvPr>
-        </p:nvPicPr>
-        <p:blipFill>
-          <a:blip r:embed="rId2"/>
-          <a:srcRect/>
-          <a:stretch>
-            <a:fillRect/>
-          </a:stretch>
-        </p:blipFill>
-        <p:spPr bwMode="auto">
-          <a:xfrm>
-            <a:off x="2000232" y="1428736"/>
-            <a:ext cx="5225548" cy="4714908"/>
-          </a:xfrm>
-          <a:prstGeom prst="rect">
-            <a:avLst/>
-          </a:prstGeom>
-          <a:noFill/>
-          <a:ln w="9525">
-            <a:noFill/>
-            <a:miter lim="800000"/>
-            <a:headEnd/>
-            <a:tailEnd/>
-          </a:ln>
-          <a:effectLst/>
-        </p:spPr>
-      </p:pic>
+        </p:nvSpPr>
+        <p:spPr/>
+        <p:txBody>
+          <a:bodyPr>
+            <a:normAutofit fontScale="92500" lnSpcReduction="20000"/>
+          </a:bodyPr>
+          <a:lstStyle/>
+          <a:p>
+            <a:r>
+              <a:rPr lang="en-US" altLang="zh-CN" dirty="0" smtClean="0"/>
+              <a:t>Class A  </a:t>
+            </a:r>
+            <a:r>
+              <a:rPr lang="en-US" altLang="zh-CN" dirty="0" err="1" smtClean="0"/>
+              <a:t>classB</a:t>
+            </a:r>
+            <a:r>
+              <a:rPr lang="en-US" altLang="zh-CN" dirty="0" smtClean="0"/>
+              <a:t> </a:t>
+            </a:r>
+            <a:r>
+              <a:rPr lang="en-US" altLang="zh-CN" dirty="0" err="1" smtClean="0"/>
+              <a:t>classC</a:t>
+            </a:r>
+            <a:endParaRPr lang="en-US" altLang="zh-CN" dirty="0" smtClean="0"/>
+          </a:p>
+          <a:p>
+            <a:r>
+              <a:rPr lang="en-US" altLang="zh-CN" dirty="0" smtClean="0"/>
+              <a:t>A</a:t>
+            </a:r>
+            <a:r>
+              <a:rPr lang="zh-CN" altLang="en-US" dirty="0" smtClean="0"/>
+              <a:t>是</a:t>
+            </a:r>
+            <a:r>
+              <a:rPr lang="en-US" altLang="zh-CN" dirty="0" smtClean="0"/>
+              <a:t>B</a:t>
+            </a:r>
+            <a:r>
+              <a:rPr lang="zh-CN" altLang="en-US" dirty="0" smtClean="0"/>
+              <a:t>的父类</a:t>
+            </a:r>
+            <a:r>
+              <a:rPr lang="en-US" altLang="zh-CN" dirty="0" smtClean="0"/>
+              <a:t>,C</a:t>
+            </a:r>
+            <a:r>
+              <a:rPr lang="zh-CN" altLang="en-US" dirty="0" smtClean="0"/>
+              <a:t>与</a:t>
+            </a:r>
+            <a:r>
+              <a:rPr lang="en-US" altLang="zh-CN" dirty="0" smtClean="0"/>
+              <a:t>AB</a:t>
+            </a:r>
+            <a:r>
+              <a:rPr lang="zh-CN" altLang="en-US" dirty="0" smtClean="0"/>
+              <a:t>无关</a:t>
+            </a:r>
+            <a:endParaRPr lang="en-US" altLang="zh-CN" dirty="0" smtClean="0"/>
+          </a:p>
+          <a:p>
+            <a:r>
+              <a:rPr lang="en-US" altLang="zh-CN" dirty="0" smtClean="0"/>
+              <a:t>A</a:t>
+            </a:r>
+            <a:r>
+              <a:rPr lang="zh-CN" altLang="en-US" dirty="0" smtClean="0"/>
+              <a:t>的</a:t>
+            </a:r>
+            <a:r>
+              <a:rPr lang="en-US" altLang="zh-CN" dirty="0" err="1" smtClean="0"/>
+              <a:t>metatable</a:t>
+            </a:r>
+            <a:r>
+              <a:rPr lang="zh-CN" altLang="en-US" dirty="0" smtClean="0"/>
+              <a:t>是</a:t>
+            </a:r>
+            <a:r>
+              <a:rPr lang="en-US" altLang="zh-CN" dirty="0" smtClean="0"/>
+              <a:t>”</a:t>
+            </a:r>
+            <a:r>
+              <a:rPr lang="en-US" altLang="zh-CN" dirty="0" err="1" smtClean="0"/>
+              <a:t>a”,B</a:t>
+            </a:r>
+            <a:r>
+              <a:rPr lang="zh-CN" altLang="en-US" dirty="0" smtClean="0"/>
+              <a:t>的</a:t>
+            </a:r>
+            <a:r>
+              <a:rPr lang="en-US" altLang="zh-CN" dirty="0" err="1" smtClean="0"/>
+              <a:t>metatable”b</a:t>
+            </a:r>
+            <a:r>
+              <a:rPr lang="en-US" altLang="zh-CN" dirty="0" smtClean="0"/>
+              <a:t>”</a:t>
+            </a:r>
+          </a:p>
+          <a:p>
+            <a:r>
+              <a:rPr lang="en-US" altLang="zh-CN" dirty="0" smtClean="0"/>
+              <a:t>a</a:t>
+            </a:r>
+            <a:r>
+              <a:rPr lang="zh-CN" altLang="en-US" dirty="0" smtClean="0"/>
+              <a:t>是</a:t>
+            </a:r>
+            <a:r>
+              <a:rPr lang="en-US" altLang="zh-CN" dirty="0" smtClean="0"/>
+              <a:t>b</a:t>
+            </a:r>
+            <a:r>
+              <a:rPr lang="zh-CN" altLang="en-US" dirty="0" smtClean="0"/>
+              <a:t>的</a:t>
+            </a:r>
+            <a:r>
+              <a:rPr lang="en-US" altLang="zh-CN" dirty="0" err="1" smtClean="0"/>
+              <a:t>metatable</a:t>
+            </a:r>
+            <a:endParaRPr lang="en-US" altLang="zh-CN" dirty="0" smtClean="0"/>
+          </a:p>
+          <a:p>
+            <a:r>
+              <a:rPr lang="en-US" altLang="zh-CN" dirty="0" smtClean="0"/>
+              <a:t>Local </a:t>
+            </a:r>
+            <a:r>
+              <a:rPr lang="en-US" altLang="zh-CN" dirty="0" err="1" smtClean="0"/>
+              <a:t>oa</a:t>
+            </a:r>
+            <a:r>
+              <a:rPr lang="en-US" altLang="zh-CN" dirty="0" smtClean="0"/>
+              <a:t> = A:create();L</a:t>
+            </a:r>
+            <a:r>
+              <a:rPr lang="en-US" altLang="zh-CN" dirty="0" smtClean="0"/>
+              <a:t>ocal ob = B:create();</a:t>
+            </a:r>
+          </a:p>
+          <a:p>
+            <a:pPr>
+              <a:buNone/>
+            </a:pPr>
+            <a:r>
+              <a:rPr lang="en-US" altLang="zh-CN" dirty="0" smtClean="0"/>
+              <a:t>	</a:t>
+            </a:r>
+            <a:r>
+              <a:rPr lang="en-US" altLang="zh-CN" dirty="0" smtClean="0"/>
+              <a:t>local </a:t>
+            </a:r>
+            <a:r>
+              <a:rPr lang="en-US" altLang="zh-CN" dirty="0" err="1" smtClean="0"/>
+              <a:t>oc</a:t>
+            </a:r>
+            <a:r>
+              <a:rPr lang="en-US" altLang="zh-CN" dirty="0" smtClean="0"/>
+              <a:t> = C:create();</a:t>
+            </a:r>
+          </a:p>
+          <a:p>
+            <a:pPr>
+              <a:buNone/>
+            </a:pPr>
+            <a:r>
+              <a:rPr lang="en-US" altLang="zh-CN" dirty="0" smtClean="0"/>
+              <a:t>	</a:t>
+            </a:r>
+            <a:r>
+              <a:rPr lang="en-US" altLang="zh-CN" dirty="0" err="1" smtClean="0"/>
+              <a:t>ob:func</a:t>
+            </a:r>
+            <a:r>
+              <a:rPr lang="en-US" altLang="zh-CN" dirty="0" smtClean="0"/>
+              <a:t>();</a:t>
+            </a:r>
+          </a:p>
+          <a:p>
+            <a:pPr>
+              <a:buNone/>
+            </a:pPr>
+            <a:r>
+              <a:rPr lang="en-US" altLang="zh-CN" dirty="0" smtClean="0"/>
+              <a:t>	</a:t>
+            </a:r>
+            <a:r>
+              <a:rPr lang="en-US" altLang="zh-CN" dirty="0" err="1" smtClean="0"/>
+              <a:t>oc:func</a:t>
+            </a:r>
+            <a:r>
+              <a:rPr lang="en-US" altLang="zh-CN" dirty="0" smtClean="0"/>
+              <a:t>();   //</a:t>
+            </a:r>
+            <a:r>
+              <a:rPr lang="zh-CN" altLang="en-US" dirty="0" smtClean="0"/>
+              <a:t>在</a:t>
+            </a:r>
+            <a:r>
+              <a:rPr lang="en-US" altLang="zh-CN" dirty="0" err="1" smtClean="0"/>
+              <a:t>lua</a:t>
+            </a:r>
+            <a:r>
+              <a:rPr lang="zh-CN" altLang="en-US" dirty="0" smtClean="0"/>
+              <a:t>中报错，因为找不到</a:t>
+            </a:r>
+            <a:r>
+              <a:rPr lang="en-US" altLang="zh-CN" dirty="0" err="1" smtClean="0"/>
+              <a:t>func</a:t>
+            </a:r>
+            <a:endParaRPr lang="en-US" altLang="zh-CN" dirty="0" smtClean="0"/>
+          </a:p>
+          <a:p>
+            <a:pPr>
+              <a:buNone/>
+            </a:pPr>
+            <a:r>
+              <a:rPr lang="en-US" altLang="zh-CN" dirty="0" smtClean="0"/>
+              <a:t>	</a:t>
+            </a:r>
+            <a:r>
+              <a:rPr lang="en-US" altLang="zh-CN" dirty="0" err="1" smtClean="0"/>
+              <a:t>a.func</a:t>
+            </a:r>
+            <a:r>
+              <a:rPr lang="en-US" altLang="zh-CN" dirty="0" smtClean="0"/>
+              <a:t>(</a:t>
+            </a:r>
+            <a:r>
+              <a:rPr lang="en-US" altLang="zh-CN" dirty="0" err="1" smtClean="0"/>
+              <a:t>oc</a:t>
+            </a:r>
+            <a:r>
+              <a:rPr lang="en-US" altLang="zh-CN" dirty="0" smtClean="0"/>
+              <a:t>);   //</a:t>
+            </a:r>
+            <a:r>
+              <a:rPr lang="zh-CN" altLang="en-US" dirty="0" smtClean="0"/>
+              <a:t>直接引起内存访问错误</a:t>
+            </a:r>
+            <a:endParaRPr lang="en-US" altLang="zh-CN" dirty="0" smtClean="0"/>
+          </a:p>
+        </p:txBody>
+      </p:sp>
+    </p:spTree>
+  </p:cSld>
+  <p:clrMapOvr>
+    <a:masterClrMapping/>
+  </p:clrMapOvr>
+</p:sld>
+</file>
+
+<file path=ppt/slides/slide37.xml><?xml version="1.0" encoding="utf-8"?>
+<p:sld xmlns:a="http://schemas.openxmlformats.org/drawingml/2006/main" xmlns:r="http://schemas.openxmlformats.org/officeDocument/2006/relationships" xmlns:p="http://schemas.openxmlformats.org/presentationml/2006/main">
+  <p:cSld>
+    <p:spTree>
+      <p:nvGrpSpPr>
+        <p:cNvPr id="1" name=""/>
+        <p:cNvGrpSpPr/>
+        <p:nvPr/>
+      </p:nvGrpSpPr>
+      <p:grpSpPr>
+        <a:xfrm>
+          <a:off x="0" y="0"/>
+          <a:ext cx="0" cy="0"/>
+          <a:chOff x="0" y="0"/>
+          <a:chExt cx="0" cy="0"/>
+        </a:xfrm>
+      </p:grpSpPr>
+      <p:sp>
+        <p:nvSpPr>
+          <p:cNvPr id="2" name="标题 1"/>
+          <p:cNvSpPr>
+            <a:spLocks noGrp="1"/>
+          </p:cNvSpPr>
+          <p:nvPr>
+            <p:ph type="title"/>
+          </p:nvPr>
+        </p:nvSpPr>
+        <p:spPr/>
+        <p:txBody>
+          <a:bodyPr/>
+          <a:lstStyle/>
+          <a:p>
+            <a:r>
+              <a:rPr lang="en-US" altLang="zh-CN" dirty="0" err="1" smtClean="0"/>
+              <a:t>u</a:t>
+            </a:r>
+            <a:r>
+              <a:rPr lang="en-US" altLang="zh-CN" dirty="0" err="1" smtClean="0"/>
+              <a:t>serdata</a:t>
+            </a:r>
+            <a:r>
+              <a:rPr lang="zh-CN" altLang="en-US" dirty="0" smtClean="0"/>
+              <a:t>进阶</a:t>
+            </a:r>
+            <a:endParaRPr lang="zh-CN" altLang="en-US" dirty="0"/>
+          </a:p>
+        </p:txBody>
+      </p:sp>
+      <p:sp>
+        <p:nvSpPr>
+          <p:cNvPr id="3" name="内容占位符 2"/>
+          <p:cNvSpPr>
+            <a:spLocks noGrp="1"/>
+          </p:cNvSpPr>
+          <p:nvPr>
+            <p:ph idx="1"/>
+          </p:nvPr>
+        </p:nvSpPr>
+        <p:spPr/>
+        <p:txBody>
+          <a:bodyPr>
+            <a:normAutofit/>
+          </a:bodyPr>
+          <a:lstStyle/>
+          <a:p>
+            <a:r>
+              <a:rPr lang="en-US" altLang="zh-CN" dirty="0" err="1" smtClean="0"/>
+              <a:t>int</a:t>
+            </a:r>
+            <a:r>
+              <a:rPr lang="en-US" altLang="zh-CN" dirty="0" smtClean="0"/>
+              <a:t> </a:t>
+            </a:r>
+            <a:r>
+              <a:rPr lang="en-US" altLang="zh-CN" dirty="0" err="1" smtClean="0"/>
+              <a:t>func</a:t>
+            </a:r>
+            <a:r>
+              <a:rPr lang="en-US" altLang="zh-CN" dirty="0" smtClean="0"/>
+              <a:t>(</a:t>
+            </a:r>
+            <a:r>
+              <a:rPr lang="en-US" altLang="zh-CN" dirty="0" err="1" smtClean="0"/>
+              <a:t>lua_state</a:t>
+            </a:r>
+            <a:r>
+              <a:rPr lang="en-US" altLang="zh-CN" dirty="0" smtClean="0"/>
+              <a:t>*L)</a:t>
+            </a:r>
+          </a:p>
+          <a:p>
+            <a:r>
+              <a:rPr lang="en-US" altLang="zh-CN" dirty="0" smtClean="0"/>
+              <a:t>{	</a:t>
+            </a:r>
+          </a:p>
+          <a:p>
+            <a:pPr>
+              <a:buNone/>
+            </a:pPr>
+            <a:r>
+              <a:rPr lang="en-US" altLang="zh-CN" dirty="0" smtClean="0"/>
+              <a:t>	</a:t>
+            </a:r>
+            <a:r>
+              <a:rPr lang="en-US" altLang="zh-CN" dirty="0" smtClean="0"/>
+              <a:t>	//</a:t>
+            </a:r>
+            <a:r>
+              <a:rPr lang="zh-CN" altLang="en-US" dirty="0" smtClean="0"/>
+              <a:t>获得</a:t>
+            </a:r>
+            <a:r>
+              <a:rPr lang="en-US" altLang="zh-CN" dirty="0" err="1" smtClean="0"/>
+              <a:t>userdata</a:t>
+            </a:r>
+            <a:endParaRPr lang="en-US" altLang="zh-CN" dirty="0" smtClean="0"/>
+          </a:p>
+          <a:p>
+            <a:pPr>
+              <a:buNone/>
+            </a:pPr>
+            <a:r>
+              <a:rPr lang="en-US" altLang="zh-CN" dirty="0" smtClean="0"/>
+              <a:t>	</a:t>
+            </a:r>
+            <a:r>
+              <a:rPr lang="en-US" altLang="zh-CN" dirty="0" smtClean="0"/>
+              <a:t>	//</a:t>
+            </a:r>
+            <a:r>
+              <a:rPr lang="zh-CN" altLang="en-US" dirty="0" smtClean="0"/>
+              <a:t>检测</a:t>
+            </a:r>
+            <a:r>
+              <a:rPr lang="en-US" altLang="zh-CN" dirty="0" err="1" smtClean="0"/>
+              <a:t>userdata</a:t>
+            </a:r>
+            <a:r>
+              <a:rPr lang="zh-CN" altLang="en-US" dirty="0" smtClean="0"/>
+              <a:t>的</a:t>
+            </a:r>
+            <a:r>
+              <a:rPr lang="en-US" altLang="zh-CN" dirty="0" err="1" smtClean="0"/>
+              <a:t>metatable</a:t>
+            </a:r>
+            <a:r>
+              <a:rPr lang="zh-CN" altLang="en-US" dirty="0" smtClean="0"/>
+              <a:t>是否是</a:t>
+            </a:r>
+            <a:r>
+              <a:rPr lang="en-US" altLang="zh-CN" dirty="0" smtClean="0"/>
+              <a:t>”a”</a:t>
+            </a:r>
+          </a:p>
+          <a:p>
+            <a:pPr>
+              <a:buNone/>
+            </a:pPr>
+            <a:r>
+              <a:rPr lang="en-US" altLang="zh-CN" dirty="0" smtClean="0"/>
+              <a:t>	</a:t>
+            </a:r>
+            <a:r>
+              <a:rPr lang="en-US" altLang="zh-CN" dirty="0" smtClean="0"/>
+              <a:t>	//</a:t>
+            </a:r>
+            <a:r>
+              <a:rPr lang="zh-CN" altLang="en-US" dirty="0" smtClean="0"/>
+              <a:t>获得</a:t>
+            </a:r>
+            <a:r>
+              <a:rPr lang="en-US" altLang="zh-CN" dirty="0" smtClean="0"/>
+              <a:t>A</a:t>
+            </a:r>
+            <a:r>
+              <a:rPr lang="zh-CN" altLang="en-US" dirty="0" smtClean="0"/>
+              <a:t>对象指针</a:t>
+            </a:r>
+            <a:r>
+              <a:rPr lang="en-US" altLang="zh-CN" dirty="0" smtClean="0"/>
+              <a:t>p,</a:t>
+            </a:r>
+            <a:r>
+              <a:rPr lang="zh-CN" altLang="en-US" dirty="0" smtClean="0"/>
+              <a:t>位置参数</a:t>
+            </a:r>
+            <a:endParaRPr lang="en-US" altLang="zh-CN" dirty="0" smtClean="0"/>
+          </a:p>
+          <a:p>
+            <a:pPr>
+              <a:buNone/>
+            </a:pPr>
+            <a:r>
+              <a:rPr lang="en-US" altLang="zh-CN" dirty="0" smtClean="0"/>
+              <a:t>	</a:t>
+            </a:r>
+            <a:r>
+              <a:rPr lang="en-US" altLang="zh-CN" dirty="0" smtClean="0"/>
+              <a:t>	//(A*)p-&gt;</a:t>
+            </a:r>
+            <a:r>
+              <a:rPr lang="en-US" altLang="zh-CN" dirty="0" err="1" smtClean="0"/>
+              <a:t>func</a:t>
+            </a:r>
+            <a:r>
+              <a:rPr lang="en-US" altLang="zh-CN" dirty="0" smtClean="0"/>
+              <a:t>(</a:t>
+            </a:r>
+            <a:r>
+              <a:rPr lang="en-US" altLang="zh-CN" dirty="0" err="1" smtClean="0"/>
+              <a:t>x,y</a:t>
+            </a:r>
+            <a:r>
+              <a:rPr lang="en-US" altLang="zh-CN" dirty="0" smtClean="0"/>
+              <a:t>);</a:t>
+            </a:r>
+          </a:p>
+          <a:p>
+            <a:r>
+              <a:rPr lang="en-US" altLang="zh-CN" dirty="0" smtClean="0"/>
+              <a:t>}</a:t>
+            </a:r>
+            <a:r>
+              <a:rPr lang="en-US" altLang="zh-CN" dirty="0" smtClean="0"/>
+              <a:t> </a:t>
+            </a:r>
+            <a:endParaRPr lang="zh-CN" altLang="en-US" dirty="0"/>
+          </a:p>
+        </p:txBody>
+      </p:sp>
+    </p:spTree>
+  </p:cSld>
+  <p:clrMapOvr>
+    <a:masterClrMapping/>
+  </p:clrMapOvr>
+</p:sld>
+</file>
+
+<file path=ppt/slides/slide38.xml><?xml version="1.0" encoding="utf-8"?>
+<p:sld xmlns:a="http://schemas.openxmlformats.org/drawingml/2006/main" xmlns:r="http://schemas.openxmlformats.org/officeDocument/2006/relationships" xmlns:p="http://schemas.openxmlformats.org/presentationml/2006/main">
+  <p:cSld>
+    <p:spTree>
+      <p:nvGrpSpPr>
+        <p:cNvPr id="1" name=""/>
+        <p:cNvGrpSpPr/>
+        <p:nvPr/>
+      </p:nvGrpSpPr>
+      <p:grpSpPr>
+        <a:xfrm>
+          <a:off x="0" y="0"/>
+          <a:ext cx="0" cy="0"/>
+          <a:chOff x="0" y="0"/>
+          <a:chExt cx="0" cy="0"/>
+        </a:xfrm>
+      </p:grpSpPr>
+      <p:sp>
+        <p:nvSpPr>
+          <p:cNvPr id="2" name="标题 1"/>
+          <p:cNvSpPr>
+            <a:spLocks noGrp="1"/>
+          </p:cNvSpPr>
+          <p:nvPr>
+            <p:ph type="title"/>
+          </p:nvPr>
+        </p:nvSpPr>
+        <p:spPr/>
+        <p:txBody>
+          <a:bodyPr/>
+          <a:lstStyle/>
+          <a:p>
+            <a:r>
+              <a:rPr lang="en-US" altLang="zh-CN" dirty="0" smtClean="0"/>
+              <a:t>LUA</a:t>
+            </a:r>
+            <a:r>
+              <a:rPr lang="zh-CN" altLang="en-US" dirty="0" smtClean="0"/>
+              <a:t>注册表实例</a:t>
+            </a:r>
+            <a:endParaRPr lang="zh-CN" altLang="en-US" dirty="0"/>
+          </a:p>
+        </p:txBody>
+      </p:sp>
+      <p:sp>
+        <p:nvSpPr>
+          <p:cNvPr id="3" name="内容占位符 2"/>
+          <p:cNvSpPr>
+            <a:spLocks noGrp="1"/>
+          </p:cNvSpPr>
+          <p:nvPr>
+            <p:ph idx="1"/>
+          </p:nvPr>
+        </p:nvSpPr>
+        <p:spPr/>
+        <p:txBody>
+          <a:bodyPr/>
+          <a:lstStyle/>
+          <a:p>
+            <a:r>
+              <a:rPr lang="en-US" altLang="zh-CN" dirty="0" err="1" smtClean="0"/>
+              <a:t>tolua</a:t>
+            </a:r>
+            <a:r>
+              <a:rPr lang="zh-CN" altLang="en-US" dirty="0" smtClean="0"/>
+              <a:t>的野指针预防</a:t>
+            </a:r>
+            <a:endParaRPr lang="en-US" altLang="zh-CN" dirty="0" smtClean="0"/>
+          </a:p>
+          <a:p>
+            <a:r>
+              <a:rPr lang="zh-CN" altLang="en-US" dirty="0" smtClean="0"/>
+              <a:t>在注册表创建一个叫</a:t>
+            </a:r>
+            <a:r>
+              <a:rPr lang="en-US" altLang="zh-CN" dirty="0" err="1" smtClean="0"/>
+              <a:t>ubox</a:t>
+            </a:r>
+            <a:r>
+              <a:rPr lang="zh-CN" altLang="en-US" dirty="0" smtClean="0"/>
+              <a:t>的</a:t>
+            </a:r>
+            <a:r>
+              <a:rPr lang="en-US" altLang="zh-CN" dirty="0" smtClean="0"/>
+              <a:t>table</a:t>
+            </a:r>
+          </a:p>
+          <a:p>
+            <a:r>
+              <a:rPr lang="zh-CN" altLang="en-US" dirty="0" smtClean="0"/>
+              <a:t>用对象指针做成的</a:t>
+            </a:r>
+            <a:r>
+              <a:rPr lang="en-US" altLang="zh-CN" dirty="0" err="1" smtClean="0"/>
+              <a:t>lightuserdata</a:t>
+            </a:r>
+            <a:r>
+              <a:rPr lang="zh-CN" altLang="en-US" dirty="0" smtClean="0"/>
+              <a:t>做</a:t>
+            </a:r>
+            <a:r>
+              <a:rPr lang="en-US" altLang="zh-CN" dirty="0" smtClean="0"/>
+              <a:t>key</a:t>
+            </a:r>
+            <a:r>
+              <a:rPr lang="zh-CN" altLang="en-US" dirty="0" smtClean="0"/>
+              <a:t>，</a:t>
+            </a:r>
+            <a:r>
+              <a:rPr lang="en-US" altLang="zh-CN" dirty="0" err="1" smtClean="0"/>
+              <a:t>userdata</a:t>
+            </a:r>
+            <a:r>
+              <a:rPr lang="zh-CN" altLang="en-US" dirty="0" smtClean="0"/>
+              <a:t>作为</a:t>
+            </a:r>
+            <a:r>
+              <a:rPr lang="en-US" altLang="zh-CN" dirty="0" smtClean="0"/>
+              <a:t>value</a:t>
+            </a:r>
+            <a:r>
+              <a:rPr lang="zh-CN" altLang="en-US" dirty="0" smtClean="0"/>
+              <a:t>，构造的时候加入，析构的时候移除</a:t>
+            </a:r>
+            <a:endParaRPr lang="en-US" altLang="zh-CN" dirty="0" smtClean="0"/>
+          </a:p>
+          <a:p>
+            <a:r>
+              <a:rPr lang="zh-CN" altLang="en-US" dirty="0" smtClean="0"/>
+              <a:t>野指针传入的时候通过</a:t>
+            </a:r>
+            <a:r>
+              <a:rPr lang="en-US" altLang="zh-CN" dirty="0" err="1" smtClean="0"/>
+              <a:t>ubox</a:t>
+            </a:r>
+            <a:r>
+              <a:rPr lang="zh-CN" altLang="en-US" dirty="0" smtClean="0"/>
+              <a:t>检测该</a:t>
+            </a:r>
+            <a:r>
+              <a:rPr lang="en-US" altLang="zh-CN" dirty="0" err="1" smtClean="0"/>
+              <a:t>user</a:t>
+            </a:r>
+            <a:r>
+              <a:rPr lang="en-US" altLang="zh-CN" dirty="0" err="1" smtClean="0"/>
+              <a:t>data</a:t>
+            </a:r>
+            <a:r>
+              <a:rPr lang="zh-CN" altLang="en-US" dirty="0" smtClean="0"/>
+              <a:t>的有效性</a:t>
+            </a:r>
+            <a:endParaRPr lang="en-US" altLang="zh-CN" dirty="0" smtClean="0"/>
+          </a:p>
+        </p:txBody>
+      </p:sp>
+    </p:spTree>
+  </p:cSld>
+  <p:clrMapOvr>
+    <a:masterClrMapping/>
+  </p:clrMapOvr>
+</p:sld>
+</file>
+
+<file path=ppt/slides/slide39.xml><?xml version="1.0" encoding="utf-8"?>
+<p:sld xmlns:a="http://schemas.openxmlformats.org/drawingml/2006/main" xmlns:r="http://schemas.openxmlformats.org/officeDocument/2006/relationships" xmlns:p="http://schemas.openxmlformats.org/presentationml/2006/main">
+  <p:cSld>
+    <p:spTree>
+      <p:nvGrpSpPr>
+        <p:cNvPr id="1" name=""/>
+        <p:cNvGrpSpPr/>
+        <p:nvPr/>
+      </p:nvGrpSpPr>
+      <p:grpSpPr>
+        <a:xfrm>
+          <a:off x="0" y="0"/>
+          <a:ext cx="0" cy="0"/>
+          <a:chOff x="0" y="0"/>
+          <a:chExt cx="0" cy="0"/>
+        </a:xfrm>
+      </p:grpSpPr>
+      <p:sp>
+        <p:nvSpPr>
+          <p:cNvPr id="2" name="标题 1"/>
+          <p:cNvSpPr>
+            <a:spLocks noGrp="1"/>
+          </p:cNvSpPr>
+          <p:nvPr>
+            <p:ph type="title"/>
+          </p:nvPr>
+        </p:nvSpPr>
+        <p:spPr/>
+        <p:txBody>
+          <a:bodyPr/>
+          <a:lstStyle/>
+          <a:p>
+            <a:r>
+              <a:rPr lang="en-US" altLang="zh-CN" dirty="0" smtClean="0"/>
+              <a:t>LUA</a:t>
+            </a:r>
+            <a:r>
+              <a:rPr lang="zh-CN" altLang="en-US" dirty="0" smtClean="0"/>
+              <a:t> </a:t>
+            </a:r>
+            <a:r>
+              <a:rPr lang="en-US" altLang="zh-CN" dirty="0" smtClean="0"/>
+              <a:t>Reference </a:t>
+            </a:r>
+            <a:endParaRPr lang="zh-CN" altLang="en-US" dirty="0"/>
+          </a:p>
+        </p:txBody>
+      </p:sp>
+      <p:sp>
+        <p:nvSpPr>
+          <p:cNvPr id="3" name="内容占位符 2"/>
+          <p:cNvSpPr>
+            <a:spLocks noGrp="1"/>
+          </p:cNvSpPr>
+          <p:nvPr>
+            <p:ph idx="1"/>
+          </p:nvPr>
+        </p:nvSpPr>
+        <p:spPr/>
+        <p:txBody>
+          <a:bodyPr/>
+          <a:lstStyle/>
+          <a:p>
+            <a:r>
+              <a:rPr lang="zh-CN" altLang="en-US" dirty="0" smtClean="0"/>
+              <a:t>注册表中的用</a:t>
+            </a:r>
+            <a:r>
+              <a:rPr lang="en-US" altLang="zh-CN" dirty="0" err="1" smtClean="0"/>
+              <a:t>int</a:t>
+            </a:r>
+            <a:r>
+              <a:rPr lang="zh-CN" altLang="en-US" dirty="0" smtClean="0"/>
+              <a:t>做</a:t>
+            </a:r>
+            <a:r>
+              <a:rPr lang="en-US" altLang="zh-CN" dirty="0" smtClean="0"/>
+              <a:t>key</a:t>
+            </a:r>
+            <a:r>
+              <a:rPr lang="zh-CN" altLang="en-US" dirty="0" smtClean="0"/>
+              <a:t>，</a:t>
+            </a:r>
+            <a:r>
+              <a:rPr lang="en-US" altLang="zh-CN" dirty="0" err="1" smtClean="0"/>
+              <a:t>lua</a:t>
+            </a:r>
+            <a:r>
+              <a:rPr lang="zh-CN" altLang="en-US" dirty="0" smtClean="0"/>
+              <a:t>的各种</a:t>
+            </a:r>
+            <a:r>
+              <a:rPr lang="en-US" altLang="zh-CN" dirty="0" smtClean="0"/>
+              <a:t>value</a:t>
+            </a:r>
+            <a:r>
+              <a:rPr lang="zh-CN" altLang="en-US" dirty="0" smtClean="0"/>
+              <a:t>作为值的逻辑</a:t>
+            </a:r>
+            <a:endParaRPr lang="en-US" altLang="zh-CN" dirty="0" smtClean="0"/>
+          </a:p>
+          <a:p>
+            <a:r>
+              <a:rPr lang="zh-CN" altLang="en-US" dirty="0" smtClean="0"/>
+              <a:t>一般</a:t>
+            </a:r>
+            <a:r>
+              <a:rPr lang="en-US" altLang="zh-CN" dirty="0" smtClean="0"/>
+              <a:t>C++</a:t>
+            </a:r>
+            <a:r>
+              <a:rPr lang="zh-CN" altLang="en-US" dirty="0" smtClean="0"/>
+              <a:t>查找</a:t>
+            </a:r>
+            <a:r>
+              <a:rPr lang="en-US" altLang="zh-CN" dirty="0" err="1" smtClean="0"/>
+              <a:t>lua</a:t>
+            </a:r>
+            <a:r>
+              <a:rPr lang="zh-CN" altLang="en-US" dirty="0" smtClean="0"/>
+              <a:t>中的内容，使用字符串查找，如果用引用机制，查找效率提升</a:t>
+            </a:r>
+            <a:endParaRPr lang="en-US" altLang="zh-CN" dirty="0" smtClean="0"/>
+          </a:p>
+          <a:p>
+            <a:r>
+              <a:rPr lang="en-US" altLang="zh-CN" dirty="0" smtClean="0"/>
+              <a:t>t</a:t>
+            </a:r>
+            <a:r>
+              <a:rPr lang="en-US" altLang="zh-CN" dirty="0" smtClean="0"/>
+              <a:t>able</a:t>
+            </a:r>
+            <a:r>
+              <a:rPr lang="zh-CN" altLang="en-US" dirty="0" smtClean="0"/>
+              <a:t>，回调函数管理</a:t>
+            </a:r>
+            <a:endParaRPr lang="en-US" altLang="zh-CN" dirty="0" smtClean="0"/>
+          </a:p>
+          <a:p>
+            <a:r>
+              <a:rPr lang="zh-CN" altLang="en-US" dirty="0" smtClean="0"/>
+              <a:t>改变值的生命周期</a:t>
+            </a:r>
+            <a:endParaRPr lang="en-US" altLang="zh-CN" dirty="0" smtClean="0"/>
+          </a:p>
+          <a:p>
+            <a:r>
+              <a:rPr lang="zh-CN" altLang="en-US" dirty="0" smtClean="0"/>
+              <a:t>一般回调函数通过名字来对应</a:t>
+            </a:r>
+            <a:endParaRPr lang="en-US" altLang="zh-CN" dirty="0" smtClean="0"/>
+          </a:p>
+        </p:txBody>
+      </p:sp>
     </p:spTree>
   </p:cSld>
   <p:clrMapOvr>
@@ -7315,12 +8597,198 @@
           <a:lstStyle/>
           <a:p>
             <a:r>
+              <a:rPr lang="zh-CN" altLang="en-US" dirty="0" smtClean="0"/>
+              <a:t>与宿主语言关系</a:t>
+            </a:r>
+            <a:endParaRPr lang="zh-CN" altLang="en-US" dirty="0"/>
+          </a:p>
+        </p:txBody>
+      </p:sp>
+      <p:sp>
+        <p:nvSpPr>
+          <p:cNvPr id="3" name="内容占位符 2"/>
+          <p:cNvSpPr>
+            <a:spLocks noGrp="1"/>
+          </p:cNvSpPr>
+          <p:nvPr>
+            <p:ph idx="1"/>
+          </p:nvPr>
+        </p:nvSpPr>
+        <p:spPr/>
+        <p:txBody>
+          <a:bodyPr/>
+          <a:lstStyle/>
+          <a:p>
+            <a:r>
+              <a:rPr lang="zh-CN" altLang="en-US" dirty="0" smtClean="0"/>
+              <a:t>用</a:t>
+            </a:r>
+            <a:r>
+              <a:rPr lang="en-US" altLang="zh-CN" dirty="0" smtClean="0"/>
+              <a:t>C++</a:t>
+            </a:r>
+            <a:r>
+              <a:rPr lang="zh-CN" altLang="en-US" dirty="0" smtClean="0"/>
+              <a:t>举例</a:t>
+            </a:r>
+            <a:endParaRPr lang="en-US" altLang="zh-CN" dirty="0" smtClean="0"/>
+          </a:p>
+          <a:p>
+            <a:r>
+              <a:rPr lang="en-US" altLang="zh-CN" dirty="0" smtClean="0"/>
+              <a:t>C++</a:t>
+            </a:r>
+            <a:r>
+              <a:rPr lang="zh-CN" altLang="en-US" dirty="0" smtClean="0"/>
+              <a:t>创建</a:t>
+            </a:r>
+            <a:r>
               <a:rPr lang="en-US" altLang="zh-CN" dirty="0" smtClean="0"/>
               <a:t>LUA</a:t>
             </a:r>
             <a:r>
               <a:rPr lang="zh-CN" altLang="en-US" dirty="0" smtClean="0"/>
-              <a:t>？游戏开发？</a:t>
+              <a:t>运行环境</a:t>
+            </a:r>
+            <a:endParaRPr lang="en-US" altLang="zh-CN" dirty="0" smtClean="0"/>
+          </a:p>
+          <a:p>
+            <a:r>
+              <a:rPr lang="en-US" altLang="zh-CN" dirty="0" smtClean="0"/>
+              <a:t>LUA</a:t>
+            </a:r>
+            <a:r>
+              <a:rPr lang="zh-CN" altLang="en-US" dirty="0" smtClean="0"/>
+              <a:t>定义函数，数据</a:t>
+            </a:r>
+            <a:endParaRPr lang="en-US" altLang="zh-CN" dirty="0" smtClean="0"/>
+          </a:p>
+          <a:p>
+            <a:r>
+              <a:rPr lang="en-US" altLang="zh-CN" dirty="0" smtClean="0"/>
+              <a:t>C++</a:t>
+            </a:r>
+            <a:r>
+              <a:rPr lang="zh-CN" altLang="en-US" dirty="0" smtClean="0"/>
+              <a:t>可以通过名字，</a:t>
+            </a:r>
+            <a:r>
+              <a:rPr lang="en-US" altLang="zh-CN" dirty="0" smtClean="0"/>
+              <a:t>Ref</a:t>
+            </a:r>
+            <a:r>
+              <a:rPr lang="zh-CN" altLang="en-US" dirty="0" smtClean="0"/>
+              <a:t>访问函数和数据</a:t>
+            </a:r>
+            <a:endParaRPr lang="en-US" altLang="zh-CN" dirty="0" smtClean="0"/>
+          </a:p>
+          <a:p>
+            <a:r>
+              <a:rPr lang="en-US" altLang="zh-CN" dirty="0" smtClean="0"/>
+              <a:t>C++</a:t>
+            </a:r>
+            <a:r>
+              <a:rPr lang="zh-CN" altLang="en-US" dirty="0" smtClean="0"/>
+              <a:t>注册回调函数给</a:t>
+            </a:r>
+            <a:r>
+              <a:rPr lang="en-US" altLang="zh-CN" dirty="0" smtClean="0"/>
+              <a:t>LUA</a:t>
+            </a:r>
+            <a:r>
+              <a:rPr lang="zh-CN" altLang="en-US" dirty="0" smtClean="0"/>
+              <a:t>使用</a:t>
+            </a:r>
+            <a:endParaRPr lang="en-US" altLang="zh-CN" dirty="0" smtClean="0"/>
+          </a:p>
+          <a:p>
+            <a:r>
+              <a:rPr lang="en-US" altLang="zh-CN" dirty="0" smtClean="0"/>
+              <a:t>C++</a:t>
+            </a:r>
+            <a:r>
+              <a:rPr lang="zh-CN" altLang="en-US" dirty="0" smtClean="0"/>
+              <a:t>可以调用</a:t>
+            </a:r>
+            <a:r>
+              <a:rPr lang="en-US" altLang="zh-CN" dirty="0" smtClean="0"/>
+              <a:t>LUA</a:t>
+            </a:r>
+            <a:r>
+              <a:rPr lang="zh-CN" altLang="en-US" dirty="0" smtClean="0"/>
+              <a:t>的</a:t>
+            </a:r>
+            <a:r>
+              <a:rPr lang="en-US" altLang="zh-CN" dirty="0" smtClean="0"/>
+              <a:t>CAPI</a:t>
+            </a:r>
+            <a:r>
+              <a:rPr lang="zh-CN" altLang="en-US" dirty="0" smtClean="0"/>
+              <a:t>修改</a:t>
+            </a:r>
+            <a:r>
+              <a:rPr lang="en-US" altLang="zh-CN" dirty="0" smtClean="0"/>
+              <a:t>LUA</a:t>
+            </a:r>
+            <a:r>
+              <a:rPr lang="zh-CN" altLang="en-US" dirty="0" smtClean="0"/>
+              <a:t>环境内的数据和方法</a:t>
+            </a:r>
+            <a:endParaRPr lang="en-US" altLang="zh-CN" dirty="0" smtClean="0"/>
+          </a:p>
+        </p:txBody>
+      </p:sp>
+    </p:spTree>
+  </p:cSld>
+  <p:clrMapOvr>
+    <a:masterClrMapping/>
+  </p:clrMapOvr>
+</p:sld>
+</file>
+
+<file path=ppt/slides/slide40.xml><?xml version="1.0" encoding="utf-8"?>
+<p:sld xmlns:a="http://schemas.openxmlformats.org/drawingml/2006/main" xmlns:r="http://schemas.openxmlformats.org/officeDocument/2006/relationships" xmlns:p="http://schemas.openxmlformats.org/presentationml/2006/main">
+  <p:cSld>
+    <p:spTree>
+      <p:nvGrpSpPr>
+        <p:cNvPr id="1" name=""/>
+        <p:cNvGrpSpPr/>
+        <p:nvPr/>
+      </p:nvGrpSpPr>
+      <p:grpSpPr>
+        <a:xfrm>
+          <a:off x="0" y="0"/>
+          <a:ext cx="0" cy="0"/>
+          <a:chOff x="0" y="0"/>
+          <a:chExt cx="0" cy="0"/>
+        </a:xfrm>
+      </p:grpSpPr>
+      <p:sp>
+        <p:nvSpPr>
+          <p:cNvPr id="2" name="标题 1"/>
+          <p:cNvSpPr>
+            <a:spLocks noGrp="1"/>
+          </p:cNvSpPr>
+          <p:nvPr>
+            <p:ph type="title"/>
+          </p:nvPr>
+        </p:nvSpPr>
+        <p:spPr/>
+        <p:txBody>
+          <a:bodyPr/>
+          <a:lstStyle/>
+          <a:p>
+            <a:r>
+              <a:rPr lang="en-US" altLang="zh-CN" dirty="0" smtClean="0"/>
+              <a:t>LUA</a:t>
+            </a:r>
+            <a:r>
+              <a:rPr lang="zh-CN" altLang="en-US" dirty="0" smtClean="0"/>
+              <a:t> </a:t>
+            </a:r>
+            <a:r>
+              <a:rPr lang="en-US" altLang="zh-CN" dirty="0" smtClean="0"/>
+              <a:t>Reference </a:t>
             </a:r>
             <a:endParaRPr lang="zh-CN" altLang="en-US" dirty="0"/>
           </a:p>
@@ -7338,29 +8806,15 @@
         </p:nvSpPr>
         <p:spPr/>
         <p:txBody>
-          <a:bodyPr/>
-          <a:lstStyle/>
-          <a:p>
-            <a:r>
-              <a:rPr lang="zh-CN" altLang="en-US" dirty="0" smtClean="0"/>
-              <a:t>制作一个游戏利用热加载快速验证玩法</a:t>
-            </a:r>
-            <a:endParaRPr lang="en-US" altLang="zh-CN" dirty="0" smtClean="0"/>
-          </a:p>
-          <a:p>
-            <a:r>
-              <a:rPr lang="zh-CN" altLang="en-US" dirty="0" smtClean="0"/>
-              <a:t>事件处理，游戏</a:t>
-            </a:r>
-            <a:r>
-              <a:rPr lang="en-US" altLang="zh-CN" dirty="0" smtClean="0"/>
-              <a:t>AI</a:t>
-            </a:r>
-            <a:r>
-              <a:rPr lang="zh-CN" altLang="en-US" dirty="0" smtClean="0"/>
-              <a:t>验证</a:t>
-            </a:r>
-            <a:endParaRPr lang="en-US" altLang="zh-CN" dirty="0" smtClean="0"/>
+          <a:bodyPr>
+            <a:normAutofit lnSpcReduction="10000"/>
+          </a:bodyPr>
+          <a:lstStyle/>
+          <a:p>
+            <a:r>
+              <a:rPr lang="en-US" altLang="zh-CN" dirty="0" smtClean="0"/>
+              <a:t>function Init()</a:t>
+            </a:r>
           </a:p>
           <a:p>
             <a:pPr>
@@ -7368,13 +8822,265 @@
             </a:pPr>
             <a:r>
               <a:rPr lang="en-US" altLang="zh-CN" dirty="0" smtClean="0"/>
+              <a:t>     </a:t>
+            </a:r>
+            <a:r>
+              <a:rPr lang="en-US" altLang="zh-CN" dirty="0" smtClean="0"/>
+              <a:t>local </a:t>
+            </a:r>
+            <a:r>
+              <a:rPr lang="en-US" altLang="zh-CN" dirty="0" smtClean="0"/>
+              <a:t>layer1 = </a:t>
+            </a:r>
+            <a:r>
+              <a:rPr lang="en-US" altLang="zh-CN" dirty="0" err="1" smtClean="0"/>
+              <a:t>cc.LayerColor:create</a:t>
+            </a:r>
+            <a:r>
+              <a:rPr lang="en-US" altLang="zh-CN" dirty="0" smtClean="0"/>
+              <a:t>(cc.c4b(255, </a:t>
+            </a:r>
+            <a:r>
+              <a:rPr lang="en-US" altLang="zh-CN" dirty="0" smtClean="0"/>
+              <a:t>			  0</a:t>
+            </a:r>
+            <a:r>
+              <a:rPr lang="en-US" altLang="zh-CN" dirty="0" smtClean="0"/>
+              <a:t>, 0, 255), 85, 121);        </a:t>
+            </a:r>
+          </a:p>
+          <a:p>
+            <a:pPr>
+              <a:buNone/>
+            </a:pPr>
+            <a:r>
+              <a:rPr lang="en-US" altLang="zh-CN" dirty="0" smtClean="0"/>
+              <a:t>        </a:t>
+            </a:r>
+            <a:r>
+              <a:rPr lang="en-US" altLang="zh-CN" dirty="0" smtClean="0"/>
+              <a:t> local </a:t>
+            </a:r>
+            <a:r>
+              <a:rPr lang="en-US" altLang="zh-CN" dirty="0" smtClean="0"/>
+              <a:t>function </a:t>
+            </a:r>
+            <a:r>
+              <a:rPr lang="en-US" altLang="zh-CN" dirty="0" err="1" smtClean="0"/>
+              <a:t>onTouch</a:t>
+            </a:r>
+            <a:r>
+              <a:rPr lang="en-US" altLang="zh-CN" dirty="0" smtClean="0"/>
+              <a:t>()</a:t>
+            </a:r>
+            <a:endParaRPr lang="en-US" altLang="zh-CN" dirty="0" smtClean="0"/>
+          </a:p>
+          <a:p>
+            <a:pPr>
+              <a:buNone/>
+            </a:pPr>
+            <a:r>
+              <a:rPr lang="en-US" altLang="zh-CN" dirty="0" smtClean="0"/>
+              <a:t>           </a:t>
+            </a:r>
+            <a:r>
+              <a:rPr lang="en-US" altLang="zh-CN" dirty="0" smtClean="0"/>
+              <a:t>  </a:t>
+            </a:r>
+            <a:r>
+              <a:rPr lang="en-US" altLang="zh-CN" dirty="0" err="1" smtClean="0"/>
+              <a:t>xxxx</a:t>
+            </a:r>
+            <a:r>
+              <a:rPr lang="en-US" altLang="zh-CN" dirty="0" smtClean="0"/>
+              <a:t>…</a:t>
+            </a:r>
+          </a:p>
+          <a:p>
+            <a:pPr>
+              <a:buNone/>
+            </a:pPr>
+            <a:r>
+              <a:rPr lang="en-US" altLang="zh-CN" dirty="0" smtClean="0"/>
+              <a:t>        </a:t>
+            </a:r>
+            <a:r>
+              <a:rPr lang="en-US" altLang="zh-CN" dirty="0" smtClean="0"/>
+              <a:t> end</a:t>
+            </a:r>
+            <a:r>
+              <a:rPr lang="en-US" altLang="zh-CN" dirty="0" smtClean="0"/>
+              <a:t>;</a:t>
+            </a:r>
+          </a:p>
+          <a:p>
+            <a:pPr>
+              <a:buNone/>
+            </a:pPr>
+            <a:r>
+              <a:rPr lang="en-US" altLang="zh-CN" dirty="0" smtClean="0"/>
+              <a:t>	     layer1 :</a:t>
+            </a:r>
+            <a:r>
+              <a:rPr lang="en-US" altLang="zh-CN" dirty="0" err="1" smtClean="0"/>
+              <a:t>registerScriptHandler</a:t>
+            </a:r>
+            <a:r>
+              <a:rPr lang="en-US" altLang="zh-CN" dirty="0" smtClean="0"/>
+              <a:t>(</a:t>
+            </a:r>
+            <a:r>
+              <a:rPr lang="en-US" altLang="zh-CN" dirty="0" err="1" smtClean="0"/>
+              <a:t>onTouch</a:t>
+            </a:r>
+            <a:r>
+              <a:rPr lang="en-US" altLang="zh-CN" dirty="0" smtClean="0"/>
+              <a:t>);</a:t>
+            </a:r>
+            <a:endParaRPr lang="en-US" altLang="zh-CN" dirty="0" smtClean="0"/>
+          </a:p>
+          <a:p>
+            <a:pPr>
+              <a:buNone/>
+            </a:pPr>
+            <a:r>
+              <a:rPr lang="en-US" altLang="zh-CN" dirty="0" smtClean="0"/>
+              <a:t>    end;</a:t>
+            </a:r>
+          </a:p>
+          <a:p>
+            <a:endParaRPr lang="en-US" altLang="zh-CN" dirty="0" smtClean="0"/>
+          </a:p>
+        </p:txBody>
+      </p:sp>
+    </p:spTree>
+  </p:cSld>
+  <p:clrMapOvr>
+    <a:masterClrMapping/>
+  </p:clrMapOvr>
+</p:sld>
+</file>
+
+<file path=ppt/slides/slide41.xml><?xml version="1.0" encoding="utf-8"?>
+<p:sld xmlns:a="http://schemas.openxmlformats.org/drawingml/2006/main" xmlns:r="http://schemas.openxmlformats.org/officeDocument/2006/relationships" xmlns:p="http://schemas.openxmlformats.org/presentationml/2006/main">
+  <p:cSld>
+    <p:spTree>
+      <p:nvGrpSpPr>
+        <p:cNvPr id="1" name=""/>
+        <p:cNvGrpSpPr/>
+        <p:nvPr/>
+      </p:nvGrpSpPr>
+      <p:grpSpPr>
+        <a:xfrm>
+          <a:off x="0" y="0"/>
+          <a:ext cx="0" cy="0"/>
+          <a:chOff x="0" y="0"/>
+          <a:chExt cx="0" cy="0"/>
+        </a:xfrm>
+      </p:grpSpPr>
+      <p:sp>
+        <p:nvSpPr>
+          <p:cNvPr id="2" name="标题 1"/>
+          <p:cNvSpPr>
+            <a:spLocks noGrp="1"/>
+          </p:cNvSpPr>
+          <p:nvPr>
+            <p:ph type="title"/>
+          </p:nvPr>
+        </p:nvSpPr>
+        <p:spPr/>
+        <p:txBody>
+          <a:bodyPr/>
+          <a:lstStyle/>
+          <a:p>
+            <a:r>
+              <a:rPr lang="en-US" altLang="zh-CN" dirty="0" smtClean="0"/>
+              <a:t>LUA</a:t>
+            </a:r>
+            <a:r>
+              <a:rPr lang="zh-CN" altLang="en-US" dirty="0" smtClean="0"/>
+              <a:t> </a:t>
+            </a:r>
+            <a:r>
+              <a:rPr lang="en-US" altLang="zh-CN" dirty="0" smtClean="0"/>
+              <a:t>Reference </a:t>
+            </a:r>
+            <a:endParaRPr lang="zh-CN" altLang="en-US" dirty="0"/>
+          </a:p>
+        </p:txBody>
+      </p:sp>
+      <p:sp>
+        <p:nvSpPr>
+          <p:cNvPr id="3" name="内容占位符 2"/>
+          <p:cNvSpPr>
+            <a:spLocks noGrp="1"/>
+          </p:cNvSpPr>
+          <p:nvPr>
+            <p:ph idx="1"/>
+          </p:nvPr>
+        </p:nvSpPr>
+        <p:spPr/>
+        <p:txBody>
+          <a:bodyPr>
+            <a:normAutofit/>
+          </a:bodyPr>
+          <a:lstStyle/>
+          <a:p>
+            <a:r>
+              <a:rPr lang="en-US" altLang="zh-CN" dirty="0" err="1" smtClean="0"/>
+              <a:t>i</a:t>
+            </a:r>
+            <a:r>
+              <a:rPr lang="en-US" altLang="zh-CN" dirty="0" err="1" smtClean="0"/>
+              <a:t>nt</a:t>
+            </a:r>
+            <a:r>
+              <a:rPr lang="en-US" altLang="zh-CN" dirty="0" smtClean="0"/>
+              <a:t> </a:t>
+            </a:r>
+            <a:r>
+              <a:rPr lang="en-US" altLang="zh-CN" dirty="0" err="1" smtClean="0"/>
+              <a:t>registerScriptHandler</a:t>
+            </a:r>
+            <a:r>
+              <a:rPr lang="en-US" altLang="zh-CN" dirty="0" smtClean="0"/>
+              <a:t>(</a:t>
+            </a:r>
+            <a:r>
+              <a:rPr lang="en-US" altLang="zh-CN" dirty="0" err="1" smtClean="0"/>
+              <a:t>lua_state</a:t>
+            </a:r>
+            <a:r>
+              <a:rPr lang="en-US" altLang="zh-CN" dirty="0" smtClean="0"/>
+              <a:t>* L)</a:t>
+            </a:r>
+          </a:p>
+          <a:p>
+            <a:r>
+              <a:rPr lang="en-US" altLang="zh-CN" dirty="0" smtClean="0"/>
+              <a:t>{</a:t>
+            </a:r>
+          </a:p>
+          <a:p>
+            <a:pPr>
+              <a:buNone/>
+            </a:pPr>
+            <a:r>
+              <a:rPr lang="en-US" altLang="zh-CN" dirty="0" smtClean="0"/>
               <a:t>	</a:t>
             </a:r>
             <a:r>
-              <a:rPr lang="zh-CN" altLang="en-US" dirty="0" smtClean="0"/>
-              <a:t>第一天：敌人听到枪声走到枪声附近</a:t>
-            </a:r>
-            <a:endParaRPr lang="en-US" altLang="zh-CN" dirty="0" smtClean="0"/>
+              <a:rPr lang="en-US" altLang="zh-CN" dirty="0" smtClean="0"/>
+              <a:t>	if(</a:t>
+            </a:r>
+            <a:r>
+              <a:rPr lang="en-US" altLang="zh-CN" dirty="0" err="1" smtClean="0"/>
+              <a:t>lua_isFunction</a:t>
+            </a:r>
+            <a:r>
+              <a:rPr lang="en-US" altLang="zh-CN" dirty="0" smtClean="0"/>
+              <a:t>(L,1))</a:t>
+            </a:r>
           </a:p>
           <a:p>
             <a:pPr>
@@ -7385,10 +9091,25 @@
               <a:t>	</a:t>
             </a:r>
             <a:r>
-              <a:rPr lang="zh-CN" altLang="en-US" dirty="0" smtClean="0"/>
-              <a:t>第二天：敌人听到枪声向发声地扫射</a:t>
-            </a:r>
-            <a:endParaRPr lang="en-US" altLang="zh-CN" dirty="0" smtClean="0"/>
+              <a:rPr lang="en-US" altLang="zh-CN" dirty="0" smtClean="0"/>
+              <a:t>	</a:t>
+            </a:r>
+            <a:r>
+              <a:rPr lang="en-US" altLang="zh-CN" dirty="0" err="1" smtClean="0"/>
+              <a:t>m_touchCallBack</a:t>
+            </a:r>
+            <a:r>
+              <a:rPr lang="en-US" altLang="zh-CN" dirty="0" smtClean="0"/>
+              <a:t> = </a:t>
+            </a:r>
+            <a:r>
+              <a:rPr lang="en-US" altLang="zh-CN" dirty="0" err="1" smtClean="0"/>
+              <a:t>lua_ref</a:t>
+            </a:r>
+            <a:r>
+              <a:rPr lang="en-US" altLang="zh-CN" dirty="0" smtClean="0"/>
+              <a:t>(L,1);</a:t>
+            </a:r>
           </a:p>
           <a:p>
             <a:pPr>
@@ -7396,55 +9117,682 @@
             </a:pPr>
             <a:r>
               <a:rPr lang="en-US" altLang="zh-CN" dirty="0" smtClean="0"/>
-              <a:t>	</a:t>
-            </a:r>
-            <a:r>
-              <a:rPr lang="zh-CN" altLang="en-US" dirty="0" smtClean="0"/>
-              <a:t>第三天：敌人</a:t>
-            </a:r>
-            <a:r>
-              <a:rPr lang="en-US" altLang="zh-CN" dirty="0" smtClean="0"/>
-              <a:t>…</a:t>
-            </a:r>
-            <a:r>
-              <a:rPr lang="zh-CN" altLang="en-US" dirty="0" smtClean="0"/>
-              <a:t>扔个手雷</a:t>
-            </a:r>
-            <a:endParaRPr lang="en-US" altLang="zh-CN" dirty="0" smtClean="0"/>
-          </a:p>
-          <a:p>
-            <a:pPr>
-              <a:buNone/>
-            </a:pPr>
-            <a:r>
-              <a:rPr lang="en-US" altLang="zh-CN" dirty="0" smtClean="0"/>
-              <a:t>	</a:t>
-            </a:r>
-            <a:r>
-              <a:rPr lang="zh-CN" altLang="en-US" dirty="0" smtClean="0"/>
-              <a:t>第四天：敌人</a:t>
-            </a:r>
-            <a:r>
-              <a:rPr lang="en-US" altLang="zh-CN" dirty="0" smtClean="0"/>
-              <a:t>…</a:t>
-            </a:r>
-            <a:r>
-              <a:rPr lang="zh-CN" altLang="en-US" dirty="0" smtClean="0"/>
-              <a:t>扔个手雷再走到附近</a:t>
-            </a:r>
-            <a:r>
-              <a:rPr lang="en-US" altLang="zh-CN" dirty="0" smtClean="0"/>
-              <a:t>…</a:t>
-            </a:r>
-          </a:p>
-          <a:p>
-            <a:r>
-              <a:rPr lang="zh-CN" altLang="en-US" dirty="0" smtClean="0"/>
-              <a:t>如果逻辑写在代码里，而且项目比较大</a:t>
-            </a:r>
-            <a:r>
-              <a:rPr lang="en-US" altLang="zh-CN" dirty="0" smtClean="0"/>
-              <a:t>…</a:t>
+              <a:t>	}</a:t>
+            </a:r>
+            <a:endParaRPr lang="en-US" altLang="zh-CN" dirty="0" smtClean="0"/>
+          </a:p>
+        </p:txBody>
+      </p:sp>
+    </p:spTree>
+  </p:cSld>
+  <p:clrMapOvr>
+    <a:masterClrMapping/>
+  </p:clrMapOvr>
+</p:sld>
+</file>
+
+<file path=ppt/slides/slide42.xml><?xml version="1.0" encoding="utf-8"?>
+<p:sld xmlns:a="http://schemas.openxmlformats.org/drawingml/2006/main" xmlns:r="http://schemas.openxmlformats.org/officeDocument/2006/relationships" xmlns:p="http://schemas.openxmlformats.org/presentationml/2006/main">
+  <p:cSld>
+    <p:spTree>
+      <p:nvGrpSpPr>
+        <p:cNvPr id="1" name=""/>
+        <p:cNvGrpSpPr/>
+        <p:nvPr/>
+      </p:nvGrpSpPr>
+      <p:grpSpPr>
+        <a:xfrm>
+          <a:off x="0" y="0"/>
+          <a:ext cx="0" cy="0"/>
+          <a:chOff x="0" y="0"/>
+          <a:chExt cx="0" cy="0"/>
+        </a:xfrm>
+      </p:grpSpPr>
+      <p:sp>
+        <p:nvSpPr>
+          <p:cNvPr id="2" name="标题 1"/>
+          <p:cNvSpPr>
+            <a:spLocks noGrp="1"/>
+          </p:cNvSpPr>
+          <p:nvPr>
+            <p:ph type="title"/>
+          </p:nvPr>
+        </p:nvSpPr>
+        <p:spPr/>
+        <p:txBody>
+          <a:bodyPr/>
+          <a:lstStyle/>
+          <a:p>
+            <a:r>
+              <a:rPr lang="en-US" altLang="zh-CN" dirty="0" smtClean="0"/>
+              <a:t>CE3</a:t>
+            </a:r>
+            <a:r>
+              <a:rPr lang="zh-CN" altLang="en-US" dirty="0" smtClean="0"/>
+              <a:t>的</a:t>
+            </a:r>
+            <a:r>
+              <a:rPr lang="en-US" altLang="zh-CN" dirty="0" smtClean="0"/>
+              <a:t>LUA</a:t>
+            </a:r>
+            <a:r>
+              <a:rPr lang="zh-CN" altLang="en-US" dirty="0" smtClean="0"/>
+              <a:t>使用</a:t>
+            </a:r>
+            <a:endParaRPr lang="zh-CN" altLang="en-US" dirty="0"/>
+          </a:p>
+        </p:txBody>
+      </p:sp>
+      <p:sp>
+        <p:nvSpPr>
+          <p:cNvPr id="3" name="内容占位符 2"/>
+          <p:cNvSpPr>
+            <a:spLocks noGrp="1"/>
+          </p:cNvSpPr>
+          <p:nvPr>
+            <p:ph idx="1"/>
+          </p:nvPr>
+        </p:nvSpPr>
+        <p:spPr/>
+        <p:txBody>
+          <a:bodyPr/>
+          <a:lstStyle/>
+          <a:p>
+            <a:endParaRPr lang="zh-CN" altLang="en-US"/>
+          </a:p>
+        </p:txBody>
+      </p:sp>
+    </p:spTree>
+  </p:cSld>
+  <p:clrMapOvr>
+    <a:masterClrMapping/>
+  </p:clrMapOvr>
+</p:sld>
+</file>
+
+<file path=ppt/slides/slide43.xml><?xml version="1.0" encoding="utf-8"?>
+<p:sld xmlns:a="http://schemas.openxmlformats.org/drawingml/2006/main" xmlns:r="http://schemas.openxmlformats.org/officeDocument/2006/relationships" xmlns:p="http://schemas.openxmlformats.org/presentationml/2006/main">
+  <p:cSld>
+    <p:spTree>
+      <p:nvGrpSpPr>
+        <p:cNvPr id="1" name=""/>
+        <p:cNvGrpSpPr/>
+        <p:nvPr/>
+      </p:nvGrpSpPr>
+      <p:grpSpPr>
+        <a:xfrm>
+          <a:off x="0" y="0"/>
+          <a:ext cx="0" cy="0"/>
+          <a:chOff x="0" y="0"/>
+          <a:chExt cx="0" cy="0"/>
+        </a:xfrm>
+      </p:grpSpPr>
+      <p:sp>
+        <p:nvSpPr>
+          <p:cNvPr id="2" name="标题 1"/>
+          <p:cNvSpPr>
+            <a:spLocks noGrp="1"/>
+          </p:cNvSpPr>
+          <p:nvPr>
+            <p:ph type="title"/>
+          </p:nvPr>
+        </p:nvSpPr>
+        <p:spPr/>
+        <p:txBody>
+          <a:bodyPr/>
+          <a:lstStyle/>
+          <a:p>
+            <a:r>
+              <a:rPr lang="en-US" altLang="zh-CN" dirty="0" smtClean="0"/>
+              <a:t>CE3</a:t>
+            </a:r>
+            <a:r>
+              <a:rPr lang="zh-CN" altLang="en-US" dirty="0" smtClean="0"/>
+              <a:t>的</a:t>
+            </a:r>
+            <a:r>
+              <a:rPr lang="en-US" altLang="zh-CN" dirty="0" smtClean="0"/>
+              <a:t>entity</a:t>
+            </a:r>
+            <a:endParaRPr lang="zh-CN" altLang="en-US" dirty="0"/>
+          </a:p>
+        </p:txBody>
+      </p:sp>
+      <p:pic>
+        <p:nvPicPr>
+          <p:cNvPr id="2050" name="Picture 2"/>
+          <p:cNvPicPr>
+            <a:picLocks noGrp="1" noChangeAspect="1" noChangeArrowheads="1"/>
+          </p:cNvPicPr>
+          <p:nvPr>
+            <p:ph idx="1"/>
+          </p:nvPr>
+        </p:nvPicPr>
+        <p:blipFill>
+          <a:blip r:embed="rId2"/>
+          <a:srcRect/>
+          <a:stretch>
+            <a:fillRect/>
+          </a:stretch>
+        </p:blipFill>
+        <p:spPr bwMode="auto">
+          <a:xfrm>
+            <a:off x="1357290" y="1857364"/>
+            <a:ext cx="6490367" cy="4143404"/>
+          </a:xfrm>
+          <a:prstGeom prst="rect">
+            <a:avLst/>
+          </a:prstGeom>
+          <a:noFill/>
+          <a:ln w="9525">
+            <a:noFill/>
+            <a:miter lim="800000"/>
+            <a:headEnd/>
+            <a:tailEnd/>
+          </a:ln>
+          <a:effectLst/>
+        </p:spPr>
+      </p:pic>
+    </p:spTree>
+  </p:cSld>
+  <p:clrMapOvr>
+    <a:masterClrMapping/>
+  </p:clrMapOvr>
+</p:sld>
+</file>
+
+<file path=ppt/slides/slide44.xml><?xml version="1.0" encoding="utf-8"?>
+<p:sld xmlns:a="http://schemas.openxmlformats.org/drawingml/2006/main" xmlns:r="http://schemas.openxmlformats.org/officeDocument/2006/relationships" xmlns:p="http://schemas.openxmlformats.org/presentationml/2006/main">
+  <p:cSld>
+    <p:spTree>
+      <p:nvGrpSpPr>
+        <p:cNvPr id="1" name=""/>
+        <p:cNvGrpSpPr/>
+        <p:nvPr/>
+      </p:nvGrpSpPr>
+      <p:grpSpPr>
+        <a:xfrm>
+          <a:off x="0" y="0"/>
+          <a:ext cx="0" cy="0"/>
+          <a:chOff x="0" y="0"/>
+          <a:chExt cx="0" cy="0"/>
+        </a:xfrm>
+      </p:grpSpPr>
+      <p:sp>
+        <p:nvSpPr>
+          <p:cNvPr id="2" name="标题 1"/>
+          <p:cNvSpPr>
+            <a:spLocks noGrp="1"/>
+          </p:cNvSpPr>
+          <p:nvPr>
+            <p:ph type="title"/>
+          </p:nvPr>
+        </p:nvSpPr>
+        <p:spPr/>
+        <p:txBody>
+          <a:bodyPr/>
+          <a:lstStyle/>
+          <a:p>
+            <a:r>
+              <a:rPr lang="en-US" altLang="zh-CN" dirty="0" smtClean="0"/>
+              <a:t>CryEngine3</a:t>
+            </a:r>
+            <a:r>
+              <a:rPr lang="zh-CN" altLang="en-US" dirty="0" smtClean="0"/>
+              <a:t>的</a:t>
+            </a:r>
+            <a:r>
+              <a:rPr lang="en-US" altLang="zh-CN" dirty="0" smtClean="0"/>
+              <a:t>LUA</a:t>
+            </a:r>
+            <a:endParaRPr lang="zh-CN" altLang="en-US" dirty="0"/>
+          </a:p>
+        </p:txBody>
+      </p:sp>
+      <p:sp>
+        <p:nvSpPr>
+          <p:cNvPr id="3" name="内容占位符 2"/>
+          <p:cNvSpPr>
+            <a:spLocks noGrp="1"/>
+          </p:cNvSpPr>
+          <p:nvPr>
+            <p:ph idx="1"/>
+          </p:nvPr>
+        </p:nvSpPr>
+        <p:spPr/>
+        <p:txBody>
+          <a:bodyPr/>
+          <a:lstStyle/>
+          <a:p>
+            <a:r>
+              <a:rPr lang="en-US" altLang="zh-CN" dirty="0" smtClean="0"/>
+              <a:t>cry</a:t>
+            </a:r>
+            <a:r>
+              <a:rPr lang="zh-CN" altLang="en-US" dirty="0" smtClean="0"/>
+              <a:t>中</a:t>
+            </a:r>
+            <a:r>
+              <a:rPr lang="en-US" altLang="zh-CN" dirty="0" err="1" smtClean="0"/>
+              <a:t>lua</a:t>
+            </a:r>
+            <a:r>
+              <a:rPr lang="zh-CN" altLang="en-US" dirty="0" smtClean="0"/>
+              <a:t>的基本功能</a:t>
+            </a:r>
+            <a:endParaRPr lang="en-US" altLang="zh-CN" dirty="0" smtClean="0"/>
+          </a:p>
+          <a:p>
+            <a:r>
+              <a:rPr lang="zh-CN" altLang="en-US" dirty="0" smtClean="0"/>
+              <a:t>类型定义</a:t>
+            </a:r>
+            <a:endParaRPr lang="en-US" altLang="zh-CN" dirty="0" smtClean="0"/>
+          </a:p>
+          <a:p>
+            <a:r>
+              <a:rPr lang="zh-CN" altLang="en-US" dirty="0" smtClean="0"/>
+              <a:t>属性方法定义</a:t>
+            </a:r>
+            <a:endParaRPr lang="en-US" altLang="zh-CN" dirty="0" smtClean="0"/>
+          </a:p>
+          <a:p>
+            <a:r>
+              <a:rPr lang="en-US" altLang="zh-CN" dirty="0" smtClean="0"/>
+              <a:t>C++</a:t>
+            </a:r>
+            <a:r>
+              <a:rPr lang="zh-CN" altLang="en-US" dirty="0" smtClean="0"/>
+              <a:t>组件的组合者</a:t>
+            </a:r>
+          </a:p>
+          <a:p>
+            <a:r>
+              <a:rPr lang="zh-CN" altLang="en-US" dirty="0" smtClean="0"/>
+              <a:t>简单状态机</a:t>
+            </a:r>
+            <a:endParaRPr dirty="0"/>
+          </a:p>
+          <a:p>
+            <a:r>
+              <a:rPr lang="zh-CN" altLang="en-US" dirty="0" smtClean="0"/>
+              <a:t>事件</a:t>
+            </a:r>
+            <a:r>
+              <a:rPr lang="zh-CN" altLang="en-US" dirty="0" smtClean="0"/>
+              <a:t>响应(c++大量调用lua函数</a:t>
+            </a:r>
+            <a:r>
+              <a:rPr lang="zh-CN" altLang="en-US" dirty="0" smtClean="0"/>
+              <a:t>)</a:t>
+            </a:r>
+            <a:endParaRPr lang="en-US" altLang="zh-CN" dirty="0" smtClean="0"/>
+          </a:p>
+          <a:p>
+            <a:r>
+              <a:rPr lang="zh-CN" altLang="en-US" dirty="0" smtClean="0"/>
+              <a:t>作为数据使用，定义</a:t>
+            </a:r>
+            <a:r>
+              <a:rPr lang="en-US" altLang="zh-CN" dirty="0" err="1" smtClean="0"/>
+              <a:t>flowgraph</a:t>
+            </a:r>
+            <a:endParaRPr dirty="0"/>
+          </a:p>
+          <a:p>
+            <a:endParaRPr dirty="0"/>
+          </a:p>
+        </p:txBody>
+      </p:sp>
+    </p:spTree>
+  </p:cSld>
+  <p:clrMapOvr>
+    <a:masterClrMapping/>
+  </p:clrMapOvr>
+</p:sld>
+</file>
+
+<file path=ppt/slides/slide45.xml><?xml version="1.0" encoding="utf-8"?>
+<p:sld xmlns:a="http://schemas.openxmlformats.org/drawingml/2006/main" xmlns:r="http://schemas.openxmlformats.org/officeDocument/2006/relationships" xmlns:p="http://schemas.openxmlformats.org/presentationml/2006/main">
+  <p:cSld>
+    <p:spTree>
+      <p:nvGrpSpPr>
+        <p:cNvPr id="1" name=""/>
+        <p:cNvGrpSpPr/>
+        <p:nvPr/>
+      </p:nvGrpSpPr>
+      <p:grpSpPr>
+        <a:xfrm>
+          <a:off x="0" y="0"/>
+          <a:ext cx="0" cy="0"/>
+          <a:chOff x="0" y="0"/>
+          <a:chExt cx="0" cy="0"/>
+        </a:xfrm>
+      </p:grpSpPr>
+      <p:sp>
+        <p:nvSpPr>
+          <p:cNvPr id="2" name="标题 1"/>
+          <p:cNvSpPr>
+            <a:spLocks noGrp="1"/>
+          </p:cNvSpPr>
+          <p:nvPr>
+            <p:ph type="title"/>
+          </p:nvPr>
+        </p:nvSpPr>
+        <p:spPr/>
+        <p:txBody>
+          <a:bodyPr/>
+          <a:lstStyle/>
+          <a:p>
+            <a:r>
+              <a:rPr lang="en-US" altLang="zh-CN" dirty="0" smtClean="0"/>
+              <a:t>CryEngine3</a:t>
+            </a:r>
+            <a:r>
+              <a:rPr lang="zh-CN" altLang="en-US" dirty="0" smtClean="0"/>
+              <a:t>的</a:t>
+            </a:r>
+            <a:r>
+              <a:rPr lang="en-US" altLang="zh-CN" dirty="0" smtClean="0"/>
+              <a:t>LUA</a:t>
+            </a:r>
+            <a:endParaRPr lang="zh-CN" altLang="en-US" dirty="0"/>
+          </a:p>
+        </p:txBody>
+      </p:sp>
+      <p:sp>
+        <p:nvSpPr>
+          <p:cNvPr id="3" name="内容占位符 2"/>
+          <p:cNvSpPr>
+            <a:spLocks noGrp="1"/>
+          </p:cNvSpPr>
+          <p:nvPr>
+            <p:ph idx="1"/>
+          </p:nvPr>
+        </p:nvSpPr>
+        <p:spPr/>
+        <p:txBody>
+          <a:bodyPr/>
+          <a:lstStyle/>
+          <a:p>
+            <a:r>
+              <a:rPr lang="zh-CN" altLang="en-US" dirty="0" smtClean="0"/>
+              <a:t>工作流程，如何使用这个</a:t>
+            </a:r>
+            <a:r>
+              <a:rPr lang="en-US" altLang="zh-CN" dirty="0" smtClean="0"/>
+              <a:t>LUA</a:t>
+            </a:r>
+            <a:r>
+              <a:rPr lang="zh-CN" altLang="en-US" dirty="0" smtClean="0"/>
+              <a:t>文件？</a:t>
+            </a:r>
+            <a:endParaRPr lang="en-US" altLang="zh-CN" dirty="0" smtClean="0"/>
+          </a:p>
+          <a:p>
+            <a:r>
+              <a:rPr lang="en-US" altLang="zh-CN" dirty="0" smtClean="0"/>
+              <a:t>1.C++</a:t>
+            </a:r>
+            <a:r>
+              <a:rPr lang="zh-CN" altLang="en-US" dirty="0" smtClean="0"/>
+              <a:t>创建一个</a:t>
+            </a:r>
+            <a:r>
+              <a:rPr lang="en-US" altLang="zh-CN" dirty="0" smtClean="0"/>
+              <a:t>entity</a:t>
+            </a:r>
+            <a:r>
+              <a:rPr lang="zh-CN" altLang="en-US" dirty="0" smtClean="0"/>
+              <a:t>对象，初始化脚本模块</a:t>
+            </a:r>
+            <a:endParaRPr lang="en-US" altLang="zh-CN" dirty="0" smtClean="0"/>
+          </a:p>
+          <a:p>
+            <a:r>
+              <a:rPr lang="en-US" altLang="zh-CN" dirty="0" smtClean="0"/>
+              <a:t>2.Table</a:t>
+            </a:r>
+            <a:r>
+              <a:rPr lang="zh-CN" altLang="en-US" dirty="0" smtClean="0"/>
+              <a:t>的复制，存入</a:t>
+            </a:r>
+            <a:r>
+              <a:rPr lang="en-US" altLang="zh-CN" dirty="0" smtClean="0"/>
+              <a:t>id,</a:t>
+            </a:r>
+            <a:r>
+              <a:rPr lang="zh-CN" altLang="en-US" dirty="0" smtClean="0"/>
+              <a:t>形成对应关系</a:t>
+            </a:r>
+            <a:endParaRPr lang="en-US" altLang="zh-CN" dirty="0" smtClean="0"/>
+          </a:p>
+          <a:p>
+            <a:r>
+              <a:rPr lang="en-US" altLang="zh-CN" dirty="0" smtClean="0"/>
+              <a:t>3.lua</a:t>
+            </a:r>
+            <a:r>
+              <a:rPr lang="zh-CN" altLang="en-US" dirty="0" smtClean="0"/>
+              <a:t>回调的调用</a:t>
+            </a:r>
+            <a:endParaRPr lang="en-US" altLang="zh-CN" dirty="0" smtClean="0"/>
+          </a:p>
+          <a:p>
+            <a:r>
+              <a:rPr lang="en-US" altLang="zh-CN" dirty="0" smtClean="0"/>
+              <a:t>4.</a:t>
+            </a:r>
+            <a:r>
+              <a:rPr lang="zh-CN" altLang="en-US" dirty="0" smtClean="0"/>
+              <a:t>脚本逻辑初始化</a:t>
+            </a:r>
+            <a:r>
+              <a:rPr lang="en-US" altLang="zh-CN" dirty="0" smtClean="0"/>
+              <a:t>entity</a:t>
+            </a:r>
+            <a:endParaRPr lang="zh-CN" altLang="en-US" dirty="0" smtClean="0"/>
+          </a:p>
+          <a:p>
+            <a:endParaRPr lang="en-US" altLang="zh-CN" dirty="0" smtClean="0"/>
+          </a:p>
+          <a:p>
+            <a:endParaRPr dirty="0"/>
+          </a:p>
+        </p:txBody>
+      </p:sp>
+    </p:spTree>
+  </p:cSld>
+  <p:clrMapOvr>
+    <a:masterClrMapping/>
+  </p:clrMapOvr>
+</p:sld>
+</file>
+
+<file path=ppt/slides/slide46.xml><?xml version="1.0" encoding="utf-8"?>
+<p:sld xmlns:a="http://schemas.openxmlformats.org/drawingml/2006/main" xmlns:r="http://schemas.openxmlformats.org/officeDocument/2006/relationships" xmlns:p="http://schemas.openxmlformats.org/presentationml/2006/main">
+  <p:cSld>
+    <p:spTree>
+      <p:nvGrpSpPr>
+        <p:cNvPr id="1" name=""/>
+        <p:cNvGrpSpPr/>
+        <p:nvPr/>
+      </p:nvGrpSpPr>
+      <p:grpSpPr>
+        <a:xfrm>
+          <a:off x="0" y="0"/>
+          <a:ext cx="0" cy="0"/>
+          <a:chOff x="0" y="0"/>
+          <a:chExt cx="0" cy="0"/>
+        </a:xfrm>
+      </p:grpSpPr>
+      <p:sp>
+        <p:nvSpPr>
+          <p:cNvPr id="2" name="标题 1"/>
+          <p:cNvSpPr>
+            <a:spLocks noGrp="1"/>
+          </p:cNvSpPr>
+          <p:nvPr>
+            <p:ph type="title"/>
+          </p:nvPr>
+        </p:nvSpPr>
+        <p:spPr/>
+        <p:txBody>
+          <a:bodyPr/>
+          <a:lstStyle/>
+          <a:p>
+            <a:r>
+              <a:rPr lang="en-US" altLang="zh-CN" dirty="0" smtClean="0"/>
+              <a:t>CryEngine3</a:t>
+            </a:r>
+            <a:r>
+              <a:rPr lang="zh-CN" altLang="en-US" dirty="0" smtClean="0"/>
+              <a:t>的</a:t>
+            </a:r>
+            <a:r>
+              <a:rPr lang="en-US" altLang="zh-CN" dirty="0" smtClean="0"/>
+              <a:t>LUA</a:t>
+            </a:r>
+            <a:endParaRPr lang="zh-CN" altLang="en-US" dirty="0"/>
+          </a:p>
+        </p:txBody>
+      </p:sp>
+      <p:sp>
+        <p:nvSpPr>
+          <p:cNvPr id="3" name="内容占位符 2"/>
+          <p:cNvSpPr>
+            <a:spLocks noGrp="1"/>
+          </p:cNvSpPr>
+          <p:nvPr>
+            <p:ph idx="1"/>
+          </p:nvPr>
+        </p:nvSpPr>
+        <p:spPr/>
+        <p:txBody>
+          <a:bodyPr/>
+          <a:lstStyle/>
+          <a:p>
+            <a:r>
+              <a:rPr lang="en-US" altLang="zh-CN" dirty="0" smtClean="0"/>
+              <a:t>Table</a:t>
+            </a:r>
+            <a:r>
+              <a:rPr lang="zh-CN" altLang="en-US" dirty="0" smtClean="0"/>
+              <a:t>复制</a:t>
+            </a:r>
+            <a:endParaRPr lang="en-US" altLang="zh-CN" dirty="0" smtClean="0"/>
+          </a:p>
+          <a:p>
+            <a:r>
+              <a:rPr lang="zh-CN" altLang="en-US" dirty="0" smtClean="0"/>
+              <a:t>属性复制</a:t>
+            </a:r>
+            <a:endParaRPr lang="en-US" altLang="zh-CN" dirty="0" smtClean="0"/>
+          </a:p>
+          <a:p>
+            <a:r>
+              <a:rPr lang="zh-CN" altLang="en-US" dirty="0" smtClean="0"/>
+              <a:t>函数复制？</a:t>
+            </a:r>
+            <a:r>
+              <a:rPr lang="en-US" altLang="zh-CN" dirty="0" smtClean="0"/>
+              <a:t>No </a:t>
+            </a:r>
+            <a:r>
+              <a:rPr lang="zh-CN" altLang="en-US" dirty="0" smtClean="0"/>
+              <a:t>函数无法复制</a:t>
+            </a:r>
+            <a:endParaRPr lang="en-US" altLang="zh-CN" dirty="0" smtClean="0"/>
+          </a:p>
+          <a:p>
+            <a:endParaRPr lang="en-US" altLang="zh-CN" dirty="0" smtClean="0"/>
+          </a:p>
+          <a:p>
+            <a:endParaRPr dirty="0"/>
+          </a:p>
+        </p:txBody>
+      </p:sp>
+    </p:spTree>
+  </p:cSld>
+  <p:clrMapOvr>
+    <a:masterClrMapping/>
+  </p:clrMapOvr>
+</p:sld>
+</file>
+
+<file path=ppt/slides/slide47.xml><?xml version="1.0" encoding="utf-8"?>
+<p:sld xmlns:a="http://schemas.openxmlformats.org/drawingml/2006/main" xmlns:r="http://schemas.openxmlformats.org/officeDocument/2006/relationships" xmlns:p="http://schemas.openxmlformats.org/presentationml/2006/main">
+  <p:cSld>
+    <p:spTree>
+      <p:nvGrpSpPr>
+        <p:cNvPr id="1" name=""/>
+        <p:cNvGrpSpPr/>
+        <p:nvPr/>
+      </p:nvGrpSpPr>
+      <p:grpSpPr>
+        <a:xfrm>
+          <a:off x="0" y="0"/>
+          <a:ext cx="0" cy="0"/>
+          <a:chOff x="0" y="0"/>
+          <a:chExt cx="0" cy="0"/>
+        </a:xfrm>
+      </p:grpSpPr>
+      <p:sp>
+        <p:nvSpPr>
+          <p:cNvPr id="2" name="标题 1"/>
+          <p:cNvSpPr>
+            <a:spLocks noGrp="1"/>
+          </p:cNvSpPr>
+          <p:nvPr>
+            <p:ph type="title"/>
+          </p:nvPr>
+        </p:nvSpPr>
+        <p:spPr/>
+        <p:txBody>
+          <a:bodyPr/>
+          <a:lstStyle/>
+          <a:p>
+            <a:r>
+              <a:rPr lang="zh-CN" altLang="en-US" dirty="0" smtClean="0"/>
+              <a:t>总结</a:t>
+            </a:r>
+            <a:endParaRPr lang="zh-CN" altLang="en-US" dirty="0"/>
+          </a:p>
+        </p:txBody>
+      </p:sp>
+      <p:sp>
+        <p:nvSpPr>
+          <p:cNvPr id="3" name="内容占位符 2"/>
+          <p:cNvSpPr>
+            <a:spLocks noGrp="1"/>
+          </p:cNvSpPr>
+          <p:nvPr>
+            <p:ph idx="1"/>
+          </p:nvPr>
+        </p:nvSpPr>
+        <p:spPr/>
+        <p:txBody>
+          <a:bodyPr/>
+          <a:lstStyle/>
+          <a:p>
+            <a:r>
+              <a:rPr lang="en-US" altLang="zh-CN" dirty="0" smtClean="0"/>
+              <a:t>LUA</a:t>
+            </a:r>
+            <a:r>
+              <a:rPr lang="zh-CN" altLang="en-US" dirty="0" smtClean="0"/>
+              <a:t>的主要功能特性</a:t>
+            </a:r>
+            <a:endParaRPr lang="en-US" altLang="zh-CN" dirty="0" smtClean="0"/>
+          </a:p>
+          <a:p>
+            <a:r>
+              <a:rPr lang="en-US" altLang="zh-CN" dirty="0" smtClean="0"/>
+              <a:t>CE</a:t>
+            </a:r>
+            <a:r>
+              <a:rPr lang="zh-CN" altLang="en-US" dirty="0" smtClean="0"/>
+              <a:t>使用</a:t>
             </a:r>
             <a:endParaRPr lang="zh-CN" altLang="en-US" dirty="0"/>
           </a:p>
@@ -7491,8 +9839,12 @@
           <a:lstStyle/>
           <a:p>
             <a:r>
-              <a:rPr lang="zh-CN" altLang="en-US" dirty="0" smtClean="0"/>
-              <a:t>数据配置</a:t>
+              <a:rPr lang="en-US" altLang="zh-CN" dirty="0" smtClean="0"/>
+              <a:t>LUA</a:t>
+            </a:r>
+            <a:r>
+              <a:rPr lang="zh-CN" altLang="en-US" dirty="0" smtClean="0"/>
+              <a:t>？游戏开发？</a:t>
             </a:r>
             <a:endParaRPr lang="zh-CN" altLang="en-US" dirty="0"/>
           </a:p>
@@ -7515,83 +9867,108 @@
           <a:p>
             <a:r>
               <a:rPr lang="zh-CN" altLang="en-US" dirty="0" smtClean="0"/>
-              <a:t>基于</a:t>
-            </a:r>
-            <a:r>
-              <a:rPr lang="en-US" altLang="zh-CN" dirty="0" smtClean="0"/>
-              <a:t>LUA</a:t>
-            </a:r>
-            <a:r>
-              <a:rPr lang="zh-CN" altLang="en-US" dirty="0" smtClean="0"/>
-              <a:t>制作</a:t>
-            </a:r>
-            <a:r>
-              <a:rPr lang="en-US" altLang="zh-CN" dirty="0" smtClean="0"/>
-              <a:t>UI</a:t>
-            </a:r>
-            <a:r>
-              <a:rPr lang="zh-CN" altLang="en-US" dirty="0" smtClean="0"/>
-              <a:t>库</a:t>
-            </a:r>
-            <a:endParaRPr lang="en-US" altLang="zh-CN" dirty="0" smtClean="0"/>
-          </a:p>
-          <a:p>
-            <a:r>
-              <a:rPr lang="en-US" altLang="zh-CN" dirty="0" smtClean="0"/>
-              <a:t>C,C++</a:t>
-            </a:r>
-            <a:r>
-              <a:rPr lang="zh-CN" altLang="en-US" dirty="0" smtClean="0"/>
-              <a:t>注册各种控件的创建，修改方法</a:t>
-            </a:r>
-            <a:endParaRPr lang="en-US" altLang="zh-CN" dirty="0" smtClean="0"/>
-          </a:p>
-          <a:p>
-            <a:r>
-              <a:rPr lang="en-US" altLang="zh-CN" dirty="0" smtClean="0"/>
-              <a:t>LUA</a:t>
-            </a:r>
-            <a:r>
-              <a:rPr lang="zh-CN" altLang="en-US" dirty="0" smtClean="0"/>
-              <a:t>中用</a:t>
-            </a:r>
-            <a:r>
-              <a:rPr lang="en-US" altLang="zh-CN" dirty="0" smtClean="0"/>
-              <a:t>table</a:t>
-            </a:r>
-            <a:r>
-              <a:rPr lang="zh-CN" altLang="en-US" dirty="0" smtClean="0"/>
-              <a:t>定义控件属性和布局</a:t>
-            </a:r>
-            <a:endParaRPr lang="en-US" altLang="zh-CN" dirty="0" smtClean="0"/>
-          </a:p>
-          <a:p>
-            <a:r>
-              <a:rPr lang="zh-CN" altLang="en-US" dirty="0" smtClean="0"/>
-              <a:t>加载</a:t>
-            </a:r>
-            <a:r>
-              <a:rPr lang="en-US" altLang="zh-CN" dirty="0" smtClean="0"/>
-              <a:t>LUA</a:t>
-            </a:r>
-            <a:r>
-              <a:rPr lang="zh-CN" altLang="en-US" dirty="0" smtClean="0"/>
-              <a:t>文件的过程中创建控件</a:t>
-            </a:r>
-            <a:endParaRPr lang="en-US" altLang="zh-CN" dirty="0" smtClean="0"/>
-          </a:p>
-          <a:p>
-            <a:r>
-              <a:rPr lang="zh-CN" altLang="en-US" dirty="0" smtClean="0"/>
-              <a:t>控件消息效应用</a:t>
-            </a:r>
-            <a:r>
-              <a:rPr lang="en-US" altLang="zh-CN" dirty="0" smtClean="0"/>
-              <a:t>LUA</a:t>
-            </a:r>
-            <a:r>
-              <a:rPr lang="zh-CN" altLang="en-US" dirty="0" smtClean="0"/>
-              <a:t>实现</a:t>
+              <a:t>制作一个游戏利用热加载快速验证玩法</a:t>
+            </a:r>
+            <a:endParaRPr lang="en-US" altLang="zh-CN" dirty="0" smtClean="0"/>
+          </a:p>
+          <a:p>
+            <a:r>
+              <a:rPr lang="zh-CN" altLang="en-US" dirty="0" smtClean="0"/>
+              <a:t>事件处理，游戏</a:t>
+            </a:r>
+            <a:r>
+              <a:rPr lang="en-US" altLang="zh-CN" dirty="0" smtClean="0"/>
+              <a:t>AI</a:t>
+            </a:r>
+            <a:r>
+              <a:rPr lang="zh-CN" altLang="en-US" dirty="0" smtClean="0"/>
+              <a:t>验证</a:t>
+            </a:r>
+            <a:endParaRPr lang="en-US" altLang="zh-CN" dirty="0" smtClean="0"/>
+          </a:p>
+          <a:p>
+            <a:pPr>
+              <a:buNone/>
+            </a:pPr>
+            <a:r>
+              <a:rPr lang="en-US" altLang="zh-CN" dirty="0" smtClean="0"/>
+              <a:t>	</a:t>
+            </a:r>
+            <a:r>
+              <a:rPr lang="zh-CN" altLang="en-US" dirty="0" smtClean="0"/>
+              <a:t>第一天：敌人听到枪声走到枪声附近</a:t>
+            </a:r>
+            <a:endParaRPr lang="en-US" altLang="zh-CN" dirty="0" smtClean="0"/>
+          </a:p>
+          <a:p>
+            <a:pPr>
+              <a:buNone/>
+            </a:pPr>
+            <a:r>
+              <a:rPr lang="en-US" altLang="zh-CN" dirty="0" smtClean="0"/>
+              <a:t>	</a:t>
+            </a:r>
+            <a:r>
+              <a:rPr lang="zh-CN" altLang="en-US" dirty="0" smtClean="0"/>
+              <a:t>第二天：敌人听到枪声向发声地扫射</a:t>
+            </a:r>
+            <a:endParaRPr lang="en-US" altLang="zh-CN" dirty="0" smtClean="0"/>
+          </a:p>
+          <a:p>
+            <a:pPr>
+              <a:buNone/>
+            </a:pPr>
+            <a:r>
+              <a:rPr lang="en-US" altLang="zh-CN" dirty="0" smtClean="0"/>
+              <a:t>	</a:t>
+            </a:r>
+            <a:r>
+              <a:rPr lang="zh-CN" altLang="en-US" dirty="0" smtClean="0"/>
+              <a:t>第三天：敌人</a:t>
+            </a:r>
+            <a:r>
+              <a:rPr lang="en-US" altLang="zh-CN" dirty="0" smtClean="0"/>
+              <a:t>…</a:t>
+            </a:r>
+            <a:r>
+              <a:rPr lang="zh-CN" altLang="en-US" dirty="0" smtClean="0"/>
+              <a:t>扔个手雷</a:t>
+            </a:r>
+            <a:endParaRPr lang="en-US" altLang="zh-CN" dirty="0" smtClean="0"/>
+          </a:p>
+          <a:p>
+            <a:pPr>
+              <a:buNone/>
+            </a:pPr>
+            <a:r>
+              <a:rPr lang="en-US" altLang="zh-CN" dirty="0" smtClean="0"/>
+              <a:t>	</a:t>
+            </a:r>
+            <a:r>
+              <a:rPr lang="zh-CN" altLang="en-US" dirty="0" smtClean="0"/>
+              <a:t>第四天：敌人</a:t>
+            </a:r>
+            <a:r>
+              <a:rPr lang="en-US" altLang="zh-CN" dirty="0" smtClean="0"/>
+              <a:t>…</a:t>
+            </a:r>
+            <a:r>
+              <a:rPr lang="zh-CN" altLang="en-US" dirty="0" smtClean="0"/>
+              <a:t>扔个手雷再走到附近</a:t>
+            </a:r>
+            <a:r>
+              <a:rPr lang="en-US" altLang="zh-CN" dirty="0" smtClean="0"/>
+              <a:t>…</a:t>
+            </a:r>
+          </a:p>
+          <a:p>
+            <a:r>
+              <a:rPr lang="zh-CN" altLang="en-US" dirty="0" smtClean="0"/>
+              <a:t>如果逻辑写在代码里，而且项目比较大</a:t>
+            </a:r>
+            <a:r>
+              <a:rPr lang="en-US" altLang="zh-CN" dirty="0" smtClean="0"/>
+              <a:t>…</a:t>
             </a:r>
             <a:endParaRPr lang="zh-CN" altLang="en-US" dirty="0"/>
           </a:p>
@@ -7638,117 +10015,70 @@
           <a:lstStyle/>
           <a:p>
             <a:r>
+              <a:rPr lang="zh-CN" altLang="en-US" dirty="0" smtClean="0"/>
+              <a:t>最新理由</a:t>
+            </a:r>
+            <a:endParaRPr lang="zh-CN" altLang="en-US" dirty="0"/>
+          </a:p>
+        </p:txBody>
+      </p:sp>
+      <p:sp>
+        <p:nvSpPr>
+          <p:cNvPr id="3" name="内容占位符 2"/>
+          <p:cNvSpPr>
+            <a:spLocks noGrp="1"/>
+          </p:cNvSpPr>
+          <p:nvPr>
+            <p:ph idx="1"/>
+          </p:nvPr>
+        </p:nvSpPr>
+        <p:spPr/>
+        <p:txBody>
+          <a:bodyPr/>
+          <a:lstStyle/>
+          <a:p>
+            <a:r>
+              <a:rPr lang="zh-CN" altLang="en-US" dirty="0" smtClean="0"/>
+              <a:t>手机游戏开发，如果一些逻辑写在</a:t>
+            </a:r>
+            <a:r>
               <a:rPr lang="en-US" altLang="zh-CN" dirty="0" smtClean="0"/>
               <a:t>LUA</a:t>
             </a:r>
             <a:r>
               <a:rPr lang="zh-CN" altLang="en-US" dirty="0" smtClean="0"/>
-              <a:t>与</a:t>
-            </a:r>
-            <a:r>
-              <a:rPr lang="en-US" altLang="zh-CN" dirty="0" smtClean="0"/>
-              <a:t>C++</a:t>
-            </a:r>
-            <a:r>
-              <a:rPr lang="zh-CN" altLang="en-US" dirty="0" smtClean="0"/>
-              <a:t>交互</a:t>
-            </a:r>
-            <a:endParaRPr lang="zh-CN" altLang="en-US" dirty="0"/>
-          </a:p>
-        </p:txBody>
-      </p:sp>
-      <p:sp>
-        <p:nvSpPr>
-          <p:cNvPr id="3" name="内容占位符 2"/>
-          <p:cNvSpPr>
-            <a:spLocks noGrp="1"/>
-          </p:cNvSpPr>
-          <p:nvPr>
-            <p:ph idx="1"/>
-          </p:nvPr>
-        </p:nvSpPr>
-        <p:spPr/>
-        <p:txBody>
-          <a:bodyPr/>
-          <a:lstStyle/>
-          <a:p>
-            <a:r>
-              <a:rPr lang="en-US" altLang="zh-CN" dirty="0" smtClean="0"/>
-              <a:t>C++</a:t>
-            </a:r>
-            <a:r>
-              <a:rPr lang="zh-CN" altLang="en-US" dirty="0" smtClean="0"/>
-              <a:t>调用</a:t>
-            </a:r>
-            <a:r>
-              <a:rPr lang="en-US" altLang="zh-CN" dirty="0" smtClean="0"/>
-              <a:t>LUA</a:t>
-            </a:r>
-            <a:r>
-              <a:rPr lang="zh-CN" altLang="en-US" dirty="0" smtClean="0"/>
-              <a:t>函数和</a:t>
-            </a:r>
-            <a:r>
-              <a:rPr lang="en-US" altLang="zh-CN" dirty="0" smtClean="0"/>
-              <a:t>LUA</a:t>
-            </a:r>
-            <a:r>
-              <a:rPr lang="zh-CN" altLang="en-US" dirty="0" smtClean="0"/>
-              <a:t>调用</a:t>
-            </a:r>
-            <a:r>
-              <a:rPr lang="en-US" altLang="zh-CN" dirty="0" smtClean="0"/>
-              <a:t>C++</a:t>
-            </a:r>
-            <a:r>
-              <a:rPr lang="zh-CN" altLang="en-US" dirty="0" smtClean="0"/>
-              <a:t>，都会使用栈进行交换</a:t>
-            </a:r>
-            <a:r>
-              <a:rPr lang="en-US" altLang="zh-CN" dirty="0" smtClean="0"/>
-              <a:t>,</a:t>
-            </a:r>
-            <a:r>
-              <a:rPr lang="zh-CN" altLang="en-US" dirty="0" smtClean="0"/>
-              <a:t>包括全局栈和调用栈</a:t>
-            </a:r>
-            <a:endParaRPr lang="en-US" altLang="zh-CN" dirty="0" smtClean="0"/>
-          </a:p>
-          <a:p>
-            <a:r>
-              <a:rPr lang="en-US" altLang="zh-CN" dirty="0" smtClean="0"/>
-              <a:t>C++</a:t>
-            </a:r>
-            <a:r>
-              <a:rPr lang="zh-CN" altLang="en-US" dirty="0" smtClean="0"/>
-              <a:t>调用</a:t>
-            </a:r>
-            <a:r>
-              <a:rPr lang="en-US" altLang="zh-CN" dirty="0" smtClean="0"/>
-              <a:t>LUA</a:t>
-            </a:r>
-            <a:r>
-              <a:rPr lang="zh-CN" altLang="en-US" dirty="0" smtClean="0"/>
-              <a:t>用的是全局栈</a:t>
-            </a:r>
-            <a:endParaRPr lang="en-US" altLang="zh-CN" dirty="0" smtClean="0"/>
-          </a:p>
-          <a:p>
-            <a:r>
-              <a:rPr lang="en-US" altLang="zh-CN" dirty="0" smtClean="0"/>
-              <a:t>LUA</a:t>
-            </a:r>
-            <a:r>
-              <a:rPr lang="zh-CN" altLang="en-US" dirty="0" smtClean="0"/>
-              <a:t>调用</a:t>
-            </a:r>
-            <a:r>
-              <a:rPr lang="en-US" altLang="zh-CN" dirty="0" smtClean="0"/>
-              <a:t>C++</a:t>
-            </a:r>
-            <a:r>
-              <a:rPr lang="zh-CN" altLang="en-US" dirty="0" smtClean="0"/>
-              <a:t>用的是函数调用私有的栈</a:t>
+              <a:t>内，可以动态实现逻辑部署</a:t>
+            </a:r>
+            <a:endParaRPr lang="en-US" altLang="zh-CN" dirty="0" smtClean="0"/>
+          </a:p>
+          <a:p>
+            <a:r>
+              <a:rPr lang="zh-CN" altLang="en-US" dirty="0" smtClean="0"/>
+              <a:t>写</a:t>
+            </a:r>
+            <a:r>
+              <a:rPr lang="zh-CN" altLang="en-US" dirty="0" smtClean="0"/>
+              <a:t>在代码内，更新整个</a:t>
+            </a:r>
+            <a:r>
+              <a:rPr lang="en-US" altLang="zh-CN" dirty="0" smtClean="0"/>
+              <a:t>APK</a:t>
+            </a:r>
+            <a:r>
+              <a:rPr lang="zh-CN" altLang="en-US" dirty="0" smtClean="0"/>
+              <a:t>，几十</a:t>
+            </a:r>
+            <a:r>
+              <a:rPr lang="en-US" altLang="zh-CN" dirty="0" smtClean="0"/>
+              <a:t>M</a:t>
+            </a:r>
+            <a:r>
+              <a:rPr lang="zh-CN" altLang="en-US" dirty="0" smtClean="0"/>
+              <a:t>流量没了，结果很可能是在同类产品中被无情的</a:t>
+            </a:r>
+            <a:r>
+              <a:rPr lang="en-US" altLang="zh-CN" dirty="0" smtClean="0"/>
+              <a:t>pass</a:t>
             </a:r>
             <a:endParaRPr lang="zh-CN" altLang="en-US" dirty="0"/>
           </a:p>
@@ -7763,6 +10093,333 @@
 </file>
 
 <file path=ppt/slides/slide7.xml><?xml version="1.0" encoding="utf-8"?>
+<p:sld xmlns:a="http://schemas.openxmlformats.org/drawingml/2006/main" xmlns:r="http://schemas.openxmlformats.org/officeDocument/2006/relationships" xmlns:p="http://schemas.openxmlformats.org/presentationml/2006/main">
+  <p:cSld>
+    <p:spTree>
+      <p:nvGrpSpPr>
+        <p:cNvPr id="1" name=""/>
+        <p:cNvGrpSpPr/>
+        <p:nvPr/>
+      </p:nvGrpSpPr>
+      <p:grpSpPr>
+        <a:xfrm>
+          <a:off x="0" y="0"/>
+          <a:ext cx="0" cy="0"/>
+          <a:chOff x="0" y="0"/>
+          <a:chExt cx="0" cy="0"/>
+        </a:xfrm>
+      </p:grpSpPr>
+      <p:sp>
+        <p:nvSpPr>
+          <p:cNvPr id="2" name="标题 1"/>
+          <p:cNvSpPr>
+            <a:spLocks noGrp="1"/>
+          </p:cNvSpPr>
+          <p:nvPr>
+            <p:ph type="title"/>
+          </p:nvPr>
+        </p:nvSpPr>
+        <p:spPr/>
+        <p:txBody>
+          <a:bodyPr/>
+          <a:lstStyle/>
+          <a:p>
+            <a:r>
+              <a:rPr lang="zh-CN" altLang="en-US" dirty="0" smtClean="0"/>
+              <a:t>数据配置</a:t>
+            </a:r>
+            <a:endParaRPr lang="zh-CN" altLang="en-US" dirty="0"/>
+          </a:p>
+        </p:txBody>
+      </p:sp>
+      <p:sp>
+        <p:nvSpPr>
+          <p:cNvPr id="3" name="内容占位符 2"/>
+          <p:cNvSpPr>
+            <a:spLocks noGrp="1"/>
+          </p:cNvSpPr>
+          <p:nvPr>
+            <p:ph idx="1"/>
+          </p:nvPr>
+        </p:nvSpPr>
+        <p:spPr/>
+        <p:txBody>
+          <a:bodyPr/>
+          <a:lstStyle/>
+          <a:p>
+            <a:r>
+              <a:rPr lang="zh-CN" altLang="en-US" dirty="0" smtClean="0"/>
+              <a:t>基于</a:t>
+            </a:r>
+            <a:r>
+              <a:rPr lang="en-US" altLang="zh-CN" dirty="0" smtClean="0"/>
+              <a:t>LUA</a:t>
+            </a:r>
+            <a:r>
+              <a:rPr lang="zh-CN" altLang="en-US" dirty="0" smtClean="0"/>
+              <a:t>制作</a:t>
+            </a:r>
+            <a:r>
+              <a:rPr lang="en-US" altLang="zh-CN" dirty="0" smtClean="0"/>
+              <a:t>UI</a:t>
+            </a:r>
+            <a:r>
+              <a:rPr lang="zh-CN" altLang="en-US" dirty="0" smtClean="0"/>
+              <a:t>库</a:t>
+            </a:r>
+            <a:endParaRPr lang="en-US" altLang="zh-CN" dirty="0" smtClean="0"/>
+          </a:p>
+          <a:p>
+            <a:r>
+              <a:rPr lang="en-US" altLang="zh-CN" dirty="0" smtClean="0"/>
+              <a:t>C,C++</a:t>
+            </a:r>
+            <a:r>
+              <a:rPr lang="zh-CN" altLang="en-US" dirty="0" smtClean="0"/>
+              <a:t>注册各种控件的创建，修改方法</a:t>
+            </a:r>
+            <a:endParaRPr lang="en-US" altLang="zh-CN" dirty="0" smtClean="0"/>
+          </a:p>
+          <a:p>
+            <a:r>
+              <a:rPr lang="en-US" altLang="zh-CN" dirty="0" smtClean="0"/>
+              <a:t>LUA</a:t>
+            </a:r>
+            <a:r>
+              <a:rPr lang="zh-CN" altLang="en-US" dirty="0" smtClean="0"/>
+              <a:t>中用</a:t>
+            </a:r>
+            <a:r>
+              <a:rPr lang="en-US" altLang="zh-CN" dirty="0" smtClean="0"/>
+              <a:t>table</a:t>
+            </a:r>
+            <a:r>
+              <a:rPr lang="zh-CN" altLang="en-US" dirty="0" smtClean="0"/>
+              <a:t>定义控件属性和布局</a:t>
+            </a:r>
+            <a:endParaRPr lang="en-US" altLang="zh-CN" dirty="0" smtClean="0"/>
+          </a:p>
+          <a:p>
+            <a:r>
+              <a:rPr lang="zh-CN" altLang="en-US" dirty="0" smtClean="0"/>
+              <a:t>加载</a:t>
+            </a:r>
+            <a:r>
+              <a:rPr lang="en-US" altLang="zh-CN" dirty="0" smtClean="0"/>
+              <a:t>LUA</a:t>
+            </a:r>
+            <a:r>
+              <a:rPr lang="zh-CN" altLang="en-US" dirty="0" smtClean="0"/>
+              <a:t>文件的过程中创建控件</a:t>
+            </a:r>
+            <a:endParaRPr lang="en-US" altLang="zh-CN" dirty="0" smtClean="0"/>
+          </a:p>
+          <a:p>
+            <a:r>
+              <a:rPr lang="zh-CN" altLang="en-US" dirty="0" smtClean="0"/>
+              <a:t>控件</a:t>
+            </a:r>
+            <a:r>
+              <a:rPr lang="zh-CN" altLang="en-US" dirty="0" smtClean="0"/>
+              <a:t>消息</a:t>
+            </a:r>
+            <a:r>
+              <a:rPr lang="zh-CN" altLang="en-US" dirty="0" smtClean="0"/>
+              <a:t>响应</a:t>
+            </a:r>
+            <a:r>
+              <a:rPr lang="zh-CN" altLang="en-US" dirty="0" smtClean="0"/>
+              <a:t>用</a:t>
+            </a:r>
+            <a:r>
+              <a:rPr lang="en-US" altLang="zh-CN" dirty="0" smtClean="0"/>
+              <a:t>LUA</a:t>
+            </a:r>
+            <a:r>
+              <a:rPr lang="zh-CN" altLang="en-US" dirty="0" smtClean="0"/>
+              <a:t>实现</a:t>
+            </a:r>
+            <a:endParaRPr lang="en-US" altLang="zh-CN" dirty="0" smtClean="0"/>
+          </a:p>
+          <a:p>
+            <a:r>
+              <a:rPr lang="en-US" altLang="zh-CN" dirty="0" smtClean="0"/>
+              <a:t>Debug</a:t>
+            </a:r>
+            <a:r>
+              <a:rPr lang="zh-CN" altLang="en-US" dirty="0" smtClean="0"/>
+              <a:t>窗口控件拖动</a:t>
+            </a:r>
+            <a:endParaRPr lang="zh-CN" altLang="en-US" dirty="0"/>
+          </a:p>
+        </p:txBody>
+      </p:sp>
+    </p:spTree>
+  </p:cSld>
+  <p:clrMapOvr>
+    <a:masterClrMapping/>
+  </p:clrMapOvr>
+</p:sld>
+</file>
+
+<file path=ppt/slides/slide8.xml><?xml version="1.0" encoding="utf-8"?>
+<p:sld xmlns:a="http://schemas.openxmlformats.org/drawingml/2006/main" xmlns:r="http://schemas.openxmlformats.org/officeDocument/2006/relationships" xmlns:p="http://schemas.openxmlformats.org/presentationml/2006/main">
+  <p:cSld>
+    <p:spTree>
+      <p:nvGrpSpPr>
+        <p:cNvPr id="1" name=""/>
+        <p:cNvGrpSpPr/>
+        <p:nvPr/>
+      </p:nvGrpSpPr>
+      <p:grpSpPr>
+        <a:xfrm>
+          <a:off x="0" y="0"/>
+          <a:ext cx="0" cy="0"/>
+          <a:chOff x="0" y="0"/>
+          <a:chExt cx="0" cy="0"/>
+        </a:xfrm>
+      </p:grpSpPr>
+      <p:sp>
+        <p:nvSpPr>
+          <p:cNvPr id="2" name="标题 1"/>
+          <p:cNvSpPr>
+            <a:spLocks noGrp="1"/>
+          </p:cNvSpPr>
+          <p:nvPr>
+            <p:ph type="title"/>
+          </p:nvPr>
+        </p:nvSpPr>
+        <p:spPr/>
+        <p:txBody>
+          <a:bodyPr/>
+          <a:lstStyle/>
+          <a:p>
+            <a:r>
+              <a:rPr lang="en-US" altLang="zh-CN" dirty="0" smtClean="0"/>
+              <a:t>LUA</a:t>
+            </a:r>
+            <a:r>
+              <a:rPr lang="zh-CN" altLang="en-US" dirty="0" smtClean="0"/>
+              <a:t>与</a:t>
+            </a:r>
+            <a:r>
+              <a:rPr lang="en-US" altLang="zh-CN" dirty="0" smtClean="0"/>
+              <a:t>C++</a:t>
+            </a:r>
+            <a:r>
+              <a:rPr lang="zh-CN" altLang="en-US" dirty="0" smtClean="0"/>
+              <a:t>交互</a:t>
+            </a:r>
+            <a:endParaRPr lang="zh-CN" altLang="en-US" dirty="0"/>
+          </a:p>
+        </p:txBody>
+      </p:sp>
+      <p:sp>
+        <p:nvSpPr>
+          <p:cNvPr id="3" name="内容占位符 2"/>
+          <p:cNvSpPr>
+            <a:spLocks noGrp="1"/>
+          </p:cNvSpPr>
+          <p:nvPr>
+            <p:ph idx="1"/>
+          </p:nvPr>
+        </p:nvSpPr>
+        <p:spPr/>
+        <p:txBody>
+          <a:bodyPr/>
+          <a:lstStyle/>
+          <a:p>
+            <a:r>
+              <a:rPr lang="en-US" altLang="zh-CN" dirty="0" smtClean="0"/>
+              <a:t>C++</a:t>
+            </a:r>
+            <a:r>
+              <a:rPr lang="zh-CN" altLang="en-US" dirty="0" smtClean="0"/>
+              <a:t>调用</a:t>
+            </a:r>
+            <a:r>
+              <a:rPr lang="en-US" altLang="zh-CN" dirty="0" smtClean="0"/>
+              <a:t>LUA</a:t>
+            </a:r>
+            <a:r>
+              <a:rPr lang="zh-CN" altLang="en-US" dirty="0" smtClean="0"/>
+              <a:t>函数和</a:t>
+            </a:r>
+            <a:r>
+              <a:rPr lang="en-US" altLang="zh-CN" dirty="0" smtClean="0"/>
+              <a:t>LUA</a:t>
+            </a:r>
+            <a:r>
+              <a:rPr lang="zh-CN" altLang="en-US" dirty="0" smtClean="0"/>
+              <a:t>调用</a:t>
+            </a:r>
+            <a:r>
+              <a:rPr lang="en-US" altLang="zh-CN" dirty="0" smtClean="0"/>
+              <a:t>C++</a:t>
+            </a:r>
+            <a:r>
+              <a:rPr lang="zh-CN" altLang="en-US" dirty="0" smtClean="0"/>
+              <a:t>，都会使用栈进行交换</a:t>
+            </a:r>
+            <a:r>
+              <a:rPr lang="en-US" altLang="zh-CN" dirty="0" smtClean="0"/>
+              <a:t>,</a:t>
+            </a:r>
+            <a:r>
+              <a:rPr lang="zh-CN" altLang="en-US" dirty="0" smtClean="0"/>
+              <a:t>包括全局栈和调用栈</a:t>
+            </a:r>
+            <a:endParaRPr lang="en-US" altLang="zh-CN" dirty="0" smtClean="0"/>
+          </a:p>
+          <a:p>
+            <a:r>
+              <a:rPr lang="en-US" altLang="zh-CN" dirty="0" smtClean="0"/>
+              <a:t>C++</a:t>
+            </a:r>
+            <a:r>
+              <a:rPr lang="zh-CN" altLang="en-US" dirty="0" smtClean="0"/>
+              <a:t>调用</a:t>
+            </a:r>
+            <a:r>
+              <a:rPr lang="en-US" altLang="zh-CN" dirty="0" smtClean="0"/>
+              <a:t>LUA</a:t>
+            </a:r>
+            <a:r>
+              <a:rPr lang="zh-CN" altLang="en-US" dirty="0" smtClean="0"/>
+              <a:t>用的是全局栈</a:t>
+            </a:r>
+            <a:endParaRPr lang="en-US" altLang="zh-CN" dirty="0" smtClean="0"/>
+          </a:p>
+          <a:p>
+            <a:r>
+              <a:rPr lang="en-US" altLang="zh-CN" dirty="0" smtClean="0"/>
+              <a:t>LUA</a:t>
+            </a:r>
+            <a:r>
+              <a:rPr lang="zh-CN" altLang="en-US" dirty="0" smtClean="0"/>
+              <a:t>调用</a:t>
+            </a:r>
+            <a:r>
+              <a:rPr lang="en-US" altLang="zh-CN" dirty="0" smtClean="0"/>
+              <a:t>C++</a:t>
+            </a:r>
+            <a:r>
+              <a:rPr lang="zh-CN" altLang="en-US" dirty="0" smtClean="0"/>
+              <a:t>用的是函数调用私有的栈</a:t>
+            </a:r>
+            <a:endParaRPr lang="zh-CN" altLang="en-US" dirty="0"/>
+          </a:p>
+        </p:txBody>
+      </p:sp>
+    </p:spTree>
+  </p:cSld>
+  <p:clrMapOvr>
+    <a:masterClrMapping/>
+  </p:clrMapOvr>
+</p:sld>
+</file>
+
+<file path=ppt/slides/slide9.xml><?xml version="1.0" encoding="utf-8"?>
 <p:sld xmlns:a="http://schemas.openxmlformats.org/drawingml/2006/main" xmlns:r="http://schemas.openxmlformats.org/officeDocument/2006/relationships" xmlns:p="http://schemas.openxmlformats.org/presentationml/2006/main">
   <p:cSld>
     <p:spTree>
@@ -7849,401 +10506,6 @@
           <a:effectLst/>
         </p:spPr>
       </p:pic>
-    </p:spTree>
-  </p:cSld>
-  <p:clrMapOvr>
-    <a:masterClrMapping/>
-  </p:clrMapOvr>
-</p:sld>
-</file>
-
-<file path=ppt/slides/slide8.xml><?xml version="1.0" encoding="utf-8"?>
-<p:sld xmlns:a="http://schemas.openxmlformats.org/drawingml/2006/main" xmlns:r="http://schemas.openxmlformats.org/officeDocument/2006/relationships" xmlns:p="http://schemas.openxmlformats.org/presentationml/2006/main">
-  <p:cSld>
-    <p:spTree>
-      <p:nvGrpSpPr>
-        <p:cNvPr id="1" name=""/>
-        <p:cNvGrpSpPr/>
-        <p:nvPr/>
-      </p:nvGrpSpPr>
-      <p:grpSpPr>
-        <a:xfrm>
-          <a:off x="0" y="0"/>
-          <a:ext cx="0" cy="0"/>
-          <a:chOff x="0" y="0"/>
-          <a:chExt cx="0" cy="0"/>
-        </a:xfrm>
-      </p:grpSpPr>
-      <p:sp>
-        <p:nvSpPr>
-          <p:cNvPr id="2" name="标题 1"/>
-          <p:cNvSpPr>
-            <a:spLocks noGrp="1"/>
-          </p:cNvSpPr>
-          <p:nvPr>
-            <p:ph type="title"/>
-          </p:nvPr>
-        </p:nvSpPr>
-        <p:spPr/>
-        <p:txBody>
-          <a:bodyPr/>
-          <a:lstStyle/>
-          <a:p>
-            <a:r>
-              <a:rPr lang="en-US" altLang="zh-CN" dirty="0" smtClean="0"/>
-              <a:t>C++</a:t>
-            </a:r>
-            <a:r>
-              <a:rPr lang="zh-CN" altLang="en-US" dirty="0" smtClean="0"/>
-              <a:t>调用</a:t>
-            </a:r>
-            <a:r>
-              <a:rPr lang="en-US" altLang="zh-CN" dirty="0" smtClean="0"/>
-              <a:t>LUA</a:t>
-            </a:r>
-            <a:endParaRPr lang="zh-CN" altLang="en-US" dirty="0"/>
-          </a:p>
-        </p:txBody>
-      </p:sp>
-      <p:sp>
-        <p:nvSpPr>
-          <p:cNvPr id="3" name="内容占位符 2"/>
-          <p:cNvSpPr>
-            <a:spLocks noGrp="1"/>
-          </p:cNvSpPr>
-          <p:nvPr>
-            <p:ph idx="1"/>
-          </p:nvPr>
-        </p:nvSpPr>
-        <p:spPr/>
-        <p:txBody>
-          <a:bodyPr/>
-          <a:lstStyle/>
-          <a:p>
-            <a:r>
-              <a:rPr lang="en-US" altLang="zh-CN" dirty="0" smtClean="0"/>
-              <a:t>Test.lua</a:t>
-            </a:r>
-          </a:p>
-          <a:p>
-            <a:pPr>
-              <a:buNone/>
-            </a:pPr>
-            <a:r>
-              <a:rPr lang="en-US" altLang="zh-CN" dirty="0" smtClean="0"/>
-              <a:t>	function add (</a:t>
-            </a:r>
-            <a:r>
-              <a:rPr lang="en-US" altLang="zh-CN" dirty="0" err="1" smtClean="0"/>
-              <a:t>a,b</a:t>
-            </a:r>
-            <a:r>
-              <a:rPr lang="en-US" altLang="zh-CN" dirty="0" smtClean="0"/>
-              <a:t>)</a:t>
-            </a:r>
-          </a:p>
-          <a:p>
-            <a:pPr>
-              <a:buNone/>
-            </a:pPr>
-            <a:r>
-              <a:rPr lang="en-US" altLang="zh-CN" dirty="0" smtClean="0"/>
-              <a:t>        return </a:t>
-            </a:r>
-            <a:r>
-              <a:rPr lang="en-US" altLang="zh-CN" dirty="0" err="1" smtClean="0"/>
-              <a:t>a+b</a:t>
-            </a:r>
-            <a:r>
-              <a:rPr lang="en-US" altLang="zh-CN" dirty="0" smtClean="0"/>
-              <a:t>;</a:t>
-            </a:r>
-          </a:p>
-          <a:p>
-            <a:pPr>
-              <a:buNone/>
-            </a:pPr>
-            <a:r>
-              <a:rPr lang="en-US" altLang="zh-CN" dirty="0" smtClean="0"/>
-              <a:t>	end</a:t>
-            </a:r>
-          </a:p>
-          <a:p>
-            <a:pPr>
-              <a:buNone/>
-            </a:pPr>
-            <a:endParaRPr lang="en-US" altLang="zh-CN" dirty="0" smtClean="0"/>
-          </a:p>
-          <a:p>
-            <a:pPr>
-              <a:buNone/>
-            </a:pPr>
-            <a:endParaRPr lang="en-US" altLang="zh-CN" dirty="0" smtClean="0"/>
-          </a:p>
-        </p:txBody>
-      </p:sp>
-    </p:spTree>
-  </p:cSld>
-  <p:clrMapOvr>
-    <a:masterClrMapping/>
-  </p:clrMapOvr>
-</p:sld>
-</file>
-
-<file path=ppt/slides/slide9.xml><?xml version="1.0" encoding="utf-8"?>
-<p:sld xmlns:a="http://schemas.openxmlformats.org/drawingml/2006/main" xmlns:r="http://schemas.openxmlformats.org/officeDocument/2006/relationships" xmlns:p="http://schemas.openxmlformats.org/presentationml/2006/main">
-  <p:cSld>
-    <p:spTree>
-      <p:nvGrpSpPr>
-        <p:cNvPr id="1" name=""/>
-        <p:cNvGrpSpPr/>
-        <p:nvPr/>
-      </p:nvGrpSpPr>
-      <p:grpSpPr>
-        <a:xfrm>
-          <a:off x="0" y="0"/>
-          <a:ext cx="0" cy="0"/>
-          <a:chOff x="0" y="0"/>
-          <a:chExt cx="0" cy="0"/>
-        </a:xfrm>
-      </p:grpSpPr>
-      <p:sp>
-        <p:nvSpPr>
-          <p:cNvPr id="2" name="标题 1"/>
-          <p:cNvSpPr>
-            <a:spLocks noGrp="1"/>
-          </p:cNvSpPr>
-          <p:nvPr>
-            <p:ph type="title"/>
-          </p:nvPr>
-        </p:nvSpPr>
-        <p:spPr/>
-        <p:txBody>
-          <a:bodyPr/>
-          <a:lstStyle/>
-          <a:p>
-            <a:r>
-              <a:rPr lang="en-US" altLang="zh-CN" dirty="0" smtClean="0"/>
-              <a:t>C++</a:t>
-            </a:r>
-            <a:r>
-              <a:rPr lang="zh-CN" altLang="en-US" dirty="0" smtClean="0"/>
-              <a:t>调用</a:t>
-            </a:r>
-            <a:r>
-              <a:rPr lang="en-US" altLang="zh-CN" dirty="0" smtClean="0"/>
-              <a:t>LUA</a:t>
-            </a:r>
-            <a:endParaRPr lang="zh-CN" altLang="en-US" dirty="0"/>
-          </a:p>
-        </p:txBody>
-      </p:sp>
-      <p:sp>
-        <p:nvSpPr>
-          <p:cNvPr id="3" name="内容占位符 2"/>
-          <p:cNvSpPr>
-            <a:spLocks noGrp="1"/>
-          </p:cNvSpPr>
-          <p:nvPr>
-            <p:ph idx="1"/>
-          </p:nvPr>
-        </p:nvSpPr>
-        <p:spPr>
-          <a:xfrm>
-            <a:off x="457200" y="1428736"/>
-            <a:ext cx="8229600" cy="5214974"/>
-          </a:xfrm>
-        </p:spPr>
-        <p:txBody>
-          <a:bodyPr>
-            <a:normAutofit fontScale="47500" lnSpcReduction="20000"/>
-          </a:bodyPr>
-          <a:lstStyle/>
-          <a:p>
-            <a:r>
-              <a:rPr lang="en-US" altLang="zh-CN" sz="7000" dirty="0" smtClean="0"/>
-              <a:t>LUATest.cpp</a:t>
-            </a:r>
-          </a:p>
-          <a:p>
-            <a:pPr>
-              <a:buNone/>
-            </a:pPr>
-            <a:r>
-              <a:rPr lang="en-US" altLang="zh-CN" sz="7000" dirty="0" smtClean="0"/>
-              <a:t>	</a:t>
-            </a:r>
-            <a:r>
-              <a:rPr lang="en-US" sz="7000" dirty="0" err="1" smtClean="0"/>
-              <a:t>lua_State</a:t>
-            </a:r>
-            <a:r>
-              <a:rPr lang="en-US" sz="7000" dirty="0" smtClean="0"/>
-              <a:t>* L = </a:t>
-            </a:r>
-            <a:r>
-              <a:rPr lang="en-US" sz="7000" dirty="0" err="1" smtClean="0"/>
-              <a:t>lua_open</a:t>
-            </a:r>
-            <a:r>
-              <a:rPr lang="en-US" sz="7000" dirty="0" smtClean="0"/>
-              <a:t>();  </a:t>
-            </a:r>
-          </a:p>
-          <a:p>
-            <a:pPr>
-              <a:buNone/>
-            </a:pPr>
-            <a:r>
-              <a:rPr lang="en-US" altLang="zh-CN" sz="7000" dirty="0" smtClean="0"/>
-              <a:t>	</a:t>
-            </a:r>
-            <a:r>
-              <a:rPr lang="en-US" sz="7000" dirty="0" err="1" smtClean="0"/>
-              <a:t>luaL_dofile</a:t>
-            </a:r>
-            <a:r>
-              <a:rPr lang="en-US" sz="7000" dirty="0" smtClean="0"/>
-              <a:t>(L, ”Test.lua”);  </a:t>
-            </a:r>
-          </a:p>
-          <a:p>
-            <a:pPr>
-              <a:buNone/>
-            </a:pPr>
-            <a:r>
-              <a:rPr lang="en-US" sz="7000" dirty="0" smtClean="0"/>
-              <a:t>	</a:t>
-            </a:r>
-            <a:r>
-              <a:rPr lang="en-US" sz="7000" dirty="0" err="1" smtClean="0"/>
-              <a:t>lua_getglobal</a:t>
-            </a:r>
-            <a:r>
-              <a:rPr lang="en-US" sz="7000" dirty="0" smtClean="0"/>
-              <a:t>(L, “add");  </a:t>
-            </a:r>
-          </a:p>
-          <a:p>
-            <a:pPr>
-              <a:buNone/>
-            </a:pPr>
-            <a:r>
-              <a:rPr lang="en-US" sz="7000" dirty="0" smtClean="0"/>
-              <a:t>	</a:t>
-            </a:r>
-            <a:r>
-              <a:rPr lang="en-US" sz="7000" dirty="0" err="1" smtClean="0"/>
-              <a:t>lua_pushnumber</a:t>
-            </a:r>
-            <a:r>
-              <a:rPr lang="en-US" sz="7000" dirty="0" smtClean="0"/>
-              <a:t>(L, 2.0);</a:t>
-            </a:r>
-          </a:p>
-          <a:p>
-            <a:pPr>
-              <a:buNone/>
-            </a:pPr>
-            <a:r>
-              <a:rPr lang="en-US" sz="7000" dirty="0" smtClean="0"/>
-              <a:t>	</a:t>
-            </a:r>
-            <a:r>
-              <a:rPr lang="en-US" sz="7000" dirty="0" err="1" smtClean="0"/>
-              <a:t>lua_pushnumber</a:t>
-            </a:r>
-            <a:r>
-              <a:rPr lang="en-US" sz="7000" dirty="0" smtClean="0"/>
-              <a:t>(L,1.0);</a:t>
-            </a:r>
-          </a:p>
-          <a:p>
-            <a:pPr>
-              <a:buNone/>
-            </a:pPr>
-            <a:r>
-              <a:rPr lang="en-US" altLang="zh-CN" sz="7000" dirty="0" smtClean="0"/>
-              <a:t>    if</a:t>
-            </a:r>
-            <a:r>
-              <a:rPr lang="en-US" sz="7000" dirty="0" smtClean="0"/>
-              <a:t> (0 != </a:t>
-            </a:r>
-            <a:r>
-              <a:rPr lang="en-US" sz="7000" dirty="0" err="1" smtClean="0"/>
-              <a:t>lua_pcall</a:t>
-            </a:r>
-            <a:r>
-              <a:rPr lang="en-US" sz="7000" dirty="0" smtClean="0"/>
-              <a:t>(L, 2, 1, 0))   { </a:t>
-            </a:r>
-            <a:r>
-              <a:rPr lang="en-US" sz="7000" dirty="0" err="1" smtClean="0"/>
-              <a:t>lua_pop</a:t>
-            </a:r>
-            <a:r>
-              <a:rPr lang="en-US" sz="7000" dirty="0" smtClean="0"/>
-              <a:t>(L,1);}</a:t>
-            </a:r>
-          </a:p>
-          <a:p>
-            <a:pPr>
-              <a:buNone/>
-            </a:pPr>
-            <a:r>
-              <a:rPr lang="en-US" sz="7000" dirty="0" smtClean="0"/>
-              <a:t>	float  result = </a:t>
-            </a:r>
-            <a:r>
-              <a:rPr lang="en-US" sz="7000" dirty="0" err="1" smtClean="0"/>
-              <a:t>lua_tonumber</a:t>
-            </a:r>
-            <a:r>
-              <a:rPr lang="en-US" sz="7000" dirty="0" smtClean="0"/>
-              <a:t>(L, -1);  </a:t>
-            </a:r>
-          </a:p>
-          <a:p>
-            <a:pPr>
-              <a:buNone/>
-            </a:pPr>
-            <a:r>
-              <a:rPr lang="en-US" sz="7000" dirty="0" smtClean="0"/>
-              <a:t>	</a:t>
-            </a:r>
-            <a:r>
-              <a:rPr lang="en-US" sz="7000" dirty="0" err="1" smtClean="0"/>
-              <a:t>lua_pop</a:t>
-            </a:r>
-            <a:r>
-              <a:rPr lang="en-US" sz="7000" dirty="0" smtClean="0"/>
-              <a:t>(L, 1);  </a:t>
-            </a:r>
-          </a:p>
-          <a:p>
-            <a:pPr>
-              <a:buNone/>
-            </a:pPr>
-            <a:endParaRPr lang="en-US" dirty="0" smtClean="0"/>
-          </a:p>
-          <a:p>
-            <a:pPr>
-              <a:buNone/>
-            </a:pPr>
-            <a:r>
-              <a:rPr lang="en-US" altLang="zh-CN" dirty="0" smtClean="0"/>
-              <a:t>	</a:t>
-            </a:r>
-          </a:p>
-          <a:p>
-            <a:pPr>
-              <a:buNone/>
-            </a:pPr>
-            <a:endParaRPr lang="en-US" altLang="zh-CN" dirty="0" smtClean="0"/>
-          </a:p>
-        </p:txBody>
-      </p:sp>
     </p:spTree>
   </p:cSld>
   <p:clrMapOvr>

--- a/lua1.pptx
+++ b/lua1.pptx
@@ -46,12 +46,13 @@
     <p:sldId id="270" r:id="rId40"/>
     <p:sldId id="315" r:id="rId41"/>
     <p:sldId id="316" r:id="rId42"/>
-    <p:sldId id="317" r:id="rId43"/>
-    <p:sldId id="319" r:id="rId44"/>
-    <p:sldId id="285" r:id="rId45"/>
-    <p:sldId id="284" r:id="rId46"/>
-    <p:sldId id="286" r:id="rId47"/>
-    <p:sldId id="318" r:id="rId48"/>
+    <p:sldId id="320" r:id="rId43"/>
+    <p:sldId id="317" r:id="rId44"/>
+    <p:sldId id="319" r:id="rId45"/>
+    <p:sldId id="285" r:id="rId46"/>
+    <p:sldId id="284" r:id="rId47"/>
+    <p:sldId id="286" r:id="rId48"/>
+    <p:sldId id="318" r:id="rId49"/>
   </p:sldIdLst>
   <p:sldSz cx="9144000" cy="6858000" type="screen4x3"/>
   <p:notesSz cx="6858000" cy="9144000"/>
@@ -335,7 +336,7 @@
             <a:fld id="{530820CF-B880-4189-942D-D702A7CBA730}" type="datetimeFigureOut">
               <a:rPr lang="zh-CN" altLang="en-US" smtClean="0"/>
               <a:pPr/>
-              <a:t>2014/8/22</a:t>
+              <a:t>2014/8/24</a:t>
             </a:fld>
             <a:endParaRPr lang="zh-CN" altLang="en-US"/>
           </a:p>
@@ -502,7 +503,7 @@
             <a:fld id="{530820CF-B880-4189-942D-D702A7CBA730}" type="datetimeFigureOut">
               <a:rPr lang="zh-CN" altLang="en-US" smtClean="0"/>
               <a:pPr/>
-              <a:t>2014/8/22</a:t>
+              <a:t>2014/8/24</a:t>
             </a:fld>
             <a:endParaRPr lang="zh-CN" altLang="en-US"/>
           </a:p>
@@ -679,7 +680,7 @@
             <a:fld id="{530820CF-B880-4189-942D-D702A7CBA730}" type="datetimeFigureOut">
               <a:rPr lang="zh-CN" altLang="en-US" smtClean="0"/>
               <a:pPr/>
-              <a:t>2014/8/22</a:t>
+              <a:t>2014/8/24</a:t>
             </a:fld>
             <a:endParaRPr lang="zh-CN" altLang="en-US"/>
           </a:p>
@@ -846,7 +847,7 @@
             <a:fld id="{530820CF-B880-4189-942D-D702A7CBA730}" type="datetimeFigureOut">
               <a:rPr lang="zh-CN" altLang="en-US" smtClean="0"/>
               <a:pPr/>
-              <a:t>2014/8/22</a:t>
+              <a:t>2014/8/24</a:t>
             </a:fld>
             <a:endParaRPr lang="zh-CN" altLang="en-US"/>
           </a:p>
@@ -1089,7 +1090,7 @@
             <a:fld id="{530820CF-B880-4189-942D-D702A7CBA730}" type="datetimeFigureOut">
               <a:rPr lang="zh-CN" altLang="en-US" smtClean="0"/>
               <a:pPr/>
-              <a:t>2014/8/22</a:t>
+              <a:t>2014/8/24</a:t>
             </a:fld>
             <a:endParaRPr lang="zh-CN" altLang="en-US"/>
           </a:p>
@@ -1374,7 +1375,7 @@
             <a:fld id="{530820CF-B880-4189-942D-D702A7CBA730}" type="datetimeFigureOut">
               <a:rPr lang="zh-CN" altLang="en-US" smtClean="0"/>
               <a:pPr/>
-              <a:t>2014/8/22</a:t>
+              <a:t>2014/8/24</a:t>
             </a:fld>
             <a:endParaRPr lang="zh-CN" altLang="en-US"/>
           </a:p>
@@ -1793,7 +1794,7 @@
             <a:fld id="{530820CF-B880-4189-942D-D702A7CBA730}" type="datetimeFigureOut">
               <a:rPr lang="zh-CN" altLang="en-US" smtClean="0"/>
               <a:pPr/>
-              <a:t>2014/8/22</a:t>
+              <a:t>2014/8/24</a:t>
             </a:fld>
             <a:endParaRPr lang="zh-CN" altLang="en-US"/>
           </a:p>
@@ -1908,7 +1909,7 @@
             <a:fld id="{530820CF-B880-4189-942D-D702A7CBA730}" type="datetimeFigureOut">
               <a:rPr lang="zh-CN" altLang="en-US" smtClean="0"/>
               <a:pPr/>
-              <a:t>2014/8/22</a:t>
+              <a:t>2014/8/24</a:t>
             </a:fld>
             <a:endParaRPr lang="zh-CN" altLang="en-US"/>
           </a:p>
@@ -2000,7 +2001,7 @@
             <a:fld id="{530820CF-B880-4189-942D-D702A7CBA730}" type="datetimeFigureOut">
               <a:rPr lang="zh-CN" altLang="en-US" smtClean="0"/>
               <a:pPr/>
-              <a:t>2014/8/22</a:t>
+              <a:t>2014/8/24</a:t>
             </a:fld>
             <a:endParaRPr lang="zh-CN" altLang="en-US"/>
           </a:p>
@@ -2274,7 +2275,7 @@
             <a:fld id="{530820CF-B880-4189-942D-D702A7CBA730}" type="datetimeFigureOut">
               <a:rPr lang="zh-CN" altLang="en-US" smtClean="0"/>
               <a:pPr/>
-              <a:t>2014/8/22</a:t>
+              <a:t>2014/8/24</a:t>
             </a:fld>
             <a:endParaRPr lang="zh-CN" altLang="en-US"/>
           </a:p>
@@ -2524,7 +2525,7 @@
             <a:fld id="{530820CF-B880-4189-942D-D702A7CBA730}" type="datetimeFigureOut">
               <a:rPr lang="zh-CN" altLang="en-US" smtClean="0"/>
               <a:pPr/>
-              <a:t>2014/8/22</a:t>
+              <a:t>2014/8/24</a:t>
             </a:fld>
             <a:endParaRPr lang="zh-CN" altLang="en-US"/>
           </a:p>
@@ -2734,7 +2735,7 @@
             <a:fld id="{530820CF-B880-4189-942D-D702A7CBA730}" type="datetimeFigureOut">
               <a:rPr lang="zh-CN" altLang="en-US" smtClean="0"/>
               <a:pPr/>
-              <a:t>2014/8/22</a:t>
+              <a:t>2014/8/24</a:t>
             </a:fld>
             <a:endParaRPr lang="zh-CN" altLang="en-US"/>
           </a:p>
@@ -4284,11 +4285,7 @@
           <a:p>
             <a:r>
               <a:rPr lang="en-US" altLang="zh-CN" dirty="0" err="1" smtClean="0"/>
-              <a:t>M</a:t>
-            </a:r>
-            <a:r>
-              <a:rPr lang="en-US" altLang="zh-CN" dirty="0" err="1" smtClean="0"/>
-              <a:t>etatable</a:t>
+              <a:t>Metatable</a:t>
             </a:r>
             <a:endParaRPr lang="zh-CN" altLang="en-US" dirty="0"/>
           </a:p>
@@ -4374,11 +4371,7 @@
             </a:r>
             <a:r>
               <a:rPr lang="zh-CN" altLang="en-US" dirty="0" smtClean="0"/>
-              <a:t>中去</a:t>
-            </a:r>
-            <a:r>
-              <a:rPr lang="zh-CN" altLang="en-US" dirty="0" smtClean="0"/>
-              <a:t>查找</a:t>
+              <a:t>中去查找</a:t>
             </a:r>
             <a:endParaRPr lang="en-US" altLang="zh-CN" dirty="0" smtClean="0"/>
           </a:p>
@@ -4602,11 +4595,7 @@
             </a:r>
             <a:r>
               <a:rPr lang="en-US" altLang="zh-CN" dirty="0" smtClean="0"/>
-              <a:t> </a:t>
-            </a:r>
-            <a:r>
-              <a:rPr lang="en-US" altLang="zh-CN" dirty="0" smtClean="0"/>
-              <a:t>= {x=0, y=0, width=100, height=100, } </a:t>
+              <a:t> = {x=0, y=0, width=100, height=100, } </a:t>
             </a:r>
           </a:p>
           <a:p>
@@ -4615,11 +4604,7 @@
             </a:pPr>
             <a:r>
               <a:rPr lang="en-US" altLang="zh-CN" dirty="0" smtClean="0"/>
-              <a:t>    Window.mt </a:t>
-            </a:r>
-            <a:r>
-              <a:rPr lang="en-US" altLang="zh-CN" dirty="0" smtClean="0"/>
-              <a:t>= {} </a:t>
+              <a:t>    Window.mt = {} </a:t>
             </a:r>
           </a:p>
           <a:p>
@@ -4653,11 +4638,7 @@
             </a:r>
             <a:r>
               <a:rPr lang="en-US" altLang="zh-CN" dirty="0" smtClean="0"/>
-              <a:t>(o</a:t>
-            </a:r>
-            <a:r>
-              <a:rPr lang="en-US" altLang="zh-CN" dirty="0" smtClean="0"/>
-              <a:t>, Window.mt) </a:t>
+              <a:t>(o, Window.mt) </a:t>
             </a:r>
           </a:p>
           <a:p>
@@ -4666,11 +4647,7 @@
             </a:pPr>
             <a:r>
               <a:rPr lang="en-US" altLang="zh-CN" dirty="0" smtClean="0"/>
-              <a:t>		return </a:t>
-            </a:r>
-            <a:r>
-              <a:rPr lang="en-US" altLang="zh-CN" dirty="0" smtClean="0"/>
-              <a:t>o </a:t>
+              <a:t>		return o </a:t>
             </a:r>
           </a:p>
           <a:p>
@@ -4920,11 +4897,7 @@
             </a:pPr>
             <a:r>
               <a:rPr lang="en-US" altLang="zh-CN" dirty="0" smtClean="0"/>
-              <a:t>	w </a:t>
-            </a:r>
-            <a:r>
-              <a:rPr lang="en-US" altLang="zh-CN" dirty="0" smtClean="0"/>
-              <a:t>= </a:t>
+              <a:t>	w = </a:t>
             </a:r>
             <a:r>
               <a:rPr lang="en-US" altLang="zh-CN" dirty="0" err="1" smtClean="0"/>
@@ -5149,11 +5122,7 @@
           <a:p>
             <a:r>
               <a:rPr lang="zh-CN" altLang="en-US" dirty="0" smtClean="0"/>
-              <a:t>本质</a:t>
-            </a:r>
-            <a:r>
-              <a:rPr lang="zh-CN" altLang="en-US" dirty="0" smtClean="0"/>
-              <a:t>上是提供在</a:t>
+              <a:t>本质上是提供在</a:t>
             </a:r>
             <a:r>
               <a:rPr lang="en-US" altLang="zh-CN" dirty="0" smtClean="0"/>
@@ -5217,11 +5186,7 @@
           <a:p>
             <a:r>
               <a:rPr lang="en-US" altLang="zh-CN" dirty="0" err="1" smtClean="0"/>
-              <a:t>u</a:t>
-            </a:r>
-            <a:r>
-              <a:rPr lang="en-US" altLang="zh-CN" dirty="0" err="1" smtClean="0"/>
-              <a:t>serdata</a:t>
+              <a:t>userdata</a:t>
             </a:r>
             <a:r>
               <a:rPr lang="zh-CN" altLang="en-US" dirty="0" smtClean="0"/>
@@ -5546,11 +5511,7 @@
             </a:pPr>
             <a:r>
               <a:rPr lang="en-US" altLang="zh-CN" dirty="0" smtClean="0"/>
-              <a:t>	</a:t>
-            </a:r>
-            <a:r>
-              <a:rPr lang="en-US" altLang="zh-CN" dirty="0" smtClean="0"/>
-              <a:t>   float b = </a:t>
+              <a:t>	   float b = </a:t>
             </a:r>
             <a:r>
               <a:rPr lang="en-US" altLang="zh-CN" dirty="0" err="1" smtClean="0"/>
@@ -5615,11 +5576,7 @@
           <a:p>
             <a:r>
               <a:rPr lang="en-US" altLang="zh-CN" dirty="0" err="1" smtClean="0"/>
-              <a:t>u</a:t>
-            </a:r>
-            <a:r>
-              <a:rPr lang="en-US" altLang="zh-CN" dirty="0" err="1" smtClean="0"/>
-              <a:t>serdata</a:t>
+              <a:t>userdata</a:t>
             </a:r>
             <a:r>
               <a:rPr lang="zh-CN" altLang="en-US" dirty="0" smtClean="0"/>
@@ -5648,11 +5605,7 @@
           <a:p>
             <a:r>
               <a:rPr lang="en-US" altLang="zh-CN" dirty="0" err="1" smtClean="0"/>
-              <a:t>u</a:t>
-            </a:r>
-            <a:r>
-              <a:rPr lang="en-US" altLang="zh-CN" dirty="0" err="1" smtClean="0"/>
-              <a:t>serdata</a:t>
+              <a:t>userdata</a:t>
             </a:r>
             <a:r>
               <a:rPr lang="zh-CN" altLang="en-US" dirty="0" smtClean="0"/>
@@ -5827,11 +5780,7 @@
           <a:p>
             <a:r>
               <a:rPr lang="en-US" altLang="zh-CN" dirty="0" err="1" smtClean="0"/>
-              <a:t>i</a:t>
-            </a:r>
-            <a:r>
-              <a:rPr lang="en-US" altLang="zh-CN" dirty="0" err="1" smtClean="0"/>
-              <a:t>nt</a:t>
+              <a:t>int</a:t>
             </a:r>
             <a:r>
               <a:rPr lang="en-US" altLang="zh-CN" dirty="0" smtClean="0"/>
@@ -5843,11 +5792,7 @@
             </a:r>
             <a:r>
               <a:rPr lang="en-US" altLang="zh-CN" dirty="0" smtClean="0"/>
-              <a:t>*L</a:t>
-            </a:r>
-            <a:r>
-              <a:rPr lang="en-US" altLang="zh-CN" dirty="0" smtClean="0"/>
-              <a:t>)</a:t>
+              <a:t>*L)</a:t>
             </a:r>
           </a:p>
           <a:p>
@@ -5858,7 +5803,6 @@
               <a:rPr lang="en-US" altLang="zh-CN" dirty="0" smtClean="0"/>
               <a:t>	{   </a:t>
             </a:r>
-            <a:endParaRPr lang="en-US" altLang="zh-CN" dirty="0" smtClean="0"/>
           </a:p>
           <a:p>
             <a:pPr>
@@ -5870,15 +5814,7 @@
             </a:r>
             <a:r>
               <a:rPr lang="zh-CN" altLang="en-US" dirty="0" smtClean="0"/>
-              <a:t>取参数并且创建</a:t>
-            </a:r>
-            <a:r>
-              <a:rPr lang="zh-CN" altLang="en-US" dirty="0" smtClean="0"/>
-              <a:t>一</a:t>
-            </a:r>
-            <a:r>
-              <a:rPr lang="zh-CN" altLang="en-US" dirty="0" smtClean="0"/>
-              <a:t>个</a:t>
+              <a:t>取参数并且创建一个</a:t>
             </a:r>
             <a:r>
               <a:rPr lang="en-US" altLang="zh-CN" dirty="0" smtClean="0"/>
@@ -5900,11 +5836,7 @@
             </a:pPr>
             <a:r>
               <a:rPr lang="en-US" altLang="zh-CN" dirty="0" smtClean="0"/>
-              <a:t>	</a:t>
-            </a:r>
-            <a:r>
-              <a:rPr lang="en-US" altLang="zh-CN" dirty="0" smtClean="0"/>
-              <a:t>	//</a:t>
+              <a:t>		//</a:t>
             </a:r>
             <a:r>
               <a:rPr lang="zh-CN" altLang="en-US" dirty="0" smtClean="0"/>
@@ -5938,11 +5870,7 @@
             </a:pPr>
             <a:r>
               <a:rPr lang="en-US" altLang="zh-CN" dirty="0" smtClean="0"/>
-              <a:t>	</a:t>
-            </a:r>
-            <a:r>
-              <a:rPr lang="en-US" altLang="zh-CN" dirty="0" smtClean="0"/>
-              <a:t>	//</a:t>
+              <a:t>		//</a:t>
             </a:r>
             <a:r>
               <a:rPr lang="zh-CN" altLang="en-US" dirty="0" smtClean="0"/>
@@ -6084,11 +6012,7 @@
           <a:p>
             <a:r>
               <a:rPr lang="en-US" altLang="zh-CN" dirty="0" smtClean="0"/>
-              <a:t> </a:t>
-            </a:r>
-            <a:r>
-              <a:rPr lang="en-US" altLang="zh-CN" dirty="0" smtClean="0"/>
-              <a:t>local layer1 = </a:t>
+              <a:t> local layer1 = </a:t>
             </a:r>
             <a:r>
               <a:rPr lang="en-US" altLang="zh-CN" dirty="0" err="1" smtClean="0"/>
@@ -6098,14 +6022,12 @@
               <a:rPr lang="en-US" altLang="zh-CN" dirty="0" smtClean="0"/>
               <a:t>(cc.c4b(255, 0, 0, 255), 85, 121);        </a:t>
             </a:r>
-            <a:endParaRPr lang="en-US" altLang="zh-CN" dirty="0" smtClean="0"/>
           </a:p>
           <a:p>
             <a:r>
               <a:rPr lang="en-US" altLang="zh-CN" dirty="0" smtClean="0"/>
               <a:t>layer1:setPosition(0,0);</a:t>
             </a:r>
-            <a:endParaRPr lang="en-US" altLang="zh-CN" dirty="0" smtClean="0"/>
           </a:p>
           <a:p>
             <a:r>
@@ -6116,11 +6038,7 @@
           <a:p>
             <a:r>
               <a:rPr lang="en-US" altLang="zh-CN" dirty="0" err="1" smtClean="0"/>
-              <a:t>u</a:t>
-            </a:r>
-            <a:r>
-              <a:rPr lang="en-US" altLang="zh-CN" dirty="0" err="1" smtClean="0"/>
-              <a:t>serdata</a:t>
+              <a:t>userdata</a:t>
             </a:r>
             <a:r>
               <a:rPr lang="en-US" altLang="zh-CN" dirty="0" smtClean="0"/>
@@ -6134,7 +6052,6 @@
               <a:rPr lang="en-US" altLang="zh-CN" dirty="0" smtClean="0"/>
               <a:t>- class</a:t>
             </a:r>
-            <a:endParaRPr lang="en-US" altLang="zh-CN" dirty="0" smtClean="0"/>
           </a:p>
           <a:p>
             <a:r>
@@ -6206,11 +6123,7 @@
           <a:p>
             <a:r>
               <a:rPr lang="en-US" altLang="zh-CN" dirty="0" err="1" smtClean="0"/>
-              <a:t>u</a:t>
-            </a:r>
-            <a:r>
-              <a:rPr lang="en-US" altLang="zh-CN" dirty="0" err="1" smtClean="0"/>
-              <a:t>serdata</a:t>
+              <a:t>userdata</a:t>
             </a:r>
             <a:r>
               <a:rPr lang="zh-CN" altLang="en-US" dirty="0" smtClean="0"/>
@@ -6274,11 +6187,7 @@
             </a:pPr>
             <a:r>
               <a:rPr lang="en-US" altLang="zh-CN" dirty="0" smtClean="0"/>
-              <a:t>	</a:t>
-            </a:r>
-            <a:r>
-              <a:rPr lang="en-US" altLang="zh-CN" dirty="0" smtClean="0"/>
-              <a:t>	//</a:t>
+              <a:t>		//</a:t>
             </a:r>
             <a:r>
               <a:rPr lang="zh-CN" altLang="en-US" dirty="0" smtClean="0"/>
@@ -6296,11 +6205,7 @@
             </a:pPr>
             <a:r>
               <a:rPr lang="en-US" altLang="zh-CN" dirty="0" smtClean="0"/>
-              <a:t>	</a:t>
-            </a:r>
-            <a:r>
-              <a:rPr lang="en-US" altLang="zh-CN" dirty="0" smtClean="0"/>
-              <a:t>	//</a:t>
+              <a:t>		//</a:t>
             </a:r>
             <a:r>
               <a:rPr lang="zh-CN" altLang="en-US" dirty="0" smtClean="0"/>
@@ -6333,11 +6238,7 @@
             </a:pPr>
             <a:r>
               <a:rPr lang="en-US" altLang="zh-CN" dirty="0" smtClean="0"/>
-              <a:t>	</a:t>
-            </a:r>
-            <a:r>
-              <a:rPr lang="en-US" altLang="zh-CN" dirty="0" smtClean="0"/>
-              <a:t>	//</a:t>
+              <a:t>		//</a:t>
             </a:r>
             <a:r>
               <a:rPr lang="zh-CN" altLang="en-US" dirty="0" smtClean="0"/>
@@ -6367,15 +6268,7 @@
             </a:pPr>
             <a:r>
               <a:rPr lang="en-US" altLang="zh-CN" dirty="0" smtClean="0"/>
-              <a:t>	</a:t>
-            </a:r>
-            <a:r>
-              <a:rPr lang="en-US" altLang="zh-CN" dirty="0" smtClean="0"/>
-              <a:t>	 </a:t>
-            </a:r>
-            <a:r>
-              <a:rPr lang="en-US" altLang="zh-CN" dirty="0" smtClean="0"/>
-              <a:t>//p-&gt;</a:t>
+              <a:t>		 //p-&gt;</a:t>
             </a:r>
             <a:r>
               <a:rPr lang="en-US" altLang="zh-CN" dirty="0" err="1" smtClean="0"/>
@@ -6393,16 +6286,11 @@
               <a:rPr lang="en-US" altLang="zh-CN" dirty="0" smtClean="0"/>
               <a:t>);</a:t>
             </a:r>
-            <a:endParaRPr lang="en-US" altLang="zh-CN" dirty="0" smtClean="0"/>
-          </a:p>
-          <a:p>
-            <a:r>
-              <a:rPr lang="en-US" altLang="zh-CN" dirty="0" smtClean="0"/>
-              <a:t>}</a:t>
-            </a:r>
-            <a:r>
-              <a:rPr lang="en-US" altLang="zh-CN" dirty="0" smtClean="0"/>
-              <a:t> </a:t>
+          </a:p>
+          <a:p>
+            <a:r>
+              <a:rPr lang="en-US" altLang="zh-CN" dirty="0" smtClean="0"/>
+              <a:t>} </a:t>
             </a:r>
             <a:endParaRPr lang="zh-CN" altLang="en-US" dirty="0"/>
           </a:p>
@@ -6657,11 +6545,7 @@
             </a:r>
             <a:r>
               <a:rPr lang="en-US" altLang="zh-CN" dirty="0" smtClean="0"/>
-              <a:t>(</a:t>
-            </a:r>
-            <a:r>
-              <a:rPr lang="en-US" altLang="zh-CN" dirty="0" smtClean="0"/>
-              <a:t>table</a:t>
+              <a:t>(table</a:t>
             </a:r>
             <a:r>
               <a:rPr lang="zh-CN" altLang="en-US" dirty="0" smtClean="0"/>
@@ -6755,11 +6639,7 @@
             </a:r>
             <a:r>
               <a:rPr lang="en-US" altLang="zh-CN" dirty="0" smtClean="0"/>
-              <a:t>(L</a:t>
-            </a:r>
-            <a:r>
-              <a:rPr lang="en-US" altLang="zh-CN" dirty="0" smtClean="0"/>
-              <a:t>,” </a:t>
+              <a:t>(L,” </a:t>
             </a:r>
             <a:r>
               <a:rPr lang="en-US" altLang="zh-CN" dirty="0" err="1" smtClean="0"/>
@@ -6769,16 +6649,11 @@
               <a:rPr lang="en-US" altLang="zh-CN" dirty="0" smtClean="0"/>
               <a:t>”);</a:t>
             </a:r>
-            <a:endParaRPr lang="en-US" altLang="zh-CN" dirty="0" smtClean="0"/>
-          </a:p>
-          <a:p>
-            <a:r>
-              <a:rPr lang="en-US" altLang="zh-CN" dirty="0" err="1" smtClean="0"/>
-              <a:t>i</a:t>
-            </a:r>
-            <a:r>
-              <a:rPr lang="en-US" altLang="zh-CN" dirty="0" err="1" smtClean="0"/>
-              <a:t>nt</a:t>
+          </a:p>
+          <a:p>
+            <a:r>
+              <a:rPr lang="en-US" altLang="zh-CN" dirty="0" err="1" smtClean="0"/>
+              <a:t>int</a:t>
             </a:r>
             <a:r>
               <a:rPr lang="en-US" altLang="zh-CN" dirty="0" smtClean="0"/>
@@ -6790,11 +6665,7 @@
             </a:r>
             <a:r>
               <a:rPr lang="en-US" altLang="zh-CN" dirty="0" smtClean="0"/>
-              <a:t>*L</a:t>
-            </a:r>
-            <a:r>
-              <a:rPr lang="en-US" altLang="zh-CN" dirty="0" smtClean="0"/>
-              <a:t>)</a:t>
+              <a:t>*L)</a:t>
             </a:r>
           </a:p>
           <a:p>
@@ -6813,15 +6684,7 @@
             </a:r>
             <a:r>
               <a:rPr lang="zh-CN" altLang="en-US" dirty="0" smtClean="0"/>
-              <a:t>取参数并且创建</a:t>
-            </a:r>
-            <a:r>
-              <a:rPr lang="zh-CN" altLang="en-US" dirty="0" smtClean="0"/>
-              <a:t>一</a:t>
-            </a:r>
-            <a:r>
-              <a:rPr lang="zh-CN" altLang="en-US" dirty="0" smtClean="0"/>
-              <a:t>个</a:t>
+              <a:t>取参数并且创建一个</a:t>
             </a:r>
             <a:r>
               <a:rPr lang="en-US" altLang="zh-CN" dirty="0" smtClean="0"/>
@@ -6839,11 +6702,7 @@
             </a:pPr>
             <a:r>
               <a:rPr lang="en-US" altLang="zh-CN" dirty="0" smtClean="0"/>
-              <a:t>	</a:t>
-            </a:r>
-            <a:r>
-              <a:rPr lang="en-US" altLang="zh-CN" dirty="0" smtClean="0"/>
-              <a:t>	//</a:t>
+              <a:t>		//</a:t>
             </a:r>
             <a:r>
               <a:rPr lang="zh-CN" altLang="en-US" dirty="0" smtClean="0"/>
@@ -6877,11 +6736,7 @@
             </a:pPr>
             <a:r>
               <a:rPr lang="en-US" altLang="zh-CN" dirty="0" smtClean="0"/>
-              <a:t>	</a:t>
-            </a:r>
-            <a:r>
-              <a:rPr lang="en-US" altLang="zh-CN" dirty="0" smtClean="0"/>
-              <a:t>	//</a:t>
+              <a:t>		//</a:t>
             </a:r>
             <a:r>
               <a:rPr lang="zh-CN" altLang="en-US" dirty="0" smtClean="0"/>
@@ -6988,11 +6843,7 @@
           <a:p>
             <a:r>
               <a:rPr lang="en-US" altLang="zh-CN" dirty="0" smtClean="0"/>
-              <a:t> </a:t>
-            </a:r>
-            <a:r>
-              <a:rPr lang="en-US" altLang="zh-CN" dirty="0" smtClean="0"/>
-              <a:t>local layer1 = </a:t>
+              <a:t> local layer1 = </a:t>
             </a:r>
             <a:r>
               <a:rPr lang="en-US" altLang="zh-CN" dirty="0" err="1" smtClean="0"/>
@@ -7000,13 +6851,8 @@
             </a:r>
             <a:r>
               <a:rPr lang="en-US" altLang="zh-CN" dirty="0" smtClean="0"/>
-              <a:t>(cc.c4b(255</a:t>
-            </a:r>
-            <a:r>
-              <a:rPr lang="en-US" altLang="zh-CN" dirty="0" smtClean="0"/>
-              <a:t>, 0, 0, 255), 85, 121);        </a:t>
-            </a:r>
-            <a:endParaRPr lang="en-US" altLang="zh-CN" dirty="0" smtClean="0"/>
+              <a:t>(cc.c4b(255, 0, 0, 255), 85, 121);        </a:t>
+            </a:r>
           </a:p>
           <a:p>
             <a:pPr>
@@ -7024,7 +6870,6 @@
               <a:rPr lang="en-US" altLang="zh-CN" dirty="0" smtClean="0"/>
               <a:t>(Layer1,0,0);</a:t>
             </a:r>
-            <a:endParaRPr lang="en-US" altLang="zh-CN" dirty="0" smtClean="0"/>
           </a:p>
         </p:txBody>
       </p:sp>
@@ -7070,11 +6915,7 @@
           <a:p>
             <a:r>
               <a:rPr lang="en-US" altLang="zh-CN" dirty="0" smtClean="0"/>
-              <a:t>l</a:t>
-            </a:r>
-            <a:r>
-              <a:rPr lang="en-US" altLang="zh-CN" dirty="0" smtClean="0"/>
-              <a:t>ight </a:t>
+              <a:t>light </a:t>
             </a:r>
             <a:r>
               <a:rPr lang="en-US" altLang="zh-CN" dirty="0" err="1" smtClean="0"/>
@@ -7136,11 +6977,7 @@
             </a:pPr>
             <a:r>
               <a:rPr lang="en-US" altLang="zh-CN" dirty="0" smtClean="0"/>
-              <a:t>	</a:t>
-            </a:r>
-            <a:r>
-              <a:rPr lang="en-US" altLang="zh-CN" dirty="0" smtClean="0"/>
-              <a:t>	//</a:t>
+              <a:t>		//</a:t>
             </a:r>
             <a:r>
               <a:rPr lang="zh-CN" altLang="en-US" dirty="0" smtClean="0"/>
@@ -7177,11 +7014,7 @@
             </a:pPr>
             <a:r>
               <a:rPr lang="en-US" altLang="zh-CN" dirty="0" smtClean="0"/>
-              <a:t>	</a:t>
-            </a:r>
-            <a:r>
-              <a:rPr lang="en-US" altLang="zh-CN" dirty="0" smtClean="0"/>
-              <a:t>	//</a:t>
+              <a:t>		//</a:t>
             </a:r>
             <a:r>
               <a:rPr lang="en-US" altLang="zh-CN" dirty="0" err="1" smtClean="0"/>
@@ -7215,11 +7048,7 @@
             </a:pPr>
             <a:r>
               <a:rPr lang="en-US" altLang="zh-CN" dirty="0" smtClean="0"/>
-              <a:t>	</a:t>
-            </a:r>
-            <a:r>
-              <a:rPr lang="en-US" altLang="zh-CN" dirty="0" smtClean="0"/>
-              <a:t>	//</a:t>
+              <a:t>		//</a:t>
             </a:r>
             <a:r>
               <a:rPr lang="zh-CN" altLang="en-US" dirty="0" smtClean="0"/>
@@ -7233,11 +7062,7 @@
             </a:pPr>
             <a:r>
               <a:rPr lang="en-US" altLang="zh-CN" dirty="0" smtClean="0"/>
-              <a:t>	</a:t>
-            </a:r>
-            <a:r>
-              <a:rPr lang="en-US" altLang="zh-CN" dirty="0" smtClean="0"/>
-              <a:t>	//</a:t>
+              <a:t>		//</a:t>
             </a:r>
             <a:r>
               <a:rPr lang="zh-CN" altLang="en-US" dirty="0" smtClean="0"/>
@@ -7248,11 +7073,7 @@
           <a:p>
             <a:r>
               <a:rPr lang="en-US" altLang="zh-CN" dirty="0" smtClean="0"/>
-              <a:t>}</a:t>
-            </a:r>
-            <a:r>
-              <a:rPr lang="en-US" altLang="zh-CN" dirty="0" smtClean="0"/>
-              <a:t> </a:t>
+              <a:t>} </a:t>
             </a:r>
             <a:endParaRPr lang="zh-CN" altLang="en-US" dirty="0"/>
           </a:p>
@@ -7300,11 +7121,7 @@
           <a:p>
             <a:r>
               <a:rPr lang="en-US" altLang="zh-CN" dirty="0" err="1" smtClean="0"/>
-              <a:t>u</a:t>
-            </a:r>
-            <a:r>
-              <a:rPr lang="en-US" altLang="zh-CN" dirty="0" err="1" smtClean="0"/>
-              <a:t>serdata</a:t>
+              <a:t>userdata</a:t>
             </a:r>
             <a:r>
               <a:rPr lang="zh-CN" altLang="en-US" dirty="0" smtClean="0"/>
@@ -7342,11 +7159,7 @@
             </a:r>
             <a:r>
               <a:rPr lang="en-US" altLang="zh-CN" dirty="0" smtClean="0"/>
-              <a:t>C++ </a:t>
-            </a:r>
-            <a:r>
-              <a:rPr lang="en-US" altLang="zh-CN" dirty="0" smtClean="0"/>
-              <a:t>class</a:t>
+              <a:t>C++ class</a:t>
             </a:r>
             <a:r>
               <a:rPr lang="zh-CN" altLang="en-US" dirty="0" smtClean="0"/>
@@ -7357,11 +7170,7 @@
           <a:p>
             <a:r>
               <a:rPr lang="zh-CN" altLang="en-US" dirty="0" smtClean="0"/>
-              <a:t>后者跟特定系统绑定，人工</a:t>
-            </a:r>
-            <a:r>
-              <a:rPr lang="zh-CN" altLang="en-US" dirty="0" smtClean="0"/>
-              <a:t>痕迹较重</a:t>
+              <a:t>后者跟特定系统绑定，人工痕迹较重</a:t>
             </a:r>
             <a:endParaRPr lang="en-US" altLang="zh-CN" dirty="0" smtClean="0"/>
           </a:p>
@@ -7476,11 +7285,7 @@
             </a:r>
             <a:r>
               <a:rPr lang="en-US" altLang="zh-CN" dirty="0" smtClean="0"/>
-              <a:t>(L, LUA_REGISTRYINDEX</a:t>
-            </a:r>
-            <a:r>
-              <a:rPr lang="en-US" altLang="zh-CN" dirty="0" smtClean="0"/>
-              <a:t>);</a:t>
+              <a:t>(L, LUA_REGISTRYINDEX);</a:t>
             </a:r>
           </a:p>
           <a:p>
@@ -7581,11 +7386,7 @@
           <a:p>
             <a:r>
               <a:rPr lang="en-US" altLang="zh-CN" dirty="0" err="1" smtClean="0"/>
-              <a:t>t</a:t>
-            </a:r>
-            <a:r>
-              <a:rPr lang="en-US" altLang="zh-CN" dirty="0" err="1" smtClean="0"/>
-              <a:t>olua</a:t>
+              <a:t>tolua</a:t>
             </a:r>
             <a:r>
               <a:rPr lang="zh-CN" altLang="en-US" dirty="0" smtClean="0"/>
@@ -7880,11 +7681,7 @@
             </a:r>
             <a:r>
               <a:rPr lang="en-US" altLang="zh-CN" dirty="0" smtClean="0"/>
-              <a:t> = A:create();L</a:t>
-            </a:r>
-            <a:r>
-              <a:rPr lang="en-US" altLang="zh-CN" dirty="0" smtClean="0"/>
-              <a:t>ocal ob = B:create();</a:t>
+              <a:t> = A:create();Local ob = B:create();</a:t>
             </a:r>
           </a:p>
           <a:p>
@@ -7893,11 +7690,7 @@
             </a:pPr>
             <a:r>
               <a:rPr lang="en-US" altLang="zh-CN" dirty="0" smtClean="0"/>
-              <a:t>	</a:t>
-            </a:r>
-            <a:r>
-              <a:rPr lang="en-US" altLang="zh-CN" dirty="0" smtClean="0"/>
-              <a:t>local </a:t>
+              <a:t>	local </a:t>
             </a:r>
             <a:r>
               <a:rPr lang="en-US" altLang="zh-CN" dirty="0" err="1" smtClean="0"/>
@@ -8033,11 +7826,7 @@
           <a:p>
             <a:r>
               <a:rPr lang="en-US" altLang="zh-CN" dirty="0" err="1" smtClean="0"/>
-              <a:t>u</a:t>
-            </a:r>
-            <a:r>
-              <a:rPr lang="en-US" altLang="zh-CN" dirty="0" err="1" smtClean="0"/>
-              <a:t>serdata</a:t>
+              <a:t>userdata</a:t>
             </a:r>
             <a:r>
               <a:rPr lang="zh-CN" altLang="en-US" dirty="0" smtClean="0"/>
@@ -8101,11 +7890,7 @@
             </a:pPr>
             <a:r>
               <a:rPr lang="en-US" altLang="zh-CN" dirty="0" smtClean="0"/>
-              <a:t>	</a:t>
-            </a:r>
-            <a:r>
-              <a:rPr lang="en-US" altLang="zh-CN" dirty="0" smtClean="0"/>
-              <a:t>	//</a:t>
+              <a:t>		//</a:t>
             </a:r>
             <a:r>
               <a:rPr lang="zh-CN" altLang="en-US" dirty="0" smtClean="0"/>
@@ -8123,11 +7908,7 @@
             </a:pPr>
             <a:r>
               <a:rPr lang="en-US" altLang="zh-CN" dirty="0" smtClean="0"/>
-              <a:t>	</a:t>
-            </a:r>
-            <a:r>
-              <a:rPr lang="en-US" altLang="zh-CN" dirty="0" smtClean="0"/>
-              <a:t>	//</a:t>
+              <a:t>		//</a:t>
             </a:r>
             <a:r>
               <a:rPr lang="zh-CN" altLang="en-US" dirty="0" smtClean="0"/>
@@ -8160,11 +7941,7 @@
             </a:pPr>
             <a:r>
               <a:rPr lang="en-US" altLang="zh-CN" dirty="0" smtClean="0"/>
-              <a:t>	</a:t>
-            </a:r>
-            <a:r>
-              <a:rPr lang="en-US" altLang="zh-CN" dirty="0" smtClean="0"/>
-              <a:t>	//</a:t>
+              <a:t>		//</a:t>
             </a:r>
             <a:r>
               <a:rPr lang="zh-CN" altLang="en-US" dirty="0" smtClean="0"/>
@@ -8194,11 +7971,7 @@
             </a:pPr>
             <a:r>
               <a:rPr lang="en-US" altLang="zh-CN" dirty="0" smtClean="0"/>
-              <a:t>	</a:t>
-            </a:r>
-            <a:r>
-              <a:rPr lang="en-US" altLang="zh-CN" dirty="0" smtClean="0"/>
-              <a:t>	//(A*)p-&gt;</a:t>
+              <a:t>		//(A*)p-&gt;</a:t>
             </a:r>
             <a:r>
               <a:rPr lang="en-US" altLang="zh-CN" dirty="0" err="1" smtClean="0"/>
@@ -8220,11 +7993,7 @@
           <a:p>
             <a:r>
               <a:rPr lang="en-US" altLang="zh-CN" dirty="0" smtClean="0"/>
-              <a:t>}</a:t>
-            </a:r>
-            <a:r>
-              <a:rPr lang="en-US" altLang="zh-CN" dirty="0" smtClean="0"/>
-              <a:t> </a:t>
+              <a:t>} </a:t>
             </a:r>
             <a:endParaRPr lang="zh-CN" altLang="en-US" dirty="0"/>
           </a:p>
@@ -8379,11 +8148,7 @@
             </a:r>
             <a:r>
               <a:rPr lang="en-US" altLang="zh-CN" dirty="0" err="1" smtClean="0"/>
-              <a:t>user</a:t>
-            </a:r>
-            <a:r>
-              <a:rPr lang="en-US" altLang="zh-CN" dirty="0" err="1" smtClean="0"/>
-              <a:t>data</a:t>
+              <a:t>userdata</a:t>
             </a:r>
             <a:r>
               <a:rPr lang="zh-CN" altLang="en-US" dirty="0" smtClean="0"/>
@@ -8528,11 +8293,7 @@
           <a:p>
             <a:r>
               <a:rPr lang="en-US" altLang="zh-CN" dirty="0" smtClean="0"/>
-              <a:t>t</a:t>
-            </a:r>
-            <a:r>
-              <a:rPr lang="en-US" altLang="zh-CN" dirty="0" smtClean="0"/>
-              <a:t>able</a:t>
+              <a:t>table</a:t>
             </a:r>
             <a:r>
               <a:rPr lang="zh-CN" altLang="en-US" dirty="0" smtClean="0"/>
@@ -8822,15 +8583,7 @@
             </a:pPr>
             <a:r>
               <a:rPr lang="en-US" altLang="zh-CN" dirty="0" smtClean="0"/>
-              <a:t>     </a:t>
-            </a:r>
-            <a:r>
-              <a:rPr lang="en-US" altLang="zh-CN" dirty="0" smtClean="0"/>
-              <a:t>local </a:t>
-            </a:r>
-            <a:r>
-              <a:rPr lang="en-US" altLang="zh-CN" dirty="0" smtClean="0"/>
-              <a:t>layer1 = </a:t>
+              <a:t>     local layer1 = </a:t>
             </a:r>
             <a:r>
               <a:rPr lang="en-US" altLang="zh-CN" dirty="0" err="1" smtClean="0"/>
@@ -8838,15 +8591,7 @@
             </a:r>
             <a:r>
               <a:rPr lang="en-US" altLang="zh-CN" dirty="0" smtClean="0"/>
-              <a:t>(cc.c4b(255, </a:t>
-            </a:r>
-            <a:r>
-              <a:rPr lang="en-US" altLang="zh-CN" dirty="0" smtClean="0"/>
-              <a:t>			  0</a:t>
-            </a:r>
-            <a:r>
-              <a:rPr lang="en-US" altLang="zh-CN" dirty="0" smtClean="0"/>
-              <a:t>, 0, 255), 85, 121);        </a:t>
+              <a:t>(cc.c4b(255, 			  0, 0, 255), 85, 121);        </a:t>
             </a:r>
           </a:p>
           <a:p>
@@ -8855,15 +8600,7 @@
             </a:pPr>
             <a:r>
               <a:rPr lang="en-US" altLang="zh-CN" dirty="0" smtClean="0"/>
-              <a:t>        </a:t>
-            </a:r>
-            <a:r>
-              <a:rPr lang="en-US" altLang="zh-CN" dirty="0" smtClean="0"/>
-              <a:t> local </a:t>
-            </a:r>
-            <a:r>
-              <a:rPr lang="en-US" altLang="zh-CN" dirty="0" smtClean="0"/>
-              <a:t>function </a:t>
+              <a:t>         local function </a:t>
             </a:r>
             <a:r>
               <a:rPr lang="en-US" altLang="zh-CN" dirty="0" err="1" smtClean="0"/>
@@ -8873,7 +8610,6 @@
               <a:rPr lang="en-US" altLang="zh-CN" dirty="0" smtClean="0"/>
               <a:t>()</a:t>
             </a:r>
-            <a:endParaRPr lang="en-US" altLang="zh-CN" dirty="0" smtClean="0"/>
           </a:p>
           <a:p>
             <a:pPr>
@@ -8881,11 +8617,7 @@
             </a:pPr>
             <a:r>
               <a:rPr lang="en-US" altLang="zh-CN" dirty="0" smtClean="0"/>
-              <a:t>           </a:t>
-            </a:r>
-            <a:r>
-              <a:rPr lang="en-US" altLang="zh-CN" dirty="0" smtClean="0"/>
-              <a:t>  </a:t>
+              <a:t>             </a:t>
             </a:r>
             <a:r>
               <a:rPr lang="en-US" altLang="zh-CN" dirty="0" err="1" smtClean="0"/>
@@ -8902,15 +8634,7 @@
             </a:pPr>
             <a:r>
               <a:rPr lang="en-US" altLang="zh-CN" dirty="0" smtClean="0"/>
-              <a:t>        </a:t>
-            </a:r>
-            <a:r>
-              <a:rPr lang="en-US" altLang="zh-CN" dirty="0" smtClean="0"/>
-              <a:t> end</a:t>
-            </a:r>
-            <a:r>
-              <a:rPr lang="en-US" altLang="zh-CN" dirty="0" smtClean="0"/>
-              <a:t>;</a:t>
+              <a:t>         end;</a:t>
             </a:r>
           </a:p>
           <a:p>
@@ -8937,7 +8661,6 @@
               <a:rPr lang="en-US" altLang="zh-CN" dirty="0" smtClean="0"/>
               <a:t>);</a:t>
             </a:r>
-            <a:endParaRPr lang="en-US" altLang="zh-CN" dirty="0" smtClean="0"/>
           </a:p>
           <a:p>
             <a:pPr>
@@ -9028,11 +8751,7 @@
           <a:p>
             <a:r>
               <a:rPr lang="en-US" altLang="zh-CN" dirty="0" err="1" smtClean="0"/>
-              <a:t>i</a:t>
-            </a:r>
-            <a:r>
-              <a:rPr lang="en-US" altLang="zh-CN" dirty="0" err="1" smtClean="0"/>
-              <a:t>nt</a:t>
+              <a:t>int</a:t>
             </a:r>
             <a:r>
               <a:rPr lang="en-US" altLang="zh-CN" dirty="0" smtClean="0"/>
@@ -9067,11 +8786,7 @@
             </a:pPr>
             <a:r>
               <a:rPr lang="en-US" altLang="zh-CN" dirty="0" smtClean="0"/>
-              <a:t>	</a:t>
-            </a:r>
-            <a:r>
-              <a:rPr lang="en-US" altLang="zh-CN" dirty="0" smtClean="0"/>
-              <a:t>	if(</a:t>
+              <a:t>		if(</a:t>
             </a:r>
             <a:r>
               <a:rPr lang="en-US" altLang="zh-CN" dirty="0" err="1" smtClean="0"/>
@@ -9088,11 +8803,7 @@
             </a:pPr>
             <a:r>
               <a:rPr lang="en-US" altLang="zh-CN" dirty="0" smtClean="0"/>
-              <a:t>	</a:t>
-            </a:r>
-            <a:r>
-              <a:rPr lang="en-US" altLang="zh-CN" dirty="0" smtClean="0"/>
-              <a:t>	</a:t>
+              <a:t>		</a:t>
             </a:r>
             <a:r>
               <a:rPr lang="en-US" altLang="zh-CN" dirty="0" err="1" smtClean="0"/>
@@ -9119,7 +8830,6 @@
               <a:rPr lang="en-US" altLang="zh-CN" dirty="0" smtClean="0"/>
               <a:t>	}</a:t>
             </a:r>
-            <a:endParaRPr lang="en-US" altLang="zh-CN" dirty="0" smtClean="0"/>
           </a:p>
         </p:txBody>
       </p:sp>
@@ -9164,20 +8874,8 @@
           <a:lstStyle/>
           <a:p>
             <a:r>
-              <a:rPr lang="en-US" altLang="zh-CN" dirty="0" smtClean="0"/>
-              <a:t>CE3</a:t>
-            </a:r>
-            <a:r>
-              <a:rPr lang="zh-CN" altLang="en-US" dirty="0" smtClean="0"/>
-              <a:t>的</a:t>
-            </a:r>
-            <a:r>
-              <a:rPr lang="en-US" altLang="zh-CN" dirty="0" smtClean="0"/>
-              <a:t>LUA</a:t>
-            </a:r>
-            <a:r>
-              <a:rPr lang="zh-CN" altLang="en-US" dirty="0" smtClean="0"/>
-              <a:t>使用</a:t>
+              <a:rPr lang="zh-CN" altLang="en-US" dirty="0" smtClean="0"/>
+              <a:t>小规模总结</a:t>
             </a:r>
             <a:endParaRPr lang="zh-CN" altLang="en-US" dirty="0"/>
           </a:p>
@@ -9198,7 +8896,38 @@
           <a:bodyPr/>
           <a:lstStyle/>
           <a:p>
-            <a:endParaRPr lang="zh-CN" altLang="en-US"/>
+            <a:r>
+              <a:rPr lang="en-US" altLang="zh-CN" dirty="0" err="1" smtClean="0"/>
+              <a:t>Metatable</a:t>
+            </a:r>
+            <a:r>
+              <a:rPr lang="en-US" altLang="zh-CN" dirty="0" smtClean="0"/>
+              <a:t>  </a:t>
+            </a:r>
+          </a:p>
+          <a:p>
+            <a:r>
+              <a:rPr lang="en-US" altLang="zh-CN" dirty="0" err="1" smtClean="0"/>
+              <a:t>Userdata</a:t>
+            </a:r>
+            <a:endParaRPr lang="en-US" altLang="zh-CN" dirty="0" smtClean="0"/>
+          </a:p>
+          <a:p>
+            <a:r>
+              <a:rPr lang="zh-CN" altLang="en-US" dirty="0" smtClean="0"/>
+              <a:t>注册表</a:t>
+            </a:r>
+            <a:endParaRPr lang="en-US" altLang="zh-CN" dirty="0" smtClean="0"/>
+          </a:p>
+          <a:p>
+            <a:r>
+              <a:rPr lang="en-US" altLang="zh-CN" dirty="0" smtClean="0"/>
+              <a:t>reference</a:t>
+            </a:r>
+            <a:endParaRPr lang="en-US" altLang="zh-CN" dirty="0" smtClean="0"/>
+          </a:p>
+          <a:p>
+            <a:endParaRPr lang="zh-CN" altLang="en-US" dirty="0"/>
           </a:p>
         </p:txBody>
       </p:sp>
@@ -9211,6 +8940,85 @@
 </file>
 
 <file path=ppt/slides/slide43.xml><?xml version="1.0" encoding="utf-8"?>
+<p:sld xmlns:a="http://schemas.openxmlformats.org/drawingml/2006/main" xmlns:r="http://schemas.openxmlformats.org/officeDocument/2006/relationships" xmlns:p="http://schemas.openxmlformats.org/presentationml/2006/main">
+  <p:cSld>
+    <p:spTree>
+      <p:nvGrpSpPr>
+        <p:cNvPr id="1" name=""/>
+        <p:cNvGrpSpPr/>
+        <p:nvPr/>
+      </p:nvGrpSpPr>
+      <p:grpSpPr>
+        <a:xfrm>
+          <a:off x="0" y="0"/>
+          <a:ext cx="0" cy="0"/>
+          <a:chOff x="0" y="0"/>
+          <a:chExt cx="0" cy="0"/>
+        </a:xfrm>
+      </p:grpSpPr>
+      <p:sp>
+        <p:nvSpPr>
+          <p:cNvPr id="2" name="标题 1"/>
+          <p:cNvSpPr>
+            <a:spLocks noGrp="1"/>
+          </p:cNvSpPr>
+          <p:nvPr>
+            <p:ph type="title"/>
+          </p:nvPr>
+        </p:nvSpPr>
+        <p:spPr/>
+        <p:txBody>
+          <a:bodyPr/>
+          <a:lstStyle/>
+          <a:p>
+            <a:r>
+              <a:rPr lang="en-US" altLang="zh-CN" dirty="0" smtClean="0"/>
+              <a:t>CE3</a:t>
+            </a:r>
+            <a:r>
+              <a:rPr lang="zh-CN" altLang="en-US" dirty="0" smtClean="0"/>
+              <a:t>的</a:t>
+            </a:r>
+            <a:r>
+              <a:rPr lang="en-US" altLang="zh-CN" dirty="0" smtClean="0"/>
+              <a:t>LUA</a:t>
+            </a:r>
+            <a:r>
+              <a:rPr lang="zh-CN" altLang="en-US" dirty="0" smtClean="0"/>
+              <a:t>使用</a:t>
+            </a:r>
+            <a:endParaRPr lang="zh-CN" altLang="en-US" dirty="0"/>
+          </a:p>
+        </p:txBody>
+      </p:sp>
+      <p:sp>
+        <p:nvSpPr>
+          <p:cNvPr id="3" name="内容占位符 2"/>
+          <p:cNvSpPr>
+            <a:spLocks noGrp="1"/>
+          </p:cNvSpPr>
+          <p:nvPr>
+            <p:ph idx="1"/>
+          </p:nvPr>
+        </p:nvSpPr>
+        <p:spPr/>
+        <p:txBody>
+          <a:bodyPr/>
+          <a:lstStyle/>
+          <a:p>
+            <a:endParaRPr lang="zh-CN" altLang="en-US" dirty="0"/>
+          </a:p>
+        </p:txBody>
+      </p:sp>
+    </p:spTree>
+  </p:cSld>
+  <p:clrMapOvr>
+    <a:masterClrMapping/>
+  </p:clrMapOvr>
+</p:sld>
+</file>
+
+<file path=ppt/slides/slide44.xml><?xml version="1.0" encoding="utf-8"?>
 <p:sld xmlns:a="http://schemas.openxmlformats.org/drawingml/2006/main" xmlns:r="http://schemas.openxmlformats.org/officeDocument/2006/relationships" xmlns:p="http://schemas.openxmlformats.org/presentationml/2006/main">
   <p:cSld>
     <p:spTree>
@@ -9301,157 +9109,6 @@
 </p:sld>
 </file>
 
-<file path=ppt/slides/slide44.xml><?xml version="1.0" encoding="utf-8"?>
-<p:sld xmlns:a="http://schemas.openxmlformats.org/drawingml/2006/main" xmlns:r="http://schemas.openxmlformats.org/officeDocument/2006/relationships" xmlns:p="http://schemas.openxmlformats.org/presentationml/2006/main">
-  <p:cSld>
-    <p:spTree>
-      <p:nvGrpSpPr>
-        <p:cNvPr id="1" name=""/>
-        <p:cNvGrpSpPr/>
-        <p:nvPr/>
-      </p:nvGrpSpPr>
-      <p:grpSpPr>
-        <a:xfrm>
-          <a:off x="0" y="0"/>
-          <a:ext cx="0" cy="0"/>
-          <a:chOff x="0" y="0"/>
-          <a:chExt cx="0" cy="0"/>
-        </a:xfrm>
-      </p:grpSpPr>
-      <p:sp>
-        <p:nvSpPr>
-          <p:cNvPr id="2" name="标题 1"/>
-          <p:cNvSpPr>
-            <a:spLocks noGrp="1"/>
-          </p:cNvSpPr>
-          <p:nvPr>
-            <p:ph type="title"/>
-          </p:nvPr>
-        </p:nvSpPr>
-        <p:spPr/>
-        <p:txBody>
-          <a:bodyPr/>
-          <a:lstStyle/>
-          <a:p>
-            <a:r>
-              <a:rPr lang="en-US" altLang="zh-CN" dirty="0" smtClean="0"/>
-              <a:t>CryEngine3</a:t>
-            </a:r>
-            <a:r>
-              <a:rPr lang="zh-CN" altLang="en-US" dirty="0" smtClean="0"/>
-              <a:t>的</a:t>
-            </a:r>
-            <a:r>
-              <a:rPr lang="en-US" altLang="zh-CN" dirty="0" smtClean="0"/>
-              <a:t>LUA</a:t>
-            </a:r>
-            <a:endParaRPr lang="zh-CN" altLang="en-US" dirty="0"/>
-          </a:p>
-        </p:txBody>
-      </p:sp>
-      <p:sp>
-        <p:nvSpPr>
-          <p:cNvPr id="3" name="内容占位符 2"/>
-          <p:cNvSpPr>
-            <a:spLocks noGrp="1"/>
-          </p:cNvSpPr>
-          <p:nvPr>
-            <p:ph idx="1"/>
-          </p:nvPr>
-        </p:nvSpPr>
-        <p:spPr/>
-        <p:txBody>
-          <a:bodyPr/>
-          <a:lstStyle/>
-          <a:p>
-            <a:r>
-              <a:rPr lang="en-US" altLang="zh-CN" dirty="0" smtClean="0"/>
-              <a:t>cry</a:t>
-            </a:r>
-            <a:r>
-              <a:rPr lang="zh-CN" altLang="en-US" dirty="0" smtClean="0"/>
-              <a:t>中</a:t>
-            </a:r>
-            <a:r>
-              <a:rPr lang="en-US" altLang="zh-CN" dirty="0" err="1" smtClean="0"/>
-              <a:t>lua</a:t>
-            </a:r>
-            <a:r>
-              <a:rPr lang="zh-CN" altLang="en-US" dirty="0" smtClean="0"/>
-              <a:t>的基本功能</a:t>
-            </a:r>
-            <a:endParaRPr lang="en-US" altLang="zh-CN" dirty="0" smtClean="0"/>
-          </a:p>
-          <a:p>
-            <a:r>
-              <a:rPr lang="zh-CN" altLang="en-US" dirty="0" smtClean="0"/>
-              <a:t>类型定义</a:t>
-            </a:r>
-            <a:endParaRPr lang="en-US" altLang="zh-CN" dirty="0" smtClean="0"/>
-          </a:p>
-          <a:p>
-            <a:r>
-              <a:rPr lang="zh-CN" altLang="en-US" dirty="0" smtClean="0"/>
-              <a:t>属性方法定义</a:t>
-            </a:r>
-            <a:endParaRPr lang="en-US" altLang="zh-CN" dirty="0" smtClean="0"/>
-          </a:p>
-          <a:p>
-            <a:r>
-              <a:rPr lang="en-US" altLang="zh-CN" dirty="0" smtClean="0"/>
-              <a:t>C++</a:t>
-            </a:r>
-            <a:r>
-              <a:rPr lang="zh-CN" altLang="en-US" dirty="0" smtClean="0"/>
-              <a:t>组件的组合者</a:t>
-            </a:r>
-          </a:p>
-          <a:p>
-            <a:r>
-              <a:rPr lang="zh-CN" altLang="en-US" dirty="0" smtClean="0"/>
-              <a:t>简单状态机</a:t>
-            </a:r>
-            <a:endParaRPr dirty="0"/>
-          </a:p>
-          <a:p>
-            <a:r>
-              <a:rPr lang="zh-CN" altLang="en-US" dirty="0" smtClean="0"/>
-              <a:t>事件</a:t>
-            </a:r>
-            <a:r>
-              <a:rPr lang="zh-CN" altLang="en-US" dirty="0" smtClean="0"/>
-              <a:t>响应(c++大量调用lua函数</a:t>
-            </a:r>
-            <a:r>
-              <a:rPr lang="zh-CN" altLang="en-US" dirty="0" smtClean="0"/>
-              <a:t>)</a:t>
-            </a:r>
-            <a:endParaRPr lang="en-US" altLang="zh-CN" dirty="0" smtClean="0"/>
-          </a:p>
-          <a:p>
-            <a:r>
-              <a:rPr lang="zh-CN" altLang="en-US" dirty="0" smtClean="0"/>
-              <a:t>作为数据使用，定义</a:t>
-            </a:r>
-            <a:r>
-              <a:rPr lang="en-US" altLang="zh-CN" dirty="0" err="1" smtClean="0"/>
-              <a:t>flowgraph</a:t>
-            </a:r>
-            <a:endParaRPr dirty="0"/>
-          </a:p>
-          <a:p>
-            <a:endParaRPr dirty="0"/>
-          </a:p>
-        </p:txBody>
-      </p:sp>
-    </p:spTree>
-  </p:cSld>
-  <p:clrMapOvr>
-    <a:masterClrMapping/>
-  </p:clrMapOvr>
-</p:sld>
-</file>
-
 <file path=ppt/slides/slide45.xml><?xml version="1.0" encoding="utf-8"?>
 <p:sld xmlns:a="http://schemas.openxmlformats.org/drawingml/2006/main" xmlns:r="http://schemas.openxmlformats.org/officeDocument/2006/relationships" xmlns:p="http://schemas.openxmlformats.org/presentationml/2006/main">
   <p:cSld>
@@ -9516,85 +9173,71 @@
           <a:lstStyle/>
           <a:p>
             <a:r>
-              <a:rPr lang="zh-CN" altLang="en-US" dirty="0" smtClean="0"/>
-              <a:t>工作流程，如何使用这个</a:t>
-            </a:r>
-            <a:r>
-              <a:rPr lang="en-US" altLang="zh-CN" dirty="0" smtClean="0"/>
-              <a:t>LUA</a:t>
-            </a:r>
-            <a:r>
-              <a:rPr lang="zh-CN" altLang="en-US" dirty="0" smtClean="0"/>
-              <a:t>文件？</a:t>
-            </a:r>
-            <a:endParaRPr lang="en-US" altLang="zh-CN" dirty="0" smtClean="0"/>
-          </a:p>
-          <a:p>
-            <a:r>
-              <a:rPr lang="en-US" altLang="zh-CN" dirty="0" smtClean="0"/>
-              <a:t>1.C++</a:t>
-            </a:r>
-            <a:r>
-              <a:rPr lang="zh-CN" altLang="en-US" dirty="0" smtClean="0"/>
-              <a:t>创建一个</a:t>
-            </a:r>
-            <a:r>
-              <a:rPr lang="en-US" altLang="zh-CN" dirty="0" smtClean="0"/>
-              <a:t>entity</a:t>
-            </a:r>
-            <a:r>
-              <a:rPr lang="zh-CN" altLang="en-US" dirty="0" smtClean="0"/>
-              <a:t>对象，初始化脚本模块</a:t>
-            </a:r>
-            <a:endParaRPr lang="en-US" altLang="zh-CN" dirty="0" smtClean="0"/>
-          </a:p>
-          <a:p>
-            <a:r>
-              <a:rPr lang="en-US" altLang="zh-CN" dirty="0" smtClean="0"/>
-              <a:t>2.Table</a:t>
-            </a:r>
-            <a:r>
-              <a:rPr lang="zh-CN" altLang="en-US" dirty="0" smtClean="0"/>
-              <a:t>的复制，存入</a:t>
-            </a:r>
-            <a:r>
-              <a:rPr lang="en-US" altLang="zh-CN" dirty="0" smtClean="0"/>
-              <a:t>id,</a:t>
-            </a:r>
-            <a:r>
-              <a:rPr lang="zh-CN" altLang="en-US" dirty="0" smtClean="0"/>
-              <a:t>形成对应关系</a:t>
-            </a:r>
-            <a:endParaRPr lang="en-US" altLang="zh-CN" dirty="0" smtClean="0"/>
-          </a:p>
-          <a:p>
-            <a:r>
-              <a:rPr lang="en-US" altLang="zh-CN" dirty="0" smtClean="0"/>
-              <a:t>3.lua</a:t>
-            </a:r>
-            <a:r>
-              <a:rPr lang="zh-CN" altLang="en-US" dirty="0" smtClean="0"/>
-              <a:t>回调的调用</a:t>
-            </a:r>
-            <a:endParaRPr lang="en-US" altLang="zh-CN" dirty="0" smtClean="0"/>
-          </a:p>
-          <a:p>
-            <a:r>
-              <a:rPr lang="en-US" altLang="zh-CN" dirty="0" smtClean="0"/>
-              <a:t>4.</a:t>
-            </a:r>
-            <a:r>
-              <a:rPr lang="zh-CN" altLang="en-US" dirty="0" smtClean="0"/>
-              <a:t>脚本逻辑初始化</a:t>
-            </a:r>
-            <a:r>
-              <a:rPr lang="en-US" altLang="zh-CN" dirty="0" smtClean="0"/>
-              <a:t>entity</a:t>
-            </a:r>
-            <a:endParaRPr lang="zh-CN" altLang="en-US" dirty="0" smtClean="0"/>
-          </a:p>
-          <a:p>
-            <a:endParaRPr lang="en-US" altLang="zh-CN" dirty="0" smtClean="0"/>
+              <a:rPr lang="en-US" altLang="zh-CN" dirty="0" smtClean="0"/>
+              <a:t>cry</a:t>
+            </a:r>
+            <a:r>
+              <a:rPr lang="zh-CN" altLang="en-US" dirty="0" smtClean="0"/>
+              <a:t>中</a:t>
+            </a:r>
+            <a:r>
+              <a:rPr lang="en-US" altLang="zh-CN" dirty="0" err="1" smtClean="0"/>
+              <a:t>lua</a:t>
+            </a:r>
+            <a:r>
+              <a:rPr lang="zh-CN" altLang="en-US" dirty="0" smtClean="0"/>
+              <a:t>的基本功能</a:t>
+            </a:r>
+            <a:endParaRPr lang="en-US" altLang="zh-CN" dirty="0" smtClean="0"/>
+          </a:p>
+          <a:p>
+            <a:r>
+              <a:rPr lang="zh-CN" altLang="en-US" dirty="0" smtClean="0"/>
+              <a:t>类型定义</a:t>
+            </a:r>
+            <a:endParaRPr lang="en-US" altLang="zh-CN" dirty="0" smtClean="0"/>
+          </a:p>
+          <a:p>
+            <a:r>
+              <a:rPr lang="zh-CN" altLang="en-US" dirty="0" smtClean="0"/>
+              <a:t>属性方法定义</a:t>
+            </a:r>
+            <a:endParaRPr lang="en-US" altLang="zh-CN" dirty="0" smtClean="0"/>
+          </a:p>
+          <a:p>
+            <a:r>
+              <a:rPr lang="en-US" altLang="zh-CN" dirty="0" smtClean="0"/>
+              <a:t>C++</a:t>
+            </a:r>
+            <a:r>
+              <a:rPr lang="zh-CN" altLang="en-US" dirty="0" smtClean="0"/>
+              <a:t>组件的组合者</a:t>
+            </a:r>
+          </a:p>
+          <a:p>
+            <a:r>
+              <a:rPr lang="zh-CN" altLang="en-US" dirty="0" smtClean="0"/>
+              <a:t>简单状态机</a:t>
+            </a:r>
+            <a:endParaRPr dirty="0"/>
+          </a:p>
+          <a:p>
+            <a:r>
+              <a:rPr lang="zh-CN" altLang="en-US" dirty="0" smtClean="0"/>
+              <a:t>事件响应(c++大量调用lua函数)</a:t>
+            </a:r>
+            <a:endParaRPr lang="en-US" altLang="zh-CN" dirty="0" smtClean="0"/>
+          </a:p>
+          <a:p>
+            <a:r>
+              <a:rPr lang="zh-CN" altLang="en-US" dirty="0" smtClean="0"/>
+              <a:t>作为数据使用，定义</a:t>
+            </a:r>
+            <a:r>
+              <a:rPr lang="en-US" altLang="zh-CN" dirty="0" err="1" smtClean="0"/>
+              <a:t>flowgraph</a:t>
+            </a:r>
+            <a:endParaRPr dirty="0"/>
           </a:p>
           <a:p>
             <a:endParaRPr dirty="0"/>
@@ -9673,36 +9316,82 @@
           <a:lstStyle/>
           <a:p>
             <a:r>
-              <a:rPr lang="en-US" altLang="zh-CN" dirty="0" smtClean="0"/>
-              <a:t>Table</a:t>
-            </a:r>
-            <a:r>
-              <a:rPr lang="zh-CN" altLang="en-US" dirty="0" smtClean="0"/>
-              <a:t>复制</a:t>
-            </a:r>
-            <a:endParaRPr lang="en-US" altLang="zh-CN" dirty="0" smtClean="0"/>
-          </a:p>
-          <a:p>
-            <a:r>
-              <a:rPr lang="zh-CN" altLang="en-US" dirty="0" smtClean="0"/>
-              <a:t>属性复制</a:t>
-            </a:r>
-            <a:endParaRPr lang="en-US" altLang="zh-CN" dirty="0" smtClean="0"/>
-          </a:p>
-          <a:p>
-            <a:r>
-              <a:rPr lang="zh-CN" altLang="en-US" dirty="0" smtClean="0"/>
-              <a:t>函数复制？</a:t>
-            </a:r>
-            <a:r>
-              <a:rPr lang="en-US" altLang="zh-CN" dirty="0" smtClean="0"/>
-              <a:t>No </a:t>
-            </a:r>
-            <a:r>
-              <a:rPr lang="zh-CN" altLang="en-US" dirty="0" smtClean="0"/>
-              <a:t>函数无法复制</a:t>
-            </a:r>
-            <a:endParaRPr lang="en-US" altLang="zh-CN" dirty="0" smtClean="0"/>
+              <a:rPr lang="zh-CN" altLang="en-US" dirty="0" smtClean="0"/>
+              <a:t>工作流程，如何使用这个</a:t>
+            </a:r>
+            <a:r>
+              <a:rPr lang="en-US" altLang="zh-CN" dirty="0" smtClean="0"/>
+              <a:t>LUA</a:t>
+            </a:r>
+            <a:r>
+              <a:rPr lang="zh-CN" altLang="en-US" dirty="0" smtClean="0"/>
+              <a:t>文件？</a:t>
+            </a:r>
+            <a:endParaRPr lang="en-US" altLang="zh-CN" dirty="0" smtClean="0"/>
+          </a:p>
+          <a:p>
+            <a:r>
+              <a:rPr lang="en-US" altLang="zh-CN" dirty="0" smtClean="0"/>
+              <a:t>1.C++</a:t>
+            </a:r>
+            <a:r>
+              <a:rPr lang="zh-CN" altLang="en-US" dirty="0" smtClean="0"/>
+              <a:t>创建一个</a:t>
+            </a:r>
+            <a:r>
+              <a:rPr lang="en-US" altLang="zh-CN" dirty="0" smtClean="0"/>
+              <a:t>entity</a:t>
+            </a:r>
+            <a:r>
+              <a:rPr lang="zh-CN" altLang="en-US" dirty="0" smtClean="0"/>
+              <a:t>对象，初始化脚本模块</a:t>
+            </a:r>
+            <a:endParaRPr lang="en-US" altLang="zh-CN" dirty="0" smtClean="0"/>
+          </a:p>
+          <a:p>
+            <a:r>
+              <a:rPr lang="en-US" altLang="zh-CN" dirty="0" smtClean="0"/>
+              <a:t>2.Table</a:t>
+            </a:r>
+            <a:r>
+              <a:rPr lang="zh-CN" altLang="en-US" dirty="0" smtClean="0"/>
+              <a:t>的复制，存入</a:t>
+            </a:r>
+            <a:r>
+              <a:rPr lang="en-US" altLang="zh-CN" dirty="0" smtClean="0"/>
+              <a:t>id,</a:t>
+            </a:r>
+            <a:r>
+              <a:rPr lang="zh-CN" altLang="en-US" dirty="0" smtClean="0"/>
+              <a:t>形成对应关系</a:t>
+            </a:r>
+            <a:endParaRPr lang="en-US" altLang="zh-CN" dirty="0" smtClean="0"/>
+          </a:p>
+          <a:p>
+            <a:r>
+              <a:rPr lang="en-US" altLang="zh-CN" dirty="0" smtClean="0"/>
+              <a:t>3.lua</a:t>
+            </a:r>
+            <a:r>
+              <a:rPr lang="zh-CN" altLang="en-US" dirty="0" smtClean="0"/>
+              <a:t>回调的调用</a:t>
+            </a:r>
+            <a:endParaRPr lang="en-US" altLang="zh-CN" dirty="0" smtClean="0"/>
+          </a:p>
+          <a:p>
+            <a:r>
+              <a:rPr lang="en-US" altLang="zh-CN" dirty="0" smtClean="0"/>
+              <a:t>4.</a:t>
+            </a:r>
+            <a:r>
+              <a:rPr lang="zh-CN" altLang="en-US" dirty="0" smtClean="0"/>
+              <a:t>脚本逻辑初始化</a:t>
+            </a:r>
+            <a:r>
+              <a:rPr lang="en-US" altLang="zh-CN" dirty="0" smtClean="0"/>
+              <a:t>entity</a:t>
+            </a:r>
+            <a:endParaRPr lang="zh-CN" altLang="en-US" dirty="0" smtClean="0"/>
           </a:p>
           <a:p>
             <a:endParaRPr lang="en-US" altLang="zh-CN" dirty="0" smtClean="0"/>
@@ -9753,6 +9442,117 @@
           <a:lstStyle/>
           <a:p>
             <a:r>
+              <a:rPr lang="en-US" altLang="zh-CN" dirty="0" smtClean="0"/>
+              <a:t>CryEngine3</a:t>
+            </a:r>
+            <a:r>
+              <a:rPr lang="zh-CN" altLang="en-US" dirty="0" smtClean="0"/>
+              <a:t>的</a:t>
+            </a:r>
+            <a:r>
+              <a:rPr lang="en-US" altLang="zh-CN" dirty="0" smtClean="0"/>
+              <a:t>LUA</a:t>
+            </a:r>
+            <a:endParaRPr lang="zh-CN" altLang="en-US" dirty="0"/>
+          </a:p>
+        </p:txBody>
+      </p:sp>
+      <p:sp>
+        <p:nvSpPr>
+          <p:cNvPr id="3" name="内容占位符 2"/>
+          <p:cNvSpPr>
+            <a:spLocks noGrp="1"/>
+          </p:cNvSpPr>
+          <p:nvPr>
+            <p:ph idx="1"/>
+          </p:nvPr>
+        </p:nvSpPr>
+        <p:spPr/>
+        <p:txBody>
+          <a:bodyPr/>
+          <a:lstStyle/>
+          <a:p>
+            <a:r>
+              <a:rPr lang="en-US" altLang="zh-CN" dirty="0" smtClean="0"/>
+              <a:t>Table</a:t>
+            </a:r>
+            <a:r>
+              <a:rPr lang="zh-CN" altLang="en-US" dirty="0" smtClean="0"/>
+              <a:t>复制</a:t>
+            </a:r>
+            <a:endParaRPr lang="en-US" altLang="zh-CN" dirty="0" smtClean="0"/>
+          </a:p>
+          <a:p>
+            <a:r>
+              <a:rPr lang="zh-CN" altLang="en-US" dirty="0" smtClean="0"/>
+              <a:t>属性复制</a:t>
+            </a:r>
+            <a:endParaRPr lang="en-US" altLang="zh-CN" dirty="0" smtClean="0"/>
+          </a:p>
+          <a:p>
+            <a:r>
+              <a:rPr lang="zh-CN" altLang="en-US" dirty="0" smtClean="0"/>
+              <a:t>函数复制？</a:t>
+            </a:r>
+            <a:r>
+              <a:rPr lang="en-US" altLang="zh-CN" dirty="0" smtClean="0"/>
+              <a:t>No </a:t>
+            </a:r>
+            <a:r>
+              <a:rPr lang="zh-CN" altLang="en-US" dirty="0" smtClean="0"/>
+              <a:t>函数无法复制</a:t>
+            </a:r>
+            <a:endParaRPr lang="en-US" altLang="zh-CN" dirty="0" smtClean="0"/>
+          </a:p>
+          <a:p>
+            <a:endParaRPr lang="en-US" altLang="zh-CN" dirty="0" smtClean="0"/>
+          </a:p>
+          <a:p>
+            <a:endParaRPr dirty="0"/>
+          </a:p>
+        </p:txBody>
+      </p:sp>
+    </p:spTree>
+  </p:cSld>
+  <p:clrMapOvr>
+    <a:masterClrMapping/>
+  </p:clrMapOvr>
+</p:sld>
+</file>
+
+<file path=ppt/slides/slide48.xml><?xml version="1.0" encoding="utf-8"?>
+<p:sld xmlns:a="http://schemas.openxmlformats.org/drawingml/2006/main" xmlns:r="http://schemas.openxmlformats.org/officeDocument/2006/relationships" xmlns:p="http://schemas.openxmlformats.org/presentationml/2006/main">
+  <p:cSld>
+    <p:spTree>
+      <p:nvGrpSpPr>
+        <p:cNvPr id="1" name=""/>
+        <p:cNvGrpSpPr/>
+        <p:nvPr/>
+      </p:nvGrpSpPr>
+      <p:grpSpPr>
+        <a:xfrm>
+          <a:off x="0" y="0"/>
+          <a:ext cx="0" cy="0"/>
+          <a:chOff x="0" y="0"/>
+          <a:chExt cx="0" cy="0"/>
+        </a:xfrm>
+      </p:grpSpPr>
+      <p:sp>
+        <p:nvSpPr>
+          <p:cNvPr id="2" name="标题 1"/>
+          <p:cNvSpPr>
+            <a:spLocks noGrp="1"/>
+          </p:cNvSpPr>
+          <p:nvPr>
+            <p:ph type="title"/>
+          </p:nvPr>
+        </p:nvSpPr>
+        <p:spPr/>
+        <p:txBody>
+          <a:bodyPr/>
+          <a:lstStyle/>
+          <a:p>
+            <a:r>
               <a:rPr lang="zh-CN" altLang="en-US" dirty="0" smtClean="0"/>
               <a:t>总结</a:t>
             </a:r>
@@ -10054,11 +9854,7 @@
           <a:p>
             <a:r>
               <a:rPr lang="zh-CN" altLang="en-US" dirty="0" smtClean="0"/>
-              <a:t>写</a:t>
-            </a:r>
-            <a:r>
-              <a:rPr lang="zh-CN" altLang="en-US" dirty="0" smtClean="0"/>
-              <a:t>在代码内，更新整个</a:t>
+              <a:t>写在代码内，更新整个</a:t>
             </a:r>
             <a:r>
               <a:rPr lang="en-US" altLang="zh-CN" dirty="0" smtClean="0"/>
@@ -10217,19 +10013,7 @@
           <a:p>
             <a:r>
               <a:rPr lang="zh-CN" altLang="en-US" dirty="0" smtClean="0"/>
-              <a:t>控件</a:t>
-            </a:r>
-            <a:r>
-              <a:rPr lang="zh-CN" altLang="en-US" dirty="0" smtClean="0"/>
-              <a:t>消息</a:t>
-            </a:r>
-            <a:r>
-              <a:rPr lang="zh-CN" altLang="en-US" dirty="0" smtClean="0"/>
-              <a:t>响应</a:t>
-            </a:r>
-            <a:r>
-              <a:rPr lang="zh-CN" altLang="en-US" dirty="0" smtClean="0"/>
-              <a:t>用</a:t>
+              <a:t>控件消息响应用</a:t>
             </a:r>
             <a:r>
               <a:rPr lang="en-US" altLang="zh-CN" dirty="0" smtClean="0"/>
